--- a/Презентация.pptx
+++ b/Презентация.pptx
@@ -6,6 +6,13 @@
   </p:sldMasterIdLst>
   <p:sldIdLst>
     <p:sldId id="256" r:id="rId2"/>
+    <p:sldId id="257" r:id="rId3"/>
+    <p:sldId id="258" r:id="rId4"/>
+    <p:sldId id="260" r:id="rId5"/>
+    <p:sldId id="261" r:id="rId6"/>
+    <p:sldId id="262" r:id="rId7"/>
+    <p:sldId id="263" r:id="rId8"/>
+    <p:sldId id="259" r:id="rId9"/>
   </p:sldIdLst>
   <p:sldSz cx="12192000" cy="6858000"/>
   <p:notesSz cx="6858000" cy="9144000"/>
@@ -104,6 +111,11 @@
       </a:defRPr>
     </a:lvl9pPr>
   </p:defaultTextStyle>
+  <p:extLst>
+    <p:ext uri="{EFAFB233-063F-42B5-8137-9DF3F51BA10A}">
+      <p15:sldGuideLst xmlns:p15="http://schemas.microsoft.com/office/powerpoint/2012/main"/>
+    </p:ext>
+  </p:extLst>
 </p:presentation>
 </file>
 
@@ -152,7 +164,6 @@
               <a:rPr lang="en-US"/>
               <a:t>Click to edit Master title style</a:t>
             </a:r>
-            <a:endParaRPr lang="en-US"/>
           </a:p>
         </p:txBody>
       </p:sp>
@@ -217,7 +228,6 @@
               <a:rPr lang="en-US"/>
               <a:t>Click to edit Master subtitle style</a:t>
             </a:r>
-            <a:endParaRPr lang="en-US"/>
           </a:p>
         </p:txBody>
       </p:sp>
@@ -335,7 +345,6 @@
               <a:rPr lang="en-US"/>
               <a:t>Click to edit Master title style</a:t>
             </a:r>
-            <a:endParaRPr lang="en-US"/>
           </a:p>
         </p:txBody>
       </p:sp>
@@ -387,7 +396,6 @@
               <a:rPr lang="en-US"/>
               <a:t>Fifth level</a:t>
             </a:r>
-            <a:endParaRPr lang="en-US"/>
           </a:p>
         </p:txBody>
       </p:sp>
@@ -510,7 +518,6 @@
               <a:rPr lang="en-US"/>
               <a:t>Click to edit Master title style</a:t>
             </a:r>
-            <a:endParaRPr lang="en-US"/>
           </a:p>
         </p:txBody>
       </p:sp>
@@ -567,7 +574,6 @@
               <a:rPr lang="en-US"/>
               <a:t>Fifth level</a:t>
             </a:r>
-            <a:endParaRPr lang="en-US"/>
           </a:p>
         </p:txBody>
       </p:sp>
@@ -685,7 +691,6 @@
               <a:rPr lang="en-US"/>
               <a:t>Click to edit Master title style</a:t>
             </a:r>
-            <a:endParaRPr lang="en-US"/>
           </a:p>
         </p:txBody>
       </p:sp>
@@ -737,7 +742,6 @@
               <a:rPr lang="en-US"/>
               <a:t>Fifth level</a:t>
             </a:r>
-            <a:endParaRPr lang="en-US"/>
           </a:p>
         </p:txBody>
       </p:sp>
@@ -864,7 +868,6 @@
               <a:rPr lang="en-US"/>
               <a:t>Click to edit Master title style</a:t>
             </a:r>
-            <a:endParaRPr lang="en-US"/>
           </a:p>
         </p:txBody>
       </p:sp>
@@ -1101,7 +1104,6 @@
               <a:rPr lang="en-US"/>
               <a:t>Click to edit Master title style</a:t>
             </a:r>
-            <a:endParaRPr lang="en-US"/>
           </a:p>
         </p:txBody>
       </p:sp>
@@ -1158,7 +1160,6 @@
               <a:rPr lang="en-US"/>
               <a:t>Fifth level</a:t>
             </a:r>
-            <a:endParaRPr lang="en-US"/>
           </a:p>
         </p:txBody>
       </p:sp>
@@ -1215,7 +1216,6 @@
               <a:rPr lang="en-US"/>
               <a:t>Fifth level</a:t>
             </a:r>
-            <a:endParaRPr lang="en-US"/>
           </a:p>
         </p:txBody>
       </p:sp>
@@ -1338,7 +1338,6 @@
               <a:rPr lang="en-US"/>
               <a:t>Click to edit Master title style</a:t>
             </a:r>
-            <a:endParaRPr lang="en-US"/>
           </a:p>
         </p:txBody>
       </p:sp>
@@ -1460,7 +1459,6 @@
               <a:rPr lang="en-US"/>
               <a:t>Fifth level</a:t>
             </a:r>
-            <a:endParaRPr lang="en-US"/>
           </a:p>
         </p:txBody>
       </p:sp>
@@ -1582,7 +1580,6 @@
               <a:rPr lang="en-US"/>
               <a:t>Fifth level</a:t>
             </a:r>
-            <a:endParaRPr lang="en-US"/>
           </a:p>
         </p:txBody>
       </p:sp>
@@ -1700,7 +1697,6 @@
               <a:rPr lang="en-US"/>
               <a:t>Click to edit Master title style</a:t>
             </a:r>
-            <a:endParaRPr lang="en-US"/>
           </a:p>
         </p:txBody>
       </p:sp>
@@ -1922,7 +1918,6 @@
               <a:rPr lang="en-US"/>
               <a:t>Click to edit Master title style</a:t>
             </a:r>
-            <a:endParaRPr lang="en-US"/>
           </a:p>
         </p:txBody>
       </p:sp>
@@ -2007,7 +2002,6 @@
               <a:rPr lang="en-US"/>
               <a:t>Fifth level</a:t>
             </a:r>
-            <a:endParaRPr lang="en-US"/>
           </a:p>
         </p:txBody>
       </p:sp>
@@ -2199,7 +2193,6 @@
               <a:rPr lang="en-US"/>
               <a:t>Click to edit Master title style</a:t>
             </a:r>
-            <a:endParaRPr lang="en-US"/>
           </a:p>
         </p:txBody>
       </p:sp>
@@ -2458,7 +2451,6 @@
               <a:rPr lang="en-US"/>
               <a:t>Click to edit Master title style</a:t>
             </a:r>
-            <a:endParaRPr lang="en-US"/>
           </a:p>
         </p:txBody>
       </p:sp>
@@ -2520,7 +2512,6 @@
               <a:rPr lang="en-US"/>
               <a:t>Fifth level</a:t>
             </a:r>
-            <a:endParaRPr lang="en-US"/>
           </a:p>
         </p:txBody>
       </p:sp>
@@ -2974,42 +2965,283 @@
             <p:ph type="ctrTitle"/>
           </p:nvPr>
         </p:nvSpPr>
-        <p:spPr/>
-        <p:txBody>
-          <a:bodyPr/>
-          <a:lstStyle/>
-          <a:p>
+        <p:spPr>
+          <a:xfrm>
+            <a:off x="342900" y="0"/>
+            <a:ext cx="11615738" cy="3509963"/>
+          </a:xfrm>
+        </p:spPr>
+        <p:txBody>
+          <a:bodyPr>
+            <a:noAutofit/>
+          </a:bodyPr>
+          <a:lstStyle/>
+          <a:p>
+            <a:pPr algn="l"/>
+            <a:r>
+              <a:rPr lang="ru-RU" sz="4400" dirty="0"/>
+              <a:t>ВКР НА ТЕМУ:</a:t>
+            </a:r>
+            <a:br>
+              <a:rPr lang="ru-RU" sz="4400" dirty="0"/>
+            </a:br>
+            <a:r>
+              <a:rPr lang="ru-RU" sz="4400" dirty="0"/>
+              <a:t>ИССЛЕДОВАНИЕ И СОВЕРШЕНСТВОВАНИЕ ПРОЦЕДУРЫ ОЦЕНКИ КАЧЕСТВА НЕПЕРЕРАБОТАННОГО СЫРЬЯ ЖИВОТНОГО ПРОИСХОЖДЕНИЯ</a:t>
+            </a:r>
+            <a:endParaRPr lang="en-US" sz="4400" dirty="0"/>
+          </a:p>
+        </p:txBody>
+      </p:sp>
+      <p:sp>
+        <p:nvSpPr>
+          <p:cNvPr id="3" name="Subtitle 2"/>
+          <p:cNvSpPr>
+            <a:spLocks noGrp="1"/>
+          </p:cNvSpPr>
+          <p:nvPr>
+            <p:ph type="subTitle" idx="1"/>
+          </p:nvPr>
+        </p:nvSpPr>
+        <p:spPr>
+          <a:xfrm>
+            <a:off x="0" y="5940425"/>
+            <a:ext cx="12192000" cy="898526"/>
+          </a:xfrm>
+        </p:spPr>
+        <p:txBody>
+          <a:bodyPr>
+            <a:normAutofit/>
+          </a:bodyPr>
+          <a:lstStyle/>
+          <a:p>
+            <a:r>
+              <a:rPr lang="ru-RU" sz="2000" dirty="0"/>
+              <a:t>Поволжский государственный технологический университет</a:t>
+            </a:r>
+          </a:p>
+          <a:p>
+            <a:r>
+              <a:rPr lang="ru-RU" sz="2000" dirty="0"/>
+              <a:t>2016 г.</a:t>
+            </a:r>
+          </a:p>
+        </p:txBody>
+      </p:sp>
+      <p:sp>
+        <p:nvSpPr>
+          <p:cNvPr id="6" name="Subtitle 2"/>
+          <p:cNvSpPr txBox="1">
+            <a:spLocks/>
+          </p:cNvSpPr>
+          <p:nvPr/>
+        </p:nvSpPr>
+        <p:spPr>
+          <a:xfrm>
+            <a:off x="2814638" y="4275931"/>
+            <a:ext cx="9144000" cy="898525"/>
+          </a:xfrm>
+          <a:prstGeom prst="rect">
+            <a:avLst/>
+          </a:prstGeom>
+        </p:spPr>
+        <p:txBody>
+          <a:bodyPr vert="horz" lIns="91440" tIns="45720" rIns="91440" bIns="45720" rtlCol="0">
+            <a:normAutofit/>
+          </a:bodyPr>
+          <a:lstStyle>
+            <a:lvl1pPr marL="0" indent="0" algn="ctr" defTabSz="914400" rtl="0" eaLnBrk="1" latinLnBrk="0" hangingPunct="1">
+              <a:lnSpc>
+                <a:spcPct val="90000"/>
+              </a:lnSpc>
+              <a:spcBef>
+                <a:spcPts val="1000"/>
+              </a:spcBef>
+              <a:buFont typeface="Arial" panose="020B0604020202020204" pitchFamily="34" charset="0"/>
+              <a:buNone/>
+              <a:defRPr sz="2400" kern="1200">
+                <a:solidFill>
+                  <a:schemeClr val="tx1"/>
+                </a:solidFill>
+                <a:latin typeface="+mn-lt"/>
+                <a:ea typeface="+mn-ea"/>
+                <a:cs typeface="+mn-cs"/>
+              </a:defRPr>
+            </a:lvl1pPr>
+            <a:lvl2pPr marL="457200" indent="0" algn="ctr" defTabSz="914400" rtl="0" eaLnBrk="1" latinLnBrk="0" hangingPunct="1">
+              <a:lnSpc>
+                <a:spcPct val="90000"/>
+              </a:lnSpc>
+              <a:spcBef>
+                <a:spcPts val="500"/>
+              </a:spcBef>
+              <a:buFont typeface="Arial" panose="020B0604020202020204" pitchFamily="34" charset="0"/>
+              <a:buNone/>
+              <a:defRPr sz="2000" kern="1200">
+                <a:solidFill>
+                  <a:schemeClr val="tx1"/>
+                </a:solidFill>
+                <a:latin typeface="+mn-lt"/>
+                <a:ea typeface="+mn-ea"/>
+                <a:cs typeface="+mn-cs"/>
+              </a:defRPr>
+            </a:lvl2pPr>
+            <a:lvl3pPr marL="914400" indent="0" algn="ctr" defTabSz="914400" rtl="0" eaLnBrk="1" latinLnBrk="0" hangingPunct="1">
+              <a:lnSpc>
+                <a:spcPct val="90000"/>
+              </a:lnSpc>
+              <a:spcBef>
+                <a:spcPts val="500"/>
+              </a:spcBef>
+              <a:buFont typeface="Arial" panose="020B0604020202020204" pitchFamily="34" charset="0"/>
+              <a:buNone/>
+              <a:defRPr sz="1800" kern="1200">
+                <a:solidFill>
+                  <a:schemeClr val="tx1"/>
+                </a:solidFill>
+                <a:latin typeface="+mn-lt"/>
+                <a:ea typeface="+mn-ea"/>
+                <a:cs typeface="+mn-cs"/>
+              </a:defRPr>
+            </a:lvl3pPr>
+            <a:lvl4pPr marL="1371600" indent="0" algn="ctr" defTabSz="914400" rtl="0" eaLnBrk="1" latinLnBrk="0" hangingPunct="1">
+              <a:lnSpc>
+                <a:spcPct val="90000"/>
+              </a:lnSpc>
+              <a:spcBef>
+                <a:spcPts val="500"/>
+              </a:spcBef>
+              <a:buFont typeface="Arial" panose="020B0604020202020204" pitchFamily="34" charset="0"/>
+              <a:buNone/>
+              <a:defRPr sz="1600" kern="1200">
+                <a:solidFill>
+                  <a:schemeClr val="tx1"/>
+                </a:solidFill>
+                <a:latin typeface="+mn-lt"/>
+                <a:ea typeface="+mn-ea"/>
+                <a:cs typeface="+mn-cs"/>
+              </a:defRPr>
+            </a:lvl4pPr>
+            <a:lvl5pPr marL="1828800" indent="0" algn="ctr" defTabSz="914400" rtl="0" eaLnBrk="1" latinLnBrk="0" hangingPunct="1">
+              <a:lnSpc>
+                <a:spcPct val="90000"/>
+              </a:lnSpc>
+              <a:spcBef>
+                <a:spcPts val="500"/>
+              </a:spcBef>
+              <a:buFont typeface="Arial" panose="020B0604020202020204" pitchFamily="34" charset="0"/>
+              <a:buNone/>
+              <a:defRPr sz="1600" kern="1200">
+                <a:solidFill>
+                  <a:schemeClr val="tx1"/>
+                </a:solidFill>
+                <a:latin typeface="+mn-lt"/>
+                <a:ea typeface="+mn-ea"/>
+                <a:cs typeface="+mn-cs"/>
+              </a:defRPr>
+            </a:lvl5pPr>
+            <a:lvl6pPr marL="2286000" indent="0" algn="ctr" defTabSz="914400" rtl="0" eaLnBrk="1" latinLnBrk="0" hangingPunct="1">
+              <a:lnSpc>
+                <a:spcPct val="90000"/>
+              </a:lnSpc>
+              <a:spcBef>
+                <a:spcPts val="500"/>
+              </a:spcBef>
+              <a:buFont typeface="Arial" panose="020B0604020202020204" pitchFamily="34" charset="0"/>
+              <a:buNone/>
+              <a:defRPr sz="1600" kern="1200">
+                <a:solidFill>
+                  <a:schemeClr val="tx1"/>
+                </a:solidFill>
+                <a:latin typeface="+mn-lt"/>
+                <a:ea typeface="+mn-ea"/>
+                <a:cs typeface="+mn-cs"/>
+              </a:defRPr>
+            </a:lvl6pPr>
+            <a:lvl7pPr marL="2743200" indent="0" algn="ctr" defTabSz="914400" rtl="0" eaLnBrk="1" latinLnBrk="0" hangingPunct="1">
+              <a:lnSpc>
+                <a:spcPct val="90000"/>
+              </a:lnSpc>
+              <a:spcBef>
+                <a:spcPts val="500"/>
+              </a:spcBef>
+              <a:buFont typeface="Arial" panose="020B0604020202020204" pitchFamily="34" charset="0"/>
+              <a:buNone/>
+              <a:defRPr sz="1600" kern="1200">
+                <a:solidFill>
+                  <a:schemeClr val="tx1"/>
+                </a:solidFill>
+                <a:latin typeface="+mn-lt"/>
+                <a:ea typeface="+mn-ea"/>
+                <a:cs typeface="+mn-cs"/>
+              </a:defRPr>
+            </a:lvl7pPr>
+            <a:lvl8pPr marL="3200400" indent="0" algn="ctr" defTabSz="914400" rtl="0" eaLnBrk="1" latinLnBrk="0" hangingPunct="1">
+              <a:lnSpc>
+                <a:spcPct val="90000"/>
+              </a:lnSpc>
+              <a:spcBef>
+                <a:spcPts val="500"/>
+              </a:spcBef>
+              <a:buFont typeface="Arial" panose="020B0604020202020204" pitchFamily="34" charset="0"/>
+              <a:buNone/>
+              <a:defRPr sz="1600" kern="1200">
+                <a:solidFill>
+                  <a:schemeClr val="tx1"/>
+                </a:solidFill>
+                <a:latin typeface="+mn-lt"/>
+                <a:ea typeface="+mn-ea"/>
+                <a:cs typeface="+mn-cs"/>
+              </a:defRPr>
+            </a:lvl8pPr>
+            <a:lvl9pPr marL="3657600" indent="0" algn="ctr" defTabSz="914400" rtl="0" eaLnBrk="1" latinLnBrk="0" hangingPunct="1">
+              <a:lnSpc>
+                <a:spcPct val="90000"/>
+              </a:lnSpc>
+              <a:spcBef>
+                <a:spcPts val="500"/>
+              </a:spcBef>
+              <a:buFont typeface="Arial" panose="020B0604020202020204" pitchFamily="34" charset="0"/>
+              <a:buNone/>
+              <a:defRPr sz="1600" kern="1200">
+                <a:solidFill>
+                  <a:schemeClr val="tx1"/>
+                </a:solidFill>
+                <a:latin typeface="+mn-lt"/>
+                <a:ea typeface="+mn-ea"/>
+                <a:cs typeface="+mn-cs"/>
+              </a:defRPr>
+            </a:lvl9pPr>
+          </a:lstStyle>
+          <a:p>
+            <a:pPr algn="r"/>
             <a:r>
               <a:rPr lang="ru-RU" dirty="0"/>
-              <a:t>ВКР НА ТЕМУ:</a:t>
-            </a:r>
-            <a:br>
-              <a:rPr lang="ru-RU"/>
-            </a:br>
-            <a:r>
-              <a:rPr lang="ru-RU"/>
-              <a:t>ИСС</a:t>
-            </a:r>
-            <a:endParaRPr lang="en-US"/>
-          </a:p>
-        </p:txBody>
-      </p:sp>
-      <p:sp>
-        <p:nvSpPr>
-          <p:cNvPr id="3" name="Subtitle 2"/>
-          <p:cNvSpPr>
-            <a:spLocks noGrp="1"/>
-          </p:cNvSpPr>
-          <p:nvPr>
-            <p:ph type="subTitle" idx="1"/>
-          </p:nvPr>
-        </p:nvSpPr>
-        <p:spPr/>
-        <p:txBody>
-          <a:bodyPr/>
-          <a:lstStyle/>
-          <a:p>
-            <a:endParaRPr lang="en-US"/>
+              <a:t>Выполнила </a:t>
+            </a:r>
+            <a:r>
+              <a:rPr lang="ru-RU" dirty="0" err="1"/>
+              <a:t>ст.гр</a:t>
+            </a:r>
+            <a:r>
+              <a:rPr lang="ru-RU" dirty="0"/>
+              <a:t>. СМм-21 Ложкина Л.М.</a:t>
+            </a:r>
+          </a:p>
+          <a:p>
+            <a:pPr algn="r"/>
+            <a:r>
+              <a:rPr lang="ru-RU" dirty="0"/>
+              <a:t>Научный руководитель: Тарасова</a:t>
+            </a:r>
+            <a:r>
+              <a:rPr lang="en-US" dirty="0"/>
+              <a:t> </a:t>
+            </a:r>
+            <a:r>
+              <a:rPr lang="ru-RU" dirty="0"/>
+              <a:t>О.Г., канд. тех. наук, доцент</a:t>
+            </a:r>
           </a:p>
         </p:txBody>
       </p:sp>
@@ -3017,6 +3249,1687 @@
     <p:extLst>
       <p:ext uri="{BB962C8B-B14F-4D97-AF65-F5344CB8AC3E}">
         <p14:creationId xmlns:p14="http://schemas.microsoft.com/office/powerpoint/2010/main" val="1880404608"/>
+      </p:ext>
+    </p:extLst>
+  </p:cSld>
+  <p:clrMapOvr>
+    <a:masterClrMapping/>
+  </p:clrMapOvr>
+</p:sld>
+</file>
+
+<file path=ppt/slides/slide2.xml><?xml version="1.0" encoding="utf-8"?>
+<p:sld xmlns:a="http://schemas.openxmlformats.org/drawingml/2006/main" xmlns:r="http://schemas.openxmlformats.org/officeDocument/2006/relationships" xmlns:p="http://schemas.openxmlformats.org/presentationml/2006/main">
+  <p:cSld>
+    <p:spTree>
+      <p:nvGrpSpPr>
+        <p:cNvPr id="1" name=""/>
+        <p:cNvGrpSpPr/>
+        <p:nvPr/>
+      </p:nvGrpSpPr>
+      <p:grpSpPr>
+        <a:xfrm>
+          <a:off x="0" y="0"/>
+          <a:ext cx="0" cy="0"/>
+          <a:chOff x="0" y="0"/>
+          <a:chExt cx="0" cy="0"/>
+        </a:xfrm>
+      </p:grpSpPr>
+      <p:sp>
+        <p:nvSpPr>
+          <p:cNvPr id="3" name="Content Placeholder 2"/>
+          <p:cNvSpPr>
+            <a:spLocks noGrp="1"/>
+          </p:cNvSpPr>
+          <p:nvPr>
+            <p:ph idx="1"/>
+          </p:nvPr>
+        </p:nvSpPr>
+        <p:spPr>
+          <a:xfrm>
+            <a:off x="200025" y="228600"/>
+            <a:ext cx="11744325" cy="6472238"/>
+          </a:xfrm>
+        </p:spPr>
+        <p:txBody>
+          <a:bodyPr>
+            <a:normAutofit/>
+          </a:bodyPr>
+          <a:lstStyle/>
+          <a:p>
+            <a:r>
+              <a:rPr lang="ru-RU" b="1" dirty="0"/>
+              <a:t>Цель работы: </a:t>
+            </a:r>
+            <a:r>
+              <a:rPr lang="ru-RU" dirty="0"/>
+              <a:t>разработка документированной процедуры проведения процедуры оценки качества непереработанного сырья животного происхождения в области ветеринарно-санитарной экспертизы на соответствие требованиям Технического регламента Таможенного союза (ТР ТС 021/2011)</a:t>
+            </a:r>
+          </a:p>
+          <a:p>
+            <a:r>
+              <a:rPr lang="ru-RU" b="1" dirty="0"/>
+              <a:t>Задачи: </a:t>
+            </a:r>
+          </a:p>
+          <a:p>
+            <a:r>
+              <a:rPr lang="ru-RU" dirty="0"/>
+              <a:t>- исследовать правовую, в том числе отраслевую природу подтверждения соответствия продукции, проанализировать понятие и формы подтверждения соответствия: историю возникновения и современное состояние;</a:t>
+            </a:r>
+          </a:p>
+          <a:p>
+            <a:r>
+              <a:rPr lang="ru-RU" dirty="0"/>
+              <a:t>- рассмотреть схемы ветеринарно-санитарной экспертизы, выявить их значение для предпринимательской деятельности, проанализировать правовой статус участников систем подтверждения соответствия;</a:t>
+            </a:r>
+          </a:p>
+          <a:p>
+            <a:r>
+              <a:rPr lang="ru-RU" dirty="0"/>
+              <a:t>- проанализировать прослеживаемость при подтверждении безопасности пище-вой продукции.</a:t>
+            </a:r>
+            <a:endParaRPr lang="en-US" dirty="0"/>
+          </a:p>
+        </p:txBody>
+      </p:sp>
+    </p:spTree>
+    <p:extLst>
+      <p:ext uri="{BB962C8B-B14F-4D97-AF65-F5344CB8AC3E}">
+        <p14:creationId xmlns:p14="http://schemas.microsoft.com/office/powerpoint/2010/main" val="1406124150"/>
+      </p:ext>
+    </p:extLst>
+  </p:cSld>
+  <p:clrMapOvr>
+    <a:masterClrMapping/>
+  </p:clrMapOvr>
+</p:sld>
+</file>
+
+<file path=ppt/slides/slide3.xml><?xml version="1.0" encoding="utf-8"?>
+<p:sld xmlns:a="http://schemas.openxmlformats.org/drawingml/2006/main" xmlns:r="http://schemas.openxmlformats.org/officeDocument/2006/relationships" xmlns:p="http://schemas.openxmlformats.org/presentationml/2006/main">
+  <p:cSld>
+    <p:spTree>
+      <p:nvGrpSpPr>
+        <p:cNvPr id="1" name=""/>
+        <p:cNvGrpSpPr/>
+        <p:nvPr/>
+      </p:nvGrpSpPr>
+      <p:grpSpPr>
+        <a:xfrm>
+          <a:off x="0" y="0"/>
+          <a:ext cx="0" cy="0"/>
+          <a:chOff x="0" y="0"/>
+          <a:chExt cx="0" cy="0"/>
+        </a:xfrm>
+      </p:grpSpPr>
+      <p:grpSp>
+        <p:nvGrpSpPr>
+          <p:cNvPr id="8" name="Group 7"/>
+          <p:cNvGrpSpPr/>
+          <p:nvPr/>
+        </p:nvGrpSpPr>
+        <p:grpSpPr>
+          <a:xfrm>
+            <a:off x="637425" y="3174971"/>
+            <a:ext cx="10740151" cy="519754"/>
+            <a:chOff x="1715971" y="601210"/>
+            <a:chExt cx="8745378" cy="754391"/>
+          </a:xfrm>
+        </p:grpSpPr>
+        <p:sp>
+          <p:nvSpPr>
+            <p:cNvPr id="9" name="Pentagon 8"/>
+            <p:cNvSpPr/>
+            <p:nvPr/>
+          </p:nvSpPr>
+          <p:spPr>
+            <a:xfrm rot="10800000">
+              <a:off x="1715971" y="601210"/>
+              <a:ext cx="8745378" cy="754391"/>
+            </a:xfrm>
+            <a:prstGeom prst="homePlate">
+              <a:avLst/>
+            </a:prstGeom>
+          </p:spPr>
+          <p:style>
+            <a:lnRef idx="2">
+              <a:schemeClr val="lt1">
+                <a:hueOff val="0"/>
+                <a:satOff val="0"/>
+                <a:lumOff val="0"/>
+                <a:alphaOff val="0"/>
+              </a:schemeClr>
+            </a:lnRef>
+            <a:fillRef idx="1">
+              <a:schemeClr val="accent1">
+                <a:hueOff val="0"/>
+                <a:satOff val="0"/>
+                <a:lumOff val="0"/>
+                <a:alphaOff val="0"/>
+              </a:schemeClr>
+            </a:fillRef>
+            <a:effectRef idx="0">
+              <a:schemeClr val="accent1">
+                <a:hueOff val="0"/>
+                <a:satOff val="0"/>
+                <a:lumOff val="0"/>
+                <a:alphaOff val="0"/>
+              </a:schemeClr>
+            </a:effectRef>
+            <a:fontRef idx="minor">
+              <a:schemeClr val="lt1"/>
+            </a:fontRef>
+          </p:style>
+        </p:sp>
+        <p:sp>
+          <p:nvSpPr>
+            <p:cNvPr id="10" name="Pentagon 4"/>
+            <p:cNvSpPr txBox="1"/>
+            <p:nvPr/>
+          </p:nvSpPr>
+          <p:spPr>
+            <a:xfrm rot="21600000">
+              <a:off x="1904569" y="601210"/>
+              <a:ext cx="8556780" cy="754391"/>
+            </a:xfrm>
+            <a:prstGeom prst="rect">
+              <a:avLst/>
+            </a:prstGeom>
+          </p:spPr>
+          <p:style>
+            <a:lnRef idx="0">
+              <a:scrgbClr r="0" g="0" b="0"/>
+            </a:lnRef>
+            <a:fillRef idx="0">
+              <a:scrgbClr r="0" g="0" b="0"/>
+            </a:fillRef>
+            <a:effectRef idx="0">
+              <a:scrgbClr r="0" g="0" b="0"/>
+            </a:effectRef>
+            <a:fontRef idx="minor">
+              <a:schemeClr val="lt1"/>
+            </a:fontRef>
+          </p:style>
+          <p:txBody>
+            <a:bodyPr spcFirstLastPara="0" vert="horz" wrap="square" lIns="570630" tIns="68580" rIns="128016" bIns="68580" numCol="1" spcCol="1270" anchor="ctr" anchorCtr="0">
+              <a:noAutofit/>
+            </a:bodyPr>
+            <a:lstStyle/>
+            <a:p>
+              <a:pPr lvl="0" algn="ctr" defTabSz="800100">
+                <a:lnSpc>
+                  <a:spcPct val="90000"/>
+                </a:lnSpc>
+                <a:spcBef>
+                  <a:spcPct val="0"/>
+                </a:spcBef>
+                <a:spcAft>
+                  <a:spcPct val="35000"/>
+                </a:spcAft>
+              </a:pPr>
+              <a:r>
+                <a:rPr lang="ru-RU" dirty="0"/>
+                <a:t>29-ФЗ  "О качестве и безопасности пищевых продуктов"</a:t>
+              </a:r>
+              <a:endParaRPr lang="ru-RU" sz="1400" kern="1200" dirty="0"/>
+            </a:p>
+          </p:txBody>
+        </p:sp>
+      </p:grpSp>
+      <p:grpSp>
+        <p:nvGrpSpPr>
+          <p:cNvPr id="14" name="Group 13"/>
+          <p:cNvGrpSpPr/>
+          <p:nvPr/>
+        </p:nvGrpSpPr>
+        <p:grpSpPr>
+          <a:xfrm>
+            <a:off x="703368" y="3895939"/>
+            <a:ext cx="10674208" cy="471487"/>
+            <a:chOff x="1668826" y="661400"/>
+            <a:chExt cx="8810708" cy="1655893"/>
+          </a:xfrm>
+        </p:grpSpPr>
+        <p:sp>
+          <p:nvSpPr>
+            <p:cNvPr id="15" name="Pentagon 14"/>
+            <p:cNvSpPr/>
+            <p:nvPr/>
+          </p:nvSpPr>
+          <p:spPr>
+            <a:xfrm rot="10800000">
+              <a:off x="1668826" y="661400"/>
+              <a:ext cx="8810708" cy="1655893"/>
+            </a:xfrm>
+            <a:prstGeom prst="homePlate">
+              <a:avLst/>
+            </a:prstGeom>
+          </p:spPr>
+          <p:style>
+            <a:lnRef idx="2">
+              <a:schemeClr val="lt1">
+                <a:hueOff val="0"/>
+                <a:satOff val="0"/>
+                <a:lumOff val="0"/>
+                <a:alphaOff val="0"/>
+              </a:schemeClr>
+            </a:lnRef>
+            <a:fillRef idx="1">
+              <a:schemeClr val="accent1">
+                <a:hueOff val="0"/>
+                <a:satOff val="0"/>
+                <a:lumOff val="0"/>
+                <a:alphaOff val="0"/>
+              </a:schemeClr>
+            </a:fillRef>
+            <a:effectRef idx="0">
+              <a:schemeClr val="accent1">
+                <a:hueOff val="0"/>
+                <a:satOff val="0"/>
+                <a:lumOff val="0"/>
+                <a:alphaOff val="0"/>
+              </a:schemeClr>
+            </a:effectRef>
+            <a:fontRef idx="minor">
+              <a:schemeClr val="lt1"/>
+            </a:fontRef>
+          </p:style>
+        </p:sp>
+        <p:sp>
+          <p:nvSpPr>
+            <p:cNvPr id="16" name="Pentagon 4"/>
+            <p:cNvSpPr txBox="1"/>
+            <p:nvPr/>
+          </p:nvSpPr>
+          <p:spPr>
+            <a:xfrm>
+              <a:off x="2082799" y="661400"/>
+              <a:ext cx="8396735" cy="1655893"/>
+            </a:xfrm>
+            <a:prstGeom prst="rect">
+              <a:avLst/>
+            </a:prstGeom>
+          </p:spPr>
+          <p:style>
+            <a:lnRef idx="0">
+              <a:scrgbClr r="0" g="0" b="0"/>
+            </a:lnRef>
+            <a:fillRef idx="0">
+              <a:scrgbClr r="0" g="0" b="0"/>
+            </a:fillRef>
+            <a:effectRef idx="0">
+              <a:scrgbClr r="0" g="0" b="0"/>
+            </a:effectRef>
+            <a:fontRef idx="minor">
+              <a:schemeClr val="lt1"/>
+            </a:fontRef>
+          </p:style>
+          <p:txBody>
+            <a:bodyPr spcFirstLastPara="0" vert="horz" wrap="square" lIns="767060" tIns="125730" rIns="234696" bIns="125730" numCol="1" spcCol="1270" anchor="ctr" anchorCtr="0">
+              <a:noAutofit/>
+            </a:bodyPr>
+            <a:lstStyle/>
+            <a:p>
+              <a:pPr lvl="0" algn="ctr" defTabSz="1466850">
+                <a:lnSpc>
+                  <a:spcPct val="90000"/>
+                </a:lnSpc>
+                <a:spcBef>
+                  <a:spcPct val="0"/>
+                </a:spcBef>
+                <a:spcAft>
+                  <a:spcPct val="35000"/>
+                </a:spcAft>
+              </a:pPr>
+              <a:r>
+                <a:rPr lang="ru-RU" sz="2000" dirty="0"/>
+                <a:t>4979-1  "О ветеринарии"</a:t>
+              </a:r>
+              <a:endParaRPr lang="ru-RU" sz="2000" kern="1200" dirty="0"/>
+            </a:p>
+          </p:txBody>
+        </p:sp>
+      </p:grpSp>
+      <p:grpSp>
+        <p:nvGrpSpPr>
+          <p:cNvPr id="21" name="Group 20"/>
+          <p:cNvGrpSpPr/>
+          <p:nvPr/>
+        </p:nvGrpSpPr>
+        <p:grpSpPr>
+          <a:xfrm>
+            <a:off x="637425" y="4560460"/>
+            <a:ext cx="10740151" cy="991241"/>
+            <a:chOff x="1668826" y="661400"/>
+            <a:chExt cx="8810708" cy="1655893"/>
+          </a:xfrm>
+        </p:grpSpPr>
+        <p:sp>
+          <p:nvSpPr>
+            <p:cNvPr id="22" name="Pentagon 21"/>
+            <p:cNvSpPr/>
+            <p:nvPr/>
+          </p:nvSpPr>
+          <p:spPr>
+            <a:xfrm rot="10800000">
+              <a:off x="1668826" y="661400"/>
+              <a:ext cx="8810708" cy="1655893"/>
+            </a:xfrm>
+            <a:prstGeom prst="homePlate">
+              <a:avLst/>
+            </a:prstGeom>
+          </p:spPr>
+          <p:style>
+            <a:lnRef idx="2">
+              <a:schemeClr val="lt1">
+                <a:hueOff val="0"/>
+                <a:satOff val="0"/>
+                <a:lumOff val="0"/>
+                <a:alphaOff val="0"/>
+              </a:schemeClr>
+            </a:lnRef>
+            <a:fillRef idx="1">
+              <a:schemeClr val="accent1">
+                <a:hueOff val="0"/>
+                <a:satOff val="0"/>
+                <a:lumOff val="0"/>
+                <a:alphaOff val="0"/>
+              </a:schemeClr>
+            </a:fillRef>
+            <a:effectRef idx="0">
+              <a:schemeClr val="accent1">
+                <a:hueOff val="0"/>
+                <a:satOff val="0"/>
+                <a:lumOff val="0"/>
+                <a:alphaOff val="0"/>
+              </a:schemeClr>
+            </a:effectRef>
+            <a:fontRef idx="minor">
+              <a:schemeClr val="lt1"/>
+            </a:fontRef>
+          </p:style>
+        </p:sp>
+        <p:sp>
+          <p:nvSpPr>
+            <p:cNvPr id="23" name="Pentagon 4"/>
+            <p:cNvSpPr txBox="1"/>
+            <p:nvPr/>
+          </p:nvSpPr>
+          <p:spPr>
+            <a:xfrm>
+              <a:off x="2082799" y="661400"/>
+              <a:ext cx="8396735" cy="1655893"/>
+            </a:xfrm>
+            <a:prstGeom prst="rect">
+              <a:avLst/>
+            </a:prstGeom>
+          </p:spPr>
+          <p:style>
+            <a:lnRef idx="0">
+              <a:scrgbClr r="0" g="0" b="0"/>
+            </a:lnRef>
+            <a:fillRef idx="0">
+              <a:scrgbClr r="0" g="0" b="0"/>
+            </a:fillRef>
+            <a:effectRef idx="0">
+              <a:scrgbClr r="0" g="0" b="0"/>
+            </a:effectRef>
+            <a:fontRef idx="minor">
+              <a:schemeClr val="lt1"/>
+            </a:fontRef>
+          </p:style>
+          <p:txBody>
+            <a:bodyPr spcFirstLastPara="0" vert="horz" wrap="square" lIns="767060" tIns="125730" rIns="234696" bIns="125730" numCol="1" spcCol="1270" anchor="ctr" anchorCtr="0">
+              <a:noAutofit/>
+            </a:bodyPr>
+            <a:lstStyle/>
+            <a:p>
+              <a:pPr lvl="0" algn="ctr" defTabSz="1466850">
+                <a:lnSpc>
+                  <a:spcPct val="90000"/>
+                </a:lnSpc>
+                <a:spcBef>
+                  <a:spcPct val="0"/>
+                </a:spcBef>
+                <a:spcAft>
+                  <a:spcPct val="35000"/>
+                </a:spcAft>
+              </a:pPr>
+              <a:r>
+                <a:rPr lang="ru-RU" sz="2000" i="0" kern="1200" dirty="0"/>
+                <a:t>ГОСТ Р 56016-2014 </a:t>
+              </a:r>
+              <a:r>
+                <a:rPr lang="ru-RU" sz="2000" dirty="0"/>
+                <a:t>"Оценка соответствия. Порядок обязательного подтверждения соответствия продукции требованиям технического регламента Таможенного союза О безопасности пищевой продукции"</a:t>
+              </a:r>
+              <a:endParaRPr lang="ru-RU" sz="2000" kern="1200" dirty="0"/>
+            </a:p>
+          </p:txBody>
+        </p:sp>
+      </p:grpSp>
+      <p:grpSp>
+        <p:nvGrpSpPr>
+          <p:cNvPr id="27" name="Group 26"/>
+          <p:cNvGrpSpPr/>
+          <p:nvPr/>
+        </p:nvGrpSpPr>
+        <p:grpSpPr>
+          <a:xfrm>
+            <a:off x="614355" y="187064"/>
+            <a:ext cx="10740151" cy="407048"/>
+            <a:chOff x="1668826" y="661400"/>
+            <a:chExt cx="8810708" cy="1655893"/>
+          </a:xfrm>
+        </p:grpSpPr>
+        <p:sp>
+          <p:nvSpPr>
+            <p:cNvPr id="28" name="Pentagon 27"/>
+            <p:cNvSpPr/>
+            <p:nvPr/>
+          </p:nvSpPr>
+          <p:spPr>
+            <a:xfrm rot="10800000">
+              <a:off x="1668826" y="661400"/>
+              <a:ext cx="8810708" cy="1655893"/>
+            </a:xfrm>
+            <a:prstGeom prst="homePlate">
+              <a:avLst/>
+            </a:prstGeom>
+          </p:spPr>
+          <p:style>
+            <a:lnRef idx="2">
+              <a:schemeClr val="lt1">
+                <a:hueOff val="0"/>
+                <a:satOff val="0"/>
+                <a:lumOff val="0"/>
+                <a:alphaOff val="0"/>
+              </a:schemeClr>
+            </a:lnRef>
+            <a:fillRef idx="1">
+              <a:schemeClr val="accent1">
+                <a:hueOff val="0"/>
+                <a:satOff val="0"/>
+                <a:lumOff val="0"/>
+                <a:alphaOff val="0"/>
+              </a:schemeClr>
+            </a:fillRef>
+            <a:effectRef idx="0">
+              <a:schemeClr val="accent1">
+                <a:hueOff val="0"/>
+                <a:satOff val="0"/>
+                <a:lumOff val="0"/>
+                <a:alphaOff val="0"/>
+              </a:schemeClr>
+            </a:effectRef>
+            <a:fontRef idx="minor">
+              <a:schemeClr val="lt1"/>
+            </a:fontRef>
+          </p:style>
+        </p:sp>
+        <p:sp>
+          <p:nvSpPr>
+            <p:cNvPr id="29" name="Pentagon 4"/>
+            <p:cNvSpPr txBox="1"/>
+            <p:nvPr/>
+          </p:nvSpPr>
+          <p:spPr>
+            <a:xfrm>
+              <a:off x="2082799" y="661400"/>
+              <a:ext cx="8396735" cy="1655893"/>
+            </a:xfrm>
+            <a:prstGeom prst="rect">
+              <a:avLst/>
+            </a:prstGeom>
+          </p:spPr>
+          <p:style>
+            <a:lnRef idx="0">
+              <a:scrgbClr r="0" g="0" b="0"/>
+            </a:lnRef>
+            <a:fillRef idx="0">
+              <a:scrgbClr r="0" g="0" b="0"/>
+            </a:fillRef>
+            <a:effectRef idx="0">
+              <a:scrgbClr r="0" g="0" b="0"/>
+            </a:effectRef>
+            <a:fontRef idx="minor">
+              <a:schemeClr val="lt1"/>
+            </a:fontRef>
+          </p:style>
+          <p:txBody>
+            <a:bodyPr spcFirstLastPara="0" vert="horz" wrap="square" lIns="767060" tIns="125730" rIns="234696" bIns="125730" numCol="1" spcCol="1270" anchor="ctr" anchorCtr="0">
+              <a:noAutofit/>
+            </a:bodyPr>
+            <a:lstStyle/>
+            <a:p>
+              <a:pPr lvl="0" algn="ctr" defTabSz="1466850">
+                <a:lnSpc>
+                  <a:spcPct val="90000"/>
+                </a:lnSpc>
+                <a:spcBef>
+                  <a:spcPct val="0"/>
+                </a:spcBef>
+                <a:spcAft>
+                  <a:spcPct val="35000"/>
+                </a:spcAft>
+              </a:pPr>
+              <a:r>
+                <a:rPr lang="ru-RU" dirty="0"/>
+                <a:t>ТР ТС 021 / 2011 «О безопасности пищевой продукции»</a:t>
+              </a:r>
+              <a:endParaRPr lang="ru-RU" sz="2000" kern="1200" dirty="0"/>
+            </a:p>
+          </p:txBody>
+        </p:sp>
+      </p:grpSp>
+      <p:grpSp>
+        <p:nvGrpSpPr>
+          <p:cNvPr id="30" name="Group 29"/>
+          <p:cNvGrpSpPr/>
+          <p:nvPr/>
+        </p:nvGrpSpPr>
+        <p:grpSpPr>
+          <a:xfrm>
+            <a:off x="614354" y="5713509"/>
+            <a:ext cx="10740151" cy="792000"/>
+            <a:chOff x="1668826" y="661400"/>
+            <a:chExt cx="8810708" cy="1655893"/>
+          </a:xfrm>
+        </p:grpSpPr>
+        <p:sp>
+          <p:nvSpPr>
+            <p:cNvPr id="31" name="Pentagon 30"/>
+            <p:cNvSpPr/>
+            <p:nvPr/>
+          </p:nvSpPr>
+          <p:spPr>
+            <a:xfrm rot="10800000">
+              <a:off x="1668826" y="661400"/>
+              <a:ext cx="8810708" cy="1655893"/>
+            </a:xfrm>
+            <a:prstGeom prst="homePlate">
+              <a:avLst/>
+            </a:prstGeom>
+          </p:spPr>
+          <p:style>
+            <a:lnRef idx="2">
+              <a:schemeClr val="lt1">
+                <a:hueOff val="0"/>
+                <a:satOff val="0"/>
+                <a:lumOff val="0"/>
+                <a:alphaOff val="0"/>
+              </a:schemeClr>
+            </a:lnRef>
+            <a:fillRef idx="1">
+              <a:schemeClr val="accent1">
+                <a:hueOff val="0"/>
+                <a:satOff val="0"/>
+                <a:lumOff val="0"/>
+                <a:alphaOff val="0"/>
+              </a:schemeClr>
+            </a:fillRef>
+            <a:effectRef idx="0">
+              <a:schemeClr val="accent1">
+                <a:hueOff val="0"/>
+                <a:satOff val="0"/>
+                <a:lumOff val="0"/>
+                <a:alphaOff val="0"/>
+              </a:schemeClr>
+            </a:effectRef>
+            <a:fontRef idx="minor">
+              <a:schemeClr val="lt1"/>
+            </a:fontRef>
+          </p:style>
+        </p:sp>
+        <p:sp>
+          <p:nvSpPr>
+            <p:cNvPr id="32" name="Pentagon 4"/>
+            <p:cNvSpPr txBox="1"/>
+            <p:nvPr/>
+          </p:nvSpPr>
+          <p:spPr>
+            <a:xfrm>
+              <a:off x="2082799" y="661400"/>
+              <a:ext cx="8396735" cy="1655893"/>
+            </a:xfrm>
+            <a:prstGeom prst="rect">
+              <a:avLst/>
+            </a:prstGeom>
+          </p:spPr>
+          <p:style>
+            <a:lnRef idx="0">
+              <a:scrgbClr r="0" g="0" b="0"/>
+            </a:lnRef>
+            <a:fillRef idx="0">
+              <a:scrgbClr r="0" g="0" b="0"/>
+            </a:fillRef>
+            <a:effectRef idx="0">
+              <a:scrgbClr r="0" g="0" b="0"/>
+            </a:effectRef>
+            <a:fontRef idx="minor">
+              <a:schemeClr val="lt1"/>
+            </a:fontRef>
+          </p:style>
+          <p:txBody>
+            <a:bodyPr spcFirstLastPara="0" vert="horz" wrap="square" lIns="767060" tIns="125730" rIns="234696" bIns="125730" numCol="1" spcCol="1270" anchor="ctr" anchorCtr="0">
+              <a:noAutofit/>
+            </a:bodyPr>
+            <a:lstStyle/>
+            <a:p>
+              <a:pPr lvl="0" algn="ctr" defTabSz="1466850">
+                <a:lnSpc>
+                  <a:spcPct val="90000"/>
+                </a:lnSpc>
+                <a:spcBef>
+                  <a:spcPct val="0"/>
+                </a:spcBef>
+                <a:spcAft>
+                  <a:spcPct val="35000"/>
+                </a:spcAft>
+              </a:pPr>
+              <a:r>
+                <a:rPr lang="ru-RU" sz="2000" i="0" kern="1200" dirty="0"/>
+                <a:t>ГОСТ Р 56016-2014 </a:t>
+              </a:r>
+              <a:r>
+                <a:rPr lang="ru-RU" sz="2000" dirty="0"/>
+                <a:t>«</a:t>
+              </a:r>
+              <a:r>
+                <a:rPr lang="ru-RU" dirty="0"/>
+                <a:t>Общие правила отбора образцов для испытаний продукции при подтверждении соответствия</a:t>
+              </a:r>
+              <a:r>
+                <a:rPr lang="ru-RU" sz="2000" dirty="0"/>
+                <a:t>"</a:t>
+              </a:r>
+              <a:endParaRPr lang="ru-RU" sz="2000" kern="1200" dirty="0"/>
+            </a:p>
+          </p:txBody>
+        </p:sp>
+      </p:grpSp>
+      <p:grpSp>
+        <p:nvGrpSpPr>
+          <p:cNvPr id="33" name="Group 32"/>
+          <p:cNvGrpSpPr/>
+          <p:nvPr/>
+        </p:nvGrpSpPr>
+        <p:grpSpPr>
+          <a:xfrm>
+            <a:off x="637425" y="732944"/>
+            <a:ext cx="10740151" cy="407048"/>
+            <a:chOff x="1668826" y="661400"/>
+            <a:chExt cx="8810708" cy="1655893"/>
+          </a:xfrm>
+        </p:grpSpPr>
+        <p:sp>
+          <p:nvSpPr>
+            <p:cNvPr id="34" name="Pentagon 33"/>
+            <p:cNvSpPr/>
+            <p:nvPr/>
+          </p:nvSpPr>
+          <p:spPr>
+            <a:xfrm rot="10800000">
+              <a:off x="1668826" y="661400"/>
+              <a:ext cx="8810708" cy="1655893"/>
+            </a:xfrm>
+            <a:prstGeom prst="homePlate">
+              <a:avLst/>
+            </a:prstGeom>
+          </p:spPr>
+          <p:style>
+            <a:lnRef idx="2">
+              <a:schemeClr val="lt1">
+                <a:hueOff val="0"/>
+                <a:satOff val="0"/>
+                <a:lumOff val="0"/>
+                <a:alphaOff val="0"/>
+              </a:schemeClr>
+            </a:lnRef>
+            <a:fillRef idx="1">
+              <a:schemeClr val="accent1">
+                <a:hueOff val="0"/>
+                <a:satOff val="0"/>
+                <a:lumOff val="0"/>
+                <a:alphaOff val="0"/>
+              </a:schemeClr>
+            </a:fillRef>
+            <a:effectRef idx="0">
+              <a:schemeClr val="accent1">
+                <a:hueOff val="0"/>
+                <a:satOff val="0"/>
+                <a:lumOff val="0"/>
+                <a:alphaOff val="0"/>
+              </a:schemeClr>
+            </a:effectRef>
+            <a:fontRef idx="minor">
+              <a:schemeClr val="lt1"/>
+            </a:fontRef>
+          </p:style>
+        </p:sp>
+        <p:sp>
+          <p:nvSpPr>
+            <p:cNvPr id="35" name="Pentagon 4"/>
+            <p:cNvSpPr txBox="1"/>
+            <p:nvPr/>
+          </p:nvSpPr>
+          <p:spPr>
+            <a:xfrm>
+              <a:off x="2082799" y="661400"/>
+              <a:ext cx="8396735" cy="1655893"/>
+            </a:xfrm>
+            <a:prstGeom prst="rect">
+              <a:avLst/>
+            </a:prstGeom>
+          </p:spPr>
+          <p:style>
+            <a:lnRef idx="0">
+              <a:scrgbClr r="0" g="0" b="0"/>
+            </a:lnRef>
+            <a:fillRef idx="0">
+              <a:scrgbClr r="0" g="0" b="0"/>
+            </a:fillRef>
+            <a:effectRef idx="0">
+              <a:scrgbClr r="0" g="0" b="0"/>
+            </a:effectRef>
+            <a:fontRef idx="minor">
+              <a:schemeClr val="lt1"/>
+            </a:fontRef>
+          </p:style>
+          <p:txBody>
+            <a:bodyPr spcFirstLastPara="0" vert="horz" wrap="square" lIns="767060" tIns="125730" rIns="234696" bIns="125730" numCol="1" spcCol="1270" anchor="ctr" anchorCtr="0">
+              <a:noAutofit/>
+            </a:bodyPr>
+            <a:lstStyle/>
+            <a:p>
+              <a:pPr lvl="0" algn="ctr" defTabSz="1466850">
+                <a:lnSpc>
+                  <a:spcPct val="90000"/>
+                </a:lnSpc>
+                <a:spcBef>
+                  <a:spcPct val="0"/>
+                </a:spcBef>
+                <a:spcAft>
+                  <a:spcPct val="35000"/>
+                </a:spcAft>
+              </a:pPr>
+              <a:r>
+                <a:rPr lang="ru-RU" dirty="0"/>
+                <a:t>ТР ТС 033/2013 «О безопас­ности молока и молочной продукции»</a:t>
+              </a:r>
+              <a:endParaRPr lang="ru-RU" sz="2000" kern="1200" dirty="0"/>
+            </a:p>
+          </p:txBody>
+        </p:sp>
+      </p:grpSp>
+      <p:grpSp>
+        <p:nvGrpSpPr>
+          <p:cNvPr id="36" name="Group 35"/>
+          <p:cNvGrpSpPr/>
+          <p:nvPr/>
+        </p:nvGrpSpPr>
+        <p:grpSpPr>
+          <a:xfrm>
+            <a:off x="614357" y="1268309"/>
+            <a:ext cx="10763219" cy="433868"/>
+            <a:chOff x="1668826" y="661400"/>
+            <a:chExt cx="8810708" cy="1655893"/>
+          </a:xfrm>
+        </p:grpSpPr>
+        <p:sp>
+          <p:nvSpPr>
+            <p:cNvPr id="37" name="Pentagon 36"/>
+            <p:cNvSpPr/>
+            <p:nvPr/>
+          </p:nvSpPr>
+          <p:spPr>
+            <a:xfrm rot="10800000">
+              <a:off x="1668826" y="661400"/>
+              <a:ext cx="8810708" cy="1655893"/>
+            </a:xfrm>
+            <a:prstGeom prst="homePlate">
+              <a:avLst/>
+            </a:prstGeom>
+          </p:spPr>
+          <p:style>
+            <a:lnRef idx="2">
+              <a:schemeClr val="lt1">
+                <a:hueOff val="0"/>
+                <a:satOff val="0"/>
+                <a:lumOff val="0"/>
+                <a:alphaOff val="0"/>
+              </a:schemeClr>
+            </a:lnRef>
+            <a:fillRef idx="1">
+              <a:schemeClr val="accent1">
+                <a:hueOff val="0"/>
+                <a:satOff val="0"/>
+                <a:lumOff val="0"/>
+                <a:alphaOff val="0"/>
+              </a:schemeClr>
+            </a:fillRef>
+            <a:effectRef idx="0">
+              <a:schemeClr val="accent1">
+                <a:hueOff val="0"/>
+                <a:satOff val="0"/>
+                <a:lumOff val="0"/>
+                <a:alphaOff val="0"/>
+              </a:schemeClr>
+            </a:effectRef>
+            <a:fontRef idx="minor">
+              <a:schemeClr val="lt1"/>
+            </a:fontRef>
+          </p:style>
+        </p:sp>
+        <p:sp>
+          <p:nvSpPr>
+            <p:cNvPr id="38" name="Pentagon 4"/>
+            <p:cNvSpPr txBox="1"/>
+            <p:nvPr/>
+          </p:nvSpPr>
+          <p:spPr>
+            <a:xfrm>
+              <a:off x="2082799" y="661400"/>
+              <a:ext cx="8396735" cy="1655893"/>
+            </a:xfrm>
+            <a:prstGeom prst="rect">
+              <a:avLst/>
+            </a:prstGeom>
+          </p:spPr>
+          <p:style>
+            <a:lnRef idx="0">
+              <a:scrgbClr r="0" g="0" b="0"/>
+            </a:lnRef>
+            <a:fillRef idx="0">
+              <a:scrgbClr r="0" g="0" b="0"/>
+            </a:fillRef>
+            <a:effectRef idx="0">
+              <a:scrgbClr r="0" g="0" b="0"/>
+            </a:effectRef>
+            <a:fontRef idx="minor">
+              <a:schemeClr val="lt1"/>
+            </a:fontRef>
+          </p:style>
+          <p:txBody>
+            <a:bodyPr spcFirstLastPara="0" vert="horz" wrap="square" lIns="767060" tIns="125730" rIns="234696" bIns="125730" numCol="1" spcCol="1270" anchor="ctr" anchorCtr="0">
+              <a:noAutofit/>
+            </a:bodyPr>
+            <a:lstStyle/>
+            <a:p>
+              <a:pPr lvl="0" algn="ctr" defTabSz="1466850">
+                <a:lnSpc>
+                  <a:spcPct val="90000"/>
+                </a:lnSpc>
+                <a:spcBef>
+                  <a:spcPct val="0"/>
+                </a:spcBef>
+                <a:spcAft>
+                  <a:spcPct val="35000"/>
+                </a:spcAft>
+              </a:pPr>
+              <a:r>
+                <a:rPr lang="ru-RU" dirty="0"/>
+                <a:t>ТР ТС 034/2013 "о безопасности мяса и мясной продукции</a:t>
+              </a:r>
+              <a:endParaRPr lang="ru-RU" sz="2000" kern="1200" dirty="0"/>
+            </a:p>
+          </p:txBody>
+        </p:sp>
+      </p:grpSp>
+      <p:grpSp>
+        <p:nvGrpSpPr>
+          <p:cNvPr id="42" name="Group 41"/>
+          <p:cNvGrpSpPr/>
+          <p:nvPr/>
+        </p:nvGrpSpPr>
+        <p:grpSpPr>
+          <a:xfrm>
+            <a:off x="637425" y="2542621"/>
+            <a:ext cx="10740151" cy="431137"/>
+            <a:chOff x="1668826" y="661400"/>
+            <a:chExt cx="8810708" cy="1655893"/>
+          </a:xfrm>
+        </p:grpSpPr>
+        <p:sp>
+          <p:nvSpPr>
+            <p:cNvPr id="43" name="Pentagon 42"/>
+            <p:cNvSpPr/>
+            <p:nvPr/>
+          </p:nvSpPr>
+          <p:spPr>
+            <a:xfrm rot="10800000">
+              <a:off x="1668826" y="661400"/>
+              <a:ext cx="8810708" cy="1655893"/>
+            </a:xfrm>
+            <a:prstGeom prst="homePlate">
+              <a:avLst/>
+            </a:prstGeom>
+          </p:spPr>
+          <p:style>
+            <a:lnRef idx="2">
+              <a:schemeClr val="lt1">
+                <a:hueOff val="0"/>
+                <a:satOff val="0"/>
+                <a:lumOff val="0"/>
+                <a:alphaOff val="0"/>
+              </a:schemeClr>
+            </a:lnRef>
+            <a:fillRef idx="1">
+              <a:schemeClr val="accent1">
+                <a:hueOff val="0"/>
+                <a:satOff val="0"/>
+                <a:lumOff val="0"/>
+                <a:alphaOff val="0"/>
+              </a:schemeClr>
+            </a:fillRef>
+            <a:effectRef idx="0">
+              <a:schemeClr val="accent1">
+                <a:hueOff val="0"/>
+                <a:satOff val="0"/>
+                <a:lumOff val="0"/>
+                <a:alphaOff val="0"/>
+              </a:schemeClr>
+            </a:effectRef>
+            <a:fontRef idx="minor">
+              <a:schemeClr val="lt1"/>
+            </a:fontRef>
+          </p:style>
+        </p:sp>
+        <p:sp>
+          <p:nvSpPr>
+            <p:cNvPr id="44" name="Pentagon 4"/>
+            <p:cNvSpPr txBox="1"/>
+            <p:nvPr/>
+          </p:nvSpPr>
+          <p:spPr>
+            <a:xfrm>
+              <a:off x="2082799" y="661400"/>
+              <a:ext cx="8396735" cy="1655893"/>
+            </a:xfrm>
+            <a:prstGeom prst="rect">
+              <a:avLst/>
+            </a:prstGeom>
+          </p:spPr>
+          <p:style>
+            <a:lnRef idx="0">
+              <a:scrgbClr r="0" g="0" b="0"/>
+            </a:lnRef>
+            <a:fillRef idx="0">
+              <a:scrgbClr r="0" g="0" b="0"/>
+            </a:fillRef>
+            <a:effectRef idx="0">
+              <a:scrgbClr r="0" g="0" b="0"/>
+            </a:effectRef>
+            <a:fontRef idx="minor">
+              <a:schemeClr val="lt1"/>
+            </a:fontRef>
+          </p:style>
+          <p:txBody>
+            <a:bodyPr spcFirstLastPara="0" vert="horz" wrap="square" lIns="767060" tIns="125730" rIns="234696" bIns="125730" numCol="1" spcCol="1270" anchor="ctr" anchorCtr="0">
+              <a:noAutofit/>
+            </a:bodyPr>
+            <a:lstStyle/>
+            <a:p>
+              <a:pPr lvl="0" algn="ctr" defTabSz="1466850">
+                <a:lnSpc>
+                  <a:spcPct val="90000"/>
+                </a:lnSpc>
+                <a:spcBef>
+                  <a:spcPct val="0"/>
+                </a:spcBef>
+                <a:spcAft>
+                  <a:spcPct val="35000"/>
+                </a:spcAft>
+              </a:pPr>
+              <a:r>
+                <a:rPr lang="ru-RU" dirty="0"/>
+                <a:t>N 317  "О применении ветеринарно-санитарных мер в таможенном союзе"</a:t>
+              </a:r>
+              <a:endParaRPr lang="ru-RU" sz="2000" kern="1200" dirty="0"/>
+            </a:p>
+          </p:txBody>
+        </p:sp>
+      </p:grpSp>
+      <p:grpSp>
+        <p:nvGrpSpPr>
+          <p:cNvPr id="45" name="Group 44"/>
+          <p:cNvGrpSpPr/>
+          <p:nvPr/>
+        </p:nvGrpSpPr>
+        <p:grpSpPr>
+          <a:xfrm>
+            <a:off x="637426" y="1878098"/>
+            <a:ext cx="10740151" cy="431137"/>
+            <a:chOff x="1668826" y="661400"/>
+            <a:chExt cx="8810708" cy="1655893"/>
+          </a:xfrm>
+        </p:grpSpPr>
+        <p:sp>
+          <p:nvSpPr>
+            <p:cNvPr id="46" name="Pentagon 45"/>
+            <p:cNvSpPr/>
+            <p:nvPr/>
+          </p:nvSpPr>
+          <p:spPr>
+            <a:xfrm rot="10800000">
+              <a:off x="1668826" y="661400"/>
+              <a:ext cx="8810708" cy="1655893"/>
+            </a:xfrm>
+            <a:prstGeom prst="homePlate">
+              <a:avLst/>
+            </a:prstGeom>
+          </p:spPr>
+          <p:style>
+            <a:lnRef idx="2">
+              <a:schemeClr val="lt1">
+                <a:hueOff val="0"/>
+                <a:satOff val="0"/>
+                <a:lumOff val="0"/>
+                <a:alphaOff val="0"/>
+              </a:schemeClr>
+            </a:lnRef>
+            <a:fillRef idx="1">
+              <a:schemeClr val="accent1">
+                <a:hueOff val="0"/>
+                <a:satOff val="0"/>
+                <a:lumOff val="0"/>
+                <a:alphaOff val="0"/>
+              </a:schemeClr>
+            </a:fillRef>
+            <a:effectRef idx="0">
+              <a:schemeClr val="accent1">
+                <a:hueOff val="0"/>
+                <a:satOff val="0"/>
+                <a:lumOff val="0"/>
+                <a:alphaOff val="0"/>
+              </a:schemeClr>
+            </a:effectRef>
+            <a:fontRef idx="minor">
+              <a:schemeClr val="lt1"/>
+            </a:fontRef>
+          </p:style>
+        </p:sp>
+        <p:sp>
+          <p:nvSpPr>
+            <p:cNvPr id="47" name="Pentagon 4"/>
+            <p:cNvSpPr txBox="1"/>
+            <p:nvPr/>
+          </p:nvSpPr>
+          <p:spPr>
+            <a:xfrm>
+              <a:off x="2082799" y="661400"/>
+              <a:ext cx="8396735" cy="1655893"/>
+            </a:xfrm>
+            <a:prstGeom prst="rect">
+              <a:avLst/>
+            </a:prstGeom>
+          </p:spPr>
+          <p:style>
+            <a:lnRef idx="0">
+              <a:scrgbClr r="0" g="0" b="0"/>
+            </a:lnRef>
+            <a:fillRef idx="0">
+              <a:scrgbClr r="0" g="0" b="0"/>
+            </a:fillRef>
+            <a:effectRef idx="0">
+              <a:scrgbClr r="0" g="0" b="0"/>
+            </a:effectRef>
+            <a:fontRef idx="minor">
+              <a:schemeClr val="lt1"/>
+            </a:fontRef>
+          </p:style>
+          <p:txBody>
+            <a:bodyPr spcFirstLastPara="0" vert="horz" wrap="square" lIns="767060" tIns="125730" rIns="234696" bIns="125730" numCol="1" spcCol="1270" anchor="ctr" anchorCtr="0">
+              <a:noAutofit/>
+            </a:bodyPr>
+            <a:lstStyle/>
+            <a:p>
+              <a:pPr lvl="0" algn="ctr" defTabSz="1466850">
+                <a:lnSpc>
+                  <a:spcPct val="90000"/>
+                </a:lnSpc>
+                <a:spcBef>
+                  <a:spcPct val="0"/>
+                </a:spcBef>
+                <a:spcAft>
+                  <a:spcPct val="35000"/>
+                </a:spcAft>
+              </a:pPr>
+              <a:r>
+                <a:rPr lang="ru-RU" dirty="0"/>
+                <a:t>Соглашение таможенного союза по ветеринарно-санитарным мерам</a:t>
+              </a:r>
+              <a:endParaRPr lang="ru-RU" sz="2000" kern="1200" dirty="0"/>
+            </a:p>
+          </p:txBody>
+        </p:sp>
+      </p:grpSp>
+    </p:spTree>
+    <p:extLst>
+      <p:ext uri="{BB962C8B-B14F-4D97-AF65-F5344CB8AC3E}">
+        <p14:creationId xmlns:p14="http://schemas.microsoft.com/office/powerpoint/2010/main" val="4175419759"/>
+      </p:ext>
+    </p:extLst>
+  </p:cSld>
+  <p:clrMapOvr>
+    <a:masterClrMapping/>
+  </p:clrMapOvr>
+</p:sld>
+</file>
+
+<file path=ppt/slides/slide4.xml><?xml version="1.0" encoding="utf-8"?>
+<p:sld xmlns:a="http://schemas.openxmlformats.org/drawingml/2006/main" xmlns:r="http://schemas.openxmlformats.org/officeDocument/2006/relationships" xmlns:p="http://schemas.openxmlformats.org/presentationml/2006/main">
+  <p:cSld>
+    <p:spTree>
+      <p:nvGrpSpPr>
+        <p:cNvPr id="1" name=""/>
+        <p:cNvGrpSpPr/>
+        <p:nvPr/>
+      </p:nvGrpSpPr>
+      <p:grpSpPr>
+        <a:xfrm>
+          <a:off x="0" y="0"/>
+          <a:ext cx="0" cy="0"/>
+          <a:chOff x="0" y="0"/>
+          <a:chExt cx="0" cy="0"/>
+        </a:xfrm>
+      </p:grpSpPr>
+      <p:sp>
+        <p:nvSpPr>
+          <p:cNvPr id="2" name="Title 1"/>
+          <p:cNvSpPr>
+            <a:spLocks noGrp="1"/>
+          </p:cNvSpPr>
+          <p:nvPr>
+            <p:ph type="title"/>
+          </p:nvPr>
+        </p:nvSpPr>
+        <p:spPr/>
+        <p:txBody>
+          <a:bodyPr>
+            <a:normAutofit fontScale="90000"/>
+          </a:bodyPr>
+          <a:lstStyle/>
+          <a:p>
+            <a:r>
+              <a:rPr lang="ru-RU" dirty="0"/>
+              <a:t>Вступление Технических регламентов Таможенного союза</a:t>
+            </a:r>
+            <a:br>
+              <a:rPr lang="ru-RU" dirty="0"/>
+            </a:br>
+            <a:r>
+              <a:rPr lang="ru-RU" dirty="0"/>
+              <a:t>обязывает производителей </a:t>
+            </a:r>
+            <a:r>
+              <a:rPr lang="ru-RU" sz="4000" dirty="0"/>
+              <a:t>пищевой продукции</a:t>
+            </a:r>
+            <a:r>
+              <a:rPr lang="ru-RU" dirty="0"/>
+              <a:t>:</a:t>
+            </a:r>
+            <a:endParaRPr lang="en-US" dirty="0"/>
+          </a:p>
+        </p:txBody>
+      </p:sp>
+      <p:sp>
+        <p:nvSpPr>
+          <p:cNvPr id="3" name="Content Placeholder 2"/>
+          <p:cNvSpPr>
+            <a:spLocks noGrp="1"/>
+          </p:cNvSpPr>
+          <p:nvPr>
+            <p:ph idx="1"/>
+          </p:nvPr>
+        </p:nvSpPr>
+        <p:spPr/>
+        <p:txBody>
+          <a:bodyPr>
+            <a:normAutofit fontScale="92500" lnSpcReduction="20000"/>
+          </a:bodyPr>
+          <a:lstStyle/>
+          <a:p>
+            <a:r>
+              <a:rPr lang="ru-RU" dirty="0"/>
+              <a:t>нести ответственность за организацию производственного контроля;</a:t>
+            </a:r>
+          </a:p>
+          <a:p>
+            <a:r>
+              <a:rPr lang="ru-RU" dirty="0"/>
+              <a:t>определять и фиксировать документально свою политику в области качества и безопасности вырабатываемых продуктов;</a:t>
+            </a:r>
+          </a:p>
+          <a:p>
+            <a:r>
+              <a:rPr lang="ru-RU" dirty="0"/>
+              <a:t>выполнять обязательства по идентификации, оценке и контролю факторов риска процесса производства;</a:t>
+            </a:r>
+          </a:p>
+          <a:p>
+            <a:r>
+              <a:rPr lang="ru-RU" dirty="0"/>
+              <a:t>решать весь комплекс задач по обеспечению качества и безопасности готового продукта;</a:t>
+            </a:r>
+          </a:p>
+          <a:p>
+            <a:r>
+              <a:rPr lang="ru-RU" dirty="0"/>
+              <a:t>самостоятельно регулировать процесс разработки всей необходимой нормативной документации, включая требования к сырью и технологическому процессу производства, так как все существующие нормативные документы носят рекомендательный характер и не обеспечивают в нужном объеме требуемый контроль.</a:t>
+            </a:r>
+          </a:p>
+          <a:p>
+            <a:endParaRPr lang="en-US" dirty="0"/>
+          </a:p>
+        </p:txBody>
+      </p:sp>
+    </p:spTree>
+    <p:extLst>
+      <p:ext uri="{BB962C8B-B14F-4D97-AF65-F5344CB8AC3E}">
+        <p14:creationId xmlns:p14="http://schemas.microsoft.com/office/powerpoint/2010/main" val="38267263"/>
+      </p:ext>
+    </p:extLst>
+  </p:cSld>
+  <p:clrMapOvr>
+    <a:masterClrMapping/>
+  </p:clrMapOvr>
+</p:sld>
+</file>
+
+<file path=ppt/slides/slide5.xml><?xml version="1.0" encoding="utf-8"?>
+<p:sld xmlns:a="http://schemas.openxmlformats.org/drawingml/2006/main" xmlns:r="http://schemas.openxmlformats.org/officeDocument/2006/relationships" xmlns:p="http://schemas.openxmlformats.org/presentationml/2006/main">
+  <p:cSld>
+    <p:spTree>
+      <p:nvGrpSpPr>
+        <p:cNvPr id="1" name=""/>
+        <p:cNvGrpSpPr/>
+        <p:nvPr/>
+      </p:nvGrpSpPr>
+      <p:grpSpPr>
+        <a:xfrm>
+          <a:off x="0" y="0"/>
+          <a:ext cx="0" cy="0"/>
+          <a:chOff x="0" y="0"/>
+          <a:chExt cx="0" cy="0"/>
+        </a:xfrm>
+      </p:grpSpPr>
+      <p:sp>
+        <p:nvSpPr>
+          <p:cNvPr id="2" name="Title 1"/>
+          <p:cNvSpPr>
+            <a:spLocks noGrp="1"/>
+          </p:cNvSpPr>
+          <p:nvPr>
+            <p:ph type="title"/>
+          </p:nvPr>
+        </p:nvSpPr>
+        <p:spPr/>
+        <p:txBody>
+          <a:bodyPr>
+            <a:normAutofit fontScale="90000"/>
+          </a:bodyPr>
+          <a:lstStyle/>
+          <a:p>
+            <a:r>
+              <a:rPr lang="ru-RU" dirty="0"/>
+              <a:t>Ветеринарно-санитарная экспертиза</a:t>
+            </a:r>
+            <a:br>
+              <a:rPr lang="ru-RU" dirty="0"/>
+            </a:br>
+            <a:r>
+              <a:rPr lang="ru-RU" dirty="0"/>
+              <a:t>для пищевой продукции животного происхождения</a:t>
+            </a:r>
+            <a:br>
+              <a:rPr lang="ru-RU" dirty="0"/>
+            </a:br>
+            <a:endParaRPr lang="en-US" dirty="0"/>
+          </a:p>
+        </p:txBody>
+      </p:sp>
+      <p:sp>
+        <p:nvSpPr>
+          <p:cNvPr id="3" name="Content Placeholder 2"/>
+          <p:cNvSpPr>
+            <a:spLocks noGrp="1"/>
+          </p:cNvSpPr>
+          <p:nvPr>
+            <p:ph idx="1"/>
+          </p:nvPr>
+        </p:nvSpPr>
+        <p:spPr/>
+        <p:txBody>
+          <a:bodyPr>
+            <a:normAutofit/>
+          </a:bodyPr>
+          <a:lstStyle/>
+          <a:p>
+            <a:r>
+              <a:rPr lang="ru-RU" dirty="0"/>
+              <a:t>Осуществляют специалисты службы Государственного ветеринарного контроля (ГВС)</a:t>
+            </a:r>
+          </a:p>
+          <a:p>
+            <a:r>
+              <a:rPr lang="ru-RU" dirty="0"/>
+              <a:t> оформляют в электронном виде с 1 января 2016 года</a:t>
+            </a:r>
+          </a:p>
+          <a:p>
+            <a:r>
+              <a:rPr lang="ru-RU" dirty="0"/>
+              <a:t>Здоровье скота и сельскохозяйственной птицы, поставляемых на убой, контролируют по сопроводительным ветеринарным документам установленной формы и путем ветеринарного осмотра их на предприятиях согласно ветеринарно-санитарных правил</a:t>
+            </a:r>
+          </a:p>
+        </p:txBody>
+      </p:sp>
+    </p:spTree>
+    <p:extLst>
+      <p:ext uri="{BB962C8B-B14F-4D97-AF65-F5344CB8AC3E}">
+        <p14:creationId xmlns:p14="http://schemas.microsoft.com/office/powerpoint/2010/main" val="3587197030"/>
+      </p:ext>
+    </p:extLst>
+  </p:cSld>
+  <p:clrMapOvr>
+    <a:masterClrMapping/>
+  </p:clrMapOvr>
+</p:sld>
+</file>
+
+<file path=ppt/slides/slide6.xml><?xml version="1.0" encoding="utf-8"?>
+<p:sld xmlns:a="http://schemas.openxmlformats.org/drawingml/2006/main" xmlns:r="http://schemas.openxmlformats.org/officeDocument/2006/relationships" xmlns:p="http://schemas.openxmlformats.org/presentationml/2006/main">
+  <p:cSld>
+    <p:spTree>
+      <p:nvGrpSpPr>
+        <p:cNvPr id="1" name=""/>
+        <p:cNvGrpSpPr/>
+        <p:nvPr/>
+      </p:nvGrpSpPr>
+      <p:grpSpPr>
+        <a:xfrm>
+          <a:off x="0" y="0"/>
+          <a:ext cx="0" cy="0"/>
+          <a:chOff x="0" y="0"/>
+          <a:chExt cx="0" cy="0"/>
+        </a:xfrm>
+      </p:grpSpPr>
+      <p:pic>
+        <p:nvPicPr>
+          <p:cNvPr id="6" name="Picture 2"/>
+          <p:cNvPicPr>
+            <a:picLocks noGrp="1" noChangeAspect="1" noChangeArrowheads="1"/>
+          </p:cNvPicPr>
+          <p:nvPr>
+            <p:ph idx="1"/>
+          </p:nvPr>
+        </p:nvPicPr>
+        <p:blipFill rotWithShape="1">
+          <a:blip r:embed="rId2">
+            <a:extLst>
+              <a:ext uri="{28A0092B-C50C-407E-A947-70E740481C1C}">
+                <a14:useLocalDpi xmlns:a14="http://schemas.microsoft.com/office/drawing/2010/main" val="0"/>
+              </a:ext>
+            </a:extLst>
+          </a:blip>
+          <a:srcRect t="2716" r="323" b="11575"/>
+          <a:stretch/>
+        </p:blipFill>
+        <p:spPr bwMode="auto">
+          <a:xfrm>
+            <a:off x="814388" y="0"/>
+            <a:ext cx="10550273" cy="6858000"/>
+          </a:xfrm>
+          <a:prstGeom prst="rect">
+            <a:avLst/>
+          </a:prstGeom>
+          <a:noFill/>
+          <a:ln>
+            <a:noFill/>
+          </a:ln>
+          <a:effectLst/>
+          <a:extLst>
+            <a:ext uri="{909E8E84-426E-40DD-AFC4-6F175D3DCCD1}">
+              <a14:hiddenFill xmlns:a14="http://schemas.microsoft.com/office/drawing/2010/main">
+                <a:solidFill>
+                  <a:schemeClr val="accent1"/>
+                </a:solidFill>
+              </a14:hiddenFill>
+            </a:ext>
+            <a:ext uri="{91240B29-F687-4F45-9708-019B960494DF}">
+              <a14:hiddenLine xmlns:a14="http://schemas.microsoft.com/office/drawing/2010/main" w="9525">
+                <a:solidFill>
+                  <a:schemeClr val="tx1"/>
+                </a:solidFill>
+                <a:miter lim="800000"/>
+                <a:headEnd/>
+                <a:tailEnd/>
+              </a14:hiddenLine>
+            </a:ext>
+            <a:ext uri="{AF507438-7753-43E0-B8FC-AC1667EBCBE1}">
+              <a14:hiddenEffects xmlns:a14="http://schemas.microsoft.com/office/drawing/2010/main">
+                <a:effectLst>
+                  <a:outerShdw dist="35921" dir="2700000" algn="ctr" rotWithShape="0">
+                    <a:schemeClr val="bg2"/>
+                  </a:outerShdw>
+                </a:effectLst>
+              </a14:hiddenEffects>
+            </a:ext>
+          </a:extLst>
+        </p:spPr>
+      </p:pic>
+    </p:spTree>
+    <p:extLst>
+      <p:ext uri="{BB962C8B-B14F-4D97-AF65-F5344CB8AC3E}">
+        <p14:creationId xmlns:p14="http://schemas.microsoft.com/office/powerpoint/2010/main" val="3734106602"/>
+      </p:ext>
+    </p:extLst>
+  </p:cSld>
+  <p:clrMapOvr>
+    <a:masterClrMapping/>
+  </p:clrMapOvr>
+</p:sld>
+</file>
+
+<file path=ppt/slides/slide7.xml><?xml version="1.0" encoding="utf-8"?>
+<p:sld xmlns:a="http://schemas.openxmlformats.org/drawingml/2006/main" xmlns:r="http://schemas.openxmlformats.org/officeDocument/2006/relationships" xmlns:p="http://schemas.openxmlformats.org/presentationml/2006/main">
+  <p:cSld>
+    <p:spTree>
+      <p:nvGrpSpPr>
+        <p:cNvPr id="1" name=""/>
+        <p:cNvGrpSpPr/>
+        <p:nvPr/>
+      </p:nvGrpSpPr>
+      <p:grpSpPr>
+        <a:xfrm>
+          <a:off x="0" y="0"/>
+          <a:ext cx="0" cy="0"/>
+          <a:chOff x="0" y="0"/>
+          <a:chExt cx="0" cy="0"/>
+        </a:xfrm>
+      </p:grpSpPr>
+      <p:pic>
+        <p:nvPicPr>
+          <p:cNvPr id="3" name="Picture 2"/>
+          <p:cNvPicPr>
+            <a:picLocks noChangeAspect="1"/>
+          </p:cNvPicPr>
+          <p:nvPr/>
+        </p:nvPicPr>
+        <p:blipFill>
+          <a:blip r:embed="rId2"/>
+          <a:stretch>
+            <a:fillRect/>
+          </a:stretch>
+        </p:blipFill>
+        <p:spPr>
+          <a:xfrm>
+            <a:off x="1104900" y="0"/>
+            <a:ext cx="10382250" cy="3629025"/>
+          </a:xfrm>
+          <a:prstGeom prst="rect">
+            <a:avLst/>
+          </a:prstGeom>
+        </p:spPr>
+      </p:pic>
+      <p:pic>
+        <p:nvPicPr>
+          <p:cNvPr id="5" name="Picture 4"/>
+          <p:cNvPicPr>
+            <a:picLocks noChangeAspect="1"/>
+          </p:cNvPicPr>
+          <p:nvPr/>
+        </p:nvPicPr>
+        <p:blipFill>
+          <a:blip r:embed="rId3"/>
+          <a:stretch>
+            <a:fillRect/>
+          </a:stretch>
+        </p:blipFill>
+        <p:spPr>
+          <a:xfrm>
+            <a:off x="3238500" y="3629025"/>
+            <a:ext cx="2519363" cy="3157602"/>
+          </a:xfrm>
+          <a:prstGeom prst="rect">
+            <a:avLst/>
+          </a:prstGeom>
+        </p:spPr>
+      </p:pic>
+      <p:pic>
+        <p:nvPicPr>
+          <p:cNvPr id="7" name="Picture 6"/>
+          <p:cNvPicPr>
+            <a:picLocks noChangeAspect="1"/>
+          </p:cNvPicPr>
+          <p:nvPr/>
+        </p:nvPicPr>
+        <p:blipFill>
+          <a:blip r:embed="rId4"/>
+          <a:stretch>
+            <a:fillRect/>
+          </a:stretch>
+        </p:blipFill>
+        <p:spPr>
+          <a:xfrm>
+            <a:off x="6063352" y="3670329"/>
+            <a:ext cx="2480573" cy="3116298"/>
+          </a:xfrm>
+          <a:prstGeom prst="rect">
+            <a:avLst/>
+          </a:prstGeom>
+        </p:spPr>
+      </p:pic>
+    </p:spTree>
+    <p:extLst>
+      <p:ext uri="{BB962C8B-B14F-4D97-AF65-F5344CB8AC3E}">
+        <p14:creationId xmlns:p14="http://schemas.microsoft.com/office/powerpoint/2010/main" val="3305726475"/>
+      </p:ext>
+    </p:extLst>
+  </p:cSld>
+  <p:clrMapOvr>
+    <a:masterClrMapping/>
+  </p:clrMapOvr>
+</p:sld>
+</file>
+
+<file path=ppt/slides/slide8.xml><?xml version="1.0" encoding="utf-8"?>
+<p:sld xmlns:a="http://schemas.openxmlformats.org/drawingml/2006/main" xmlns:r="http://schemas.openxmlformats.org/officeDocument/2006/relationships" xmlns:p="http://schemas.openxmlformats.org/presentationml/2006/main">
+  <p:cSld>
+    <p:spTree>
+      <p:nvGrpSpPr>
+        <p:cNvPr id="1" name=""/>
+        <p:cNvGrpSpPr/>
+        <p:nvPr/>
+      </p:nvGrpSpPr>
+      <p:grpSpPr>
+        <a:xfrm>
+          <a:off x="0" y="0"/>
+          <a:ext cx="0" cy="0"/>
+          <a:chOff x="0" y="0"/>
+          <a:chExt cx="0" cy="0"/>
+        </a:xfrm>
+      </p:grpSpPr>
+      <p:sp>
+        <p:nvSpPr>
+          <p:cNvPr id="2" name="Title 1"/>
+          <p:cNvSpPr>
+            <a:spLocks noGrp="1"/>
+          </p:cNvSpPr>
+          <p:nvPr>
+            <p:ph type="title"/>
+          </p:nvPr>
+        </p:nvSpPr>
+        <p:spPr/>
+        <p:txBody>
+          <a:bodyPr>
+            <a:normAutofit fontScale="90000"/>
+          </a:bodyPr>
+          <a:lstStyle/>
+          <a:p>
+            <a:pPr algn="ctr"/>
+            <a:r>
+              <a:rPr lang="ru-RU" dirty="0"/>
+              <a:t>Ветеринарно-санитарная экспертиза</a:t>
+            </a:r>
+            <a:br>
+              <a:rPr lang="ru-RU" dirty="0"/>
+            </a:br>
+            <a:r>
+              <a:rPr lang="ru-RU" dirty="0"/>
+              <a:t>для пищевой продукции животного происхождения</a:t>
+            </a:r>
+            <a:br>
+              <a:rPr lang="ru-RU" dirty="0"/>
+            </a:br>
+            <a:endParaRPr lang="en-US" dirty="0"/>
+          </a:p>
+        </p:txBody>
+      </p:sp>
+      <p:sp>
+        <p:nvSpPr>
+          <p:cNvPr id="3" name="Content Placeholder 2"/>
+          <p:cNvSpPr>
+            <a:spLocks noGrp="1"/>
+          </p:cNvSpPr>
+          <p:nvPr>
+            <p:ph idx="1"/>
+          </p:nvPr>
+        </p:nvSpPr>
+        <p:spPr/>
+        <p:txBody>
+          <a:bodyPr/>
+          <a:lstStyle/>
+          <a:p>
+            <a:r>
+              <a:rPr lang="ru-RU" dirty="0"/>
+              <a:t>Осуществляют специалисты службы Государственного ветеринарного контроля (ГВС)</a:t>
+            </a:r>
+          </a:p>
+          <a:p>
+            <a:r>
+              <a:rPr lang="ru-RU" dirty="0"/>
+              <a:t> оформляют в электронном виде с 1 января 2016 года</a:t>
+            </a:r>
+          </a:p>
+          <a:p>
+            <a:r>
+              <a:rPr lang="ru-RU" dirty="0"/>
+              <a:t>Здоровье скота и сельскохозяйственной птицы, поставляемых на убой, контролируют по сопроводительным ветеринарным документам установленной формы и путем ветеринарного осмотра их на предприятиях согласно ветеринарно-санитарных правил</a:t>
+            </a:r>
+          </a:p>
+          <a:p>
+            <a:endParaRPr lang="en-US" dirty="0"/>
+          </a:p>
+        </p:txBody>
+      </p:sp>
+    </p:spTree>
+    <p:extLst>
+      <p:ext uri="{BB962C8B-B14F-4D97-AF65-F5344CB8AC3E}">
+        <p14:creationId xmlns:p14="http://schemas.microsoft.com/office/powerpoint/2010/main" val="1063656951"/>
       </p:ext>
     </p:extLst>
   </p:cSld>

--- a/Презентация.pptx
+++ b/Презентация.pptx
@@ -7,12 +7,19 @@
   <p:sldIdLst>
     <p:sldId id="256" r:id="rId2"/>
     <p:sldId id="257" r:id="rId3"/>
-    <p:sldId id="258" r:id="rId4"/>
-    <p:sldId id="260" r:id="rId5"/>
-    <p:sldId id="261" r:id="rId6"/>
-    <p:sldId id="262" r:id="rId7"/>
-    <p:sldId id="263" r:id="rId8"/>
-    <p:sldId id="259" r:id="rId9"/>
+    <p:sldId id="264" r:id="rId4"/>
+    <p:sldId id="269" r:id="rId5"/>
+    <p:sldId id="270" r:id="rId6"/>
+    <p:sldId id="266" r:id="rId7"/>
+    <p:sldId id="258" r:id="rId8"/>
+    <p:sldId id="260" r:id="rId9"/>
+    <p:sldId id="261" r:id="rId10"/>
+    <p:sldId id="262" r:id="rId11"/>
+    <p:sldId id="263" r:id="rId12"/>
+    <p:sldId id="267" r:id="rId13"/>
+    <p:sldId id="268" r:id="rId14"/>
+    <p:sldId id="259" r:id="rId15"/>
+    <p:sldId id="265" r:id="rId16"/>
   </p:sldIdLst>
   <p:sldSz cx="12192000" cy="6858000"/>
   <p:notesSz cx="6858000" cy="9144000"/>
@@ -3258,6 +3265,979 @@
 </p:sld>
 </file>
 
+<file path=ppt/slides/slide10.xml><?xml version="1.0" encoding="utf-8"?>
+<p:sld xmlns:a="http://schemas.openxmlformats.org/drawingml/2006/main" xmlns:r="http://schemas.openxmlformats.org/officeDocument/2006/relationships" xmlns:p="http://schemas.openxmlformats.org/presentationml/2006/main">
+  <p:cSld>
+    <p:spTree>
+      <p:nvGrpSpPr>
+        <p:cNvPr id="1" name=""/>
+        <p:cNvGrpSpPr/>
+        <p:nvPr/>
+      </p:nvGrpSpPr>
+      <p:grpSpPr>
+        <a:xfrm>
+          <a:off x="0" y="0"/>
+          <a:ext cx="0" cy="0"/>
+          <a:chOff x="0" y="0"/>
+          <a:chExt cx="0" cy="0"/>
+        </a:xfrm>
+      </p:grpSpPr>
+      <p:pic>
+        <p:nvPicPr>
+          <p:cNvPr id="6" name="Picture 2"/>
+          <p:cNvPicPr>
+            <a:picLocks noGrp="1" noChangeAspect="1" noChangeArrowheads="1"/>
+          </p:cNvPicPr>
+          <p:nvPr>
+            <p:ph idx="1"/>
+          </p:nvPr>
+        </p:nvPicPr>
+        <p:blipFill rotWithShape="1">
+          <a:blip r:embed="rId2">
+            <a:extLst>
+              <a:ext uri="{28A0092B-C50C-407E-A947-70E740481C1C}">
+                <a14:useLocalDpi xmlns:a14="http://schemas.microsoft.com/office/drawing/2010/main" val="0"/>
+              </a:ext>
+            </a:extLst>
+          </a:blip>
+          <a:srcRect t="2716" r="323" b="11575"/>
+          <a:stretch/>
+        </p:blipFill>
+        <p:spPr bwMode="auto">
+          <a:xfrm>
+            <a:off x="814388" y="0"/>
+            <a:ext cx="10550273" cy="6858000"/>
+          </a:xfrm>
+          <a:prstGeom prst="rect">
+            <a:avLst/>
+          </a:prstGeom>
+          <a:noFill/>
+          <a:ln>
+            <a:noFill/>
+          </a:ln>
+          <a:effectLst/>
+          <a:extLst>
+            <a:ext uri="{909E8E84-426E-40DD-AFC4-6F175D3DCCD1}">
+              <a14:hiddenFill xmlns:a14="http://schemas.microsoft.com/office/drawing/2010/main">
+                <a:solidFill>
+                  <a:schemeClr val="accent1"/>
+                </a:solidFill>
+              </a14:hiddenFill>
+            </a:ext>
+            <a:ext uri="{91240B29-F687-4F45-9708-019B960494DF}">
+              <a14:hiddenLine xmlns:a14="http://schemas.microsoft.com/office/drawing/2010/main" w="9525">
+                <a:solidFill>
+                  <a:schemeClr val="tx1"/>
+                </a:solidFill>
+                <a:miter lim="800000"/>
+                <a:headEnd/>
+                <a:tailEnd/>
+              </a14:hiddenLine>
+            </a:ext>
+            <a:ext uri="{AF507438-7753-43E0-B8FC-AC1667EBCBE1}">
+              <a14:hiddenEffects xmlns:a14="http://schemas.microsoft.com/office/drawing/2010/main">
+                <a:effectLst>
+                  <a:outerShdw dist="35921" dir="2700000" algn="ctr" rotWithShape="0">
+                    <a:schemeClr val="bg2"/>
+                  </a:outerShdw>
+                </a:effectLst>
+              </a14:hiddenEffects>
+            </a:ext>
+          </a:extLst>
+        </p:spPr>
+      </p:pic>
+    </p:spTree>
+    <p:extLst>
+      <p:ext uri="{BB962C8B-B14F-4D97-AF65-F5344CB8AC3E}">
+        <p14:creationId xmlns:p14="http://schemas.microsoft.com/office/powerpoint/2010/main" val="3734106602"/>
+      </p:ext>
+    </p:extLst>
+  </p:cSld>
+  <p:clrMapOvr>
+    <a:masterClrMapping/>
+  </p:clrMapOvr>
+</p:sld>
+</file>
+
+<file path=ppt/slides/slide11.xml><?xml version="1.0" encoding="utf-8"?>
+<p:sld xmlns:a="http://schemas.openxmlformats.org/drawingml/2006/main" xmlns:r="http://schemas.openxmlformats.org/officeDocument/2006/relationships" xmlns:p="http://schemas.openxmlformats.org/presentationml/2006/main">
+  <p:cSld>
+    <p:spTree>
+      <p:nvGrpSpPr>
+        <p:cNvPr id="1" name=""/>
+        <p:cNvGrpSpPr/>
+        <p:nvPr/>
+      </p:nvGrpSpPr>
+      <p:grpSpPr>
+        <a:xfrm>
+          <a:off x="0" y="0"/>
+          <a:ext cx="0" cy="0"/>
+          <a:chOff x="0" y="0"/>
+          <a:chExt cx="0" cy="0"/>
+        </a:xfrm>
+      </p:grpSpPr>
+      <p:pic>
+        <p:nvPicPr>
+          <p:cNvPr id="3" name="Picture 2"/>
+          <p:cNvPicPr>
+            <a:picLocks noChangeAspect="1"/>
+          </p:cNvPicPr>
+          <p:nvPr/>
+        </p:nvPicPr>
+        <p:blipFill>
+          <a:blip r:embed="rId2"/>
+          <a:stretch>
+            <a:fillRect/>
+          </a:stretch>
+        </p:blipFill>
+        <p:spPr>
+          <a:xfrm>
+            <a:off x="1104900" y="0"/>
+            <a:ext cx="10382250" cy="3629025"/>
+          </a:xfrm>
+          <a:prstGeom prst="rect">
+            <a:avLst/>
+          </a:prstGeom>
+        </p:spPr>
+      </p:pic>
+      <p:pic>
+        <p:nvPicPr>
+          <p:cNvPr id="5" name="Picture 4"/>
+          <p:cNvPicPr>
+            <a:picLocks noChangeAspect="1"/>
+          </p:cNvPicPr>
+          <p:nvPr/>
+        </p:nvPicPr>
+        <p:blipFill>
+          <a:blip r:embed="rId3"/>
+          <a:stretch>
+            <a:fillRect/>
+          </a:stretch>
+        </p:blipFill>
+        <p:spPr>
+          <a:xfrm>
+            <a:off x="3238500" y="3629025"/>
+            <a:ext cx="2519363" cy="3157602"/>
+          </a:xfrm>
+          <a:prstGeom prst="rect">
+            <a:avLst/>
+          </a:prstGeom>
+        </p:spPr>
+      </p:pic>
+      <p:pic>
+        <p:nvPicPr>
+          <p:cNvPr id="7" name="Picture 6"/>
+          <p:cNvPicPr>
+            <a:picLocks noChangeAspect="1"/>
+          </p:cNvPicPr>
+          <p:nvPr/>
+        </p:nvPicPr>
+        <p:blipFill>
+          <a:blip r:embed="rId4"/>
+          <a:stretch>
+            <a:fillRect/>
+          </a:stretch>
+        </p:blipFill>
+        <p:spPr>
+          <a:xfrm>
+            <a:off x="6063352" y="3670329"/>
+            <a:ext cx="2480573" cy="3116298"/>
+          </a:xfrm>
+          <a:prstGeom prst="rect">
+            <a:avLst/>
+          </a:prstGeom>
+        </p:spPr>
+      </p:pic>
+    </p:spTree>
+    <p:extLst>
+      <p:ext uri="{BB962C8B-B14F-4D97-AF65-F5344CB8AC3E}">
+        <p14:creationId xmlns:p14="http://schemas.microsoft.com/office/powerpoint/2010/main" val="3305726475"/>
+      </p:ext>
+    </p:extLst>
+  </p:cSld>
+  <p:clrMapOvr>
+    <a:masterClrMapping/>
+  </p:clrMapOvr>
+</p:sld>
+</file>
+
+<file path=ppt/slides/slide12.xml><?xml version="1.0" encoding="utf-8"?>
+<p:sld xmlns:a="http://schemas.openxmlformats.org/drawingml/2006/main" xmlns:r="http://schemas.openxmlformats.org/officeDocument/2006/relationships" xmlns:p="http://schemas.openxmlformats.org/presentationml/2006/main">
+  <p:cSld>
+    <p:spTree>
+      <p:nvGrpSpPr>
+        <p:cNvPr id="1" name=""/>
+        <p:cNvGrpSpPr/>
+        <p:nvPr/>
+      </p:nvGrpSpPr>
+      <p:grpSpPr>
+        <a:xfrm>
+          <a:off x="0" y="0"/>
+          <a:ext cx="0" cy="0"/>
+          <a:chOff x="0" y="0"/>
+          <a:chExt cx="0" cy="0"/>
+        </a:xfrm>
+      </p:grpSpPr>
+      <p:pic>
+        <p:nvPicPr>
+          <p:cNvPr id="4098" name="Picture 2"/>
+          <p:cNvPicPr>
+            <a:picLocks noGrp="1" noChangeAspect="1" noChangeArrowheads="1"/>
+          </p:cNvPicPr>
+          <p:nvPr>
+            <p:ph idx="1"/>
+          </p:nvPr>
+        </p:nvPicPr>
+        <p:blipFill rotWithShape="1">
+          <a:blip r:embed="rId2">
+            <a:extLst>
+              <a:ext uri="{28A0092B-C50C-407E-A947-70E740481C1C}">
+                <a14:useLocalDpi xmlns:a14="http://schemas.microsoft.com/office/drawing/2010/main" val="0"/>
+              </a:ext>
+            </a:extLst>
+          </a:blip>
+          <a:srcRect l="-231" t="524" r="-374" b="12227"/>
+          <a:stretch/>
+        </p:blipFill>
+        <p:spPr bwMode="auto">
+          <a:xfrm>
+            <a:off x="1325721" y="0"/>
+            <a:ext cx="9818289" cy="6858000"/>
+          </a:xfrm>
+          <a:prstGeom prst="rect">
+            <a:avLst/>
+          </a:prstGeom>
+          <a:noFill/>
+          <a:ln>
+            <a:noFill/>
+          </a:ln>
+          <a:effectLst/>
+          <a:extLst>
+            <a:ext uri="{909E8E84-426E-40DD-AFC4-6F175D3DCCD1}">
+              <a14:hiddenFill xmlns:a14="http://schemas.microsoft.com/office/drawing/2010/main">
+                <a:solidFill>
+                  <a:schemeClr val="accent1"/>
+                </a:solidFill>
+              </a14:hiddenFill>
+            </a:ext>
+            <a:ext uri="{91240B29-F687-4F45-9708-019B960494DF}">
+              <a14:hiddenLine xmlns:a14="http://schemas.microsoft.com/office/drawing/2010/main" w="9525">
+                <a:solidFill>
+                  <a:schemeClr val="tx1"/>
+                </a:solidFill>
+                <a:miter lim="800000"/>
+                <a:headEnd/>
+                <a:tailEnd/>
+              </a14:hiddenLine>
+            </a:ext>
+            <a:ext uri="{AF507438-7753-43E0-B8FC-AC1667EBCBE1}">
+              <a14:hiddenEffects xmlns:a14="http://schemas.microsoft.com/office/drawing/2010/main">
+                <a:effectLst>
+                  <a:outerShdw dist="35921" dir="2700000" algn="ctr" rotWithShape="0">
+                    <a:schemeClr val="bg2"/>
+                  </a:outerShdw>
+                </a:effectLst>
+              </a14:hiddenEffects>
+            </a:ext>
+          </a:extLst>
+        </p:spPr>
+      </p:pic>
+    </p:spTree>
+    <p:extLst>
+      <p:ext uri="{BB962C8B-B14F-4D97-AF65-F5344CB8AC3E}">
+        <p14:creationId xmlns:p14="http://schemas.microsoft.com/office/powerpoint/2010/main" val="3334019438"/>
+      </p:ext>
+    </p:extLst>
+  </p:cSld>
+  <p:clrMapOvr>
+    <a:masterClrMapping/>
+  </p:clrMapOvr>
+</p:sld>
+</file>
+
+<file path=ppt/slides/slide13.xml><?xml version="1.0" encoding="utf-8"?>
+<p:sld xmlns:a="http://schemas.openxmlformats.org/drawingml/2006/main" xmlns:r="http://schemas.openxmlformats.org/officeDocument/2006/relationships" xmlns:p="http://schemas.openxmlformats.org/presentationml/2006/main">
+  <p:cSld>
+    <p:spTree>
+      <p:nvGrpSpPr>
+        <p:cNvPr id="1" name=""/>
+        <p:cNvGrpSpPr/>
+        <p:nvPr/>
+      </p:nvGrpSpPr>
+      <p:grpSpPr>
+        <a:xfrm>
+          <a:off x="0" y="0"/>
+          <a:ext cx="0" cy="0"/>
+          <a:chOff x="0" y="0"/>
+          <a:chExt cx="0" cy="0"/>
+        </a:xfrm>
+      </p:grpSpPr>
+      <p:sp>
+        <p:nvSpPr>
+          <p:cNvPr id="2" name="Заголовок 1"/>
+          <p:cNvSpPr>
+            <a:spLocks noGrp="1"/>
+          </p:cNvSpPr>
+          <p:nvPr>
+            <p:ph type="title"/>
+          </p:nvPr>
+        </p:nvSpPr>
+        <p:spPr>
+          <a:xfrm>
+            <a:off x="457200" y="-85725"/>
+            <a:ext cx="11734800" cy="1901951"/>
+          </a:xfrm>
+        </p:spPr>
+        <p:txBody>
+          <a:bodyPr>
+            <a:noAutofit/>
+          </a:bodyPr>
+          <a:lstStyle/>
+          <a:p>
+            <a:pPr>
+              <a:spcBef>
+                <a:spcPts val="600"/>
+              </a:spcBef>
+            </a:pPr>
+            <a:r>
+              <a:rPr lang="ru-RU" sz="3600" dirty="0"/>
+              <a:t>КАК ПОКАЗЫВАЕТ ПРАКТИКА </a:t>
+            </a:r>
+            <a:br>
+              <a:rPr lang="ru-RU" sz="3600" dirty="0"/>
+            </a:br>
+            <a:r>
+              <a:rPr lang="ru-RU" sz="3600" dirty="0"/>
+              <a:t>ВСЭ форме электронного свидетельства не обеспечивает достоверной прослеживаемости поскольку</a:t>
+            </a:r>
+            <a:r>
+              <a:rPr lang="ru-RU" sz="4000" dirty="0"/>
+              <a:t>:</a:t>
+            </a:r>
+          </a:p>
+        </p:txBody>
+      </p:sp>
+      <p:grpSp>
+        <p:nvGrpSpPr>
+          <p:cNvPr id="4" name="Group 3"/>
+          <p:cNvGrpSpPr/>
+          <p:nvPr/>
+        </p:nvGrpSpPr>
+        <p:grpSpPr>
+          <a:xfrm>
+            <a:off x="720926" y="1749980"/>
+            <a:ext cx="10740151" cy="991241"/>
+            <a:chOff x="1668826" y="661400"/>
+            <a:chExt cx="8810708" cy="1655893"/>
+          </a:xfrm>
+        </p:grpSpPr>
+        <p:sp>
+          <p:nvSpPr>
+            <p:cNvPr id="5" name="Pentagon 4"/>
+            <p:cNvSpPr/>
+            <p:nvPr/>
+          </p:nvSpPr>
+          <p:spPr>
+            <a:xfrm rot="10800000">
+              <a:off x="1668826" y="661400"/>
+              <a:ext cx="8810708" cy="1655893"/>
+            </a:xfrm>
+            <a:prstGeom prst="homePlate">
+              <a:avLst/>
+            </a:prstGeom>
+          </p:spPr>
+          <p:style>
+            <a:lnRef idx="2">
+              <a:schemeClr val="lt1">
+                <a:hueOff val="0"/>
+                <a:satOff val="0"/>
+                <a:lumOff val="0"/>
+                <a:alphaOff val="0"/>
+              </a:schemeClr>
+            </a:lnRef>
+            <a:fillRef idx="1">
+              <a:schemeClr val="accent1">
+                <a:hueOff val="0"/>
+                <a:satOff val="0"/>
+                <a:lumOff val="0"/>
+                <a:alphaOff val="0"/>
+              </a:schemeClr>
+            </a:fillRef>
+            <a:effectRef idx="0">
+              <a:schemeClr val="accent1">
+                <a:hueOff val="0"/>
+                <a:satOff val="0"/>
+                <a:lumOff val="0"/>
+                <a:alphaOff val="0"/>
+              </a:schemeClr>
+            </a:effectRef>
+            <a:fontRef idx="minor">
+              <a:schemeClr val="lt1"/>
+            </a:fontRef>
+          </p:style>
+        </p:sp>
+        <p:sp>
+          <p:nvSpPr>
+            <p:cNvPr id="7" name="Pentagon 4"/>
+            <p:cNvSpPr txBox="1"/>
+            <p:nvPr/>
+          </p:nvSpPr>
+          <p:spPr>
+            <a:xfrm>
+              <a:off x="2082799" y="661400"/>
+              <a:ext cx="8396735" cy="1655893"/>
+            </a:xfrm>
+            <a:prstGeom prst="rect">
+              <a:avLst/>
+            </a:prstGeom>
+          </p:spPr>
+          <p:style>
+            <a:lnRef idx="0">
+              <a:scrgbClr r="0" g="0" b="0"/>
+            </a:lnRef>
+            <a:fillRef idx="0">
+              <a:scrgbClr r="0" g="0" b="0"/>
+            </a:fillRef>
+            <a:effectRef idx="0">
+              <a:scrgbClr r="0" g="0" b="0"/>
+            </a:effectRef>
+            <a:fontRef idx="minor">
+              <a:schemeClr val="lt1"/>
+            </a:fontRef>
+          </p:style>
+          <p:txBody>
+            <a:bodyPr spcFirstLastPara="0" vert="horz" wrap="square" lIns="767060" tIns="125730" rIns="234696" bIns="125730" numCol="1" spcCol="1270" anchor="ctr" anchorCtr="0">
+              <a:noAutofit/>
+            </a:bodyPr>
+            <a:lstStyle/>
+            <a:p>
+              <a:pPr lvl="0"/>
+              <a:r>
+                <a:rPr lang="ru-RU" sz="2000" dirty="0"/>
+                <a:t>информация о дате производства указывается в интервале и у производителя продукции нет точных сведений о распространении партии товара по торговым  точкам</a:t>
+              </a:r>
+              <a:r>
+                <a:rPr lang="ru-RU" sz="1600" dirty="0"/>
+                <a:t>;</a:t>
+              </a:r>
+            </a:p>
+          </p:txBody>
+        </p:sp>
+      </p:grpSp>
+      <p:grpSp>
+        <p:nvGrpSpPr>
+          <p:cNvPr id="8" name="Group 7"/>
+          <p:cNvGrpSpPr/>
+          <p:nvPr/>
+        </p:nvGrpSpPr>
+        <p:grpSpPr>
+          <a:xfrm>
+            <a:off x="720926" y="5297190"/>
+            <a:ext cx="10740151" cy="991241"/>
+            <a:chOff x="1668826" y="661400"/>
+            <a:chExt cx="8810708" cy="1655893"/>
+          </a:xfrm>
+        </p:grpSpPr>
+        <p:sp>
+          <p:nvSpPr>
+            <p:cNvPr id="9" name="Pentagon 8"/>
+            <p:cNvSpPr/>
+            <p:nvPr/>
+          </p:nvSpPr>
+          <p:spPr>
+            <a:xfrm rot="10800000">
+              <a:off x="1668826" y="661400"/>
+              <a:ext cx="8810708" cy="1655893"/>
+            </a:xfrm>
+            <a:prstGeom prst="homePlate">
+              <a:avLst/>
+            </a:prstGeom>
+          </p:spPr>
+          <p:style>
+            <a:lnRef idx="2">
+              <a:schemeClr val="lt1">
+                <a:hueOff val="0"/>
+                <a:satOff val="0"/>
+                <a:lumOff val="0"/>
+                <a:alphaOff val="0"/>
+              </a:schemeClr>
+            </a:lnRef>
+            <a:fillRef idx="1">
+              <a:schemeClr val="accent1">
+                <a:hueOff val="0"/>
+                <a:satOff val="0"/>
+                <a:lumOff val="0"/>
+                <a:alphaOff val="0"/>
+              </a:schemeClr>
+            </a:fillRef>
+            <a:effectRef idx="0">
+              <a:schemeClr val="accent1">
+                <a:hueOff val="0"/>
+                <a:satOff val="0"/>
+                <a:lumOff val="0"/>
+                <a:alphaOff val="0"/>
+              </a:schemeClr>
+            </a:effectRef>
+            <a:fontRef idx="minor">
+              <a:schemeClr val="lt1"/>
+            </a:fontRef>
+          </p:style>
+        </p:sp>
+        <p:sp>
+          <p:nvSpPr>
+            <p:cNvPr id="10" name="Pentagon 4"/>
+            <p:cNvSpPr txBox="1"/>
+            <p:nvPr/>
+          </p:nvSpPr>
+          <p:spPr>
+            <a:xfrm>
+              <a:off x="2082799" y="661400"/>
+              <a:ext cx="8396735" cy="1655893"/>
+            </a:xfrm>
+            <a:prstGeom prst="rect">
+              <a:avLst/>
+            </a:prstGeom>
+          </p:spPr>
+          <p:style>
+            <a:lnRef idx="0">
+              <a:scrgbClr r="0" g="0" b="0"/>
+            </a:lnRef>
+            <a:fillRef idx="0">
+              <a:scrgbClr r="0" g="0" b="0"/>
+            </a:fillRef>
+            <a:effectRef idx="0">
+              <a:scrgbClr r="0" g="0" b="0"/>
+            </a:effectRef>
+            <a:fontRef idx="minor">
+              <a:schemeClr val="lt1"/>
+            </a:fontRef>
+          </p:style>
+          <p:txBody>
+            <a:bodyPr spcFirstLastPara="0" vert="horz" wrap="square" lIns="767060" tIns="125730" rIns="234696" bIns="125730" numCol="1" spcCol="1270" anchor="ctr" anchorCtr="0">
+              <a:noAutofit/>
+            </a:bodyPr>
+            <a:lstStyle/>
+            <a:p>
+              <a:pPr lvl="0"/>
+              <a:r>
+                <a:rPr lang="ru-RU" sz="2000" dirty="0"/>
+                <a:t>нет информации о маркировке продукции единым знаком обращения на рынке.</a:t>
+              </a:r>
+            </a:p>
+          </p:txBody>
+        </p:sp>
+      </p:grpSp>
+      <p:grpSp>
+        <p:nvGrpSpPr>
+          <p:cNvPr id="11" name="Group 10"/>
+          <p:cNvGrpSpPr/>
+          <p:nvPr/>
+        </p:nvGrpSpPr>
+        <p:grpSpPr>
+          <a:xfrm>
+            <a:off x="720927" y="4086225"/>
+            <a:ext cx="10740151" cy="1034085"/>
+            <a:chOff x="1668826" y="661400"/>
+            <a:chExt cx="8810708" cy="1655893"/>
+          </a:xfrm>
+        </p:grpSpPr>
+        <p:sp>
+          <p:nvSpPr>
+            <p:cNvPr id="12" name="Pentagon 11"/>
+            <p:cNvSpPr/>
+            <p:nvPr/>
+          </p:nvSpPr>
+          <p:spPr>
+            <a:xfrm rot="10800000">
+              <a:off x="1668826" y="661400"/>
+              <a:ext cx="8810708" cy="1655893"/>
+            </a:xfrm>
+            <a:prstGeom prst="homePlate">
+              <a:avLst/>
+            </a:prstGeom>
+          </p:spPr>
+          <p:style>
+            <a:lnRef idx="2">
+              <a:schemeClr val="lt1">
+                <a:hueOff val="0"/>
+                <a:satOff val="0"/>
+                <a:lumOff val="0"/>
+                <a:alphaOff val="0"/>
+              </a:schemeClr>
+            </a:lnRef>
+            <a:fillRef idx="1">
+              <a:schemeClr val="accent1">
+                <a:hueOff val="0"/>
+                <a:satOff val="0"/>
+                <a:lumOff val="0"/>
+                <a:alphaOff val="0"/>
+              </a:schemeClr>
+            </a:fillRef>
+            <a:effectRef idx="0">
+              <a:schemeClr val="accent1">
+                <a:hueOff val="0"/>
+                <a:satOff val="0"/>
+                <a:lumOff val="0"/>
+                <a:alphaOff val="0"/>
+              </a:schemeClr>
+            </a:effectRef>
+            <a:fontRef idx="minor">
+              <a:schemeClr val="lt1"/>
+            </a:fontRef>
+          </p:style>
+        </p:sp>
+        <p:sp>
+          <p:nvSpPr>
+            <p:cNvPr id="13" name="Pentagon 4"/>
+            <p:cNvSpPr txBox="1"/>
+            <p:nvPr/>
+          </p:nvSpPr>
+          <p:spPr>
+            <a:xfrm>
+              <a:off x="2082799" y="661400"/>
+              <a:ext cx="8396735" cy="1655893"/>
+            </a:xfrm>
+            <a:prstGeom prst="rect">
+              <a:avLst/>
+            </a:prstGeom>
+          </p:spPr>
+          <p:style>
+            <a:lnRef idx="0">
+              <a:scrgbClr r="0" g="0" b="0"/>
+            </a:lnRef>
+            <a:fillRef idx="0">
+              <a:scrgbClr r="0" g="0" b="0"/>
+            </a:fillRef>
+            <a:effectRef idx="0">
+              <a:scrgbClr r="0" g="0" b="0"/>
+            </a:effectRef>
+            <a:fontRef idx="minor">
+              <a:schemeClr val="lt1"/>
+            </a:fontRef>
+          </p:style>
+          <p:txBody>
+            <a:bodyPr spcFirstLastPara="0" vert="horz" wrap="square" lIns="767060" tIns="125730" rIns="234696" bIns="125730" numCol="1" spcCol="1270" anchor="ctr" anchorCtr="0">
+              <a:noAutofit/>
+            </a:bodyPr>
+            <a:lstStyle/>
+            <a:p>
+              <a:pPr lvl="0"/>
+              <a:r>
+                <a:rPr lang="ru-RU" sz="2000" dirty="0"/>
+                <a:t>в товарно-сопроводительных документах (товарно-транспортная накладная) нет информации об обязательном подтверждении соответствия требованиям ТР ТС </a:t>
+              </a:r>
+              <a:r>
+                <a:rPr lang="ru-RU" sz="2000" dirty="0">
+                  <a:sym typeface="Symbol"/>
+                </a:rPr>
+                <a:t></a:t>
+              </a:r>
+              <a:r>
+                <a:rPr lang="ru-RU" sz="2000" dirty="0"/>
+                <a:t>1</a:t>
+              </a:r>
+              <a:r>
+                <a:rPr lang="ru-RU" sz="2000" dirty="0">
+                  <a:sym typeface="Symbol"/>
+                </a:rPr>
+                <a:t></a:t>
+              </a:r>
+              <a:r>
+                <a:rPr lang="ru-RU" sz="2000" dirty="0"/>
+                <a:t>, и не указано то, что продукция прошла ВСЭ;</a:t>
+              </a:r>
+            </a:p>
+          </p:txBody>
+        </p:sp>
+      </p:grpSp>
+      <p:grpSp>
+        <p:nvGrpSpPr>
+          <p:cNvPr id="14" name="Group 13"/>
+          <p:cNvGrpSpPr/>
+          <p:nvPr/>
+        </p:nvGrpSpPr>
+        <p:grpSpPr>
+          <a:xfrm>
+            <a:off x="720926" y="2918103"/>
+            <a:ext cx="10740151" cy="991241"/>
+            <a:chOff x="1668826" y="661400"/>
+            <a:chExt cx="8810708" cy="1655893"/>
+          </a:xfrm>
+        </p:grpSpPr>
+        <p:sp>
+          <p:nvSpPr>
+            <p:cNvPr id="15" name="Pentagon 14"/>
+            <p:cNvSpPr/>
+            <p:nvPr/>
+          </p:nvSpPr>
+          <p:spPr>
+            <a:xfrm rot="10800000">
+              <a:off x="1668826" y="661400"/>
+              <a:ext cx="8810708" cy="1655893"/>
+            </a:xfrm>
+            <a:prstGeom prst="homePlate">
+              <a:avLst/>
+            </a:prstGeom>
+          </p:spPr>
+          <p:style>
+            <a:lnRef idx="2">
+              <a:schemeClr val="lt1">
+                <a:hueOff val="0"/>
+                <a:satOff val="0"/>
+                <a:lumOff val="0"/>
+                <a:alphaOff val="0"/>
+              </a:schemeClr>
+            </a:lnRef>
+            <a:fillRef idx="1">
+              <a:schemeClr val="accent1">
+                <a:hueOff val="0"/>
+                <a:satOff val="0"/>
+                <a:lumOff val="0"/>
+                <a:alphaOff val="0"/>
+              </a:schemeClr>
+            </a:fillRef>
+            <a:effectRef idx="0">
+              <a:schemeClr val="accent1">
+                <a:hueOff val="0"/>
+                <a:satOff val="0"/>
+                <a:lumOff val="0"/>
+                <a:alphaOff val="0"/>
+              </a:schemeClr>
+            </a:effectRef>
+            <a:fontRef idx="minor">
+              <a:schemeClr val="lt1"/>
+            </a:fontRef>
+          </p:style>
+        </p:sp>
+        <p:sp>
+          <p:nvSpPr>
+            <p:cNvPr id="16" name="Pentagon 4"/>
+            <p:cNvSpPr txBox="1"/>
+            <p:nvPr/>
+          </p:nvSpPr>
+          <p:spPr>
+            <a:xfrm>
+              <a:off x="2082799" y="661400"/>
+              <a:ext cx="8396735" cy="1655893"/>
+            </a:xfrm>
+            <a:prstGeom prst="rect">
+              <a:avLst/>
+            </a:prstGeom>
+          </p:spPr>
+          <p:style>
+            <a:lnRef idx="0">
+              <a:scrgbClr r="0" g="0" b="0"/>
+            </a:lnRef>
+            <a:fillRef idx="0">
+              <a:scrgbClr r="0" g="0" b="0"/>
+            </a:fillRef>
+            <a:effectRef idx="0">
+              <a:scrgbClr r="0" g="0" b="0"/>
+            </a:effectRef>
+            <a:fontRef idx="minor">
+              <a:schemeClr val="lt1"/>
+            </a:fontRef>
+          </p:style>
+          <p:txBody>
+            <a:bodyPr spcFirstLastPara="0" vert="horz" wrap="square" lIns="767060" tIns="125730" rIns="234696" bIns="125730" numCol="1" spcCol="1270" anchor="ctr" anchorCtr="0">
+              <a:noAutofit/>
+            </a:bodyPr>
+            <a:lstStyle/>
+            <a:p>
+              <a:pPr lvl="0"/>
+              <a:r>
+                <a:rPr lang="ru-RU" sz="2000" dirty="0"/>
+                <a:t>не все торговые точки подключены к </a:t>
+              </a:r>
+              <a:r>
+                <a:rPr lang="ru-RU" sz="2000" dirty="0" err="1"/>
+                <a:t>интернет-ресурсу</a:t>
+              </a:r>
+              <a:r>
+                <a:rPr lang="ru-RU" sz="2000" dirty="0"/>
+                <a:t>, поэтому продавец не может предоставить покупателю полную информацию о подтверждении соответствия;</a:t>
+              </a:r>
+            </a:p>
+          </p:txBody>
+        </p:sp>
+      </p:grpSp>
+    </p:spTree>
+    <p:extLst>
+      <p:ext uri="{BB962C8B-B14F-4D97-AF65-F5344CB8AC3E}">
+        <p14:creationId xmlns:p14="http://schemas.microsoft.com/office/powerpoint/2010/main" val="3580431913"/>
+      </p:ext>
+    </p:extLst>
+  </p:cSld>
+  <p:clrMapOvr>
+    <a:masterClrMapping/>
+  </p:clrMapOvr>
+</p:sld>
+</file>
+
+<file path=ppt/slides/slide14.xml><?xml version="1.0" encoding="utf-8"?>
+<p:sld xmlns:a="http://schemas.openxmlformats.org/drawingml/2006/main" xmlns:r="http://schemas.openxmlformats.org/officeDocument/2006/relationships" xmlns:p="http://schemas.openxmlformats.org/presentationml/2006/main">
+  <p:cSld>
+    <p:spTree>
+      <p:nvGrpSpPr>
+        <p:cNvPr id="1" name=""/>
+        <p:cNvGrpSpPr/>
+        <p:nvPr/>
+      </p:nvGrpSpPr>
+      <p:grpSpPr>
+        <a:xfrm>
+          <a:off x="0" y="0"/>
+          <a:ext cx="0" cy="0"/>
+          <a:chOff x="0" y="0"/>
+          <a:chExt cx="0" cy="0"/>
+        </a:xfrm>
+      </p:grpSpPr>
+      <p:sp>
+        <p:nvSpPr>
+          <p:cNvPr id="2" name="Title 1"/>
+          <p:cNvSpPr>
+            <a:spLocks noGrp="1"/>
+          </p:cNvSpPr>
+          <p:nvPr>
+            <p:ph type="title"/>
+          </p:nvPr>
+        </p:nvSpPr>
+        <p:spPr/>
+        <p:txBody>
+          <a:bodyPr>
+            <a:normAutofit fontScale="90000"/>
+          </a:bodyPr>
+          <a:lstStyle/>
+          <a:p>
+            <a:pPr algn="ctr"/>
+            <a:r>
+              <a:rPr lang="ru-RU" dirty="0"/>
+              <a:t>Ветеринарно-санитарная экспертиза</a:t>
+            </a:r>
+            <a:br>
+              <a:rPr lang="ru-RU" dirty="0"/>
+            </a:br>
+            <a:r>
+              <a:rPr lang="ru-RU" dirty="0"/>
+              <a:t>для пищевой продукции животного происхождения</a:t>
+            </a:r>
+            <a:br>
+              <a:rPr lang="ru-RU" dirty="0"/>
+            </a:br>
+            <a:endParaRPr lang="en-US" dirty="0"/>
+          </a:p>
+        </p:txBody>
+      </p:sp>
+      <p:sp>
+        <p:nvSpPr>
+          <p:cNvPr id="3" name="Content Placeholder 2"/>
+          <p:cNvSpPr>
+            <a:spLocks noGrp="1"/>
+          </p:cNvSpPr>
+          <p:nvPr>
+            <p:ph idx="1"/>
+          </p:nvPr>
+        </p:nvSpPr>
+        <p:spPr/>
+        <p:txBody>
+          <a:bodyPr/>
+          <a:lstStyle/>
+          <a:p>
+            <a:r>
+              <a:rPr lang="ru-RU" dirty="0"/>
+              <a:t>Осуществляют специалисты службы Государственного ветеринарного контроля (ГВС)</a:t>
+            </a:r>
+          </a:p>
+          <a:p>
+            <a:r>
+              <a:rPr lang="ru-RU" dirty="0"/>
+              <a:t> оформляют в электронном виде с 1 января 2016 года</a:t>
+            </a:r>
+          </a:p>
+          <a:p>
+            <a:r>
+              <a:rPr lang="ru-RU" dirty="0"/>
+              <a:t>Здоровье скота и сельскохозяйственной птицы, поставляемых на убой, контролируют по сопроводительным ветеринарным документам установленной формы и путем ветеринарного осмотра их на предприятиях согласно ветеринарно-санитарных правил</a:t>
+            </a:r>
+          </a:p>
+          <a:p>
+            <a:endParaRPr lang="en-US" dirty="0"/>
+          </a:p>
+        </p:txBody>
+      </p:sp>
+    </p:spTree>
+    <p:extLst>
+      <p:ext uri="{BB962C8B-B14F-4D97-AF65-F5344CB8AC3E}">
+        <p14:creationId xmlns:p14="http://schemas.microsoft.com/office/powerpoint/2010/main" val="1063656951"/>
+      </p:ext>
+    </p:extLst>
+  </p:cSld>
+  <p:clrMapOvr>
+    <a:masterClrMapping/>
+  </p:clrMapOvr>
+</p:sld>
+</file>
+
+<file path=ppt/slides/slide15.xml><?xml version="1.0" encoding="utf-8"?>
+<p:sld xmlns:a="http://schemas.openxmlformats.org/drawingml/2006/main" xmlns:r="http://schemas.openxmlformats.org/officeDocument/2006/relationships" xmlns:p="http://schemas.openxmlformats.org/presentationml/2006/main">
+  <p:cSld>
+    <p:spTree>
+      <p:nvGrpSpPr>
+        <p:cNvPr id="1" name=""/>
+        <p:cNvGrpSpPr/>
+        <p:nvPr/>
+      </p:nvGrpSpPr>
+      <p:grpSpPr>
+        <a:xfrm>
+          <a:off x="0" y="0"/>
+          <a:ext cx="0" cy="0"/>
+          <a:chOff x="0" y="0"/>
+          <a:chExt cx="0" cy="0"/>
+        </a:xfrm>
+      </p:grpSpPr>
+      <p:sp>
+        <p:nvSpPr>
+          <p:cNvPr id="2" name="Title 1"/>
+          <p:cNvSpPr>
+            <a:spLocks noGrp="1"/>
+          </p:cNvSpPr>
+          <p:nvPr>
+            <p:ph type="title"/>
+          </p:nvPr>
+        </p:nvSpPr>
+        <p:spPr>
+          <a:xfrm>
+            <a:off x="809625" y="2593975"/>
+            <a:ext cx="10515600" cy="1325563"/>
+          </a:xfrm>
+        </p:spPr>
+        <p:txBody>
+          <a:bodyPr>
+            <a:normAutofit/>
+          </a:bodyPr>
+          <a:lstStyle/>
+          <a:p>
+            <a:pPr algn="ctr"/>
+            <a:r>
+              <a:rPr lang="ru-RU" dirty="0"/>
+              <a:t>Спасибо за внимание</a:t>
+            </a:r>
+            <a:endParaRPr lang="en-US" dirty="0"/>
+          </a:p>
+        </p:txBody>
+      </p:sp>
+    </p:spTree>
+    <p:extLst>
+      <p:ext uri="{BB962C8B-B14F-4D97-AF65-F5344CB8AC3E}">
+        <p14:creationId xmlns:p14="http://schemas.microsoft.com/office/powerpoint/2010/main" val="1184868907"/>
+      </p:ext>
+    </p:extLst>
+  </p:cSld>
+  <p:clrMapOvr>
+    <a:masterClrMapping/>
+  </p:clrMapOvr>
+</p:sld>
+</file>
+
 <file path=ppt/slides/slide2.xml><?xml version="1.0" encoding="utf-8"?>
 <p:sld xmlns:a="http://schemas.openxmlformats.org/drawingml/2006/main" xmlns:r="http://schemas.openxmlformats.org/officeDocument/2006/relationships" xmlns:p="http://schemas.openxmlformats.org/presentationml/2006/main">
   <p:cSld>
@@ -3347,6 +4327,4214 @@
 </file>
 
 <file path=ppt/slides/slide3.xml><?xml version="1.0" encoding="utf-8"?>
+<p:sld xmlns:a="http://schemas.openxmlformats.org/drawingml/2006/main" xmlns:r="http://schemas.openxmlformats.org/officeDocument/2006/relationships" xmlns:p="http://schemas.openxmlformats.org/presentationml/2006/main">
+  <p:cSld>
+    <p:spTree>
+      <p:nvGrpSpPr>
+        <p:cNvPr id="1" name=""/>
+        <p:cNvGrpSpPr/>
+        <p:nvPr/>
+      </p:nvGrpSpPr>
+      <p:grpSpPr>
+        <a:xfrm>
+          <a:off x="0" y="0"/>
+          <a:ext cx="0" cy="0"/>
+          <a:chOff x="0" y="0"/>
+          <a:chExt cx="0" cy="0"/>
+        </a:xfrm>
+      </p:grpSpPr>
+      <p:pic>
+        <p:nvPicPr>
+          <p:cNvPr id="5" name="Рисунок 43" descr="http://mypresentation.ru/documents/7307c66927459096377abb8d6a48acb9/img11.jpg"/>
+          <p:cNvPicPr/>
+          <p:nvPr/>
+        </p:nvPicPr>
+        <p:blipFill>
+          <a:blip r:embed="rId2" cstate="print"/>
+          <a:srcRect/>
+          <a:stretch>
+            <a:fillRect/>
+          </a:stretch>
+        </p:blipFill>
+        <p:spPr bwMode="auto">
+          <a:xfrm>
+            <a:off x="2000251" y="0"/>
+            <a:ext cx="8072438" cy="6857999"/>
+          </a:xfrm>
+          <a:prstGeom prst="rect">
+            <a:avLst/>
+          </a:prstGeom>
+          <a:noFill/>
+          <a:ln w="9525">
+            <a:noFill/>
+            <a:miter lim="800000"/>
+            <a:headEnd/>
+            <a:tailEnd/>
+          </a:ln>
+        </p:spPr>
+      </p:pic>
+    </p:spTree>
+    <p:extLst>
+      <p:ext uri="{BB962C8B-B14F-4D97-AF65-F5344CB8AC3E}">
+        <p14:creationId xmlns:p14="http://schemas.microsoft.com/office/powerpoint/2010/main" val="3701669565"/>
+      </p:ext>
+    </p:extLst>
+  </p:cSld>
+  <p:clrMapOvr>
+    <a:masterClrMapping/>
+  </p:clrMapOvr>
+</p:sld>
+</file>
+
+<file path=ppt/slides/slide4.xml><?xml version="1.0" encoding="utf-8"?>
+<p:sld xmlns:a="http://schemas.openxmlformats.org/drawingml/2006/main" xmlns:r="http://schemas.openxmlformats.org/officeDocument/2006/relationships" xmlns:p="http://schemas.openxmlformats.org/presentationml/2006/main">
+  <p:cSld>
+    <p:spTree>
+      <p:nvGrpSpPr>
+        <p:cNvPr id="1" name=""/>
+        <p:cNvGrpSpPr/>
+        <p:nvPr/>
+      </p:nvGrpSpPr>
+      <p:grpSpPr>
+        <a:xfrm>
+          <a:off x="0" y="0"/>
+          <a:ext cx="0" cy="0"/>
+          <a:chOff x="0" y="0"/>
+          <a:chExt cx="0" cy="0"/>
+        </a:xfrm>
+      </p:grpSpPr>
+      <p:pic>
+        <p:nvPicPr>
+          <p:cNvPr id="4" name="Picture 3"/>
+          <p:cNvPicPr/>
+          <p:nvPr/>
+        </p:nvPicPr>
+        <p:blipFill>
+          <a:blip r:embed="rId2">
+            <a:extLst>
+              <a:ext uri="{28A0092B-C50C-407E-A947-70E740481C1C}">
+                <a14:useLocalDpi xmlns:a14="http://schemas.microsoft.com/office/drawing/2010/main" val="0"/>
+              </a:ext>
+            </a:extLst>
+          </a:blip>
+          <a:srcRect/>
+          <a:stretch>
+            <a:fillRect/>
+          </a:stretch>
+        </p:blipFill>
+        <p:spPr bwMode="auto">
+          <a:xfrm>
+            <a:off x="928052" y="0"/>
+            <a:ext cx="5344159" cy="6858000"/>
+          </a:xfrm>
+          <a:prstGeom prst="rect">
+            <a:avLst/>
+          </a:prstGeom>
+          <a:noFill/>
+        </p:spPr>
+      </p:pic>
+      <p:pic>
+        <p:nvPicPr>
+          <p:cNvPr id="5" name="Picture 4"/>
+          <p:cNvPicPr/>
+          <p:nvPr/>
+        </p:nvPicPr>
+        <p:blipFill>
+          <a:blip r:embed="rId3">
+            <a:extLst>
+              <a:ext uri="{28A0092B-C50C-407E-A947-70E740481C1C}">
+                <a14:useLocalDpi xmlns:a14="http://schemas.microsoft.com/office/drawing/2010/main" val="0"/>
+              </a:ext>
+            </a:extLst>
+          </a:blip>
+          <a:srcRect/>
+          <a:stretch>
+            <a:fillRect/>
+          </a:stretch>
+        </p:blipFill>
+        <p:spPr bwMode="auto">
+          <a:xfrm>
+            <a:off x="6572248" y="0"/>
+            <a:ext cx="4743452" cy="6858000"/>
+          </a:xfrm>
+          <a:prstGeom prst="rect">
+            <a:avLst/>
+          </a:prstGeom>
+          <a:noFill/>
+        </p:spPr>
+      </p:pic>
+    </p:spTree>
+    <p:extLst>
+      <p:ext uri="{BB962C8B-B14F-4D97-AF65-F5344CB8AC3E}">
+        <p14:creationId xmlns:p14="http://schemas.microsoft.com/office/powerpoint/2010/main" val="2505559781"/>
+      </p:ext>
+    </p:extLst>
+  </p:cSld>
+  <p:clrMapOvr>
+    <a:masterClrMapping/>
+  </p:clrMapOvr>
+</p:sld>
+</file>
+
+<file path=ppt/slides/slide5.xml><?xml version="1.0" encoding="utf-8"?>
+<p:sld xmlns:a="http://schemas.openxmlformats.org/drawingml/2006/main" xmlns:r="http://schemas.openxmlformats.org/officeDocument/2006/relationships" xmlns:p="http://schemas.openxmlformats.org/presentationml/2006/main">
+  <p:cSld>
+    <p:spTree>
+      <p:nvGrpSpPr>
+        <p:cNvPr id="1" name=""/>
+        <p:cNvGrpSpPr/>
+        <p:nvPr/>
+      </p:nvGrpSpPr>
+      <p:grpSpPr>
+        <a:xfrm>
+          <a:off x="0" y="0"/>
+          <a:ext cx="0" cy="0"/>
+          <a:chOff x="0" y="0"/>
+          <a:chExt cx="0" cy="0"/>
+        </a:xfrm>
+      </p:grpSpPr>
+      <p:pic>
+        <p:nvPicPr>
+          <p:cNvPr id="7" name="Picture 6"/>
+          <p:cNvPicPr>
+            <a:picLocks noChangeAspect="1"/>
+          </p:cNvPicPr>
+          <p:nvPr/>
+        </p:nvPicPr>
+        <p:blipFill>
+          <a:blip r:embed="rId2"/>
+          <a:stretch>
+            <a:fillRect/>
+          </a:stretch>
+        </p:blipFill>
+        <p:spPr>
+          <a:xfrm>
+            <a:off x="225103" y="171501"/>
+            <a:ext cx="5941068" cy="1228621"/>
+          </a:xfrm>
+          <a:prstGeom prst="rect">
+            <a:avLst/>
+          </a:prstGeom>
+        </p:spPr>
+      </p:pic>
+      <p:graphicFrame>
+        <p:nvGraphicFramePr>
+          <p:cNvPr id="11" name="Table 10"/>
+          <p:cNvGraphicFramePr>
+            <a:graphicFrameLocks noGrp="1"/>
+          </p:cNvGraphicFramePr>
+          <p:nvPr>
+            <p:extLst>
+              <p:ext uri="{D42A27DB-BD31-4B8C-83A1-F6EECF244321}">
+                <p14:modId xmlns:p14="http://schemas.microsoft.com/office/powerpoint/2010/main" val="906295425"/>
+              </p:ext>
+            </p:extLst>
+          </p:nvPr>
+        </p:nvGraphicFramePr>
+        <p:xfrm>
+          <a:off x="225103" y="1596181"/>
+          <a:ext cx="9388022" cy="4667352"/>
+        </p:xfrm>
+        <a:graphic>
+          <a:graphicData uri="http://schemas.openxmlformats.org/drawingml/2006/table">
+            <a:tbl>
+              <a:tblPr firstRow="1" firstCol="1" lastRow="1" lastCol="1" bandRow="1" bandCol="1"/>
+              <a:tblGrid>
+                <a:gridCol w="1065938">
+                  <a:extLst>
+                    <a:ext uri="{9D8B030D-6E8A-4147-A177-3AD203B41FA5}">
+                      <a16:colId xmlns:a16="http://schemas.microsoft.com/office/drawing/2014/main" val="1487305270"/>
+                    </a:ext>
+                  </a:extLst>
+                </a:gridCol>
+                <a:gridCol w="888281">
+                  <a:extLst>
+                    <a:ext uri="{9D8B030D-6E8A-4147-A177-3AD203B41FA5}">
+                      <a16:colId xmlns:a16="http://schemas.microsoft.com/office/drawing/2014/main" val="1180050521"/>
+                    </a:ext>
+                  </a:extLst>
+                </a:gridCol>
+                <a:gridCol w="999316">
+                  <a:extLst>
+                    <a:ext uri="{9D8B030D-6E8A-4147-A177-3AD203B41FA5}">
+                      <a16:colId xmlns:a16="http://schemas.microsoft.com/office/drawing/2014/main" val="3932209822"/>
+                    </a:ext>
+                  </a:extLst>
+                </a:gridCol>
+                <a:gridCol w="888281">
+                  <a:extLst>
+                    <a:ext uri="{9D8B030D-6E8A-4147-A177-3AD203B41FA5}">
+                      <a16:colId xmlns:a16="http://schemas.microsoft.com/office/drawing/2014/main" val="3565533094"/>
+                    </a:ext>
+                  </a:extLst>
+                </a:gridCol>
+                <a:gridCol w="666211">
+                  <a:extLst>
+                    <a:ext uri="{9D8B030D-6E8A-4147-A177-3AD203B41FA5}">
+                      <a16:colId xmlns:a16="http://schemas.microsoft.com/office/drawing/2014/main" val="2441790862"/>
+                    </a:ext>
+                  </a:extLst>
+                </a:gridCol>
+                <a:gridCol w="793284">
+                  <a:extLst>
+                    <a:ext uri="{9D8B030D-6E8A-4147-A177-3AD203B41FA5}">
+                      <a16:colId xmlns:a16="http://schemas.microsoft.com/office/drawing/2014/main" val="3248225607"/>
+                    </a:ext>
+                  </a:extLst>
+                </a:gridCol>
+                <a:gridCol w="864224">
+                  <a:extLst>
+                    <a:ext uri="{9D8B030D-6E8A-4147-A177-3AD203B41FA5}">
+                      <a16:colId xmlns:a16="http://schemas.microsoft.com/office/drawing/2014/main" val="1563939101"/>
+                    </a:ext>
+                  </a:extLst>
+                </a:gridCol>
+                <a:gridCol w="1595822">
+                  <a:extLst>
+                    <a:ext uri="{9D8B030D-6E8A-4147-A177-3AD203B41FA5}">
+                      <a16:colId xmlns:a16="http://schemas.microsoft.com/office/drawing/2014/main" val="3919528116"/>
+                    </a:ext>
+                  </a:extLst>
+                </a:gridCol>
+                <a:gridCol w="777246">
+                  <a:extLst>
+                    <a:ext uri="{9D8B030D-6E8A-4147-A177-3AD203B41FA5}">
+                      <a16:colId xmlns:a16="http://schemas.microsoft.com/office/drawing/2014/main" val="595598275"/>
+                    </a:ext>
+                  </a:extLst>
+                </a:gridCol>
+                <a:gridCol w="849419">
+                  <a:extLst>
+                    <a:ext uri="{9D8B030D-6E8A-4147-A177-3AD203B41FA5}">
+                      <a16:colId xmlns:a16="http://schemas.microsoft.com/office/drawing/2014/main" val="3367800582"/>
+                    </a:ext>
+                  </a:extLst>
+                </a:gridCol>
+              </a:tblGrid>
+              <a:tr h="231369">
+                <a:tc gridSpan="3">
+                  <a:txBody>
+                    <a:bodyPr/>
+                    <a:lstStyle/>
+                    <a:p>
+                      <a:pPr algn="ctr">
+                        <a:lnSpc>
+                          <a:spcPct val="107000"/>
+                        </a:lnSpc>
+                        <a:spcAft>
+                          <a:spcPts val="0"/>
+                        </a:spcAft>
+                      </a:pPr>
+                      <a:r>
+                        <a:rPr lang="ru-RU" sz="1400" b="1">
+                          <a:effectLst/>
+                          <a:latin typeface="Times New Roman" panose="02020603050405020304" pitchFamily="18" charset="0"/>
+                          <a:ea typeface="Times New Roman" panose="02020603050405020304" pitchFamily="18" charset="0"/>
+                          <a:cs typeface="Times New Roman" panose="02020603050405020304" pitchFamily="18" charset="0"/>
+                        </a:rPr>
+                        <a:t>Объект контроля</a:t>
+                      </a:r>
+                      <a:endParaRPr lang="en-US" sz="1100">
+                        <a:effectLst/>
+                        <a:latin typeface="Calibri" panose="020F0502020204030204" pitchFamily="34" charset="0"/>
+                        <a:ea typeface="Calibri" panose="020F0502020204030204" pitchFamily="34" charset="0"/>
+                        <a:cs typeface="Times New Roman" panose="02020603050405020304" pitchFamily="18" charset="0"/>
+                      </a:endParaRPr>
+                    </a:p>
+                  </a:txBody>
+                  <a:tcPr marL="66634" marR="66634" marT="0" marB="0">
+                    <a:lnL w="12700" cap="flat" cmpd="sng" algn="ctr">
+                      <a:solidFill>
+                        <a:srgbClr val="000000"/>
+                      </a:solidFill>
+                      <a:prstDash val="solid"/>
+                      <a:round/>
+                      <a:headEnd type="none" w="med" len="med"/>
+                      <a:tailEnd type="none" w="med" len="med"/>
+                    </a:lnL>
+                    <a:lnR w="12700" cap="flat" cmpd="sng" algn="ctr">
+                      <a:solidFill>
+                        <a:srgbClr val="000000"/>
+                      </a:solidFill>
+                      <a:prstDash val="solid"/>
+                      <a:round/>
+                      <a:headEnd type="none" w="med" len="med"/>
+                      <a:tailEnd type="none" w="med" len="med"/>
+                    </a:lnR>
+                    <a:lnT w="12700" cap="flat" cmpd="sng" algn="ctr">
+                      <a:solidFill>
+                        <a:srgbClr val="000000"/>
+                      </a:solidFill>
+                      <a:prstDash val="solid"/>
+                      <a:round/>
+                      <a:headEnd type="none" w="med" len="med"/>
+                      <a:tailEnd type="none" w="med" len="med"/>
+                    </a:lnT>
+                    <a:lnB w="12700" cap="flat" cmpd="sng" algn="ctr">
+                      <a:solidFill>
+                        <a:srgbClr val="000000"/>
+                      </a:solidFill>
+                      <a:prstDash val="solid"/>
+                      <a:round/>
+                      <a:headEnd type="none" w="med" len="med"/>
+                      <a:tailEnd type="none" w="med" len="med"/>
+                    </a:lnB>
+                  </a:tcPr>
+                </a:tc>
+                <a:tc hMerge="1">
+                  <a:txBody>
+                    <a:bodyPr/>
+                    <a:lstStyle/>
+                    <a:p>
+                      <a:endParaRPr lang="en-US"/>
+                    </a:p>
+                  </a:txBody>
+                  <a:tcPr/>
+                </a:tc>
+                <a:tc hMerge="1">
+                  <a:txBody>
+                    <a:bodyPr/>
+                    <a:lstStyle/>
+                    <a:p>
+                      <a:endParaRPr lang="en-US"/>
+                    </a:p>
+                  </a:txBody>
+                  <a:tcPr/>
+                </a:tc>
+                <a:tc gridSpan="4">
+                  <a:txBody>
+                    <a:bodyPr/>
+                    <a:lstStyle/>
+                    <a:p>
+                      <a:pPr algn="ctr">
+                        <a:lnSpc>
+                          <a:spcPct val="107000"/>
+                        </a:lnSpc>
+                        <a:spcAft>
+                          <a:spcPts val="0"/>
+                        </a:spcAft>
+                      </a:pPr>
+                      <a:r>
+                        <a:rPr lang="ru-RU" sz="1400" b="1">
+                          <a:effectLst/>
+                          <a:latin typeface="Times New Roman" panose="02020603050405020304" pitchFamily="18" charset="0"/>
+                          <a:ea typeface="Times New Roman" panose="02020603050405020304" pitchFamily="18" charset="0"/>
+                          <a:cs typeface="Times New Roman" panose="02020603050405020304" pitchFamily="18" charset="0"/>
+                        </a:rPr>
+                        <a:t>Способы мониторинга</a:t>
+                      </a:r>
+                      <a:endParaRPr lang="en-US" sz="1100">
+                        <a:effectLst/>
+                        <a:latin typeface="Calibri" panose="020F0502020204030204" pitchFamily="34" charset="0"/>
+                        <a:ea typeface="Calibri" panose="020F0502020204030204" pitchFamily="34" charset="0"/>
+                        <a:cs typeface="Times New Roman" panose="02020603050405020304" pitchFamily="18" charset="0"/>
+                      </a:endParaRPr>
+                    </a:p>
+                  </a:txBody>
+                  <a:tcPr marL="66634" marR="66634" marT="0" marB="0">
+                    <a:lnL w="12700" cap="flat" cmpd="sng" algn="ctr">
+                      <a:solidFill>
+                        <a:srgbClr val="000000"/>
+                      </a:solidFill>
+                      <a:prstDash val="solid"/>
+                      <a:round/>
+                      <a:headEnd type="none" w="med" len="med"/>
+                      <a:tailEnd type="none" w="med" len="med"/>
+                    </a:lnL>
+                    <a:lnR w="12700" cap="flat" cmpd="sng" algn="ctr">
+                      <a:solidFill>
+                        <a:srgbClr val="000000"/>
+                      </a:solidFill>
+                      <a:prstDash val="solid"/>
+                      <a:round/>
+                      <a:headEnd type="none" w="med" len="med"/>
+                      <a:tailEnd type="none" w="med" len="med"/>
+                    </a:lnR>
+                    <a:lnT w="12700" cap="flat" cmpd="sng" algn="ctr">
+                      <a:solidFill>
+                        <a:srgbClr val="000000"/>
+                      </a:solidFill>
+                      <a:prstDash val="solid"/>
+                      <a:round/>
+                      <a:headEnd type="none" w="med" len="med"/>
+                      <a:tailEnd type="none" w="med" len="med"/>
+                    </a:lnT>
+                    <a:lnB w="12700" cap="flat" cmpd="sng" algn="ctr">
+                      <a:solidFill>
+                        <a:srgbClr val="000000"/>
+                      </a:solidFill>
+                      <a:prstDash val="solid"/>
+                      <a:round/>
+                      <a:headEnd type="none" w="med" len="med"/>
+                      <a:tailEnd type="none" w="med" len="med"/>
+                    </a:lnB>
+                  </a:tcPr>
+                </a:tc>
+                <a:tc hMerge="1">
+                  <a:txBody>
+                    <a:bodyPr/>
+                    <a:lstStyle/>
+                    <a:p>
+                      <a:endParaRPr lang="en-US"/>
+                    </a:p>
+                  </a:txBody>
+                  <a:tcPr/>
+                </a:tc>
+                <a:tc hMerge="1">
+                  <a:txBody>
+                    <a:bodyPr/>
+                    <a:lstStyle/>
+                    <a:p>
+                      <a:endParaRPr lang="en-US"/>
+                    </a:p>
+                  </a:txBody>
+                  <a:tcPr/>
+                </a:tc>
+                <a:tc hMerge="1">
+                  <a:txBody>
+                    <a:bodyPr/>
+                    <a:lstStyle/>
+                    <a:p>
+                      <a:endParaRPr lang="en-US"/>
+                    </a:p>
+                  </a:txBody>
+                  <a:tcPr/>
+                </a:tc>
+                <a:tc gridSpan="3">
+                  <a:txBody>
+                    <a:bodyPr/>
+                    <a:lstStyle/>
+                    <a:p>
+                      <a:pPr algn="ctr">
+                        <a:lnSpc>
+                          <a:spcPct val="107000"/>
+                        </a:lnSpc>
+                        <a:spcAft>
+                          <a:spcPts val="0"/>
+                        </a:spcAft>
+                      </a:pPr>
+                      <a:r>
+                        <a:rPr lang="ru-RU" sz="1400" b="1">
+                          <a:effectLst/>
+                          <a:latin typeface="Times New Roman" panose="02020603050405020304" pitchFamily="18" charset="0"/>
+                          <a:ea typeface="Times New Roman" panose="02020603050405020304" pitchFamily="18" charset="0"/>
+                          <a:cs typeface="Times New Roman" panose="02020603050405020304" pitchFamily="18" charset="0"/>
+                        </a:rPr>
+                        <a:t>Корректирующие действия</a:t>
+                      </a:r>
+                      <a:endParaRPr lang="en-US" sz="1100">
+                        <a:effectLst/>
+                        <a:latin typeface="Calibri" panose="020F0502020204030204" pitchFamily="34" charset="0"/>
+                        <a:ea typeface="Calibri" panose="020F0502020204030204" pitchFamily="34" charset="0"/>
+                        <a:cs typeface="Times New Roman" panose="02020603050405020304" pitchFamily="18" charset="0"/>
+                      </a:endParaRPr>
+                    </a:p>
+                  </a:txBody>
+                  <a:tcPr marL="66634" marR="66634" marT="0" marB="0">
+                    <a:lnL w="12700" cap="flat" cmpd="sng" algn="ctr">
+                      <a:solidFill>
+                        <a:srgbClr val="000000"/>
+                      </a:solidFill>
+                      <a:prstDash val="solid"/>
+                      <a:round/>
+                      <a:headEnd type="none" w="med" len="med"/>
+                      <a:tailEnd type="none" w="med" len="med"/>
+                    </a:lnL>
+                    <a:lnR w="12700" cap="flat" cmpd="sng" algn="ctr">
+                      <a:solidFill>
+                        <a:srgbClr val="000000"/>
+                      </a:solidFill>
+                      <a:prstDash val="solid"/>
+                      <a:round/>
+                      <a:headEnd type="none" w="med" len="med"/>
+                      <a:tailEnd type="none" w="med" len="med"/>
+                    </a:lnR>
+                    <a:lnT w="12700" cap="flat" cmpd="sng" algn="ctr">
+                      <a:solidFill>
+                        <a:srgbClr val="000000"/>
+                      </a:solidFill>
+                      <a:prstDash val="solid"/>
+                      <a:round/>
+                      <a:headEnd type="none" w="med" len="med"/>
+                      <a:tailEnd type="none" w="med" len="med"/>
+                    </a:lnT>
+                    <a:lnB w="12700" cap="flat" cmpd="sng" algn="ctr">
+                      <a:solidFill>
+                        <a:srgbClr val="000000"/>
+                      </a:solidFill>
+                      <a:prstDash val="solid"/>
+                      <a:round/>
+                      <a:headEnd type="none" w="med" len="med"/>
+                      <a:tailEnd type="none" w="med" len="med"/>
+                    </a:lnB>
+                  </a:tcPr>
+                </a:tc>
+                <a:tc hMerge="1">
+                  <a:txBody>
+                    <a:bodyPr/>
+                    <a:lstStyle/>
+                    <a:p>
+                      <a:endParaRPr lang="en-US"/>
+                    </a:p>
+                  </a:txBody>
+                  <a:tcPr/>
+                </a:tc>
+                <a:tc hMerge="1">
+                  <a:txBody>
+                    <a:bodyPr/>
+                    <a:lstStyle/>
+                    <a:p>
+                      <a:endParaRPr lang="en-US"/>
+                    </a:p>
+                  </a:txBody>
+                  <a:tcPr/>
+                </a:tc>
+                <a:extLst>
+                  <a:ext uri="{0D108BD9-81ED-4DB2-BD59-A6C34878D82A}">
+                    <a16:rowId xmlns:a16="http://schemas.microsoft.com/office/drawing/2014/main" val="489897790"/>
+                  </a:ext>
+                </a:extLst>
+              </a:tr>
+              <a:tr h="697191">
+                <a:tc>
+                  <a:txBody>
+                    <a:bodyPr/>
+                    <a:lstStyle/>
+                    <a:p>
+                      <a:pPr algn="ctr">
+                        <a:lnSpc>
+                          <a:spcPct val="107000"/>
+                        </a:lnSpc>
+                        <a:spcAft>
+                          <a:spcPts val="0"/>
+                        </a:spcAft>
+                      </a:pPr>
+                      <a:r>
+                        <a:rPr lang="ru-RU" sz="1100" b="1">
+                          <a:effectLst/>
+                          <a:latin typeface="Times New Roman" panose="02020603050405020304" pitchFamily="18" charset="0"/>
+                          <a:ea typeface="Times New Roman" panose="02020603050405020304" pitchFamily="18" charset="0"/>
+                          <a:cs typeface="Times New Roman" panose="02020603050405020304" pitchFamily="18" charset="0"/>
+                        </a:rPr>
+                        <a:t>Наиме-нование опера-ции</a:t>
+                      </a:r>
+                      <a:endParaRPr lang="en-US" sz="1100">
+                        <a:effectLst/>
+                        <a:latin typeface="Calibri" panose="020F0502020204030204" pitchFamily="34" charset="0"/>
+                        <a:ea typeface="Calibri" panose="020F0502020204030204" pitchFamily="34" charset="0"/>
+                        <a:cs typeface="Times New Roman" panose="02020603050405020304" pitchFamily="18" charset="0"/>
+                      </a:endParaRPr>
+                    </a:p>
+                  </a:txBody>
+                  <a:tcPr marL="66634" marR="66634" marT="0" marB="0">
+                    <a:lnL w="12700" cap="flat" cmpd="sng" algn="ctr">
+                      <a:solidFill>
+                        <a:srgbClr val="000000"/>
+                      </a:solidFill>
+                      <a:prstDash val="solid"/>
+                      <a:round/>
+                      <a:headEnd type="none" w="med" len="med"/>
+                      <a:tailEnd type="none" w="med" len="med"/>
+                    </a:lnL>
+                    <a:lnR w="12700" cap="flat" cmpd="sng" algn="ctr">
+                      <a:solidFill>
+                        <a:srgbClr val="000000"/>
+                      </a:solidFill>
+                      <a:prstDash val="solid"/>
+                      <a:round/>
+                      <a:headEnd type="none" w="med" len="med"/>
+                      <a:tailEnd type="none" w="med" len="med"/>
+                    </a:lnR>
+                    <a:lnT w="12700" cap="flat" cmpd="sng" algn="ctr">
+                      <a:solidFill>
+                        <a:srgbClr val="000000"/>
+                      </a:solidFill>
+                      <a:prstDash val="solid"/>
+                      <a:round/>
+                      <a:headEnd type="none" w="med" len="med"/>
+                      <a:tailEnd type="none" w="med" len="med"/>
+                    </a:lnT>
+                    <a:lnB w="12700" cap="flat" cmpd="sng" algn="ctr">
+                      <a:solidFill>
+                        <a:srgbClr val="000000"/>
+                      </a:solidFill>
+                      <a:prstDash val="solid"/>
+                      <a:round/>
+                      <a:headEnd type="none" w="med" len="med"/>
+                      <a:tailEnd type="none" w="med" len="med"/>
+                    </a:lnB>
+                  </a:tcPr>
+                </a:tc>
+                <a:tc>
+                  <a:txBody>
+                    <a:bodyPr/>
+                    <a:lstStyle/>
+                    <a:p>
+                      <a:pPr algn="ctr">
+                        <a:lnSpc>
+                          <a:spcPct val="107000"/>
+                        </a:lnSpc>
+                        <a:spcAft>
+                          <a:spcPts val="0"/>
+                        </a:spcAft>
+                      </a:pPr>
+                      <a:r>
+                        <a:rPr lang="ru-RU" sz="1100" b="1">
+                          <a:effectLst/>
+                          <a:latin typeface="Times New Roman" panose="02020603050405020304" pitchFamily="18" charset="0"/>
+                          <a:ea typeface="Times New Roman" panose="02020603050405020304" pitchFamily="18" charset="0"/>
+                          <a:cs typeface="Times New Roman" panose="02020603050405020304" pitchFamily="18" charset="0"/>
+                        </a:rPr>
+                        <a:t>Контроли-руемый параметр</a:t>
+                      </a:r>
+                      <a:endParaRPr lang="en-US" sz="1100">
+                        <a:effectLst/>
+                        <a:latin typeface="Calibri" panose="020F0502020204030204" pitchFamily="34" charset="0"/>
+                        <a:ea typeface="Calibri" panose="020F0502020204030204" pitchFamily="34" charset="0"/>
+                        <a:cs typeface="Times New Roman" panose="02020603050405020304" pitchFamily="18" charset="0"/>
+                      </a:endParaRPr>
+                    </a:p>
+                  </a:txBody>
+                  <a:tcPr marL="66634" marR="66634" marT="0" marB="0">
+                    <a:lnL w="12700" cap="flat" cmpd="sng" algn="ctr">
+                      <a:solidFill>
+                        <a:srgbClr val="000000"/>
+                      </a:solidFill>
+                      <a:prstDash val="solid"/>
+                      <a:round/>
+                      <a:headEnd type="none" w="med" len="med"/>
+                      <a:tailEnd type="none" w="med" len="med"/>
+                    </a:lnL>
+                    <a:lnR w="12700" cap="flat" cmpd="sng" algn="ctr">
+                      <a:solidFill>
+                        <a:srgbClr val="000000"/>
+                      </a:solidFill>
+                      <a:prstDash val="solid"/>
+                      <a:round/>
+                      <a:headEnd type="none" w="med" len="med"/>
+                      <a:tailEnd type="none" w="med" len="med"/>
+                    </a:lnR>
+                    <a:lnT w="12700" cap="flat" cmpd="sng" algn="ctr">
+                      <a:solidFill>
+                        <a:srgbClr val="000000"/>
+                      </a:solidFill>
+                      <a:prstDash val="solid"/>
+                      <a:round/>
+                      <a:headEnd type="none" w="med" len="med"/>
+                      <a:tailEnd type="none" w="med" len="med"/>
+                    </a:lnT>
+                    <a:lnB w="12700" cap="flat" cmpd="sng" algn="ctr">
+                      <a:solidFill>
+                        <a:srgbClr val="000000"/>
+                      </a:solidFill>
+                      <a:prstDash val="solid"/>
+                      <a:round/>
+                      <a:headEnd type="none" w="med" len="med"/>
+                      <a:tailEnd type="none" w="med" len="med"/>
+                    </a:lnB>
+                  </a:tcPr>
+                </a:tc>
+                <a:tc>
+                  <a:txBody>
+                    <a:bodyPr/>
+                    <a:lstStyle/>
+                    <a:p>
+                      <a:pPr algn="ctr">
+                        <a:lnSpc>
+                          <a:spcPct val="107000"/>
+                        </a:lnSpc>
+                        <a:spcAft>
+                          <a:spcPts val="0"/>
+                        </a:spcAft>
+                      </a:pPr>
+                      <a:r>
+                        <a:rPr lang="ru-RU" sz="1100" b="1">
+                          <a:effectLst/>
+                          <a:latin typeface="Times New Roman" panose="02020603050405020304" pitchFamily="18" charset="0"/>
+                          <a:ea typeface="Times New Roman" panose="02020603050405020304" pitchFamily="18" charset="0"/>
+                          <a:cs typeface="Times New Roman" panose="02020603050405020304" pitchFamily="18" charset="0"/>
+                        </a:rPr>
+                        <a:t>Предельное значение</a:t>
+                      </a:r>
+                      <a:endParaRPr lang="en-US" sz="1100">
+                        <a:effectLst/>
+                        <a:latin typeface="Calibri" panose="020F0502020204030204" pitchFamily="34" charset="0"/>
+                        <a:ea typeface="Calibri" panose="020F0502020204030204" pitchFamily="34" charset="0"/>
+                        <a:cs typeface="Times New Roman" panose="02020603050405020304" pitchFamily="18" charset="0"/>
+                      </a:endParaRPr>
+                    </a:p>
+                  </a:txBody>
+                  <a:tcPr marL="66634" marR="66634" marT="0" marB="0">
+                    <a:lnL w="12700" cap="flat" cmpd="sng" algn="ctr">
+                      <a:solidFill>
+                        <a:srgbClr val="000000"/>
+                      </a:solidFill>
+                      <a:prstDash val="solid"/>
+                      <a:round/>
+                      <a:headEnd type="none" w="med" len="med"/>
+                      <a:tailEnd type="none" w="med" len="med"/>
+                    </a:lnL>
+                    <a:lnR w="12700" cap="flat" cmpd="sng" algn="ctr">
+                      <a:solidFill>
+                        <a:srgbClr val="000000"/>
+                      </a:solidFill>
+                      <a:prstDash val="solid"/>
+                      <a:round/>
+                      <a:headEnd type="none" w="med" len="med"/>
+                      <a:tailEnd type="none" w="med" len="med"/>
+                    </a:lnR>
+                    <a:lnT w="12700" cap="flat" cmpd="sng" algn="ctr">
+                      <a:solidFill>
+                        <a:srgbClr val="000000"/>
+                      </a:solidFill>
+                      <a:prstDash val="solid"/>
+                      <a:round/>
+                      <a:headEnd type="none" w="med" len="med"/>
+                      <a:tailEnd type="none" w="med" len="med"/>
+                    </a:lnT>
+                    <a:lnB w="12700" cap="flat" cmpd="sng" algn="ctr">
+                      <a:solidFill>
+                        <a:srgbClr val="000000"/>
+                      </a:solidFill>
+                      <a:prstDash val="solid"/>
+                      <a:round/>
+                      <a:headEnd type="none" w="med" len="med"/>
+                      <a:tailEnd type="none" w="med" len="med"/>
+                    </a:lnB>
+                  </a:tcPr>
+                </a:tc>
+                <a:tc>
+                  <a:txBody>
+                    <a:bodyPr/>
+                    <a:lstStyle/>
+                    <a:p>
+                      <a:pPr algn="ctr">
+                        <a:lnSpc>
+                          <a:spcPct val="107000"/>
+                        </a:lnSpc>
+                        <a:spcAft>
+                          <a:spcPts val="0"/>
+                        </a:spcAft>
+                      </a:pPr>
+                      <a:r>
+                        <a:rPr lang="ru-RU" sz="1100" b="1">
+                          <a:effectLst/>
+                          <a:latin typeface="Times New Roman" panose="02020603050405020304" pitchFamily="18" charset="0"/>
+                          <a:ea typeface="Times New Roman" panose="02020603050405020304" pitchFamily="18" charset="0"/>
+                          <a:cs typeface="Times New Roman" panose="02020603050405020304" pitchFamily="18" charset="0"/>
+                        </a:rPr>
+                        <a:t>Процедура</a:t>
+                      </a:r>
+                      <a:endParaRPr lang="en-US" sz="1100">
+                        <a:effectLst/>
+                        <a:latin typeface="Calibri" panose="020F0502020204030204" pitchFamily="34" charset="0"/>
+                        <a:ea typeface="Calibri" panose="020F0502020204030204" pitchFamily="34" charset="0"/>
+                        <a:cs typeface="Times New Roman" panose="02020603050405020304" pitchFamily="18" charset="0"/>
+                      </a:endParaRPr>
+                    </a:p>
+                  </a:txBody>
+                  <a:tcPr marL="66634" marR="66634" marT="0" marB="0">
+                    <a:lnL w="12700" cap="flat" cmpd="sng" algn="ctr">
+                      <a:solidFill>
+                        <a:srgbClr val="000000"/>
+                      </a:solidFill>
+                      <a:prstDash val="solid"/>
+                      <a:round/>
+                      <a:headEnd type="none" w="med" len="med"/>
+                      <a:tailEnd type="none" w="med" len="med"/>
+                    </a:lnL>
+                    <a:lnR w="12700" cap="flat" cmpd="sng" algn="ctr">
+                      <a:solidFill>
+                        <a:srgbClr val="000000"/>
+                      </a:solidFill>
+                      <a:prstDash val="solid"/>
+                      <a:round/>
+                      <a:headEnd type="none" w="med" len="med"/>
+                      <a:tailEnd type="none" w="med" len="med"/>
+                    </a:lnR>
+                    <a:lnT w="12700" cap="flat" cmpd="sng" algn="ctr">
+                      <a:solidFill>
+                        <a:srgbClr val="000000"/>
+                      </a:solidFill>
+                      <a:prstDash val="solid"/>
+                      <a:round/>
+                      <a:headEnd type="none" w="med" len="med"/>
+                      <a:tailEnd type="none" w="med" len="med"/>
+                    </a:lnT>
+                    <a:lnB w="12700" cap="flat" cmpd="sng" algn="ctr">
+                      <a:solidFill>
+                        <a:srgbClr val="000000"/>
+                      </a:solidFill>
+                      <a:prstDash val="solid"/>
+                      <a:round/>
+                      <a:headEnd type="none" w="med" len="med"/>
+                      <a:tailEnd type="none" w="med" len="med"/>
+                    </a:lnB>
+                  </a:tcPr>
+                </a:tc>
+                <a:tc>
+                  <a:txBody>
+                    <a:bodyPr/>
+                    <a:lstStyle/>
+                    <a:p>
+                      <a:pPr algn="ctr">
+                        <a:lnSpc>
+                          <a:spcPct val="107000"/>
+                        </a:lnSpc>
+                        <a:spcAft>
+                          <a:spcPts val="0"/>
+                        </a:spcAft>
+                      </a:pPr>
+                      <a:r>
+                        <a:rPr lang="ru-RU" sz="1100" b="1">
+                          <a:effectLst/>
+                          <a:latin typeface="Times New Roman" panose="02020603050405020304" pitchFamily="18" charset="0"/>
+                          <a:ea typeface="Times New Roman" panose="02020603050405020304" pitchFamily="18" charset="0"/>
+                          <a:cs typeface="Times New Roman" panose="02020603050405020304" pitchFamily="18" charset="0"/>
+                        </a:rPr>
+                        <a:t>Периодич-ность</a:t>
+                      </a:r>
+                      <a:endParaRPr lang="en-US" sz="1100">
+                        <a:effectLst/>
+                        <a:latin typeface="Calibri" panose="020F0502020204030204" pitchFamily="34" charset="0"/>
+                        <a:ea typeface="Calibri" panose="020F0502020204030204" pitchFamily="34" charset="0"/>
+                        <a:cs typeface="Times New Roman" panose="02020603050405020304" pitchFamily="18" charset="0"/>
+                      </a:endParaRPr>
+                    </a:p>
+                  </a:txBody>
+                  <a:tcPr marL="66634" marR="66634" marT="0" marB="0">
+                    <a:lnL w="12700" cap="flat" cmpd="sng" algn="ctr">
+                      <a:solidFill>
+                        <a:srgbClr val="000000"/>
+                      </a:solidFill>
+                      <a:prstDash val="solid"/>
+                      <a:round/>
+                      <a:headEnd type="none" w="med" len="med"/>
+                      <a:tailEnd type="none" w="med" len="med"/>
+                    </a:lnL>
+                    <a:lnR w="12700" cap="flat" cmpd="sng" algn="ctr">
+                      <a:solidFill>
+                        <a:srgbClr val="000000"/>
+                      </a:solidFill>
+                      <a:prstDash val="solid"/>
+                      <a:round/>
+                      <a:headEnd type="none" w="med" len="med"/>
+                      <a:tailEnd type="none" w="med" len="med"/>
+                    </a:lnR>
+                    <a:lnT w="12700" cap="flat" cmpd="sng" algn="ctr">
+                      <a:solidFill>
+                        <a:srgbClr val="000000"/>
+                      </a:solidFill>
+                      <a:prstDash val="solid"/>
+                      <a:round/>
+                      <a:headEnd type="none" w="med" len="med"/>
+                      <a:tailEnd type="none" w="med" len="med"/>
+                    </a:lnT>
+                    <a:lnB w="12700" cap="flat" cmpd="sng" algn="ctr">
+                      <a:solidFill>
+                        <a:srgbClr val="000000"/>
+                      </a:solidFill>
+                      <a:prstDash val="solid"/>
+                      <a:round/>
+                      <a:headEnd type="none" w="med" len="med"/>
+                      <a:tailEnd type="none" w="med" len="med"/>
+                    </a:lnB>
+                  </a:tcPr>
+                </a:tc>
+                <a:tc>
+                  <a:txBody>
+                    <a:bodyPr/>
+                    <a:lstStyle/>
+                    <a:p>
+                      <a:pPr algn="ctr">
+                        <a:lnSpc>
+                          <a:spcPct val="107000"/>
+                        </a:lnSpc>
+                        <a:spcAft>
+                          <a:spcPts val="0"/>
+                        </a:spcAft>
+                      </a:pPr>
+                      <a:r>
+                        <a:rPr lang="ru-RU" sz="1100" b="1">
+                          <a:effectLst/>
+                          <a:latin typeface="Times New Roman" panose="02020603050405020304" pitchFamily="18" charset="0"/>
+                          <a:ea typeface="Times New Roman" panose="02020603050405020304" pitchFamily="18" charset="0"/>
+                          <a:cs typeface="Times New Roman" panose="02020603050405020304" pitchFamily="18" charset="0"/>
+                        </a:rPr>
+                        <a:t>Ответст-венный</a:t>
+                      </a:r>
+                      <a:endParaRPr lang="en-US" sz="1100">
+                        <a:effectLst/>
+                        <a:latin typeface="Calibri" panose="020F0502020204030204" pitchFamily="34" charset="0"/>
+                        <a:ea typeface="Calibri" panose="020F0502020204030204" pitchFamily="34" charset="0"/>
+                        <a:cs typeface="Times New Roman" panose="02020603050405020304" pitchFamily="18" charset="0"/>
+                      </a:endParaRPr>
+                    </a:p>
+                  </a:txBody>
+                  <a:tcPr marL="66634" marR="66634" marT="0" marB="0">
+                    <a:lnL w="12700" cap="flat" cmpd="sng" algn="ctr">
+                      <a:solidFill>
+                        <a:srgbClr val="000000"/>
+                      </a:solidFill>
+                      <a:prstDash val="solid"/>
+                      <a:round/>
+                      <a:headEnd type="none" w="med" len="med"/>
+                      <a:tailEnd type="none" w="med" len="med"/>
+                    </a:lnL>
+                    <a:lnR w="12700" cap="flat" cmpd="sng" algn="ctr">
+                      <a:solidFill>
+                        <a:srgbClr val="000000"/>
+                      </a:solidFill>
+                      <a:prstDash val="solid"/>
+                      <a:round/>
+                      <a:headEnd type="none" w="med" len="med"/>
+                      <a:tailEnd type="none" w="med" len="med"/>
+                    </a:lnR>
+                    <a:lnT w="12700" cap="flat" cmpd="sng" algn="ctr">
+                      <a:solidFill>
+                        <a:srgbClr val="000000"/>
+                      </a:solidFill>
+                      <a:prstDash val="solid"/>
+                      <a:round/>
+                      <a:headEnd type="none" w="med" len="med"/>
+                      <a:tailEnd type="none" w="med" len="med"/>
+                    </a:lnT>
+                    <a:lnB w="12700" cap="flat" cmpd="sng" algn="ctr">
+                      <a:solidFill>
+                        <a:srgbClr val="000000"/>
+                      </a:solidFill>
+                      <a:prstDash val="solid"/>
+                      <a:round/>
+                      <a:headEnd type="none" w="med" len="med"/>
+                      <a:tailEnd type="none" w="med" len="med"/>
+                    </a:lnB>
+                  </a:tcPr>
+                </a:tc>
+                <a:tc>
+                  <a:txBody>
+                    <a:bodyPr/>
+                    <a:lstStyle/>
+                    <a:p>
+                      <a:pPr algn="ctr">
+                        <a:lnSpc>
+                          <a:spcPct val="107000"/>
+                        </a:lnSpc>
+                        <a:spcAft>
+                          <a:spcPts val="0"/>
+                        </a:spcAft>
+                      </a:pPr>
+                      <a:r>
+                        <a:rPr lang="ru-RU" sz="1100" b="1">
+                          <a:effectLst/>
+                          <a:latin typeface="Times New Roman" panose="02020603050405020304" pitchFamily="18" charset="0"/>
+                          <a:ea typeface="Times New Roman" panose="02020603050405020304" pitchFamily="18" charset="0"/>
+                          <a:cs typeface="Times New Roman" panose="02020603050405020304" pitchFamily="18" charset="0"/>
+                        </a:rPr>
+                        <a:t>Документ, где фикси-руются </a:t>
+                      </a:r>
+                      <a:endParaRPr lang="en-US" sz="1100">
+                        <a:effectLst/>
+                        <a:latin typeface="Calibri" panose="020F0502020204030204" pitchFamily="34" charset="0"/>
+                        <a:ea typeface="Calibri" panose="020F0502020204030204" pitchFamily="34" charset="0"/>
+                        <a:cs typeface="Times New Roman" panose="02020603050405020304" pitchFamily="18" charset="0"/>
+                      </a:endParaRPr>
+                    </a:p>
+                  </a:txBody>
+                  <a:tcPr marL="66634" marR="66634" marT="0" marB="0">
+                    <a:lnL w="12700" cap="flat" cmpd="sng" algn="ctr">
+                      <a:solidFill>
+                        <a:srgbClr val="000000"/>
+                      </a:solidFill>
+                      <a:prstDash val="solid"/>
+                      <a:round/>
+                      <a:headEnd type="none" w="med" len="med"/>
+                      <a:tailEnd type="none" w="med" len="med"/>
+                    </a:lnL>
+                    <a:lnR w="12700" cap="flat" cmpd="sng" algn="ctr">
+                      <a:solidFill>
+                        <a:srgbClr val="000000"/>
+                      </a:solidFill>
+                      <a:prstDash val="solid"/>
+                      <a:round/>
+                      <a:headEnd type="none" w="med" len="med"/>
+                      <a:tailEnd type="none" w="med" len="med"/>
+                    </a:lnR>
+                    <a:lnT w="12700" cap="flat" cmpd="sng" algn="ctr">
+                      <a:solidFill>
+                        <a:srgbClr val="000000"/>
+                      </a:solidFill>
+                      <a:prstDash val="solid"/>
+                      <a:round/>
+                      <a:headEnd type="none" w="med" len="med"/>
+                      <a:tailEnd type="none" w="med" len="med"/>
+                    </a:lnT>
+                    <a:lnB w="12700" cap="flat" cmpd="sng" algn="ctr">
+                      <a:solidFill>
+                        <a:srgbClr val="000000"/>
+                      </a:solidFill>
+                      <a:prstDash val="solid"/>
+                      <a:round/>
+                      <a:headEnd type="none" w="med" len="med"/>
+                      <a:tailEnd type="none" w="med" len="med"/>
+                    </a:lnB>
+                  </a:tcPr>
+                </a:tc>
+                <a:tc>
+                  <a:txBody>
+                    <a:bodyPr/>
+                    <a:lstStyle/>
+                    <a:p>
+                      <a:pPr algn="ctr">
+                        <a:lnSpc>
+                          <a:spcPct val="107000"/>
+                        </a:lnSpc>
+                        <a:spcAft>
+                          <a:spcPts val="0"/>
+                        </a:spcAft>
+                      </a:pPr>
+                      <a:r>
+                        <a:rPr lang="ru-RU" sz="1100" b="1">
+                          <a:effectLst/>
+                          <a:latin typeface="Times New Roman" panose="02020603050405020304" pitchFamily="18" charset="0"/>
+                          <a:ea typeface="Times New Roman" panose="02020603050405020304" pitchFamily="18" charset="0"/>
+                          <a:cs typeface="Times New Roman" panose="02020603050405020304" pitchFamily="18" charset="0"/>
+                        </a:rPr>
+                        <a:t>Процедура</a:t>
+                      </a:r>
+                      <a:endParaRPr lang="en-US" sz="1100">
+                        <a:effectLst/>
+                        <a:latin typeface="Calibri" panose="020F0502020204030204" pitchFamily="34" charset="0"/>
+                        <a:ea typeface="Calibri" panose="020F0502020204030204" pitchFamily="34" charset="0"/>
+                        <a:cs typeface="Times New Roman" panose="02020603050405020304" pitchFamily="18" charset="0"/>
+                      </a:endParaRPr>
+                    </a:p>
+                    <a:p>
+                      <a:pPr algn="ctr">
+                        <a:lnSpc>
+                          <a:spcPct val="107000"/>
+                        </a:lnSpc>
+                        <a:spcAft>
+                          <a:spcPts val="0"/>
+                        </a:spcAft>
+                      </a:pPr>
+                      <a:r>
+                        <a:rPr lang="ru-RU" sz="1100" b="1">
+                          <a:effectLst/>
+                          <a:latin typeface="Times New Roman" panose="02020603050405020304" pitchFamily="18" charset="0"/>
+                          <a:ea typeface="Times New Roman" panose="02020603050405020304" pitchFamily="18" charset="0"/>
+                          <a:cs typeface="Times New Roman" panose="02020603050405020304" pitchFamily="18" charset="0"/>
+                        </a:rPr>
+                        <a:t> </a:t>
+                      </a:r>
+                      <a:endParaRPr lang="en-US" sz="1100">
+                        <a:effectLst/>
+                        <a:latin typeface="Calibri" panose="020F0502020204030204" pitchFamily="34" charset="0"/>
+                        <a:ea typeface="Calibri" panose="020F0502020204030204" pitchFamily="34" charset="0"/>
+                        <a:cs typeface="Times New Roman" panose="02020603050405020304" pitchFamily="18" charset="0"/>
+                      </a:endParaRPr>
+                    </a:p>
+                  </a:txBody>
+                  <a:tcPr marL="66634" marR="66634" marT="0" marB="0">
+                    <a:lnL w="12700" cap="flat" cmpd="sng" algn="ctr">
+                      <a:solidFill>
+                        <a:srgbClr val="000000"/>
+                      </a:solidFill>
+                      <a:prstDash val="solid"/>
+                      <a:round/>
+                      <a:headEnd type="none" w="med" len="med"/>
+                      <a:tailEnd type="none" w="med" len="med"/>
+                    </a:lnL>
+                    <a:lnR w="12700" cap="flat" cmpd="sng" algn="ctr">
+                      <a:solidFill>
+                        <a:srgbClr val="000000"/>
+                      </a:solidFill>
+                      <a:prstDash val="solid"/>
+                      <a:round/>
+                      <a:headEnd type="none" w="med" len="med"/>
+                      <a:tailEnd type="none" w="med" len="med"/>
+                    </a:lnR>
+                    <a:lnT w="12700" cap="flat" cmpd="sng" algn="ctr">
+                      <a:solidFill>
+                        <a:srgbClr val="000000"/>
+                      </a:solidFill>
+                      <a:prstDash val="solid"/>
+                      <a:round/>
+                      <a:headEnd type="none" w="med" len="med"/>
+                      <a:tailEnd type="none" w="med" len="med"/>
+                    </a:lnT>
+                    <a:lnB w="12700" cap="flat" cmpd="sng" algn="ctr">
+                      <a:solidFill>
+                        <a:srgbClr val="000000"/>
+                      </a:solidFill>
+                      <a:prstDash val="solid"/>
+                      <a:round/>
+                      <a:headEnd type="none" w="med" len="med"/>
+                      <a:tailEnd type="none" w="med" len="med"/>
+                    </a:lnB>
+                  </a:tcPr>
+                </a:tc>
+                <a:tc>
+                  <a:txBody>
+                    <a:bodyPr/>
+                    <a:lstStyle/>
+                    <a:p>
+                      <a:pPr algn="ctr">
+                        <a:lnSpc>
+                          <a:spcPct val="107000"/>
+                        </a:lnSpc>
+                        <a:spcAft>
+                          <a:spcPts val="0"/>
+                        </a:spcAft>
+                      </a:pPr>
+                      <a:r>
+                        <a:rPr lang="ru-RU" sz="1100" b="1">
+                          <a:effectLst/>
+                          <a:latin typeface="Times New Roman" panose="02020603050405020304" pitchFamily="18" charset="0"/>
+                          <a:ea typeface="Times New Roman" panose="02020603050405020304" pitchFamily="18" charset="0"/>
+                          <a:cs typeface="Times New Roman" panose="02020603050405020304" pitchFamily="18" charset="0"/>
+                        </a:rPr>
+                        <a:t>Ответст-венный</a:t>
+                      </a:r>
+                      <a:endParaRPr lang="en-US" sz="1100">
+                        <a:effectLst/>
+                        <a:latin typeface="Calibri" panose="020F0502020204030204" pitchFamily="34" charset="0"/>
+                        <a:ea typeface="Calibri" panose="020F0502020204030204" pitchFamily="34" charset="0"/>
+                        <a:cs typeface="Times New Roman" panose="02020603050405020304" pitchFamily="18" charset="0"/>
+                      </a:endParaRPr>
+                    </a:p>
+                  </a:txBody>
+                  <a:tcPr marL="66634" marR="66634" marT="0" marB="0">
+                    <a:lnL w="12700" cap="flat" cmpd="sng" algn="ctr">
+                      <a:solidFill>
+                        <a:srgbClr val="000000"/>
+                      </a:solidFill>
+                      <a:prstDash val="solid"/>
+                      <a:round/>
+                      <a:headEnd type="none" w="med" len="med"/>
+                      <a:tailEnd type="none" w="med" len="med"/>
+                    </a:lnL>
+                    <a:lnR w="12700" cap="flat" cmpd="sng" algn="ctr">
+                      <a:solidFill>
+                        <a:srgbClr val="000000"/>
+                      </a:solidFill>
+                      <a:prstDash val="solid"/>
+                      <a:round/>
+                      <a:headEnd type="none" w="med" len="med"/>
+                      <a:tailEnd type="none" w="med" len="med"/>
+                    </a:lnR>
+                    <a:lnT w="12700" cap="flat" cmpd="sng" algn="ctr">
+                      <a:solidFill>
+                        <a:srgbClr val="000000"/>
+                      </a:solidFill>
+                      <a:prstDash val="solid"/>
+                      <a:round/>
+                      <a:headEnd type="none" w="med" len="med"/>
+                      <a:tailEnd type="none" w="med" len="med"/>
+                    </a:lnT>
+                    <a:lnB w="12700" cap="flat" cmpd="sng" algn="ctr">
+                      <a:solidFill>
+                        <a:srgbClr val="000000"/>
+                      </a:solidFill>
+                      <a:prstDash val="solid"/>
+                      <a:round/>
+                      <a:headEnd type="none" w="med" len="med"/>
+                      <a:tailEnd type="none" w="med" len="med"/>
+                    </a:lnB>
+                  </a:tcPr>
+                </a:tc>
+                <a:tc>
+                  <a:txBody>
+                    <a:bodyPr/>
+                    <a:lstStyle/>
+                    <a:p>
+                      <a:pPr>
+                        <a:lnSpc>
+                          <a:spcPct val="107000"/>
+                        </a:lnSpc>
+                        <a:spcAft>
+                          <a:spcPts val="0"/>
+                        </a:spcAft>
+                      </a:pPr>
+                      <a:r>
+                        <a:rPr lang="ru-RU" sz="1100" b="1">
+                          <a:effectLst/>
+                          <a:latin typeface="Times New Roman" panose="02020603050405020304" pitchFamily="18" charset="0"/>
+                          <a:ea typeface="Times New Roman" panose="02020603050405020304" pitchFamily="18" charset="0"/>
+                          <a:cs typeface="Times New Roman" panose="02020603050405020304" pitchFamily="18" charset="0"/>
+                        </a:rPr>
+                        <a:t>Документ, где фикси-руется</a:t>
+                      </a:r>
+                      <a:endParaRPr lang="en-US" sz="1100">
+                        <a:effectLst/>
+                        <a:latin typeface="Calibri" panose="020F0502020204030204" pitchFamily="34" charset="0"/>
+                        <a:ea typeface="Calibri" panose="020F0502020204030204" pitchFamily="34" charset="0"/>
+                        <a:cs typeface="Times New Roman" panose="02020603050405020304" pitchFamily="18" charset="0"/>
+                      </a:endParaRPr>
+                    </a:p>
+                    <a:p>
+                      <a:pPr algn="ctr">
+                        <a:lnSpc>
+                          <a:spcPct val="107000"/>
+                        </a:lnSpc>
+                        <a:spcAft>
+                          <a:spcPts val="0"/>
+                        </a:spcAft>
+                      </a:pPr>
+                      <a:r>
+                        <a:rPr lang="ru-RU" sz="1100" b="1">
+                          <a:effectLst/>
+                          <a:latin typeface="Times New Roman" panose="02020603050405020304" pitchFamily="18" charset="0"/>
+                          <a:ea typeface="Times New Roman" panose="02020603050405020304" pitchFamily="18" charset="0"/>
+                          <a:cs typeface="Times New Roman" panose="02020603050405020304" pitchFamily="18" charset="0"/>
+                        </a:rPr>
+                        <a:t> </a:t>
+                      </a:r>
+                      <a:endParaRPr lang="en-US" sz="1100">
+                        <a:effectLst/>
+                        <a:latin typeface="Calibri" panose="020F0502020204030204" pitchFamily="34" charset="0"/>
+                        <a:ea typeface="Calibri" panose="020F0502020204030204" pitchFamily="34" charset="0"/>
+                        <a:cs typeface="Times New Roman" panose="02020603050405020304" pitchFamily="18" charset="0"/>
+                      </a:endParaRPr>
+                    </a:p>
+                  </a:txBody>
+                  <a:tcPr marL="66634" marR="66634" marT="0" marB="0">
+                    <a:lnL w="12700" cap="flat" cmpd="sng" algn="ctr">
+                      <a:solidFill>
+                        <a:srgbClr val="000000"/>
+                      </a:solidFill>
+                      <a:prstDash val="solid"/>
+                      <a:round/>
+                      <a:headEnd type="none" w="med" len="med"/>
+                      <a:tailEnd type="none" w="med" len="med"/>
+                    </a:lnL>
+                    <a:lnR w="12700" cap="flat" cmpd="sng" algn="ctr">
+                      <a:solidFill>
+                        <a:srgbClr val="000000"/>
+                      </a:solidFill>
+                      <a:prstDash val="solid"/>
+                      <a:round/>
+                      <a:headEnd type="none" w="med" len="med"/>
+                      <a:tailEnd type="none" w="med" len="med"/>
+                    </a:lnR>
+                    <a:lnT w="12700" cap="flat" cmpd="sng" algn="ctr">
+                      <a:solidFill>
+                        <a:srgbClr val="000000"/>
+                      </a:solidFill>
+                      <a:prstDash val="solid"/>
+                      <a:round/>
+                      <a:headEnd type="none" w="med" len="med"/>
+                      <a:tailEnd type="none" w="med" len="med"/>
+                    </a:lnT>
+                    <a:lnB w="12700" cap="flat" cmpd="sng" algn="ctr">
+                      <a:solidFill>
+                        <a:srgbClr val="000000"/>
+                      </a:solidFill>
+                      <a:prstDash val="solid"/>
+                      <a:round/>
+                      <a:headEnd type="none" w="med" len="med"/>
+                      <a:tailEnd type="none" w="med" len="med"/>
+                    </a:lnB>
+                  </a:tcPr>
+                </a:tc>
+                <a:extLst>
+                  <a:ext uri="{0D108BD9-81ED-4DB2-BD59-A6C34878D82A}">
+                    <a16:rowId xmlns:a16="http://schemas.microsoft.com/office/drawing/2014/main" val="1712812697"/>
+                  </a:ext>
+                </a:extLst>
+              </a:tr>
+              <a:tr h="190154">
+                <a:tc>
+                  <a:txBody>
+                    <a:bodyPr/>
+                    <a:lstStyle/>
+                    <a:p>
+                      <a:pPr algn="ctr">
+                        <a:lnSpc>
+                          <a:spcPct val="107000"/>
+                        </a:lnSpc>
+                        <a:spcAft>
+                          <a:spcPts val="0"/>
+                        </a:spcAft>
+                      </a:pPr>
+                      <a:r>
+                        <a:rPr lang="ru-RU" sz="1200" b="1">
+                          <a:effectLst/>
+                          <a:latin typeface="Times New Roman" panose="02020603050405020304" pitchFamily="18" charset="0"/>
+                          <a:ea typeface="Times New Roman" panose="02020603050405020304" pitchFamily="18" charset="0"/>
+                          <a:cs typeface="Times New Roman" panose="02020603050405020304" pitchFamily="18" charset="0"/>
+                        </a:rPr>
+                        <a:t>1</a:t>
+                      </a:r>
+                      <a:endParaRPr lang="en-US" sz="1100">
+                        <a:effectLst/>
+                        <a:latin typeface="Calibri" panose="020F0502020204030204" pitchFamily="34" charset="0"/>
+                        <a:ea typeface="Calibri" panose="020F0502020204030204" pitchFamily="34" charset="0"/>
+                        <a:cs typeface="Times New Roman" panose="02020603050405020304" pitchFamily="18" charset="0"/>
+                      </a:endParaRPr>
+                    </a:p>
+                  </a:txBody>
+                  <a:tcPr marL="66634" marR="66634" marT="0" marB="0">
+                    <a:lnL w="12700" cap="flat" cmpd="sng" algn="ctr">
+                      <a:solidFill>
+                        <a:srgbClr val="000000"/>
+                      </a:solidFill>
+                      <a:prstDash val="solid"/>
+                      <a:round/>
+                      <a:headEnd type="none" w="med" len="med"/>
+                      <a:tailEnd type="none" w="med" len="med"/>
+                    </a:lnL>
+                    <a:lnR w="12700" cap="flat" cmpd="sng" algn="ctr">
+                      <a:solidFill>
+                        <a:srgbClr val="000000"/>
+                      </a:solidFill>
+                      <a:prstDash val="solid"/>
+                      <a:round/>
+                      <a:headEnd type="none" w="med" len="med"/>
+                      <a:tailEnd type="none" w="med" len="med"/>
+                    </a:lnR>
+                    <a:lnT w="12700" cap="flat" cmpd="sng" algn="ctr">
+                      <a:solidFill>
+                        <a:srgbClr val="000000"/>
+                      </a:solidFill>
+                      <a:prstDash val="solid"/>
+                      <a:round/>
+                      <a:headEnd type="none" w="med" len="med"/>
+                      <a:tailEnd type="none" w="med" len="med"/>
+                    </a:lnT>
+                    <a:lnB w="12700" cap="flat" cmpd="sng" algn="ctr">
+                      <a:solidFill>
+                        <a:srgbClr val="000000"/>
+                      </a:solidFill>
+                      <a:prstDash val="solid"/>
+                      <a:round/>
+                      <a:headEnd type="none" w="med" len="med"/>
+                      <a:tailEnd type="none" w="med" len="med"/>
+                    </a:lnB>
+                  </a:tcPr>
+                </a:tc>
+                <a:tc>
+                  <a:txBody>
+                    <a:bodyPr/>
+                    <a:lstStyle/>
+                    <a:p>
+                      <a:pPr algn="ctr">
+                        <a:lnSpc>
+                          <a:spcPct val="107000"/>
+                        </a:lnSpc>
+                        <a:spcAft>
+                          <a:spcPts val="0"/>
+                        </a:spcAft>
+                      </a:pPr>
+                      <a:r>
+                        <a:rPr lang="ru-RU" sz="1200" b="1">
+                          <a:effectLst/>
+                          <a:latin typeface="Times New Roman" panose="02020603050405020304" pitchFamily="18" charset="0"/>
+                          <a:ea typeface="Times New Roman" panose="02020603050405020304" pitchFamily="18" charset="0"/>
+                          <a:cs typeface="Times New Roman" panose="02020603050405020304" pitchFamily="18" charset="0"/>
+                        </a:rPr>
+                        <a:t>2</a:t>
+                      </a:r>
+                      <a:endParaRPr lang="en-US" sz="1100">
+                        <a:effectLst/>
+                        <a:latin typeface="Calibri" panose="020F0502020204030204" pitchFamily="34" charset="0"/>
+                        <a:ea typeface="Calibri" panose="020F0502020204030204" pitchFamily="34" charset="0"/>
+                        <a:cs typeface="Times New Roman" panose="02020603050405020304" pitchFamily="18" charset="0"/>
+                      </a:endParaRPr>
+                    </a:p>
+                  </a:txBody>
+                  <a:tcPr marL="66634" marR="66634" marT="0" marB="0">
+                    <a:lnL w="12700" cap="flat" cmpd="sng" algn="ctr">
+                      <a:solidFill>
+                        <a:srgbClr val="000000"/>
+                      </a:solidFill>
+                      <a:prstDash val="solid"/>
+                      <a:round/>
+                      <a:headEnd type="none" w="med" len="med"/>
+                      <a:tailEnd type="none" w="med" len="med"/>
+                    </a:lnL>
+                    <a:lnR w="12700" cap="flat" cmpd="sng" algn="ctr">
+                      <a:solidFill>
+                        <a:srgbClr val="000000"/>
+                      </a:solidFill>
+                      <a:prstDash val="solid"/>
+                      <a:round/>
+                      <a:headEnd type="none" w="med" len="med"/>
+                      <a:tailEnd type="none" w="med" len="med"/>
+                    </a:lnR>
+                    <a:lnT w="12700" cap="flat" cmpd="sng" algn="ctr">
+                      <a:solidFill>
+                        <a:srgbClr val="000000"/>
+                      </a:solidFill>
+                      <a:prstDash val="solid"/>
+                      <a:round/>
+                      <a:headEnd type="none" w="med" len="med"/>
+                      <a:tailEnd type="none" w="med" len="med"/>
+                    </a:lnT>
+                    <a:lnB w="12700" cap="flat" cmpd="sng" algn="ctr">
+                      <a:solidFill>
+                        <a:srgbClr val="000000"/>
+                      </a:solidFill>
+                      <a:prstDash val="solid"/>
+                      <a:round/>
+                      <a:headEnd type="none" w="med" len="med"/>
+                      <a:tailEnd type="none" w="med" len="med"/>
+                    </a:lnB>
+                  </a:tcPr>
+                </a:tc>
+                <a:tc>
+                  <a:txBody>
+                    <a:bodyPr/>
+                    <a:lstStyle/>
+                    <a:p>
+                      <a:pPr algn="ctr">
+                        <a:lnSpc>
+                          <a:spcPct val="107000"/>
+                        </a:lnSpc>
+                        <a:spcAft>
+                          <a:spcPts val="0"/>
+                        </a:spcAft>
+                      </a:pPr>
+                      <a:r>
+                        <a:rPr lang="ru-RU" sz="1200" b="1">
+                          <a:effectLst/>
+                          <a:latin typeface="Times New Roman" panose="02020603050405020304" pitchFamily="18" charset="0"/>
+                          <a:ea typeface="Times New Roman" panose="02020603050405020304" pitchFamily="18" charset="0"/>
+                          <a:cs typeface="Times New Roman" panose="02020603050405020304" pitchFamily="18" charset="0"/>
+                        </a:rPr>
+                        <a:t>3</a:t>
+                      </a:r>
+                      <a:endParaRPr lang="en-US" sz="1100">
+                        <a:effectLst/>
+                        <a:latin typeface="Calibri" panose="020F0502020204030204" pitchFamily="34" charset="0"/>
+                        <a:ea typeface="Calibri" panose="020F0502020204030204" pitchFamily="34" charset="0"/>
+                        <a:cs typeface="Times New Roman" panose="02020603050405020304" pitchFamily="18" charset="0"/>
+                      </a:endParaRPr>
+                    </a:p>
+                  </a:txBody>
+                  <a:tcPr marL="66634" marR="66634" marT="0" marB="0">
+                    <a:lnL w="12700" cap="flat" cmpd="sng" algn="ctr">
+                      <a:solidFill>
+                        <a:srgbClr val="000000"/>
+                      </a:solidFill>
+                      <a:prstDash val="solid"/>
+                      <a:round/>
+                      <a:headEnd type="none" w="med" len="med"/>
+                      <a:tailEnd type="none" w="med" len="med"/>
+                    </a:lnL>
+                    <a:lnR w="12700" cap="flat" cmpd="sng" algn="ctr">
+                      <a:solidFill>
+                        <a:srgbClr val="000000"/>
+                      </a:solidFill>
+                      <a:prstDash val="solid"/>
+                      <a:round/>
+                      <a:headEnd type="none" w="med" len="med"/>
+                      <a:tailEnd type="none" w="med" len="med"/>
+                    </a:lnR>
+                    <a:lnT w="12700" cap="flat" cmpd="sng" algn="ctr">
+                      <a:solidFill>
+                        <a:srgbClr val="000000"/>
+                      </a:solidFill>
+                      <a:prstDash val="solid"/>
+                      <a:round/>
+                      <a:headEnd type="none" w="med" len="med"/>
+                      <a:tailEnd type="none" w="med" len="med"/>
+                    </a:lnT>
+                    <a:lnB w="12700" cap="flat" cmpd="sng" algn="ctr">
+                      <a:solidFill>
+                        <a:srgbClr val="000000"/>
+                      </a:solidFill>
+                      <a:prstDash val="solid"/>
+                      <a:round/>
+                      <a:headEnd type="none" w="med" len="med"/>
+                      <a:tailEnd type="none" w="med" len="med"/>
+                    </a:lnB>
+                  </a:tcPr>
+                </a:tc>
+                <a:tc>
+                  <a:txBody>
+                    <a:bodyPr/>
+                    <a:lstStyle/>
+                    <a:p>
+                      <a:pPr algn="ctr">
+                        <a:lnSpc>
+                          <a:spcPct val="107000"/>
+                        </a:lnSpc>
+                        <a:spcAft>
+                          <a:spcPts val="0"/>
+                        </a:spcAft>
+                      </a:pPr>
+                      <a:r>
+                        <a:rPr lang="ru-RU" sz="1200" b="1">
+                          <a:effectLst/>
+                          <a:latin typeface="Times New Roman" panose="02020603050405020304" pitchFamily="18" charset="0"/>
+                          <a:ea typeface="Times New Roman" panose="02020603050405020304" pitchFamily="18" charset="0"/>
+                          <a:cs typeface="Times New Roman" panose="02020603050405020304" pitchFamily="18" charset="0"/>
+                        </a:rPr>
+                        <a:t>4</a:t>
+                      </a:r>
+                      <a:endParaRPr lang="en-US" sz="1100">
+                        <a:effectLst/>
+                        <a:latin typeface="Calibri" panose="020F0502020204030204" pitchFamily="34" charset="0"/>
+                        <a:ea typeface="Calibri" panose="020F0502020204030204" pitchFamily="34" charset="0"/>
+                        <a:cs typeface="Times New Roman" panose="02020603050405020304" pitchFamily="18" charset="0"/>
+                      </a:endParaRPr>
+                    </a:p>
+                  </a:txBody>
+                  <a:tcPr marL="66634" marR="66634" marT="0" marB="0">
+                    <a:lnL w="12700" cap="flat" cmpd="sng" algn="ctr">
+                      <a:solidFill>
+                        <a:srgbClr val="000000"/>
+                      </a:solidFill>
+                      <a:prstDash val="solid"/>
+                      <a:round/>
+                      <a:headEnd type="none" w="med" len="med"/>
+                      <a:tailEnd type="none" w="med" len="med"/>
+                    </a:lnL>
+                    <a:lnR w="12700" cap="flat" cmpd="sng" algn="ctr">
+                      <a:solidFill>
+                        <a:srgbClr val="000000"/>
+                      </a:solidFill>
+                      <a:prstDash val="solid"/>
+                      <a:round/>
+                      <a:headEnd type="none" w="med" len="med"/>
+                      <a:tailEnd type="none" w="med" len="med"/>
+                    </a:lnR>
+                    <a:lnT w="12700" cap="flat" cmpd="sng" algn="ctr">
+                      <a:solidFill>
+                        <a:srgbClr val="000000"/>
+                      </a:solidFill>
+                      <a:prstDash val="solid"/>
+                      <a:round/>
+                      <a:headEnd type="none" w="med" len="med"/>
+                      <a:tailEnd type="none" w="med" len="med"/>
+                    </a:lnT>
+                    <a:lnB w="12700" cap="flat" cmpd="sng" algn="ctr">
+                      <a:solidFill>
+                        <a:srgbClr val="000000"/>
+                      </a:solidFill>
+                      <a:prstDash val="solid"/>
+                      <a:round/>
+                      <a:headEnd type="none" w="med" len="med"/>
+                      <a:tailEnd type="none" w="med" len="med"/>
+                    </a:lnB>
+                  </a:tcPr>
+                </a:tc>
+                <a:tc>
+                  <a:txBody>
+                    <a:bodyPr/>
+                    <a:lstStyle/>
+                    <a:p>
+                      <a:pPr algn="ctr">
+                        <a:lnSpc>
+                          <a:spcPct val="107000"/>
+                        </a:lnSpc>
+                        <a:spcAft>
+                          <a:spcPts val="0"/>
+                        </a:spcAft>
+                      </a:pPr>
+                      <a:r>
+                        <a:rPr lang="ru-RU" sz="1200" b="1">
+                          <a:effectLst/>
+                          <a:latin typeface="Times New Roman" panose="02020603050405020304" pitchFamily="18" charset="0"/>
+                          <a:ea typeface="Times New Roman" panose="02020603050405020304" pitchFamily="18" charset="0"/>
+                          <a:cs typeface="Times New Roman" panose="02020603050405020304" pitchFamily="18" charset="0"/>
+                        </a:rPr>
+                        <a:t>5</a:t>
+                      </a:r>
+                      <a:endParaRPr lang="en-US" sz="1100">
+                        <a:effectLst/>
+                        <a:latin typeface="Calibri" panose="020F0502020204030204" pitchFamily="34" charset="0"/>
+                        <a:ea typeface="Calibri" panose="020F0502020204030204" pitchFamily="34" charset="0"/>
+                        <a:cs typeface="Times New Roman" panose="02020603050405020304" pitchFamily="18" charset="0"/>
+                      </a:endParaRPr>
+                    </a:p>
+                  </a:txBody>
+                  <a:tcPr marL="66634" marR="66634" marT="0" marB="0">
+                    <a:lnL w="12700" cap="flat" cmpd="sng" algn="ctr">
+                      <a:solidFill>
+                        <a:srgbClr val="000000"/>
+                      </a:solidFill>
+                      <a:prstDash val="solid"/>
+                      <a:round/>
+                      <a:headEnd type="none" w="med" len="med"/>
+                      <a:tailEnd type="none" w="med" len="med"/>
+                    </a:lnL>
+                    <a:lnR w="12700" cap="flat" cmpd="sng" algn="ctr">
+                      <a:solidFill>
+                        <a:srgbClr val="000000"/>
+                      </a:solidFill>
+                      <a:prstDash val="solid"/>
+                      <a:round/>
+                      <a:headEnd type="none" w="med" len="med"/>
+                      <a:tailEnd type="none" w="med" len="med"/>
+                    </a:lnR>
+                    <a:lnT w="12700" cap="flat" cmpd="sng" algn="ctr">
+                      <a:solidFill>
+                        <a:srgbClr val="000000"/>
+                      </a:solidFill>
+                      <a:prstDash val="solid"/>
+                      <a:round/>
+                      <a:headEnd type="none" w="med" len="med"/>
+                      <a:tailEnd type="none" w="med" len="med"/>
+                    </a:lnT>
+                    <a:lnB w="12700" cap="flat" cmpd="sng" algn="ctr">
+                      <a:solidFill>
+                        <a:srgbClr val="000000"/>
+                      </a:solidFill>
+                      <a:prstDash val="solid"/>
+                      <a:round/>
+                      <a:headEnd type="none" w="med" len="med"/>
+                      <a:tailEnd type="none" w="med" len="med"/>
+                    </a:lnB>
+                  </a:tcPr>
+                </a:tc>
+                <a:tc>
+                  <a:txBody>
+                    <a:bodyPr/>
+                    <a:lstStyle/>
+                    <a:p>
+                      <a:pPr algn="ctr">
+                        <a:lnSpc>
+                          <a:spcPct val="107000"/>
+                        </a:lnSpc>
+                        <a:spcAft>
+                          <a:spcPts val="0"/>
+                        </a:spcAft>
+                      </a:pPr>
+                      <a:r>
+                        <a:rPr lang="ru-RU" sz="1200" b="1">
+                          <a:effectLst/>
+                          <a:latin typeface="Times New Roman" panose="02020603050405020304" pitchFamily="18" charset="0"/>
+                          <a:ea typeface="Times New Roman" panose="02020603050405020304" pitchFamily="18" charset="0"/>
+                          <a:cs typeface="Times New Roman" panose="02020603050405020304" pitchFamily="18" charset="0"/>
+                        </a:rPr>
+                        <a:t>6</a:t>
+                      </a:r>
+                      <a:endParaRPr lang="en-US" sz="1100">
+                        <a:effectLst/>
+                        <a:latin typeface="Calibri" panose="020F0502020204030204" pitchFamily="34" charset="0"/>
+                        <a:ea typeface="Calibri" panose="020F0502020204030204" pitchFamily="34" charset="0"/>
+                        <a:cs typeface="Times New Roman" panose="02020603050405020304" pitchFamily="18" charset="0"/>
+                      </a:endParaRPr>
+                    </a:p>
+                  </a:txBody>
+                  <a:tcPr marL="66634" marR="66634" marT="0" marB="0">
+                    <a:lnL w="12700" cap="flat" cmpd="sng" algn="ctr">
+                      <a:solidFill>
+                        <a:srgbClr val="000000"/>
+                      </a:solidFill>
+                      <a:prstDash val="solid"/>
+                      <a:round/>
+                      <a:headEnd type="none" w="med" len="med"/>
+                      <a:tailEnd type="none" w="med" len="med"/>
+                    </a:lnL>
+                    <a:lnR w="12700" cap="flat" cmpd="sng" algn="ctr">
+                      <a:solidFill>
+                        <a:srgbClr val="000000"/>
+                      </a:solidFill>
+                      <a:prstDash val="solid"/>
+                      <a:round/>
+                      <a:headEnd type="none" w="med" len="med"/>
+                      <a:tailEnd type="none" w="med" len="med"/>
+                    </a:lnR>
+                    <a:lnT w="12700" cap="flat" cmpd="sng" algn="ctr">
+                      <a:solidFill>
+                        <a:srgbClr val="000000"/>
+                      </a:solidFill>
+                      <a:prstDash val="solid"/>
+                      <a:round/>
+                      <a:headEnd type="none" w="med" len="med"/>
+                      <a:tailEnd type="none" w="med" len="med"/>
+                    </a:lnT>
+                    <a:lnB w="12700" cap="flat" cmpd="sng" algn="ctr">
+                      <a:solidFill>
+                        <a:srgbClr val="000000"/>
+                      </a:solidFill>
+                      <a:prstDash val="solid"/>
+                      <a:round/>
+                      <a:headEnd type="none" w="med" len="med"/>
+                      <a:tailEnd type="none" w="med" len="med"/>
+                    </a:lnB>
+                  </a:tcPr>
+                </a:tc>
+                <a:tc>
+                  <a:txBody>
+                    <a:bodyPr/>
+                    <a:lstStyle/>
+                    <a:p>
+                      <a:pPr algn="ctr">
+                        <a:lnSpc>
+                          <a:spcPct val="107000"/>
+                        </a:lnSpc>
+                        <a:spcAft>
+                          <a:spcPts val="0"/>
+                        </a:spcAft>
+                      </a:pPr>
+                      <a:r>
+                        <a:rPr lang="ru-RU" sz="1200" b="1">
+                          <a:effectLst/>
+                          <a:latin typeface="Times New Roman" panose="02020603050405020304" pitchFamily="18" charset="0"/>
+                          <a:ea typeface="Times New Roman" panose="02020603050405020304" pitchFamily="18" charset="0"/>
+                          <a:cs typeface="Times New Roman" panose="02020603050405020304" pitchFamily="18" charset="0"/>
+                        </a:rPr>
+                        <a:t>7</a:t>
+                      </a:r>
+                      <a:endParaRPr lang="en-US" sz="1100">
+                        <a:effectLst/>
+                        <a:latin typeface="Calibri" panose="020F0502020204030204" pitchFamily="34" charset="0"/>
+                        <a:ea typeface="Calibri" panose="020F0502020204030204" pitchFamily="34" charset="0"/>
+                        <a:cs typeface="Times New Roman" panose="02020603050405020304" pitchFamily="18" charset="0"/>
+                      </a:endParaRPr>
+                    </a:p>
+                  </a:txBody>
+                  <a:tcPr marL="66634" marR="66634" marT="0" marB="0">
+                    <a:lnL w="12700" cap="flat" cmpd="sng" algn="ctr">
+                      <a:solidFill>
+                        <a:srgbClr val="000000"/>
+                      </a:solidFill>
+                      <a:prstDash val="solid"/>
+                      <a:round/>
+                      <a:headEnd type="none" w="med" len="med"/>
+                      <a:tailEnd type="none" w="med" len="med"/>
+                    </a:lnL>
+                    <a:lnR w="12700" cap="flat" cmpd="sng" algn="ctr">
+                      <a:solidFill>
+                        <a:srgbClr val="000000"/>
+                      </a:solidFill>
+                      <a:prstDash val="solid"/>
+                      <a:round/>
+                      <a:headEnd type="none" w="med" len="med"/>
+                      <a:tailEnd type="none" w="med" len="med"/>
+                    </a:lnR>
+                    <a:lnT w="12700" cap="flat" cmpd="sng" algn="ctr">
+                      <a:solidFill>
+                        <a:srgbClr val="000000"/>
+                      </a:solidFill>
+                      <a:prstDash val="solid"/>
+                      <a:round/>
+                      <a:headEnd type="none" w="med" len="med"/>
+                      <a:tailEnd type="none" w="med" len="med"/>
+                    </a:lnT>
+                    <a:lnB w="12700" cap="flat" cmpd="sng" algn="ctr">
+                      <a:solidFill>
+                        <a:srgbClr val="000000"/>
+                      </a:solidFill>
+                      <a:prstDash val="solid"/>
+                      <a:round/>
+                      <a:headEnd type="none" w="med" len="med"/>
+                      <a:tailEnd type="none" w="med" len="med"/>
+                    </a:lnB>
+                  </a:tcPr>
+                </a:tc>
+                <a:tc>
+                  <a:txBody>
+                    <a:bodyPr/>
+                    <a:lstStyle/>
+                    <a:p>
+                      <a:pPr algn="ctr">
+                        <a:lnSpc>
+                          <a:spcPct val="107000"/>
+                        </a:lnSpc>
+                        <a:spcAft>
+                          <a:spcPts val="0"/>
+                        </a:spcAft>
+                      </a:pPr>
+                      <a:r>
+                        <a:rPr lang="ru-RU" sz="1200" b="1">
+                          <a:effectLst/>
+                          <a:latin typeface="Times New Roman" panose="02020603050405020304" pitchFamily="18" charset="0"/>
+                          <a:ea typeface="Times New Roman" panose="02020603050405020304" pitchFamily="18" charset="0"/>
+                          <a:cs typeface="Times New Roman" panose="02020603050405020304" pitchFamily="18" charset="0"/>
+                        </a:rPr>
+                        <a:t>8</a:t>
+                      </a:r>
+                      <a:endParaRPr lang="en-US" sz="1100">
+                        <a:effectLst/>
+                        <a:latin typeface="Calibri" panose="020F0502020204030204" pitchFamily="34" charset="0"/>
+                        <a:ea typeface="Calibri" panose="020F0502020204030204" pitchFamily="34" charset="0"/>
+                        <a:cs typeface="Times New Roman" panose="02020603050405020304" pitchFamily="18" charset="0"/>
+                      </a:endParaRPr>
+                    </a:p>
+                  </a:txBody>
+                  <a:tcPr marL="66634" marR="66634" marT="0" marB="0">
+                    <a:lnL w="12700" cap="flat" cmpd="sng" algn="ctr">
+                      <a:solidFill>
+                        <a:srgbClr val="000000"/>
+                      </a:solidFill>
+                      <a:prstDash val="solid"/>
+                      <a:round/>
+                      <a:headEnd type="none" w="med" len="med"/>
+                      <a:tailEnd type="none" w="med" len="med"/>
+                    </a:lnL>
+                    <a:lnR w="12700" cap="flat" cmpd="sng" algn="ctr">
+                      <a:solidFill>
+                        <a:srgbClr val="000000"/>
+                      </a:solidFill>
+                      <a:prstDash val="solid"/>
+                      <a:round/>
+                      <a:headEnd type="none" w="med" len="med"/>
+                      <a:tailEnd type="none" w="med" len="med"/>
+                    </a:lnR>
+                    <a:lnT w="12700" cap="flat" cmpd="sng" algn="ctr">
+                      <a:solidFill>
+                        <a:srgbClr val="000000"/>
+                      </a:solidFill>
+                      <a:prstDash val="solid"/>
+                      <a:round/>
+                      <a:headEnd type="none" w="med" len="med"/>
+                      <a:tailEnd type="none" w="med" len="med"/>
+                    </a:lnT>
+                    <a:lnB w="12700" cap="flat" cmpd="sng" algn="ctr">
+                      <a:solidFill>
+                        <a:srgbClr val="000000"/>
+                      </a:solidFill>
+                      <a:prstDash val="solid"/>
+                      <a:round/>
+                      <a:headEnd type="none" w="med" len="med"/>
+                      <a:tailEnd type="none" w="med" len="med"/>
+                    </a:lnB>
+                  </a:tcPr>
+                </a:tc>
+                <a:tc>
+                  <a:txBody>
+                    <a:bodyPr/>
+                    <a:lstStyle/>
+                    <a:p>
+                      <a:pPr algn="ctr">
+                        <a:lnSpc>
+                          <a:spcPct val="107000"/>
+                        </a:lnSpc>
+                        <a:spcAft>
+                          <a:spcPts val="0"/>
+                        </a:spcAft>
+                      </a:pPr>
+                      <a:r>
+                        <a:rPr lang="ru-RU" sz="1200" b="1">
+                          <a:effectLst/>
+                          <a:latin typeface="Times New Roman" panose="02020603050405020304" pitchFamily="18" charset="0"/>
+                          <a:ea typeface="Times New Roman" panose="02020603050405020304" pitchFamily="18" charset="0"/>
+                          <a:cs typeface="Times New Roman" panose="02020603050405020304" pitchFamily="18" charset="0"/>
+                        </a:rPr>
+                        <a:t>9</a:t>
+                      </a:r>
+                      <a:endParaRPr lang="en-US" sz="1100">
+                        <a:effectLst/>
+                        <a:latin typeface="Calibri" panose="020F0502020204030204" pitchFamily="34" charset="0"/>
+                        <a:ea typeface="Calibri" panose="020F0502020204030204" pitchFamily="34" charset="0"/>
+                        <a:cs typeface="Times New Roman" panose="02020603050405020304" pitchFamily="18" charset="0"/>
+                      </a:endParaRPr>
+                    </a:p>
+                  </a:txBody>
+                  <a:tcPr marL="66634" marR="66634" marT="0" marB="0">
+                    <a:lnL w="12700" cap="flat" cmpd="sng" algn="ctr">
+                      <a:solidFill>
+                        <a:srgbClr val="000000"/>
+                      </a:solidFill>
+                      <a:prstDash val="solid"/>
+                      <a:round/>
+                      <a:headEnd type="none" w="med" len="med"/>
+                      <a:tailEnd type="none" w="med" len="med"/>
+                    </a:lnL>
+                    <a:lnR w="12700" cap="flat" cmpd="sng" algn="ctr">
+                      <a:solidFill>
+                        <a:srgbClr val="000000"/>
+                      </a:solidFill>
+                      <a:prstDash val="solid"/>
+                      <a:round/>
+                      <a:headEnd type="none" w="med" len="med"/>
+                      <a:tailEnd type="none" w="med" len="med"/>
+                    </a:lnR>
+                    <a:lnT w="12700" cap="flat" cmpd="sng" algn="ctr">
+                      <a:solidFill>
+                        <a:srgbClr val="000000"/>
+                      </a:solidFill>
+                      <a:prstDash val="solid"/>
+                      <a:round/>
+                      <a:headEnd type="none" w="med" len="med"/>
+                      <a:tailEnd type="none" w="med" len="med"/>
+                    </a:lnT>
+                    <a:lnB w="12700" cap="flat" cmpd="sng" algn="ctr">
+                      <a:solidFill>
+                        <a:srgbClr val="000000"/>
+                      </a:solidFill>
+                      <a:prstDash val="solid"/>
+                      <a:round/>
+                      <a:headEnd type="none" w="med" len="med"/>
+                      <a:tailEnd type="none" w="med" len="med"/>
+                    </a:lnB>
+                  </a:tcPr>
+                </a:tc>
+                <a:tc>
+                  <a:txBody>
+                    <a:bodyPr/>
+                    <a:lstStyle/>
+                    <a:p>
+                      <a:pPr algn="ctr">
+                        <a:lnSpc>
+                          <a:spcPct val="107000"/>
+                        </a:lnSpc>
+                        <a:spcAft>
+                          <a:spcPts val="0"/>
+                        </a:spcAft>
+                      </a:pPr>
+                      <a:r>
+                        <a:rPr lang="ru-RU" sz="1200" b="1">
+                          <a:effectLst/>
+                          <a:latin typeface="Times New Roman" panose="02020603050405020304" pitchFamily="18" charset="0"/>
+                          <a:ea typeface="Times New Roman" panose="02020603050405020304" pitchFamily="18" charset="0"/>
+                          <a:cs typeface="Times New Roman" panose="02020603050405020304" pitchFamily="18" charset="0"/>
+                        </a:rPr>
+                        <a:t>10</a:t>
+                      </a:r>
+                      <a:endParaRPr lang="en-US" sz="1100">
+                        <a:effectLst/>
+                        <a:latin typeface="Calibri" panose="020F0502020204030204" pitchFamily="34" charset="0"/>
+                        <a:ea typeface="Calibri" panose="020F0502020204030204" pitchFamily="34" charset="0"/>
+                        <a:cs typeface="Times New Roman" panose="02020603050405020304" pitchFamily="18" charset="0"/>
+                      </a:endParaRPr>
+                    </a:p>
+                  </a:txBody>
+                  <a:tcPr marL="66634" marR="66634" marT="0" marB="0">
+                    <a:lnL w="12700" cap="flat" cmpd="sng" algn="ctr">
+                      <a:solidFill>
+                        <a:srgbClr val="000000"/>
+                      </a:solidFill>
+                      <a:prstDash val="solid"/>
+                      <a:round/>
+                      <a:headEnd type="none" w="med" len="med"/>
+                      <a:tailEnd type="none" w="med" len="med"/>
+                    </a:lnL>
+                    <a:lnR w="12700" cap="flat" cmpd="sng" algn="ctr">
+                      <a:solidFill>
+                        <a:srgbClr val="000000"/>
+                      </a:solidFill>
+                      <a:prstDash val="solid"/>
+                      <a:round/>
+                      <a:headEnd type="none" w="med" len="med"/>
+                      <a:tailEnd type="none" w="med" len="med"/>
+                    </a:lnR>
+                    <a:lnT w="12700" cap="flat" cmpd="sng" algn="ctr">
+                      <a:solidFill>
+                        <a:srgbClr val="000000"/>
+                      </a:solidFill>
+                      <a:prstDash val="solid"/>
+                      <a:round/>
+                      <a:headEnd type="none" w="med" len="med"/>
+                      <a:tailEnd type="none" w="med" len="med"/>
+                    </a:lnT>
+                    <a:lnB w="12700" cap="flat" cmpd="sng" algn="ctr">
+                      <a:solidFill>
+                        <a:srgbClr val="000000"/>
+                      </a:solidFill>
+                      <a:prstDash val="solid"/>
+                      <a:round/>
+                      <a:headEnd type="none" w="med" len="med"/>
+                      <a:tailEnd type="none" w="med" len="med"/>
+                    </a:lnB>
+                  </a:tcPr>
+                </a:tc>
+                <a:extLst>
+                  <a:ext uri="{0D108BD9-81ED-4DB2-BD59-A6C34878D82A}">
+                    <a16:rowId xmlns:a16="http://schemas.microsoft.com/office/drawing/2014/main" val="3712696908"/>
+                  </a:ext>
+                </a:extLst>
+              </a:tr>
+              <a:tr h="3232623">
+                <a:tc>
+                  <a:txBody>
+                    <a:bodyPr/>
+                    <a:lstStyle/>
+                    <a:p>
+                      <a:pPr>
+                        <a:lnSpc>
+                          <a:spcPct val="107000"/>
+                        </a:lnSpc>
+                        <a:spcAft>
+                          <a:spcPts val="0"/>
+                        </a:spcAft>
+                      </a:pPr>
+                      <a:r>
+                        <a:rPr lang="ru-RU" sz="1200">
+                          <a:effectLst/>
+                          <a:latin typeface="Times New Roman" panose="02020603050405020304" pitchFamily="18" charset="0"/>
+                          <a:ea typeface="Times New Roman" panose="02020603050405020304" pitchFamily="18" charset="0"/>
+                          <a:cs typeface="Times New Roman" panose="02020603050405020304" pitchFamily="18" charset="0"/>
+                        </a:rPr>
+                        <a:t>1. Входной контроль качества птицы сельскохозяйственной для убоя</a:t>
+                      </a:r>
+                      <a:endParaRPr lang="en-US" sz="1100">
+                        <a:effectLst/>
+                        <a:latin typeface="Calibri" panose="020F0502020204030204" pitchFamily="34" charset="0"/>
+                        <a:ea typeface="Calibri" panose="020F0502020204030204" pitchFamily="34" charset="0"/>
+                        <a:cs typeface="Times New Roman" panose="02020603050405020304" pitchFamily="18" charset="0"/>
+                      </a:endParaRPr>
+                    </a:p>
+                    <a:p>
+                      <a:pPr>
+                        <a:lnSpc>
+                          <a:spcPct val="107000"/>
+                        </a:lnSpc>
+                        <a:spcAft>
+                          <a:spcPts val="0"/>
+                        </a:spcAft>
+                      </a:pPr>
+                      <a:r>
+                        <a:rPr lang="ru-RU" sz="1200">
+                          <a:effectLst/>
+                          <a:latin typeface="Times New Roman" panose="02020603050405020304" pitchFamily="18" charset="0"/>
+                          <a:ea typeface="Times New Roman" panose="02020603050405020304" pitchFamily="18" charset="0"/>
+                          <a:cs typeface="Times New Roman" panose="02020603050405020304" pitchFamily="18" charset="0"/>
+                        </a:rPr>
+                        <a:t> </a:t>
+                      </a:r>
+                      <a:endParaRPr lang="en-US" sz="1100">
+                        <a:effectLst/>
+                        <a:latin typeface="Calibri" panose="020F0502020204030204" pitchFamily="34" charset="0"/>
+                        <a:ea typeface="Calibri" panose="020F0502020204030204" pitchFamily="34" charset="0"/>
+                        <a:cs typeface="Times New Roman" panose="02020603050405020304" pitchFamily="18" charset="0"/>
+                      </a:endParaRPr>
+                    </a:p>
+                    <a:p>
+                      <a:pPr>
+                        <a:lnSpc>
+                          <a:spcPct val="107000"/>
+                        </a:lnSpc>
+                        <a:spcAft>
+                          <a:spcPts val="0"/>
+                        </a:spcAft>
+                      </a:pPr>
+                      <a:r>
+                        <a:rPr lang="ru-RU" sz="1200">
+                          <a:effectLst/>
+                          <a:latin typeface="Times New Roman" panose="02020603050405020304" pitchFamily="18" charset="0"/>
+                          <a:ea typeface="Times New Roman" panose="02020603050405020304" pitchFamily="18" charset="0"/>
+                          <a:cs typeface="Times New Roman" panose="02020603050405020304" pitchFamily="18" charset="0"/>
+                        </a:rPr>
+                        <a:t> </a:t>
+                      </a:r>
+                      <a:endParaRPr lang="en-US" sz="1100">
+                        <a:effectLst/>
+                        <a:latin typeface="Calibri" panose="020F0502020204030204" pitchFamily="34" charset="0"/>
+                        <a:ea typeface="Calibri" panose="020F0502020204030204" pitchFamily="34" charset="0"/>
+                        <a:cs typeface="Times New Roman" panose="02020603050405020304" pitchFamily="18" charset="0"/>
+                      </a:endParaRPr>
+                    </a:p>
+                    <a:p>
+                      <a:pPr>
+                        <a:lnSpc>
+                          <a:spcPct val="107000"/>
+                        </a:lnSpc>
+                        <a:spcAft>
+                          <a:spcPts val="0"/>
+                        </a:spcAft>
+                      </a:pPr>
+                      <a:r>
+                        <a:rPr lang="ru-RU" sz="1200">
+                          <a:effectLst/>
+                          <a:latin typeface="Times New Roman" panose="02020603050405020304" pitchFamily="18" charset="0"/>
+                          <a:ea typeface="Times New Roman" panose="02020603050405020304" pitchFamily="18" charset="0"/>
+                          <a:cs typeface="Times New Roman" panose="02020603050405020304" pitchFamily="18" charset="0"/>
+                        </a:rPr>
+                        <a:t> </a:t>
+                      </a:r>
+                      <a:endParaRPr lang="en-US" sz="1100">
+                        <a:effectLst/>
+                        <a:latin typeface="Calibri" panose="020F0502020204030204" pitchFamily="34" charset="0"/>
+                        <a:ea typeface="Calibri" panose="020F0502020204030204" pitchFamily="34" charset="0"/>
+                        <a:cs typeface="Times New Roman" panose="02020603050405020304" pitchFamily="18" charset="0"/>
+                      </a:endParaRPr>
+                    </a:p>
+                    <a:p>
+                      <a:pPr algn="ctr">
+                        <a:lnSpc>
+                          <a:spcPct val="107000"/>
+                        </a:lnSpc>
+                        <a:spcAft>
+                          <a:spcPts val="0"/>
+                        </a:spcAft>
+                      </a:pPr>
+                      <a:r>
+                        <a:rPr lang="ru-RU" sz="1200" b="1">
+                          <a:effectLst/>
+                          <a:latin typeface="Times New Roman" panose="02020603050405020304" pitchFamily="18" charset="0"/>
+                          <a:ea typeface="Times New Roman" panose="02020603050405020304" pitchFamily="18" charset="0"/>
+                          <a:cs typeface="Times New Roman" panose="02020603050405020304" pitchFamily="18" charset="0"/>
+                        </a:rPr>
+                        <a:t> </a:t>
+                      </a:r>
+                      <a:endParaRPr lang="en-US" sz="1100">
+                        <a:effectLst/>
+                        <a:latin typeface="Calibri" panose="020F0502020204030204" pitchFamily="34" charset="0"/>
+                        <a:ea typeface="Calibri" panose="020F0502020204030204" pitchFamily="34" charset="0"/>
+                        <a:cs typeface="Times New Roman" panose="02020603050405020304" pitchFamily="18" charset="0"/>
+                      </a:endParaRPr>
+                    </a:p>
+                    <a:p>
+                      <a:pPr algn="ctr">
+                        <a:lnSpc>
+                          <a:spcPct val="107000"/>
+                        </a:lnSpc>
+                        <a:spcAft>
+                          <a:spcPts val="0"/>
+                        </a:spcAft>
+                      </a:pPr>
+                      <a:r>
+                        <a:rPr lang="ru-RU" sz="1200" b="1">
+                          <a:effectLst/>
+                          <a:latin typeface="Times New Roman" panose="02020603050405020304" pitchFamily="18" charset="0"/>
+                          <a:ea typeface="Times New Roman" panose="02020603050405020304" pitchFamily="18" charset="0"/>
+                          <a:cs typeface="Times New Roman" panose="02020603050405020304" pitchFamily="18" charset="0"/>
+                        </a:rPr>
+                        <a:t> </a:t>
+                      </a:r>
+                      <a:endParaRPr lang="en-US" sz="1100">
+                        <a:effectLst/>
+                        <a:latin typeface="Calibri" panose="020F0502020204030204" pitchFamily="34" charset="0"/>
+                        <a:ea typeface="Calibri" panose="020F0502020204030204" pitchFamily="34" charset="0"/>
+                        <a:cs typeface="Times New Roman" panose="02020603050405020304" pitchFamily="18" charset="0"/>
+                      </a:endParaRPr>
+                    </a:p>
+                    <a:p>
+                      <a:pPr algn="ctr">
+                        <a:lnSpc>
+                          <a:spcPct val="107000"/>
+                        </a:lnSpc>
+                        <a:spcAft>
+                          <a:spcPts val="0"/>
+                        </a:spcAft>
+                      </a:pPr>
+                      <a:r>
+                        <a:rPr lang="ru-RU" sz="1200" b="1">
+                          <a:effectLst/>
+                          <a:latin typeface="Times New Roman" panose="02020603050405020304" pitchFamily="18" charset="0"/>
+                          <a:ea typeface="Times New Roman" panose="02020603050405020304" pitchFamily="18" charset="0"/>
+                          <a:cs typeface="Times New Roman" panose="02020603050405020304" pitchFamily="18" charset="0"/>
+                        </a:rPr>
+                        <a:t> </a:t>
+                      </a:r>
+                      <a:endParaRPr lang="en-US" sz="1100">
+                        <a:effectLst/>
+                        <a:latin typeface="Calibri" panose="020F0502020204030204" pitchFamily="34" charset="0"/>
+                        <a:ea typeface="Calibri" panose="020F0502020204030204" pitchFamily="34" charset="0"/>
+                        <a:cs typeface="Times New Roman" panose="02020603050405020304" pitchFamily="18" charset="0"/>
+                      </a:endParaRPr>
+                    </a:p>
+                    <a:p>
+                      <a:pPr algn="ctr">
+                        <a:lnSpc>
+                          <a:spcPct val="107000"/>
+                        </a:lnSpc>
+                        <a:spcAft>
+                          <a:spcPts val="0"/>
+                        </a:spcAft>
+                      </a:pPr>
+                      <a:r>
+                        <a:rPr lang="ru-RU" sz="1200" b="1">
+                          <a:effectLst/>
+                          <a:latin typeface="Times New Roman" panose="02020603050405020304" pitchFamily="18" charset="0"/>
+                          <a:ea typeface="Times New Roman" panose="02020603050405020304" pitchFamily="18" charset="0"/>
+                          <a:cs typeface="Times New Roman" panose="02020603050405020304" pitchFamily="18" charset="0"/>
+                        </a:rPr>
+                        <a:t> </a:t>
+                      </a:r>
+                      <a:endParaRPr lang="en-US" sz="1100">
+                        <a:effectLst/>
+                        <a:latin typeface="Calibri" panose="020F0502020204030204" pitchFamily="34" charset="0"/>
+                        <a:ea typeface="Calibri" panose="020F0502020204030204" pitchFamily="34" charset="0"/>
+                        <a:cs typeface="Times New Roman" panose="02020603050405020304" pitchFamily="18" charset="0"/>
+                      </a:endParaRPr>
+                    </a:p>
+                    <a:p>
+                      <a:pPr algn="ctr">
+                        <a:lnSpc>
+                          <a:spcPct val="107000"/>
+                        </a:lnSpc>
+                        <a:spcAft>
+                          <a:spcPts val="0"/>
+                        </a:spcAft>
+                      </a:pPr>
+                      <a:r>
+                        <a:rPr lang="ru-RU" sz="1200" b="1">
+                          <a:effectLst/>
+                          <a:latin typeface="Times New Roman" panose="02020603050405020304" pitchFamily="18" charset="0"/>
+                          <a:ea typeface="Times New Roman" panose="02020603050405020304" pitchFamily="18" charset="0"/>
+                          <a:cs typeface="Times New Roman" panose="02020603050405020304" pitchFamily="18" charset="0"/>
+                        </a:rPr>
+                        <a:t> </a:t>
+                      </a:r>
+                      <a:endParaRPr lang="en-US" sz="1100">
+                        <a:effectLst/>
+                        <a:latin typeface="Calibri" panose="020F0502020204030204" pitchFamily="34" charset="0"/>
+                        <a:ea typeface="Calibri" panose="020F0502020204030204" pitchFamily="34" charset="0"/>
+                        <a:cs typeface="Times New Roman" panose="02020603050405020304" pitchFamily="18" charset="0"/>
+                      </a:endParaRPr>
+                    </a:p>
+                    <a:p>
+                      <a:pPr algn="ctr">
+                        <a:lnSpc>
+                          <a:spcPct val="107000"/>
+                        </a:lnSpc>
+                        <a:spcAft>
+                          <a:spcPts val="0"/>
+                        </a:spcAft>
+                      </a:pPr>
+                      <a:r>
+                        <a:rPr lang="ru-RU" sz="1200" b="1">
+                          <a:effectLst/>
+                          <a:latin typeface="Times New Roman" panose="02020603050405020304" pitchFamily="18" charset="0"/>
+                          <a:ea typeface="Times New Roman" panose="02020603050405020304" pitchFamily="18" charset="0"/>
+                          <a:cs typeface="Times New Roman" panose="02020603050405020304" pitchFamily="18" charset="0"/>
+                        </a:rPr>
+                        <a:t> </a:t>
+                      </a:r>
+                      <a:endParaRPr lang="en-US" sz="1100">
+                        <a:effectLst/>
+                        <a:latin typeface="Calibri" panose="020F0502020204030204" pitchFamily="34" charset="0"/>
+                        <a:ea typeface="Calibri" panose="020F0502020204030204" pitchFamily="34" charset="0"/>
+                        <a:cs typeface="Times New Roman" panose="02020603050405020304" pitchFamily="18" charset="0"/>
+                      </a:endParaRPr>
+                    </a:p>
+                    <a:p>
+                      <a:pPr>
+                        <a:lnSpc>
+                          <a:spcPct val="107000"/>
+                        </a:lnSpc>
+                        <a:spcAft>
+                          <a:spcPts val="0"/>
+                        </a:spcAft>
+                      </a:pPr>
+                      <a:r>
+                        <a:rPr lang="ru-RU" sz="1200" b="1">
+                          <a:effectLst/>
+                          <a:latin typeface="Times New Roman" panose="02020603050405020304" pitchFamily="18" charset="0"/>
+                          <a:ea typeface="Times New Roman" panose="02020603050405020304" pitchFamily="18" charset="0"/>
+                          <a:cs typeface="Times New Roman" panose="02020603050405020304" pitchFamily="18" charset="0"/>
+                        </a:rPr>
+                        <a:t> </a:t>
+                      </a:r>
+                      <a:endParaRPr lang="en-US" sz="1100">
+                        <a:effectLst/>
+                        <a:latin typeface="Calibri" panose="020F0502020204030204" pitchFamily="34" charset="0"/>
+                        <a:ea typeface="Calibri" panose="020F0502020204030204" pitchFamily="34" charset="0"/>
+                        <a:cs typeface="Times New Roman" panose="02020603050405020304" pitchFamily="18" charset="0"/>
+                      </a:endParaRPr>
+                    </a:p>
+                  </a:txBody>
+                  <a:tcPr marL="66634" marR="66634" marT="0" marB="0">
+                    <a:lnL w="12700" cap="flat" cmpd="sng" algn="ctr">
+                      <a:solidFill>
+                        <a:srgbClr val="000000"/>
+                      </a:solidFill>
+                      <a:prstDash val="solid"/>
+                      <a:round/>
+                      <a:headEnd type="none" w="med" len="med"/>
+                      <a:tailEnd type="none" w="med" len="med"/>
+                    </a:lnL>
+                    <a:lnR w="12700" cap="flat" cmpd="sng" algn="ctr">
+                      <a:solidFill>
+                        <a:srgbClr val="000000"/>
+                      </a:solidFill>
+                      <a:prstDash val="solid"/>
+                      <a:round/>
+                      <a:headEnd type="none" w="med" len="med"/>
+                      <a:tailEnd type="none" w="med" len="med"/>
+                    </a:lnR>
+                    <a:lnT w="12700" cap="flat" cmpd="sng" algn="ctr">
+                      <a:solidFill>
+                        <a:srgbClr val="000000"/>
+                      </a:solidFill>
+                      <a:prstDash val="solid"/>
+                      <a:round/>
+                      <a:headEnd type="none" w="med" len="med"/>
+                      <a:tailEnd type="none" w="med" len="med"/>
+                    </a:lnT>
+                    <a:lnB w="12700" cap="flat" cmpd="sng" algn="ctr">
+                      <a:solidFill>
+                        <a:srgbClr val="000000"/>
+                      </a:solidFill>
+                      <a:prstDash val="solid"/>
+                      <a:round/>
+                      <a:headEnd type="none" w="med" len="med"/>
+                      <a:tailEnd type="none" w="med" len="med"/>
+                    </a:lnB>
+                  </a:tcPr>
+                </a:tc>
+                <a:tc>
+                  <a:txBody>
+                    <a:bodyPr/>
+                    <a:lstStyle/>
+                    <a:p>
+                      <a:pPr algn="ctr">
+                        <a:lnSpc>
+                          <a:spcPct val="107000"/>
+                        </a:lnSpc>
+                        <a:spcAft>
+                          <a:spcPts val="0"/>
+                        </a:spcAft>
+                      </a:pPr>
+                      <a:r>
+                        <a:rPr lang="ru-RU" sz="1100" b="1">
+                          <a:effectLst/>
+                          <a:latin typeface="Times New Roman" panose="02020603050405020304" pitchFamily="18" charset="0"/>
+                          <a:ea typeface="Times New Roman" panose="02020603050405020304" pitchFamily="18" charset="0"/>
+                          <a:cs typeface="Times New Roman" panose="02020603050405020304" pitchFamily="18" charset="0"/>
+                        </a:rPr>
+                        <a:t>Микробио-логические показатели</a:t>
+                      </a:r>
+                      <a:r>
+                        <a:rPr lang="ru-RU" sz="1200">
+                          <a:effectLst/>
+                          <a:latin typeface="Times New Roman" panose="02020603050405020304" pitchFamily="18" charset="0"/>
+                          <a:ea typeface="Times New Roman" panose="02020603050405020304" pitchFamily="18" charset="0"/>
+                          <a:cs typeface="Times New Roman" panose="02020603050405020304" pitchFamily="18" charset="0"/>
+                        </a:rPr>
+                        <a:t>: </a:t>
+                      </a:r>
+                      <a:endParaRPr lang="en-US" sz="1100">
+                        <a:effectLst/>
+                        <a:latin typeface="Calibri" panose="020F0502020204030204" pitchFamily="34" charset="0"/>
+                        <a:ea typeface="Calibri" panose="020F0502020204030204" pitchFamily="34" charset="0"/>
+                        <a:cs typeface="Times New Roman" panose="02020603050405020304" pitchFamily="18" charset="0"/>
+                      </a:endParaRPr>
+                    </a:p>
+                    <a:p>
+                      <a:pPr>
+                        <a:lnSpc>
+                          <a:spcPct val="107000"/>
+                        </a:lnSpc>
+                        <a:spcAft>
+                          <a:spcPts val="0"/>
+                        </a:spcAft>
+                      </a:pPr>
+                      <a:r>
+                        <a:rPr lang="ru-RU" sz="1200">
+                          <a:effectLst/>
+                          <a:latin typeface="Times New Roman" panose="02020603050405020304" pitchFamily="18" charset="0"/>
+                          <a:ea typeface="Times New Roman" panose="02020603050405020304" pitchFamily="18" charset="0"/>
+                          <a:cs typeface="Times New Roman" panose="02020603050405020304" pitchFamily="18" charset="0"/>
+                        </a:rPr>
+                        <a:t>Сальмонелла </a:t>
+                      </a:r>
+                      <a:endParaRPr lang="en-US" sz="1100">
+                        <a:effectLst/>
+                        <a:latin typeface="Calibri" panose="020F0502020204030204" pitchFamily="34" charset="0"/>
+                        <a:ea typeface="Calibri" panose="020F0502020204030204" pitchFamily="34" charset="0"/>
+                        <a:cs typeface="Times New Roman" panose="02020603050405020304" pitchFamily="18" charset="0"/>
+                      </a:endParaRPr>
+                    </a:p>
+                    <a:p>
+                      <a:pPr algn="ctr">
+                        <a:lnSpc>
+                          <a:spcPct val="107000"/>
+                        </a:lnSpc>
+                        <a:spcAft>
+                          <a:spcPts val="0"/>
+                        </a:spcAft>
+                      </a:pPr>
+                      <a:r>
+                        <a:rPr lang="ru-RU" sz="1200" b="1">
+                          <a:effectLst/>
+                          <a:latin typeface="Times New Roman" panose="02020603050405020304" pitchFamily="18" charset="0"/>
+                          <a:ea typeface="Times New Roman" panose="02020603050405020304" pitchFamily="18" charset="0"/>
+                          <a:cs typeface="Times New Roman" panose="02020603050405020304" pitchFamily="18" charset="0"/>
+                        </a:rPr>
+                        <a:t> </a:t>
+                      </a:r>
+                      <a:endParaRPr lang="en-US" sz="1100">
+                        <a:effectLst/>
+                        <a:latin typeface="Calibri" panose="020F0502020204030204" pitchFamily="34" charset="0"/>
+                        <a:ea typeface="Calibri" panose="020F0502020204030204" pitchFamily="34" charset="0"/>
+                        <a:cs typeface="Times New Roman" panose="02020603050405020304" pitchFamily="18" charset="0"/>
+                      </a:endParaRPr>
+                    </a:p>
+                    <a:p>
+                      <a:pPr algn="ctr">
+                        <a:lnSpc>
+                          <a:spcPct val="107000"/>
+                        </a:lnSpc>
+                        <a:spcAft>
+                          <a:spcPts val="0"/>
+                        </a:spcAft>
+                      </a:pPr>
+                      <a:r>
+                        <a:rPr lang="ru-RU" sz="1200" b="1">
+                          <a:effectLst/>
+                          <a:latin typeface="Times New Roman" panose="02020603050405020304" pitchFamily="18" charset="0"/>
+                          <a:ea typeface="Times New Roman" panose="02020603050405020304" pitchFamily="18" charset="0"/>
+                          <a:cs typeface="Times New Roman" panose="02020603050405020304" pitchFamily="18" charset="0"/>
+                        </a:rPr>
+                        <a:t> </a:t>
+                      </a:r>
+                      <a:endParaRPr lang="en-US" sz="1100">
+                        <a:effectLst/>
+                        <a:latin typeface="Calibri" panose="020F0502020204030204" pitchFamily="34" charset="0"/>
+                        <a:ea typeface="Calibri" panose="020F0502020204030204" pitchFamily="34" charset="0"/>
+                        <a:cs typeface="Times New Roman" panose="02020603050405020304" pitchFamily="18" charset="0"/>
+                      </a:endParaRPr>
+                    </a:p>
+                    <a:p>
+                      <a:pPr>
+                        <a:lnSpc>
+                          <a:spcPct val="107000"/>
+                        </a:lnSpc>
+                        <a:spcAft>
+                          <a:spcPts val="0"/>
+                        </a:spcAft>
+                      </a:pPr>
+                      <a:r>
+                        <a:rPr lang="ru-RU" sz="1200" b="1">
+                          <a:effectLst/>
+                          <a:latin typeface="Times New Roman" panose="02020603050405020304" pitchFamily="18" charset="0"/>
+                          <a:ea typeface="Times New Roman" panose="02020603050405020304" pitchFamily="18" charset="0"/>
+                          <a:cs typeface="Times New Roman" panose="02020603050405020304" pitchFamily="18" charset="0"/>
+                        </a:rPr>
+                        <a:t> </a:t>
+                      </a:r>
+                      <a:endParaRPr lang="en-US" sz="1100">
+                        <a:effectLst/>
+                        <a:latin typeface="Calibri" panose="020F0502020204030204" pitchFamily="34" charset="0"/>
+                        <a:ea typeface="Calibri" panose="020F0502020204030204" pitchFamily="34" charset="0"/>
+                        <a:cs typeface="Times New Roman" panose="02020603050405020304" pitchFamily="18" charset="0"/>
+                      </a:endParaRPr>
+                    </a:p>
+                    <a:p>
+                      <a:pPr algn="ctr">
+                        <a:lnSpc>
+                          <a:spcPct val="107000"/>
+                        </a:lnSpc>
+                        <a:spcAft>
+                          <a:spcPts val="0"/>
+                        </a:spcAft>
+                      </a:pPr>
+                      <a:r>
+                        <a:rPr lang="ru-RU" sz="1200" b="1">
+                          <a:effectLst/>
+                          <a:latin typeface="Times New Roman" panose="02020603050405020304" pitchFamily="18" charset="0"/>
+                          <a:ea typeface="Times New Roman" panose="02020603050405020304" pitchFamily="18" charset="0"/>
+                          <a:cs typeface="Times New Roman" panose="02020603050405020304" pitchFamily="18" charset="0"/>
+                        </a:rPr>
+                        <a:t> </a:t>
+                      </a:r>
+                      <a:endParaRPr lang="en-US" sz="1100">
+                        <a:effectLst/>
+                        <a:latin typeface="Calibri" panose="020F0502020204030204" pitchFamily="34" charset="0"/>
+                        <a:ea typeface="Calibri" panose="020F0502020204030204" pitchFamily="34" charset="0"/>
+                        <a:cs typeface="Times New Roman" panose="02020603050405020304" pitchFamily="18" charset="0"/>
+                      </a:endParaRPr>
+                    </a:p>
+                  </a:txBody>
+                  <a:tcPr marL="66634" marR="66634" marT="0" marB="0">
+                    <a:lnL w="12700" cap="flat" cmpd="sng" algn="ctr">
+                      <a:solidFill>
+                        <a:srgbClr val="000000"/>
+                      </a:solidFill>
+                      <a:prstDash val="solid"/>
+                      <a:round/>
+                      <a:headEnd type="none" w="med" len="med"/>
+                      <a:tailEnd type="none" w="med" len="med"/>
+                    </a:lnL>
+                    <a:lnR w="12700" cap="flat" cmpd="sng" algn="ctr">
+                      <a:solidFill>
+                        <a:srgbClr val="000000"/>
+                      </a:solidFill>
+                      <a:prstDash val="solid"/>
+                      <a:round/>
+                      <a:headEnd type="none" w="med" len="med"/>
+                      <a:tailEnd type="none" w="med" len="med"/>
+                    </a:lnR>
+                    <a:lnT w="12700" cap="flat" cmpd="sng" algn="ctr">
+                      <a:solidFill>
+                        <a:srgbClr val="000000"/>
+                      </a:solidFill>
+                      <a:prstDash val="solid"/>
+                      <a:round/>
+                      <a:headEnd type="none" w="med" len="med"/>
+                      <a:tailEnd type="none" w="med" len="med"/>
+                    </a:lnT>
+                    <a:lnB w="12700" cap="flat" cmpd="sng" algn="ctr">
+                      <a:solidFill>
+                        <a:srgbClr val="000000"/>
+                      </a:solidFill>
+                      <a:prstDash val="solid"/>
+                      <a:round/>
+                      <a:headEnd type="none" w="med" len="med"/>
+                      <a:tailEnd type="none" w="med" len="med"/>
+                    </a:lnB>
+                  </a:tcPr>
+                </a:tc>
+                <a:tc>
+                  <a:txBody>
+                    <a:bodyPr/>
+                    <a:lstStyle/>
+                    <a:p>
+                      <a:pPr>
+                        <a:lnSpc>
+                          <a:spcPct val="107000"/>
+                        </a:lnSpc>
+                        <a:spcAft>
+                          <a:spcPts val="0"/>
+                        </a:spcAft>
+                      </a:pPr>
+                      <a:r>
+                        <a:rPr lang="ru-RU" sz="1200">
+                          <a:effectLst/>
+                          <a:latin typeface="Times New Roman" panose="02020603050405020304" pitchFamily="18" charset="0"/>
+                          <a:ea typeface="Times New Roman" panose="02020603050405020304" pitchFamily="18" charset="0"/>
+                          <a:cs typeface="Times New Roman" panose="02020603050405020304" pitchFamily="18" charset="0"/>
+                        </a:rPr>
+                        <a:t>Не допускается</a:t>
+                      </a:r>
+                      <a:endParaRPr lang="en-US" sz="1100">
+                        <a:effectLst/>
+                        <a:latin typeface="Calibri" panose="020F0502020204030204" pitchFamily="34" charset="0"/>
+                        <a:ea typeface="Calibri" panose="020F0502020204030204" pitchFamily="34" charset="0"/>
+                        <a:cs typeface="Times New Roman" panose="02020603050405020304" pitchFamily="18" charset="0"/>
+                      </a:endParaRPr>
+                    </a:p>
+                    <a:p>
+                      <a:pPr algn="ctr">
+                        <a:lnSpc>
+                          <a:spcPct val="107000"/>
+                        </a:lnSpc>
+                        <a:spcAft>
+                          <a:spcPts val="0"/>
+                        </a:spcAft>
+                      </a:pPr>
+                      <a:r>
+                        <a:rPr lang="ru-RU" sz="1200" b="1">
+                          <a:effectLst/>
+                          <a:latin typeface="Times New Roman" panose="02020603050405020304" pitchFamily="18" charset="0"/>
+                          <a:ea typeface="Times New Roman" panose="02020603050405020304" pitchFamily="18" charset="0"/>
+                          <a:cs typeface="Times New Roman" panose="02020603050405020304" pitchFamily="18" charset="0"/>
+                        </a:rPr>
+                        <a:t> </a:t>
+                      </a:r>
+                      <a:endParaRPr lang="en-US" sz="1100">
+                        <a:effectLst/>
+                        <a:latin typeface="Calibri" panose="020F0502020204030204" pitchFamily="34" charset="0"/>
+                        <a:ea typeface="Calibri" panose="020F0502020204030204" pitchFamily="34" charset="0"/>
+                        <a:cs typeface="Times New Roman" panose="02020603050405020304" pitchFamily="18" charset="0"/>
+                      </a:endParaRPr>
+                    </a:p>
+                    <a:p>
+                      <a:pPr algn="ctr">
+                        <a:lnSpc>
+                          <a:spcPct val="107000"/>
+                        </a:lnSpc>
+                        <a:spcAft>
+                          <a:spcPts val="0"/>
+                        </a:spcAft>
+                      </a:pPr>
+                      <a:r>
+                        <a:rPr lang="ru-RU" sz="1200" b="1">
+                          <a:effectLst/>
+                          <a:latin typeface="Times New Roman" panose="02020603050405020304" pitchFamily="18" charset="0"/>
+                          <a:ea typeface="Times New Roman" panose="02020603050405020304" pitchFamily="18" charset="0"/>
+                          <a:cs typeface="Times New Roman" panose="02020603050405020304" pitchFamily="18" charset="0"/>
+                        </a:rPr>
+                        <a:t> </a:t>
+                      </a:r>
+                      <a:endParaRPr lang="en-US" sz="1100">
+                        <a:effectLst/>
+                        <a:latin typeface="Calibri" panose="020F0502020204030204" pitchFamily="34" charset="0"/>
+                        <a:ea typeface="Calibri" panose="020F0502020204030204" pitchFamily="34" charset="0"/>
+                        <a:cs typeface="Times New Roman" panose="02020603050405020304" pitchFamily="18" charset="0"/>
+                      </a:endParaRPr>
+                    </a:p>
+                    <a:p>
+                      <a:pPr algn="ctr">
+                        <a:lnSpc>
+                          <a:spcPct val="107000"/>
+                        </a:lnSpc>
+                        <a:spcAft>
+                          <a:spcPts val="0"/>
+                        </a:spcAft>
+                      </a:pPr>
+                      <a:r>
+                        <a:rPr lang="ru-RU" sz="1200" b="1">
+                          <a:effectLst/>
+                          <a:latin typeface="Times New Roman" panose="02020603050405020304" pitchFamily="18" charset="0"/>
+                          <a:ea typeface="Times New Roman" panose="02020603050405020304" pitchFamily="18" charset="0"/>
+                          <a:cs typeface="Times New Roman" panose="02020603050405020304" pitchFamily="18" charset="0"/>
+                        </a:rPr>
+                        <a:t> </a:t>
+                      </a:r>
+                      <a:endParaRPr lang="en-US" sz="1100">
+                        <a:effectLst/>
+                        <a:latin typeface="Calibri" panose="020F0502020204030204" pitchFamily="34" charset="0"/>
+                        <a:ea typeface="Calibri" panose="020F0502020204030204" pitchFamily="34" charset="0"/>
+                        <a:cs typeface="Times New Roman" panose="02020603050405020304" pitchFamily="18" charset="0"/>
+                      </a:endParaRPr>
+                    </a:p>
+                    <a:p>
+                      <a:pPr algn="ctr">
+                        <a:lnSpc>
+                          <a:spcPct val="107000"/>
+                        </a:lnSpc>
+                        <a:spcAft>
+                          <a:spcPts val="0"/>
+                        </a:spcAft>
+                      </a:pPr>
+                      <a:r>
+                        <a:rPr lang="ru-RU" sz="1200" b="1">
+                          <a:effectLst/>
+                          <a:latin typeface="Times New Roman" panose="02020603050405020304" pitchFamily="18" charset="0"/>
+                          <a:ea typeface="Times New Roman" panose="02020603050405020304" pitchFamily="18" charset="0"/>
+                          <a:cs typeface="Times New Roman" panose="02020603050405020304" pitchFamily="18" charset="0"/>
+                        </a:rPr>
+                        <a:t> </a:t>
+                      </a:r>
+                      <a:endParaRPr lang="en-US" sz="1100">
+                        <a:effectLst/>
+                        <a:latin typeface="Calibri" panose="020F0502020204030204" pitchFamily="34" charset="0"/>
+                        <a:ea typeface="Calibri" panose="020F0502020204030204" pitchFamily="34" charset="0"/>
+                        <a:cs typeface="Times New Roman" panose="02020603050405020304" pitchFamily="18" charset="0"/>
+                      </a:endParaRPr>
+                    </a:p>
+                    <a:p>
+                      <a:pPr algn="ctr">
+                        <a:lnSpc>
+                          <a:spcPct val="107000"/>
+                        </a:lnSpc>
+                        <a:spcAft>
+                          <a:spcPts val="0"/>
+                        </a:spcAft>
+                      </a:pPr>
+                      <a:r>
+                        <a:rPr lang="ru-RU" sz="1200" b="1">
+                          <a:effectLst/>
+                          <a:latin typeface="Times New Roman" panose="02020603050405020304" pitchFamily="18" charset="0"/>
+                          <a:ea typeface="Times New Roman" panose="02020603050405020304" pitchFamily="18" charset="0"/>
+                          <a:cs typeface="Times New Roman" panose="02020603050405020304" pitchFamily="18" charset="0"/>
+                        </a:rPr>
+                        <a:t> </a:t>
+                      </a:r>
+                      <a:endParaRPr lang="en-US" sz="1100">
+                        <a:effectLst/>
+                        <a:latin typeface="Calibri" panose="020F0502020204030204" pitchFamily="34" charset="0"/>
+                        <a:ea typeface="Calibri" panose="020F0502020204030204" pitchFamily="34" charset="0"/>
+                        <a:cs typeface="Times New Roman" panose="02020603050405020304" pitchFamily="18" charset="0"/>
+                      </a:endParaRPr>
+                    </a:p>
+                    <a:p>
+                      <a:pPr algn="ctr">
+                        <a:lnSpc>
+                          <a:spcPct val="107000"/>
+                        </a:lnSpc>
+                        <a:spcAft>
+                          <a:spcPts val="0"/>
+                        </a:spcAft>
+                      </a:pPr>
+                      <a:r>
+                        <a:rPr lang="ru-RU" sz="1200" b="1">
+                          <a:effectLst/>
+                          <a:latin typeface="Times New Roman" panose="02020603050405020304" pitchFamily="18" charset="0"/>
+                          <a:ea typeface="Times New Roman" panose="02020603050405020304" pitchFamily="18" charset="0"/>
+                          <a:cs typeface="Times New Roman" panose="02020603050405020304" pitchFamily="18" charset="0"/>
+                        </a:rPr>
+                        <a:t> </a:t>
+                      </a:r>
+                      <a:endParaRPr lang="en-US" sz="1100">
+                        <a:effectLst/>
+                        <a:latin typeface="Calibri" panose="020F0502020204030204" pitchFamily="34" charset="0"/>
+                        <a:ea typeface="Calibri" panose="020F0502020204030204" pitchFamily="34" charset="0"/>
+                        <a:cs typeface="Times New Roman" panose="02020603050405020304" pitchFamily="18" charset="0"/>
+                      </a:endParaRPr>
+                    </a:p>
+                    <a:p>
+                      <a:pPr algn="ctr">
+                        <a:lnSpc>
+                          <a:spcPct val="107000"/>
+                        </a:lnSpc>
+                        <a:spcAft>
+                          <a:spcPts val="0"/>
+                        </a:spcAft>
+                      </a:pPr>
+                      <a:r>
+                        <a:rPr lang="ru-RU" sz="1200" b="1">
+                          <a:effectLst/>
+                          <a:latin typeface="Times New Roman" panose="02020603050405020304" pitchFamily="18" charset="0"/>
+                          <a:ea typeface="Times New Roman" panose="02020603050405020304" pitchFamily="18" charset="0"/>
+                          <a:cs typeface="Times New Roman" panose="02020603050405020304" pitchFamily="18" charset="0"/>
+                        </a:rPr>
+                        <a:t> </a:t>
+                      </a:r>
+                      <a:endParaRPr lang="en-US" sz="1100">
+                        <a:effectLst/>
+                        <a:latin typeface="Calibri" panose="020F0502020204030204" pitchFamily="34" charset="0"/>
+                        <a:ea typeface="Calibri" panose="020F0502020204030204" pitchFamily="34" charset="0"/>
+                        <a:cs typeface="Times New Roman" panose="02020603050405020304" pitchFamily="18" charset="0"/>
+                      </a:endParaRPr>
+                    </a:p>
+                    <a:p>
+                      <a:pPr algn="ctr">
+                        <a:lnSpc>
+                          <a:spcPct val="107000"/>
+                        </a:lnSpc>
+                        <a:spcAft>
+                          <a:spcPts val="0"/>
+                        </a:spcAft>
+                      </a:pPr>
+                      <a:r>
+                        <a:rPr lang="ru-RU" sz="1200" b="1">
+                          <a:effectLst/>
+                          <a:latin typeface="Times New Roman" panose="02020603050405020304" pitchFamily="18" charset="0"/>
+                          <a:ea typeface="Times New Roman" panose="02020603050405020304" pitchFamily="18" charset="0"/>
+                          <a:cs typeface="Times New Roman" panose="02020603050405020304" pitchFamily="18" charset="0"/>
+                        </a:rPr>
+                        <a:t> </a:t>
+                      </a:r>
+                      <a:endParaRPr lang="en-US" sz="1100">
+                        <a:effectLst/>
+                        <a:latin typeface="Calibri" panose="020F0502020204030204" pitchFamily="34" charset="0"/>
+                        <a:ea typeface="Calibri" panose="020F0502020204030204" pitchFamily="34" charset="0"/>
+                        <a:cs typeface="Times New Roman" panose="02020603050405020304" pitchFamily="18" charset="0"/>
+                      </a:endParaRPr>
+                    </a:p>
+                    <a:p>
+                      <a:pPr algn="ctr">
+                        <a:lnSpc>
+                          <a:spcPct val="107000"/>
+                        </a:lnSpc>
+                        <a:spcAft>
+                          <a:spcPts val="0"/>
+                        </a:spcAft>
+                      </a:pPr>
+                      <a:r>
+                        <a:rPr lang="ru-RU" sz="1200" b="1">
+                          <a:effectLst/>
+                          <a:latin typeface="Times New Roman" panose="02020603050405020304" pitchFamily="18" charset="0"/>
+                          <a:ea typeface="Times New Roman" panose="02020603050405020304" pitchFamily="18" charset="0"/>
+                          <a:cs typeface="Times New Roman" panose="02020603050405020304" pitchFamily="18" charset="0"/>
+                        </a:rPr>
+                        <a:t> </a:t>
+                      </a:r>
+                      <a:endParaRPr lang="en-US" sz="1100">
+                        <a:effectLst/>
+                        <a:latin typeface="Calibri" panose="020F0502020204030204" pitchFamily="34" charset="0"/>
+                        <a:ea typeface="Calibri" panose="020F0502020204030204" pitchFamily="34" charset="0"/>
+                        <a:cs typeface="Times New Roman" panose="02020603050405020304" pitchFamily="18" charset="0"/>
+                      </a:endParaRPr>
+                    </a:p>
+                    <a:p>
+                      <a:pPr algn="ctr">
+                        <a:lnSpc>
+                          <a:spcPct val="107000"/>
+                        </a:lnSpc>
+                        <a:spcAft>
+                          <a:spcPts val="0"/>
+                        </a:spcAft>
+                      </a:pPr>
+                      <a:r>
+                        <a:rPr lang="ru-RU" sz="1200" b="1">
+                          <a:effectLst/>
+                          <a:latin typeface="Times New Roman" panose="02020603050405020304" pitchFamily="18" charset="0"/>
+                          <a:ea typeface="Times New Roman" panose="02020603050405020304" pitchFamily="18" charset="0"/>
+                          <a:cs typeface="Times New Roman" panose="02020603050405020304" pitchFamily="18" charset="0"/>
+                        </a:rPr>
+                        <a:t> </a:t>
+                      </a:r>
+                      <a:endParaRPr lang="en-US" sz="1100">
+                        <a:effectLst/>
+                        <a:latin typeface="Calibri" panose="020F0502020204030204" pitchFamily="34" charset="0"/>
+                        <a:ea typeface="Calibri" panose="020F0502020204030204" pitchFamily="34" charset="0"/>
+                        <a:cs typeface="Times New Roman" panose="02020603050405020304" pitchFamily="18" charset="0"/>
+                      </a:endParaRPr>
+                    </a:p>
+                    <a:p>
+                      <a:pPr algn="ctr">
+                        <a:lnSpc>
+                          <a:spcPct val="107000"/>
+                        </a:lnSpc>
+                        <a:spcAft>
+                          <a:spcPts val="0"/>
+                        </a:spcAft>
+                      </a:pPr>
+                      <a:r>
+                        <a:rPr lang="ru-RU" sz="1200" b="1">
+                          <a:effectLst/>
+                          <a:latin typeface="Times New Roman" panose="02020603050405020304" pitchFamily="18" charset="0"/>
+                          <a:ea typeface="Times New Roman" panose="02020603050405020304" pitchFamily="18" charset="0"/>
+                          <a:cs typeface="Times New Roman" panose="02020603050405020304" pitchFamily="18" charset="0"/>
+                        </a:rPr>
+                        <a:t> </a:t>
+                      </a:r>
+                      <a:endParaRPr lang="en-US" sz="1100">
+                        <a:effectLst/>
+                        <a:latin typeface="Calibri" panose="020F0502020204030204" pitchFamily="34" charset="0"/>
+                        <a:ea typeface="Calibri" panose="020F0502020204030204" pitchFamily="34" charset="0"/>
+                        <a:cs typeface="Times New Roman" panose="02020603050405020304" pitchFamily="18" charset="0"/>
+                      </a:endParaRPr>
+                    </a:p>
+                    <a:p>
+                      <a:pPr algn="ctr">
+                        <a:lnSpc>
+                          <a:spcPct val="107000"/>
+                        </a:lnSpc>
+                        <a:spcAft>
+                          <a:spcPts val="0"/>
+                        </a:spcAft>
+                      </a:pPr>
+                      <a:r>
+                        <a:rPr lang="ru-RU" sz="1200" b="1">
+                          <a:effectLst/>
+                          <a:latin typeface="Times New Roman" panose="02020603050405020304" pitchFamily="18" charset="0"/>
+                          <a:ea typeface="Times New Roman" panose="02020603050405020304" pitchFamily="18" charset="0"/>
+                          <a:cs typeface="Times New Roman" panose="02020603050405020304" pitchFamily="18" charset="0"/>
+                        </a:rPr>
+                        <a:t> </a:t>
+                      </a:r>
+                      <a:endParaRPr lang="en-US" sz="1100">
+                        <a:effectLst/>
+                        <a:latin typeface="Calibri" panose="020F0502020204030204" pitchFamily="34" charset="0"/>
+                        <a:ea typeface="Calibri" panose="020F0502020204030204" pitchFamily="34" charset="0"/>
+                        <a:cs typeface="Times New Roman" panose="02020603050405020304" pitchFamily="18" charset="0"/>
+                      </a:endParaRPr>
+                    </a:p>
+                    <a:p>
+                      <a:pPr algn="ctr">
+                        <a:lnSpc>
+                          <a:spcPct val="107000"/>
+                        </a:lnSpc>
+                        <a:spcAft>
+                          <a:spcPts val="0"/>
+                        </a:spcAft>
+                      </a:pPr>
+                      <a:r>
+                        <a:rPr lang="ru-RU" sz="1200" b="1">
+                          <a:effectLst/>
+                          <a:latin typeface="Times New Roman" panose="02020603050405020304" pitchFamily="18" charset="0"/>
+                          <a:ea typeface="Times New Roman" panose="02020603050405020304" pitchFamily="18" charset="0"/>
+                          <a:cs typeface="Times New Roman" panose="02020603050405020304" pitchFamily="18" charset="0"/>
+                        </a:rPr>
+                        <a:t> </a:t>
+                      </a:r>
+                      <a:endParaRPr lang="en-US" sz="1100">
+                        <a:effectLst/>
+                        <a:latin typeface="Calibri" panose="020F0502020204030204" pitchFamily="34" charset="0"/>
+                        <a:ea typeface="Calibri" panose="020F0502020204030204" pitchFamily="34" charset="0"/>
+                        <a:cs typeface="Times New Roman" panose="02020603050405020304" pitchFamily="18" charset="0"/>
+                      </a:endParaRPr>
+                    </a:p>
+                    <a:p>
+                      <a:pPr algn="ctr">
+                        <a:lnSpc>
+                          <a:spcPct val="107000"/>
+                        </a:lnSpc>
+                        <a:spcAft>
+                          <a:spcPts val="0"/>
+                        </a:spcAft>
+                      </a:pPr>
+                      <a:r>
+                        <a:rPr lang="ru-RU" sz="1200" b="1">
+                          <a:effectLst/>
+                          <a:latin typeface="Times New Roman" panose="02020603050405020304" pitchFamily="18" charset="0"/>
+                          <a:ea typeface="Times New Roman" panose="02020603050405020304" pitchFamily="18" charset="0"/>
+                          <a:cs typeface="Times New Roman" panose="02020603050405020304" pitchFamily="18" charset="0"/>
+                        </a:rPr>
+                        <a:t> </a:t>
+                      </a:r>
+                      <a:endParaRPr lang="en-US" sz="1100">
+                        <a:effectLst/>
+                        <a:latin typeface="Calibri" panose="020F0502020204030204" pitchFamily="34" charset="0"/>
+                        <a:ea typeface="Calibri" panose="020F0502020204030204" pitchFamily="34" charset="0"/>
+                        <a:cs typeface="Times New Roman" panose="02020603050405020304" pitchFamily="18" charset="0"/>
+                      </a:endParaRPr>
+                    </a:p>
+                    <a:p>
+                      <a:pPr algn="ctr">
+                        <a:lnSpc>
+                          <a:spcPct val="107000"/>
+                        </a:lnSpc>
+                        <a:spcAft>
+                          <a:spcPts val="0"/>
+                        </a:spcAft>
+                      </a:pPr>
+                      <a:r>
+                        <a:rPr lang="ru-RU" sz="1200" b="1">
+                          <a:effectLst/>
+                          <a:latin typeface="Times New Roman" panose="02020603050405020304" pitchFamily="18" charset="0"/>
+                          <a:ea typeface="Times New Roman" panose="02020603050405020304" pitchFamily="18" charset="0"/>
+                          <a:cs typeface="Times New Roman" panose="02020603050405020304" pitchFamily="18" charset="0"/>
+                        </a:rPr>
+                        <a:t> </a:t>
+                      </a:r>
+                      <a:endParaRPr lang="en-US" sz="1100">
+                        <a:effectLst/>
+                        <a:latin typeface="Calibri" panose="020F0502020204030204" pitchFamily="34" charset="0"/>
+                        <a:ea typeface="Calibri" panose="020F0502020204030204" pitchFamily="34" charset="0"/>
+                        <a:cs typeface="Times New Roman" panose="02020603050405020304" pitchFamily="18" charset="0"/>
+                      </a:endParaRPr>
+                    </a:p>
+                  </a:txBody>
+                  <a:tcPr marL="66634" marR="66634" marT="0" marB="0">
+                    <a:lnL w="12700" cap="flat" cmpd="sng" algn="ctr">
+                      <a:solidFill>
+                        <a:srgbClr val="000000"/>
+                      </a:solidFill>
+                      <a:prstDash val="solid"/>
+                      <a:round/>
+                      <a:headEnd type="none" w="med" len="med"/>
+                      <a:tailEnd type="none" w="med" len="med"/>
+                    </a:lnL>
+                    <a:lnR w="12700" cap="flat" cmpd="sng" algn="ctr">
+                      <a:solidFill>
+                        <a:srgbClr val="000000"/>
+                      </a:solidFill>
+                      <a:prstDash val="solid"/>
+                      <a:round/>
+                      <a:headEnd type="none" w="med" len="med"/>
+                      <a:tailEnd type="none" w="med" len="med"/>
+                    </a:lnR>
+                    <a:lnT w="12700" cap="flat" cmpd="sng" algn="ctr">
+                      <a:solidFill>
+                        <a:srgbClr val="000000"/>
+                      </a:solidFill>
+                      <a:prstDash val="solid"/>
+                      <a:round/>
+                      <a:headEnd type="none" w="med" len="med"/>
+                      <a:tailEnd type="none" w="med" len="med"/>
+                    </a:lnT>
+                    <a:lnB w="12700" cap="flat" cmpd="sng" algn="ctr">
+                      <a:solidFill>
+                        <a:srgbClr val="000000"/>
+                      </a:solidFill>
+                      <a:prstDash val="solid"/>
+                      <a:round/>
+                      <a:headEnd type="none" w="med" len="med"/>
+                      <a:tailEnd type="none" w="med" len="med"/>
+                    </a:lnB>
+                  </a:tcPr>
+                </a:tc>
+                <a:tc>
+                  <a:txBody>
+                    <a:bodyPr/>
+                    <a:lstStyle/>
+                    <a:p>
+                      <a:pPr>
+                        <a:lnSpc>
+                          <a:spcPct val="107000"/>
+                        </a:lnSpc>
+                        <a:spcAft>
+                          <a:spcPts val="0"/>
+                        </a:spcAft>
+                      </a:pPr>
+                      <a:r>
+                        <a:rPr lang="ru-RU" sz="1200">
+                          <a:effectLst/>
+                          <a:latin typeface="Times New Roman" panose="02020603050405020304" pitchFamily="18" charset="0"/>
+                          <a:ea typeface="Times New Roman" panose="02020603050405020304" pitchFamily="18" charset="0"/>
+                          <a:cs typeface="Times New Roman" panose="02020603050405020304" pitchFamily="18" charset="0"/>
+                        </a:rPr>
+                        <a:t>Проведение лабораторных исследований и ветеринарно-санитарной экспертизы птицы сельскохозяйственной для убоя</a:t>
+                      </a:r>
+                      <a:endParaRPr lang="en-US" sz="1100">
+                        <a:effectLst/>
+                        <a:latin typeface="Calibri" panose="020F0502020204030204" pitchFamily="34" charset="0"/>
+                        <a:ea typeface="Calibri" panose="020F0502020204030204" pitchFamily="34" charset="0"/>
+                        <a:cs typeface="Times New Roman" panose="02020603050405020304" pitchFamily="18" charset="0"/>
+                      </a:endParaRPr>
+                    </a:p>
+                    <a:p>
+                      <a:pPr>
+                        <a:lnSpc>
+                          <a:spcPct val="107000"/>
+                        </a:lnSpc>
+                        <a:spcAft>
+                          <a:spcPts val="0"/>
+                        </a:spcAft>
+                      </a:pPr>
+                      <a:r>
+                        <a:rPr lang="ru-RU" sz="1200">
+                          <a:effectLst/>
+                          <a:latin typeface="Times New Roman" panose="02020603050405020304" pitchFamily="18" charset="0"/>
+                          <a:ea typeface="Times New Roman" panose="02020603050405020304" pitchFamily="18" charset="0"/>
+                          <a:cs typeface="Times New Roman" panose="02020603050405020304" pitchFamily="18" charset="0"/>
+                        </a:rPr>
+                        <a:t> </a:t>
+                      </a:r>
+                      <a:endParaRPr lang="en-US" sz="1100">
+                        <a:effectLst/>
+                        <a:latin typeface="Calibri" panose="020F0502020204030204" pitchFamily="34" charset="0"/>
+                        <a:ea typeface="Calibri" panose="020F0502020204030204" pitchFamily="34" charset="0"/>
+                        <a:cs typeface="Times New Roman" panose="02020603050405020304" pitchFamily="18" charset="0"/>
+                      </a:endParaRPr>
+                    </a:p>
+                    <a:p>
+                      <a:pPr>
+                        <a:lnSpc>
+                          <a:spcPct val="107000"/>
+                        </a:lnSpc>
+                        <a:spcAft>
+                          <a:spcPts val="0"/>
+                        </a:spcAft>
+                      </a:pPr>
+                      <a:r>
+                        <a:rPr lang="ru-RU" sz="1200">
+                          <a:effectLst/>
+                          <a:latin typeface="Times New Roman" panose="02020603050405020304" pitchFamily="18" charset="0"/>
+                          <a:ea typeface="Times New Roman" panose="02020603050405020304" pitchFamily="18" charset="0"/>
+                          <a:cs typeface="Times New Roman" panose="02020603050405020304" pitchFamily="18" charset="0"/>
+                        </a:rPr>
+                        <a:t> </a:t>
+                      </a:r>
+                      <a:endParaRPr lang="en-US" sz="1100">
+                        <a:effectLst/>
+                        <a:latin typeface="Calibri" panose="020F0502020204030204" pitchFamily="34" charset="0"/>
+                        <a:ea typeface="Calibri" panose="020F0502020204030204" pitchFamily="34" charset="0"/>
+                        <a:cs typeface="Times New Roman" panose="02020603050405020304" pitchFamily="18" charset="0"/>
+                      </a:endParaRPr>
+                    </a:p>
+                    <a:p>
+                      <a:pPr>
+                        <a:lnSpc>
+                          <a:spcPct val="107000"/>
+                        </a:lnSpc>
+                        <a:spcAft>
+                          <a:spcPts val="0"/>
+                        </a:spcAft>
+                      </a:pPr>
+                      <a:r>
+                        <a:rPr lang="ru-RU" sz="1200" b="1">
+                          <a:effectLst/>
+                          <a:latin typeface="Times New Roman" panose="02020603050405020304" pitchFamily="18" charset="0"/>
+                          <a:ea typeface="Times New Roman" panose="02020603050405020304" pitchFamily="18" charset="0"/>
+                          <a:cs typeface="Times New Roman" panose="02020603050405020304" pitchFamily="18" charset="0"/>
+                        </a:rPr>
+                        <a:t> </a:t>
+                      </a:r>
+                      <a:endParaRPr lang="en-US" sz="1100">
+                        <a:effectLst/>
+                        <a:latin typeface="Calibri" panose="020F0502020204030204" pitchFamily="34" charset="0"/>
+                        <a:ea typeface="Calibri" panose="020F0502020204030204" pitchFamily="34" charset="0"/>
+                        <a:cs typeface="Times New Roman" panose="02020603050405020304" pitchFamily="18" charset="0"/>
+                      </a:endParaRPr>
+                    </a:p>
+                  </a:txBody>
+                  <a:tcPr marL="66634" marR="66634" marT="0" marB="0">
+                    <a:lnL w="12700" cap="flat" cmpd="sng" algn="ctr">
+                      <a:solidFill>
+                        <a:srgbClr val="000000"/>
+                      </a:solidFill>
+                      <a:prstDash val="solid"/>
+                      <a:round/>
+                      <a:headEnd type="none" w="med" len="med"/>
+                      <a:tailEnd type="none" w="med" len="med"/>
+                    </a:lnL>
+                    <a:lnR w="12700" cap="flat" cmpd="sng" algn="ctr">
+                      <a:solidFill>
+                        <a:srgbClr val="000000"/>
+                      </a:solidFill>
+                      <a:prstDash val="solid"/>
+                      <a:round/>
+                      <a:headEnd type="none" w="med" len="med"/>
+                      <a:tailEnd type="none" w="med" len="med"/>
+                    </a:lnR>
+                    <a:lnT w="12700" cap="flat" cmpd="sng" algn="ctr">
+                      <a:solidFill>
+                        <a:srgbClr val="000000"/>
+                      </a:solidFill>
+                      <a:prstDash val="solid"/>
+                      <a:round/>
+                      <a:headEnd type="none" w="med" len="med"/>
+                      <a:tailEnd type="none" w="med" len="med"/>
+                    </a:lnT>
+                    <a:lnB w="12700" cap="flat" cmpd="sng" algn="ctr">
+                      <a:solidFill>
+                        <a:srgbClr val="000000"/>
+                      </a:solidFill>
+                      <a:prstDash val="solid"/>
+                      <a:round/>
+                      <a:headEnd type="none" w="med" len="med"/>
+                      <a:tailEnd type="none" w="med" len="med"/>
+                    </a:lnB>
+                  </a:tcPr>
+                </a:tc>
+                <a:tc>
+                  <a:txBody>
+                    <a:bodyPr/>
+                    <a:lstStyle/>
+                    <a:p>
+                      <a:pPr algn="ctr">
+                        <a:lnSpc>
+                          <a:spcPct val="107000"/>
+                        </a:lnSpc>
+                        <a:spcAft>
+                          <a:spcPts val="0"/>
+                        </a:spcAft>
+                      </a:pPr>
+                      <a:r>
+                        <a:rPr lang="ru-RU" sz="1200">
+                          <a:effectLst/>
+                          <a:latin typeface="Times New Roman" panose="02020603050405020304" pitchFamily="18" charset="0"/>
+                          <a:ea typeface="Times New Roman" panose="02020603050405020304" pitchFamily="18" charset="0"/>
+                          <a:cs typeface="Times New Roman" panose="02020603050405020304" pitchFamily="18" charset="0"/>
+                        </a:rPr>
+                        <a:t>Каждая партия</a:t>
+                      </a:r>
+                      <a:endParaRPr lang="en-US" sz="1100">
+                        <a:effectLst/>
+                        <a:latin typeface="Calibri" panose="020F0502020204030204" pitchFamily="34" charset="0"/>
+                        <a:ea typeface="Calibri" panose="020F0502020204030204" pitchFamily="34" charset="0"/>
+                        <a:cs typeface="Times New Roman" panose="02020603050405020304" pitchFamily="18" charset="0"/>
+                      </a:endParaRPr>
+                    </a:p>
+                    <a:p>
+                      <a:pPr algn="ctr">
+                        <a:lnSpc>
+                          <a:spcPct val="107000"/>
+                        </a:lnSpc>
+                        <a:spcAft>
+                          <a:spcPts val="0"/>
+                        </a:spcAft>
+                      </a:pPr>
+                      <a:r>
+                        <a:rPr lang="en-US" sz="1200" b="1">
+                          <a:effectLst/>
+                          <a:latin typeface="Times New Roman" panose="02020603050405020304" pitchFamily="18" charset="0"/>
+                          <a:ea typeface="Times New Roman" panose="02020603050405020304" pitchFamily="18" charset="0"/>
+                          <a:cs typeface="Times New Roman" panose="02020603050405020304" pitchFamily="18" charset="0"/>
+                        </a:rPr>
+                        <a:t> </a:t>
+                      </a:r>
+                      <a:endParaRPr lang="en-US" sz="1100">
+                        <a:effectLst/>
+                        <a:latin typeface="Calibri" panose="020F0502020204030204" pitchFamily="34" charset="0"/>
+                        <a:ea typeface="Calibri" panose="020F0502020204030204" pitchFamily="34" charset="0"/>
+                        <a:cs typeface="Times New Roman" panose="02020603050405020304" pitchFamily="18" charset="0"/>
+                      </a:endParaRPr>
+                    </a:p>
+                    <a:p>
+                      <a:pPr algn="ctr">
+                        <a:lnSpc>
+                          <a:spcPct val="107000"/>
+                        </a:lnSpc>
+                        <a:spcAft>
+                          <a:spcPts val="0"/>
+                        </a:spcAft>
+                      </a:pPr>
+                      <a:r>
+                        <a:rPr lang="en-US" sz="1200" b="1">
+                          <a:effectLst/>
+                          <a:latin typeface="Times New Roman" panose="02020603050405020304" pitchFamily="18" charset="0"/>
+                          <a:ea typeface="Times New Roman" panose="02020603050405020304" pitchFamily="18" charset="0"/>
+                          <a:cs typeface="Times New Roman" panose="02020603050405020304" pitchFamily="18" charset="0"/>
+                        </a:rPr>
+                        <a:t> </a:t>
+                      </a:r>
+                      <a:endParaRPr lang="en-US" sz="1100">
+                        <a:effectLst/>
+                        <a:latin typeface="Calibri" panose="020F0502020204030204" pitchFamily="34" charset="0"/>
+                        <a:ea typeface="Calibri" panose="020F0502020204030204" pitchFamily="34" charset="0"/>
+                        <a:cs typeface="Times New Roman" panose="02020603050405020304" pitchFamily="18" charset="0"/>
+                      </a:endParaRPr>
+                    </a:p>
+                    <a:p>
+                      <a:pPr algn="ctr">
+                        <a:lnSpc>
+                          <a:spcPct val="107000"/>
+                        </a:lnSpc>
+                        <a:spcAft>
+                          <a:spcPts val="0"/>
+                        </a:spcAft>
+                      </a:pPr>
+                      <a:r>
+                        <a:rPr lang="en-US" sz="1200" b="1">
+                          <a:effectLst/>
+                          <a:latin typeface="Times New Roman" panose="02020603050405020304" pitchFamily="18" charset="0"/>
+                          <a:ea typeface="Times New Roman" panose="02020603050405020304" pitchFamily="18" charset="0"/>
+                          <a:cs typeface="Times New Roman" panose="02020603050405020304" pitchFamily="18" charset="0"/>
+                        </a:rPr>
+                        <a:t> </a:t>
+                      </a:r>
+                      <a:endParaRPr lang="en-US" sz="1100">
+                        <a:effectLst/>
+                        <a:latin typeface="Calibri" panose="020F0502020204030204" pitchFamily="34" charset="0"/>
+                        <a:ea typeface="Calibri" panose="020F0502020204030204" pitchFamily="34" charset="0"/>
+                        <a:cs typeface="Times New Roman" panose="02020603050405020304" pitchFamily="18" charset="0"/>
+                      </a:endParaRPr>
+                    </a:p>
+                    <a:p>
+                      <a:pPr algn="ctr">
+                        <a:lnSpc>
+                          <a:spcPct val="107000"/>
+                        </a:lnSpc>
+                        <a:spcAft>
+                          <a:spcPts val="0"/>
+                        </a:spcAft>
+                      </a:pPr>
+                      <a:r>
+                        <a:rPr lang="en-US" sz="1200" b="1">
+                          <a:effectLst/>
+                          <a:latin typeface="Times New Roman" panose="02020603050405020304" pitchFamily="18" charset="0"/>
+                          <a:ea typeface="Times New Roman" panose="02020603050405020304" pitchFamily="18" charset="0"/>
+                          <a:cs typeface="Times New Roman" panose="02020603050405020304" pitchFamily="18" charset="0"/>
+                        </a:rPr>
+                        <a:t> </a:t>
+                      </a:r>
+                      <a:endParaRPr lang="en-US" sz="1100">
+                        <a:effectLst/>
+                        <a:latin typeface="Calibri" panose="020F0502020204030204" pitchFamily="34" charset="0"/>
+                        <a:ea typeface="Calibri" panose="020F0502020204030204" pitchFamily="34" charset="0"/>
+                        <a:cs typeface="Times New Roman" panose="02020603050405020304" pitchFamily="18" charset="0"/>
+                      </a:endParaRPr>
+                    </a:p>
+                    <a:p>
+                      <a:pPr algn="ctr">
+                        <a:lnSpc>
+                          <a:spcPct val="107000"/>
+                        </a:lnSpc>
+                        <a:spcAft>
+                          <a:spcPts val="0"/>
+                        </a:spcAft>
+                      </a:pPr>
+                      <a:r>
+                        <a:rPr lang="en-US" sz="1200" b="1">
+                          <a:effectLst/>
+                          <a:latin typeface="Times New Roman" panose="02020603050405020304" pitchFamily="18" charset="0"/>
+                          <a:ea typeface="Times New Roman" panose="02020603050405020304" pitchFamily="18" charset="0"/>
+                          <a:cs typeface="Times New Roman" panose="02020603050405020304" pitchFamily="18" charset="0"/>
+                        </a:rPr>
+                        <a:t> </a:t>
+                      </a:r>
+                      <a:endParaRPr lang="en-US" sz="1100">
+                        <a:effectLst/>
+                        <a:latin typeface="Calibri" panose="020F0502020204030204" pitchFamily="34" charset="0"/>
+                        <a:ea typeface="Calibri" panose="020F0502020204030204" pitchFamily="34" charset="0"/>
+                        <a:cs typeface="Times New Roman" panose="02020603050405020304" pitchFamily="18" charset="0"/>
+                      </a:endParaRPr>
+                    </a:p>
+                    <a:p>
+                      <a:pPr algn="ctr">
+                        <a:lnSpc>
+                          <a:spcPct val="107000"/>
+                        </a:lnSpc>
+                        <a:spcAft>
+                          <a:spcPts val="0"/>
+                        </a:spcAft>
+                      </a:pPr>
+                      <a:r>
+                        <a:rPr lang="en-US" sz="1200" b="1">
+                          <a:effectLst/>
+                          <a:latin typeface="Times New Roman" panose="02020603050405020304" pitchFamily="18" charset="0"/>
+                          <a:ea typeface="Times New Roman" panose="02020603050405020304" pitchFamily="18" charset="0"/>
+                          <a:cs typeface="Times New Roman" panose="02020603050405020304" pitchFamily="18" charset="0"/>
+                        </a:rPr>
+                        <a:t> </a:t>
+                      </a:r>
+                      <a:endParaRPr lang="en-US" sz="1100">
+                        <a:effectLst/>
+                        <a:latin typeface="Calibri" panose="020F0502020204030204" pitchFamily="34" charset="0"/>
+                        <a:ea typeface="Calibri" panose="020F0502020204030204" pitchFamily="34" charset="0"/>
+                        <a:cs typeface="Times New Roman" panose="02020603050405020304" pitchFamily="18" charset="0"/>
+                      </a:endParaRPr>
+                    </a:p>
+                    <a:p>
+                      <a:pPr algn="ctr">
+                        <a:lnSpc>
+                          <a:spcPct val="107000"/>
+                        </a:lnSpc>
+                        <a:spcAft>
+                          <a:spcPts val="0"/>
+                        </a:spcAft>
+                      </a:pPr>
+                      <a:r>
+                        <a:rPr lang="en-US" sz="1200" b="1">
+                          <a:effectLst/>
+                          <a:latin typeface="Times New Roman" panose="02020603050405020304" pitchFamily="18" charset="0"/>
+                          <a:ea typeface="Times New Roman" panose="02020603050405020304" pitchFamily="18" charset="0"/>
+                          <a:cs typeface="Times New Roman" panose="02020603050405020304" pitchFamily="18" charset="0"/>
+                        </a:rPr>
+                        <a:t> </a:t>
+                      </a:r>
+                      <a:endParaRPr lang="en-US" sz="1100">
+                        <a:effectLst/>
+                        <a:latin typeface="Calibri" panose="020F0502020204030204" pitchFamily="34" charset="0"/>
+                        <a:ea typeface="Calibri" panose="020F0502020204030204" pitchFamily="34" charset="0"/>
+                        <a:cs typeface="Times New Roman" panose="02020603050405020304" pitchFamily="18" charset="0"/>
+                      </a:endParaRPr>
+                    </a:p>
+                    <a:p>
+                      <a:pPr algn="ctr">
+                        <a:lnSpc>
+                          <a:spcPct val="107000"/>
+                        </a:lnSpc>
+                        <a:spcAft>
+                          <a:spcPts val="0"/>
+                        </a:spcAft>
+                      </a:pPr>
+                      <a:r>
+                        <a:rPr lang="ru-RU" sz="1200" b="1">
+                          <a:effectLst/>
+                          <a:latin typeface="Times New Roman" panose="02020603050405020304" pitchFamily="18" charset="0"/>
+                          <a:ea typeface="Times New Roman" panose="02020603050405020304" pitchFamily="18" charset="0"/>
+                          <a:cs typeface="Times New Roman" panose="02020603050405020304" pitchFamily="18" charset="0"/>
+                        </a:rPr>
+                        <a:t> </a:t>
+                      </a:r>
+                      <a:endParaRPr lang="en-US" sz="1100">
+                        <a:effectLst/>
+                        <a:latin typeface="Calibri" panose="020F0502020204030204" pitchFamily="34" charset="0"/>
+                        <a:ea typeface="Calibri" panose="020F0502020204030204" pitchFamily="34" charset="0"/>
+                        <a:cs typeface="Times New Roman" panose="02020603050405020304" pitchFamily="18" charset="0"/>
+                      </a:endParaRPr>
+                    </a:p>
+                    <a:p>
+                      <a:pPr algn="ctr">
+                        <a:lnSpc>
+                          <a:spcPct val="107000"/>
+                        </a:lnSpc>
+                        <a:spcAft>
+                          <a:spcPts val="0"/>
+                        </a:spcAft>
+                      </a:pPr>
+                      <a:r>
+                        <a:rPr lang="ru-RU" sz="1200" b="1">
+                          <a:effectLst/>
+                          <a:latin typeface="Times New Roman" panose="02020603050405020304" pitchFamily="18" charset="0"/>
+                          <a:ea typeface="Times New Roman" panose="02020603050405020304" pitchFamily="18" charset="0"/>
+                          <a:cs typeface="Times New Roman" panose="02020603050405020304" pitchFamily="18" charset="0"/>
+                        </a:rPr>
+                        <a:t> </a:t>
+                      </a:r>
+                      <a:endParaRPr lang="en-US" sz="1100">
+                        <a:effectLst/>
+                        <a:latin typeface="Calibri" panose="020F0502020204030204" pitchFamily="34" charset="0"/>
+                        <a:ea typeface="Calibri" panose="020F0502020204030204" pitchFamily="34" charset="0"/>
+                        <a:cs typeface="Times New Roman" panose="02020603050405020304" pitchFamily="18" charset="0"/>
+                      </a:endParaRPr>
+                    </a:p>
+                    <a:p>
+                      <a:pPr algn="ctr">
+                        <a:lnSpc>
+                          <a:spcPct val="107000"/>
+                        </a:lnSpc>
+                        <a:spcAft>
+                          <a:spcPts val="0"/>
+                        </a:spcAft>
+                      </a:pPr>
+                      <a:r>
+                        <a:rPr lang="ru-RU" sz="1200" b="1">
+                          <a:effectLst/>
+                          <a:latin typeface="Times New Roman" panose="02020603050405020304" pitchFamily="18" charset="0"/>
+                          <a:ea typeface="Times New Roman" panose="02020603050405020304" pitchFamily="18" charset="0"/>
+                          <a:cs typeface="Times New Roman" panose="02020603050405020304" pitchFamily="18" charset="0"/>
+                        </a:rPr>
+                        <a:t> </a:t>
+                      </a:r>
+                      <a:endParaRPr lang="en-US" sz="1100">
+                        <a:effectLst/>
+                        <a:latin typeface="Calibri" panose="020F0502020204030204" pitchFamily="34" charset="0"/>
+                        <a:ea typeface="Calibri" panose="020F0502020204030204" pitchFamily="34" charset="0"/>
+                        <a:cs typeface="Times New Roman" panose="02020603050405020304" pitchFamily="18" charset="0"/>
+                      </a:endParaRPr>
+                    </a:p>
+                  </a:txBody>
+                  <a:tcPr marL="66634" marR="66634" marT="0" marB="0">
+                    <a:lnL w="12700" cap="flat" cmpd="sng" algn="ctr">
+                      <a:solidFill>
+                        <a:srgbClr val="000000"/>
+                      </a:solidFill>
+                      <a:prstDash val="solid"/>
+                      <a:round/>
+                      <a:headEnd type="none" w="med" len="med"/>
+                      <a:tailEnd type="none" w="med" len="med"/>
+                    </a:lnL>
+                    <a:lnR w="12700" cap="flat" cmpd="sng" algn="ctr">
+                      <a:solidFill>
+                        <a:srgbClr val="000000"/>
+                      </a:solidFill>
+                      <a:prstDash val="solid"/>
+                      <a:round/>
+                      <a:headEnd type="none" w="med" len="med"/>
+                      <a:tailEnd type="none" w="med" len="med"/>
+                    </a:lnR>
+                    <a:lnT w="12700" cap="flat" cmpd="sng" algn="ctr">
+                      <a:solidFill>
+                        <a:srgbClr val="000000"/>
+                      </a:solidFill>
+                      <a:prstDash val="solid"/>
+                      <a:round/>
+                      <a:headEnd type="none" w="med" len="med"/>
+                      <a:tailEnd type="none" w="med" len="med"/>
+                    </a:lnT>
+                    <a:lnB w="12700" cap="flat" cmpd="sng" algn="ctr">
+                      <a:solidFill>
+                        <a:srgbClr val="000000"/>
+                      </a:solidFill>
+                      <a:prstDash val="solid"/>
+                      <a:round/>
+                      <a:headEnd type="none" w="med" len="med"/>
+                      <a:tailEnd type="none" w="med" len="med"/>
+                    </a:lnB>
+                  </a:tcPr>
+                </a:tc>
+                <a:tc>
+                  <a:txBody>
+                    <a:bodyPr/>
+                    <a:lstStyle/>
+                    <a:p>
+                      <a:pPr algn="ctr">
+                        <a:lnSpc>
+                          <a:spcPct val="107000"/>
+                        </a:lnSpc>
+                        <a:spcAft>
+                          <a:spcPts val="0"/>
+                        </a:spcAft>
+                      </a:pPr>
+                      <a:r>
+                        <a:rPr lang="ru-RU" sz="1200">
+                          <a:effectLst/>
+                          <a:latin typeface="Times New Roman" panose="02020603050405020304" pitchFamily="18" charset="0"/>
+                          <a:ea typeface="Times New Roman" panose="02020603050405020304" pitchFamily="18" charset="0"/>
+                          <a:cs typeface="Times New Roman" panose="02020603050405020304" pitchFamily="18" charset="0"/>
+                        </a:rPr>
+                        <a:t>Ветеринарный врач ветсанслужбы и ветеринарный врач предприятия </a:t>
+                      </a:r>
+                      <a:endParaRPr lang="en-US" sz="1100">
+                        <a:effectLst/>
+                        <a:latin typeface="Calibri" panose="020F0502020204030204" pitchFamily="34" charset="0"/>
+                        <a:ea typeface="Calibri" panose="020F0502020204030204" pitchFamily="34" charset="0"/>
+                        <a:cs typeface="Times New Roman" panose="02020603050405020304" pitchFamily="18" charset="0"/>
+                      </a:endParaRPr>
+                    </a:p>
+                    <a:p>
+                      <a:pPr algn="ctr">
+                        <a:lnSpc>
+                          <a:spcPct val="107000"/>
+                        </a:lnSpc>
+                        <a:spcAft>
+                          <a:spcPts val="0"/>
+                        </a:spcAft>
+                      </a:pPr>
+                      <a:r>
+                        <a:rPr lang="ru-RU" sz="1200">
+                          <a:effectLst/>
+                          <a:latin typeface="Times New Roman" panose="02020603050405020304" pitchFamily="18" charset="0"/>
+                          <a:ea typeface="Times New Roman" panose="02020603050405020304" pitchFamily="18" charset="0"/>
+                          <a:cs typeface="Times New Roman" panose="02020603050405020304" pitchFamily="18" charset="0"/>
+                        </a:rPr>
+                        <a:t> </a:t>
+                      </a:r>
+                      <a:endParaRPr lang="en-US" sz="1100">
+                        <a:effectLst/>
+                        <a:latin typeface="Calibri" panose="020F0502020204030204" pitchFamily="34" charset="0"/>
+                        <a:ea typeface="Calibri" panose="020F0502020204030204" pitchFamily="34" charset="0"/>
+                        <a:cs typeface="Times New Roman" panose="02020603050405020304" pitchFamily="18" charset="0"/>
+                      </a:endParaRPr>
+                    </a:p>
+                    <a:p>
+                      <a:pPr algn="ctr">
+                        <a:lnSpc>
+                          <a:spcPct val="107000"/>
+                        </a:lnSpc>
+                        <a:spcAft>
+                          <a:spcPts val="0"/>
+                        </a:spcAft>
+                      </a:pPr>
+                      <a:r>
+                        <a:rPr lang="ru-RU" sz="1200" b="1">
+                          <a:effectLst/>
+                          <a:latin typeface="Times New Roman" panose="02020603050405020304" pitchFamily="18" charset="0"/>
+                          <a:ea typeface="Times New Roman" panose="02020603050405020304" pitchFamily="18" charset="0"/>
+                          <a:cs typeface="Times New Roman" panose="02020603050405020304" pitchFamily="18" charset="0"/>
+                        </a:rPr>
+                        <a:t> </a:t>
+                      </a:r>
+                      <a:endParaRPr lang="en-US" sz="1100">
+                        <a:effectLst/>
+                        <a:latin typeface="Calibri" panose="020F0502020204030204" pitchFamily="34" charset="0"/>
+                        <a:ea typeface="Calibri" panose="020F0502020204030204" pitchFamily="34" charset="0"/>
+                        <a:cs typeface="Times New Roman" panose="02020603050405020304" pitchFamily="18" charset="0"/>
+                      </a:endParaRPr>
+                    </a:p>
+                    <a:p>
+                      <a:pPr>
+                        <a:lnSpc>
+                          <a:spcPct val="107000"/>
+                        </a:lnSpc>
+                        <a:spcAft>
+                          <a:spcPts val="0"/>
+                        </a:spcAft>
+                      </a:pPr>
+                      <a:r>
+                        <a:rPr lang="ru-RU" sz="1200" b="1">
+                          <a:effectLst/>
+                          <a:latin typeface="Times New Roman" panose="02020603050405020304" pitchFamily="18" charset="0"/>
+                          <a:ea typeface="Times New Roman" panose="02020603050405020304" pitchFamily="18" charset="0"/>
+                          <a:cs typeface="Times New Roman" panose="02020603050405020304" pitchFamily="18" charset="0"/>
+                        </a:rPr>
+                        <a:t> </a:t>
+                      </a:r>
+                      <a:endParaRPr lang="en-US" sz="1100">
+                        <a:effectLst/>
+                        <a:latin typeface="Calibri" panose="020F0502020204030204" pitchFamily="34" charset="0"/>
+                        <a:ea typeface="Calibri" panose="020F0502020204030204" pitchFamily="34" charset="0"/>
+                        <a:cs typeface="Times New Roman" panose="02020603050405020304" pitchFamily="18" charset="0"/>
+                      </a:endParaRPr>
+                    </a:p>
+                  </a:txBody>
+                  <a:tcPr marL="66634" marR="66634" marT="0" marB="0">
+                    <a:lnL w="12700" cap="flat" cmpd="sng" algn="ctr">
+                      <a:solidFill>
+                        <a:srgbClr val="000000"/>
+                      </a:solidFill>
+                      <a:prstDash val="solid"/>
+                      <a:round/>
+                      <a:headEnd type="none" w="med" len="med"/>
+                      <a:tailEnd type="none" w="med" len="med"/>
+                    </a:lnL>
+                    <a:lnR w="12700" cap="flat" cmpd="sng" algn="ctr">
+                      <a:solidFill>
+                        <a:srgbClr val="000000"/>
+                      </a:solidFill>
+                      <a:prstDash val="solid"/>
+                      <a:round/>
+                      <a:headEnd type="none" w="med" len="med"/>
+                      <a:tailEnd type="none" w="med" len="med"/>
+                    </a:lnR>
+                    <a:lnT w="12700" cap="flat" cmpd="sng" algn="ctr">
+                      <a:solidFill>
+                        <a:srgbClr val="000000"/>
+                      </a:solidFill>
+                      <a:prstDash val="solid"/>
+                      <a:round/>
+                      <a:headEnd type="none" w="med" len="med"/>
+                      <a:tailEnd type="none" w="med" len="med"/>
+                    </a:lnT>
+                    <a:lnB w="12700" cap="flat" cmpd="sng" algn="ctr">
+                      <a:solidFill>
+                        <a:srgbClr val="000000"/>
+                      </a:solidFill>
+                      <a:prstDash val="solid"/>
+                      <a:round/>
+                      <a:headEnd type="none" w="med" len="med"/>
+                      <a:tailEnd type="none" w="med" len="med"/>
+                    </a:lnB>
+                  </a:tcPr>
+                </a:tc>
+                <a:tc>
+                  <a:txBody>
+                    <a:bodyPr/>
+                    <a:lstStyle/>
+                    <a:p>
+                      <a:pPr>
+                        <a:lnSpc>
+                          <a:spcPct val="107000"/>
+                        </a:lnSpc>
+                        <a:spcAft>
+                          <a:spcPts val="0"/>
+                        </a:spcAft>
+                      </a:pPr>
+                      <a:r>
+                        <a:rPr lang="ru-RU" sz="1200">
+                          <a:effectLst/>
+                          <a:latin typeface="Times New Roman" panose="02020603050405020304" pitchFamily="18" charset="0"/>
+                          <a:ea typeface="Times New Roman" panose="02020603050405020304" pitchFamily="18" charset="0"/>
+                          <a:cs typeface="Times New Roman" panose="02020603050405020304" pitchFamily="18" charset="0"/>
+                        </a:rPr>
+                        <a:t>1. Журнал микробиологического контроля мяса птицы </a:t>
+                      </a:r>
+                      <a:endParaRPr lang="en-US" sz="1100">
+                        <a:effectLst/>
+                        <a:latin typeface="Calibri" panose="020F0502020204030204" pitchFamily="34" charset="0"/>
+                        <a:ea typeface="Calibri" panose="020F0502020204030204" pitchFamily="34" charset="0"/>
+                        <a:cs typeface="Times New Roman" panose="02020603050405020304" pitchFamily="18" charset="0"/>
+                      </a:endParaRPr>
+                    </a:p>
+                    <a:p>
+                      <a:pPr>
+                        <a:lnSpc>
+                          <a:spcPct val="107000"/>
+                        </a:lnSpc>
+                        <a:spcAft>
+                          <a:spcPts val="0"/>
+                        </a:spcAft>
+                      </a:pPr>
+                      <a:r>
+                        <a:rPr lang="ru-RU" sz="1200">
+                          <a:effectLst/>
+                          <a:latin typeface="Times New Roman" panose="02020603050405020304" pitchFamily="18" charset="0"/>
+                          <a:ea typeface="Times New Roman" panose="02020603050405020304" pitchFamily="18" charset="0"/>
+                          <a:cs typeface="Times New Roman" panose="02020603050405020304" pitchFamily="18" charset="0"/>
+                        </a:rPr>
+                        <a:t>2. Журнал учета результатов ветсанэкспертизы тушек птицы в убойном цехе</a:t>
+                      </a:r>
+                      <a:endParaRPr lang="en-US" sz="1100">
+                        <a:effectLst/>
+                        <a:latin typeface="Calibri" panose="020F0502020204030204" pitchFamily="34" charset="0"/>
+                        <a:ea typeface="Calibri" panose="020F0502020204030204" pitchFamily="34" charset="0"/>
+                        <a:cs typeface="Times New Roman" panose="02020603050405020304" pitchFamily="18" charset="0"/>
+                      </a:endParaRPr>
+                    </a:p>
+                    <a:p>
+                      <a:pPr>
+                        <a:lnSpc>
+                          <a:spcPct val="107000"/>
+                        </a:lnSpc>
+                        <a:spcAft>
+                          <a:spcPts val="0"/>
+                        </a:spcAft>
+                      </a:pPr>
+                      <a:r>
+                        <a:rPr lang="ru-RU" sz="1200" b="1">
+                          <a:effectLst/>
+                          <a:latin typeface="Times New Roman" panose="02020603050405020304" pitchFamily="18" charset="0"/>
+                          <a:ea typeface="Times New Roman" panose="02020603050405020304" pitchFamily="18" charset="0"/>
+                          <a:cs typeface="Times New Roman" panose="02020603050405020304" pitchFamily="18" charset="0"/>
+                        </a:rPr>
+                        <a:t> </a:t>
+                      </a:r>
+                      <a:endParaRPr lang="en-US" sz="1100">
+                        <a:effectLst/>
+                        <a:latin typeface="Calibri" panose="020F0502020204030204" pitchFamily="34" charset="0"/>
+                        <a:ea typeface="Calibri" panose="020F0502020204030204" pitchFamily="34" charset="0"/>
+                        <a:cs typeface="Times New Roman" panose="02020603050405020304" pitchFamily="18" charset="0"/>
+                      </a:endParaRPr>
+                    </a:p>
+                  </a:txBody>
+                  <a:tcPr marL="66634" marR="66634" marT="0" marB="0">
+                    <a:lnL w="12700" cap="flat" cmpd="sng" algn="ctr">
+                      <a:solidFill>
+                        <a:srgbClr val="000000"/>
+                      </a:solidFill>
+                      <a:prstDash val="solid"/>
+                      <a:round/>
+                      <a:headEnd type="none" w="med" len="med"/>
+                      <a:tailEnd type="none" w="med" len="med"/>
+                    </a:lnL>
+                    <a:lnR w="12700" cap="flat" cmpd="sng" algn="ctr">
+                      <a:solidFill>
+                        <a:srgbClr val="000000"/>
+                      </a:solidFill>
+                      <a:prstDash val="solid"/>
+                      <a:round/>
+                      <a:headEnd type="none" w="med" len="med"/>
+                      <a:tailEnd type="none" w="med" len="med"/>
+                    </a:lnR>
+                    <a:lnT w="12700" cap="flat" cmpd="sng" algn="ctr">
+                      <a:solidFill>
+                        <a:srgbClr val="000000"/>
+                      </a:solidFill>
+                      <a:prstDash val="solid"/>
+                      <a:round/>
+                      <a:headEnd type="none" w="med" len="med"/>
+                      <a:tailEnd type="none" w="med" len="med"/>
+                    </a:lnT>
+                    <a:lnB w="12700" cap="flat" cmpd="sng" algn="ctr">
+                      <a:solidFill>
+                        <a:srgbClr val="000000"/>
+                      </a:solidFill>
+                      <a:prstDash val="solid"/>
+                      <a:round/>
+                      <a:headEnd type="none" w="med" len="med"/>
+                      <a:tailEnd type="none" w="med" len="med"/>
+                    </a:lnB>
+                  </a:tcPr>
+                </a:tc>
+                <a:tc>
+                  <a:txBody>
+                    <a:bodyPr/>
+                    <a:lstStyle/>
+                    <a:p>
+                      <a:pPr>
+                        <a:lnSpc>
+                          <a:spcPct val="107000"/>
+                        </a:lnSpc>
+                        <a:spcAft>
+                          <a:spcPts val="0"/>
+                        </a:spcAft>
+                      </a:pPr>
+                      <a:r>
+                        <a:rPr lang="ru-RU" sz="1200">
+                          <a:effectLst/>
+                          <a:latin typeface="Times New Roman" panose="02020603050405020304" pitchFamily="18" charset="0"/>
+                          <a:ea typeface="Times New Roman" panose="02020603050405020304" pitchFamily="18" charset="0"/>
+                          <a:cs typeface="Times New Roman" panose="02020603050405020304" pitchFamily="18" charset="0"/>
+                        </a:rPr>
+                        <a:t>Если в тушке и органах  птицы обнаруживается сальмонелла, внутренние органы направляются на утилизацию, а мясо на проварку или переработку на мясные хлеба или консервы.</a:t>
+                      </a:r>
+                      <a:endParaRPr lang="en-US" sz="1100">
+                        <a:effectLst/>
+                        <a:latin typeface="Calibri" panose="020F0502020204030204" pitchFamily="34" charset="0"/>
+                        <a:ea typeface="Calibri" panose="020F0502020204030204" pitchFamily="34" charset="0"/>
+                        <a:cs typeface="Times New Roman" panose="02020603050405020304" pitchFamily="18" charset="0"/>
+                      </a:endParaRPr>
+                    </a:p>
+                    <a:p>
+                      <a:pPr>
+                        <a:lnSpc>
+                          <a:spcPct val="107000"/>
+                        </a:lnSpc>
+                        <a:spcAft>
+                          <a:spcPts val="0"/>
+                        </a:spcAft>
+                      </a:pPr>
+                      <a:r>
+                        <a:rPr lang="ru-RU" sz="1200" b="1">
+                          <a:effectLst/>
+                          <a:latin typeface="Times New Roman" panose="02020603050405020304" pitchFamily="18" charset="0"/>
+                          <a:ea typeface="Times New Roman" panose="02020603050405020304" pitchFamily="18" charset="0"/>
+                          <a:cs typeface="Times New Roman" panose="02020603050405020304" pitchFamily="18" charset="0"/>
+                        </a:rPr>
+                        <a:t>ДП.</a:t>
+                      </a:r>
+                      <a:endParaRPr lang="en-US" sz="1100">
+                        <a:effectLst/>
+                        <a:latin typeface="Calibri" panose="020F0502020204030204" pitchFamily="34" charset="0"/>
+                        <a:ea typeface="Calibri" panose="020F0502020204030204" pitchFamily="34" charset="0"/>
+                        <a:cs typeface="Times New Roman" panose="02020603050405020304" pitchFamily="18" charset="0"/>
+                      </a:endParaRPr>
+                    </a:p>
+                    <a:p>
+                      <a:pPr>
+                        <a:lnSpc>
+                          <a:spcPct val="107000"/>
+                        </a:lnSpc>
+                        <a:spcAft>
+                          <a:spcPts val="0"/>
+                        </a:spcAft>
+                      </a:pPr>
+                      <a:r>
+                        <a:rPr lang="ru-RU" sz="1200" b="1">
+                          <a:effectLst/>
+                          <a:latin typeface="Times New Roman" panose="02020603050405020304" pitchFamily="18" charset="0"/>
+                          <a:ea typeface="Times New Roman" panose="02020603050405020304" pitchFamily="18" charset="0"/>
+                          <a:cs typeface="Times New Roman" panose="02020603050405020304" pitchFamily="18" charset="0"/>
+                        </a:rPr>
+                        <a:t>Корректирующие действия. Обращение с потенциально небезопасными продуктами.</a:t>
+                      </a:r>
+                      <a:endParaRPr lang="en-US" sz="1100">
+                        <a:effectLst/>
+                        <a:latin typeface="Calibri" panose="020F0502020204030204" pitchFamily="34" charset="0"/>
+                        <a:ea typeface="Calibri" panose="020F0502020204030204" pitchFamily="34" charset="0"/>
+                        <a:cs typeface="Times New Roman" panose="02020603050405020304" pitchFamily="18" charset="0"/>
+                      </a:endParaRPr>
+                    </a:p>
+                  </a:txBody>
+                  <a:tcPr marL="66634" marR="66634" marT="0" marB="0">
+                    <a:lnL w="12700" cap="flat" cmpd="sng" algn="ctr">
+                      <a:solidFill>
+                        <a:srgbClr val="000000"/>
+                      </a:solidFill>
+                      <a:prstDash val="solid"/>
+                      <a:round/>
+                      <a:headEnd type="none" w="med" len="med"/>
+                      <a:tailEnd type="none" w="med" len="med"/>
+                    </a:lnL>
+                    <a:lnR w="12700" cap="flat" cmpd="sng" algn="ctr">
+                      <a:solidFill>
+                        <a:srgbClr val="000000"/>
+                      </a:solidFill>
+                      <a:prstDash val="solid"/>
+                      <a:round/>
+                      <a:headEnd type="none" w="med" len="med"/>
+                      <a:tailEnd type="none" w="med" len="med"/>
+                    </a:lnR>
+                    <a:lnT w="12700" cap="flat" cmpd="sng" algn="ctr">
+                      <a:solidFill>
+                        <a:srgbClr val="000000"/>
+                      </a:solidFill>
+                      <a:prstDash val="solid"/>
+                      <a:round/>
+                      <a:headEnd type="none" w="med" len="med"/>
+                      <a:tailEnd type="none" w="med" len="med"/>
+                    </a:lnT>
+                    <a:lnB w="12700" cap="flat" cmpd="sng" algn="ctr">
+                      <a:solidFill>
+                        <a:srgbClr val="000000"/>
+                      </a:solidFill>
+                      <a:prstDash val="solid"/>
+                      <a:round/>
+                      <a:headEnd type="none" w="med" len="med"/>
+                      <a:tailEnd type="none" w="med" len="med"/>
+                    </a:lnB>
+                  </a:tcPr>
+                </a:tc>
+                <a:tc>
+                  <a:txBody>
+                    <a:bodyPr/>
+                    <a:lstStyle/>
+                    <a:p>
+                      <a:pPr algn="ctr">
+                        <a:lnSpc>
+                          <a:spcPct val="107000"/>
+                        </a:lnSpc>
+                        <a:spcAft>
+                          <a:spcPts val="0"/>
+                        </a:spcAft>
+                      </a:pPr>
+                      <a:r>
+                        <a:rPr lang="ru-RU" sz="1200">
+                          <a:effectLst/>
+                          <a:latin typeface="Times New Roman" panose="02020603050405020304" pitchFamily="18" charset="0"/>
+                          <a:ea typeface="Times New Roman" panose="02020603050405020304" pitchFamily="18" charset="0"/>
+                          <a:cs typeface="Times New Roman" panose="02020603050405020304" pitchFamily="18" charset="0"/>
+                        </a:rPr>
+                        <a:t>Ветеринарный врач ветсанслужбы и ветеринарный врач предприятия </a:t>
+                      </a:r>
+                      <a:endParaRPr lang="en-US" sz="1100">
+                        <a:effectLst/>
+                        <a:latin typeface="Calibri" panose="020F0502020204030204" pitchFamily="34" charset="0"/>
+                        <a:ea typeface="Calibri" panose="020F0502020204030204" pitchFamily="34" charset="0"/>
+                        <a:cs typeface="Times New Roman" panose="02020603050405020304" pitchFamily="18" charset="0"/>
+                      </a:endParaRPr>
+                    </a:p>
+                    <a:p>
+                      <a:pPr>
+                        <a:lnSpc>
+                          <a:spcPct val="107000"/>
+                        </a:lnSpc>
+                        <a:spcAft>
+                          <a:spcPts val="0"/>
+                        </a:spcAft>
+                      </a:pPr>
+                      <a:r>
+                        <a:rPr lang="ru-RU" sz="1200" b="1">
+                          <a:effectLst/>
+                          <a:latin typeface="Times New Roman" panose="02020603050405020304" pitchFamily="18" charset="0"/>
+                          <a:ea typeface="Times New Roman" panose="02020603050405020304" pitchFamily="18" charset="0"/>
+                          <a:cs typeface="Times New Roman" panose="02020603050405020304" pitchFamily="18" charset="0"/>
+                        </a:rPr>
+                        <a:t> </a:t>
+                      </a:r>
+                      <a:endParaRPr lang="en-US" sz="1100">
+                        <a:effectLst/>
+                        <a:latin typeface="Calibri" panose="020F0502020204030204" pitchFamily="34" charset="0"/>
+                        <a:ea typeface="Calibri" panose="020F0502020204030204" pitchFamily="34" charset="0"/>
+                        <a:cs typeface="Times New Roman" panose="02020603050405020304" pitchFamily="18" charset="0"/>
+                      </a:endParaRPr>
+                    </a:p>
+                    <a:p>
+                      <a:pPr algn="ctr">
+                        <a:lnSpc>
+                          <a:spcPct val="107000"/>
+                        </a:lnSpc>
+                        <a:spcAft>
+                          <a:spcPts val="0"/>
+                        </a:spcAft>
+                      </a:pPr>
+                      <a:r>
+                        <a:rPr lang="ru-RU" sz="1200" b="1">
+                          <a:effectLst/>
+                          <a:latin typeface="Times New Roman" panose="02020603050405020304" pitchFamily="18" charset="0"/>
+                          <a:ea typeface="Times New Roman" panose="02020603050405020304" pitchFamily="18" charset="0"/>
+                          <a:cs typeface="Times New Roman" panose="02020603050405020304" pitchFamily="18" charset="0"/>
+                        </a:rPr>
+                        <a:t> </a:t>
+                      </a:r>
+                      <a:endParaRPr lang="en-US" sz="1100">
+                        <a:effectLst/>
+                        <a:latin typeface="Calibri" panose="020F0502020204030204" pitchFamily="34" charset="0"/>
+                        <a:ea typeface="Calibri" panose="020F0502020204030204" pitchFamily="34" charset="0"/>
+                        <a:cs typeface="Times New Roman" panose="02020603050405020304" pitchFamily="18" charset="0"/>
+                      </a:endParaRPr>
+                    </a:p>
+                  </a:txBody>
+                  <a:tcPr marL="66634" marR="66634" marT="0" marB="0">
+                    <a:lnL w="12700" cap="flat" cmpd="sng" algn="ctr">
+                      <a:solidFill>
+                        <a:srgbClr val="000000"/>
+                      </a:solidFill>
+                      <a:prstDash val="solid"/>
+                      <a:round/>
+                      <a:headEnd type="none" w="med" len="med"/>
+                      <a:tailEnd type="none" w="med" len="med"/>
+                    </a:lnL>
+                    <a:lnR w="12700" cap="flat" cmpd="sng" algn="ctr">
+                      <a:solidFill>
+                        <a:srgbClr val="000000"/>
+                      </a:solidFill>
+                      <a:prstDash val="solid"/>
+                      <a:round/>
+                      <a:headEnd type="none" w="med" len="med"/>
+                      <a:tailEnd type="none" w="med" len="med"/>
+                    </a:lnR>
+                    <a:lnT w="12700" cap="flat" cmpd="sng" algn="ctr">
+                      <a:solidFill>
+                        <a:srgbClr val="000000"/>
+                      </a:solidFill>
+                      <a:prstDash val="solid"/>
+                      <a:round/>
+                      <a:headEnd type="none" w="med" len="med"/>
+                      <a:tailEnd type="none" w="med" len="med"/>
+                    </a:lnT>
+                    <a:lnB w="12700" cap="flat" cmpd="sng" algn="ctr">
+                      <a:solidFill>
+                        <a:srgbClr val="000000"/>
+                      </a:solidFill>
+                      <a:prstDash val="solid"/>
+                      <a:round/>
+                      <a:headEnd type="none" w="med" len="med"/>
+                      <a:tailEnd type="none" w="med" len="med"/>
+                    </a:lnB>
+                  </a:tcPr>
+                </a:tc>
+                <a:tc>
+                  <a:txBody>
+                    <a:bodyPr/>
+                    <a:lstStyle/>
+                    <a:p>
+                      <a:pPr>
+                        <a:lnSpc>
+                          <a:spcPct val="107000"/>
+                        </a:lnSpc>
+                        <a:spcAft>
+                          <a:spcPts val="0"/>
+                        </a:spcAft>
+                      </a:pPr>
+                      <a:r>
+                        <a:rPr lang="ru-RU" sz="1200" dirty="0">
+                          <a:effectLst/>
+                          <a:latin typeface="Times New Roman" panose="02020603050405020304" pitchFamily="18" charset="0"/>
+                          <a:ea typeface="Times New Roman" panose="02020603050405020304" pitchFamily="18" charset="0"/>
+                          <a:cs typeface="Times New Roman" panose="02020603050405020304" pitchFamily="18" charset="0"/>
+                        </a:rPr>
+                        <a:t>Журнал учета результатов </a:t>
+                      </a:r>
+                      <a:r>
+                        <a:rPr lang="ru-RU" sz="1200" dirty="0" err="1">
+                          <a:effectLst/>
+                          <a:latin typeface="Times New Roman" panose="02020603050405020304" pitchFamily="18" charset="0"/>
+                          <a:ea typeface="Times New Roman" panose="02020603050405020304" pitchFamily="18" charset="0"/>
+                          <a:cs typeface="Times New Roman" panose="02020603050405020304" pitchFamily="18" charset="0"/>
+                        </a:rPr>
+                        <a:t>ветсанэкспертизы</a:t>
+                      </a:r>
+                      <a:r>
+                        <a:rPr lang="ru-RU" sz="1200" dirty="0">
+                          <a:effectLst/>
+                          <a:latin typeface="Times New Roman" panose="02020603050405020304" pitchFamily="18" charset="0"/>
+                          <a:ea typeface="Times New Roman" panose="02020603050405020304" pitchFamily="18" charset="0"/>
+                          <a:cs typeface="Times New Roman" panose="02020603050405020304" pitchFamily="18" charset="0"/>
+                        </a:rPr>
+                        <a:t> тушек птицы в убойном цехе</a:t>
+                      </a:r>
+                      <a:endParaRPr lang="en-US" sz="1100" dirty="0">
+                        <a:effectLst/>
+                        <a:latin typeface="Calibri" panose="020F0502020204030204" pitchFamily="34" charset="0"/>
+                        <a:ea typeface="Calibri" panose="020F0502020204030204" pitchFamily="34" charset="0"/>
+                        <a:cs typeface="Times New Roman" panose="02020603050405020304" pitchFamily="18" charset="0"/>
+                      </a:endParaRPr>
+                    </a:p>
+                    <a:p>
+                      <a:pPr algn="ctr">
+                        <a:lnSpc>
+                          <a:spcPct val="107000"/>
+                        </a:lnSpc>
+                        <a:spcAft>
+                          <a:spcPts val="0"/>
+                        </a:spcAft>
+                      </a:pPr>
+                      <a:r>
+                        <a:rPr lang="ru-RU" sz="1200" b="1" dirty="0">
+                          <a:effectLst/>
+                          <a:latin typeface="Times New Roman" panose="02020603050405020304" pitchFamily="18" charset="0"/>
+                          <a:ea typeface="Times New Roman" panose="02020603050405020304" pitchFamily="18" charset="0"/>
+                          <a:cs typeface="Times New Roman" panose="02020603050405020304" pitchFamily="18" charset="0"/>
+                        </a:rPr>
+                        <a:t> </a:t>
+                      </a:r>
+                      <a:endParaRPr lang="en-US" sz="1100" dirty="0">
+                        <a:effectLst/>
+                        <a:latin typeface="Calibri" panose="020F0502020204030204" pitchFamily="34" charset="0"/>
+                        <a:ea typeface="Calibri" panose="020F0502020204030204" pitchFamily="34" charset="0"/>
+                        <a:cs typeface="Times New Roman" panose="02020603050405020304" pitchFamily="18" charset="0"/>
+                      </a:endParaRPr>
+                    </a:p>
+                    <a:p>
+                      <a:pPr algn="ctr">
+                        <a:lnSpc>
+                          <a:spcPct val="107000"/>
+                        </a:lnSpc>
+                        <a:spcAft>
+                          <a:spcPts val="0"/>
+                        </a:spcAft>
+                      </a:pPr>
+                      <a:r>
+                        <a:rPr lang="ru-RU" sz="1200" b="1" dirty="0">
+                          <a:effectLst/>
+                          <a:latin typeface="Times New Roman" panose="02020603050405020304" pitchFamily="18" charset="0"/>
+                          <a:ea typeface="Times New Roman" panose="02020603050405020304" pitchFamily="18" charset="0"/>
+                          <a:cs typeface="Times New Roman" panose="02020603050405020304" pitchFamily="18" charset="0"/>
+                        </a:rPr>
+                        <a:t> </a:t>
+                      </a:r>
+                      <a:endParaRPr lang="en-US" sz="1100" dirty="0">
+                        <a:effectLst/>
+                        <a:latin typeface="Calibri" panose="020F0502020204030204" pitchFamily="34" charset="0"/>
+                        <a:ea typeface="Calibri" panose="020F0502020204030204" pitchFamily="34" charset="0"/>
+                        <a:cs typeface="Times New Roman" panose="02020603050405020304" pitchFamily="18" charset="0"/>
+                      </a:endParaRPr>
+                    </a:p>
+                    <a:p>
+                      <a:pPr algn="ctr">
+                        <a:lnSpc>
+                          <a:spcPct val="107000"/>
+                        </a:lnSpc>
+                        <a:spcAft>
+                          <a:spcPts val="0"/>
+                        </a:spcAft>
+                      </a:pPr>
+                      <a:r>
+                        <a:rPr lang="ru-RU" sz="1200" b="1" dirty="0">
+                          <a:effectLst/>
+                          <a:latin typeface="Times New Roman" panose="02020603050405020304" pitchFamily="18" charset="0"/>
+                          <a:ea typeface="Times New Roman" panose="02020603050405020304" pitchFamily="18" charset="0"/>
+                          <a:cs typeface="Times New Roman" panose="02020603050405020304" pitchFamily="18" charset="0"/>
+                        </a:rPr>
+                        <a:t> </a:t>
+                      </a:r>
+                      <a:endParaRPr lang="en-US" sz="1100" dirty="0">
+                        <a:effectLst/>
+                        <a:latin typeface="Calibri" panose="020F0502020204030204" pitchFamily="34" charset="0"/>
+                        <a:ea typeface="Calibri" panose="020F0502020204030204" pitchFamily="34" charset="0"/>
+                        <a:cs typeface="Times New Roman" panose="02020603050405020304" pitchFamily="18" charset="0"/>
+                      </a:endParaRPr>
+                    </a:p>
+                    <a:p>
+                      <a:pPr algn="ctr">
+                        <a:lnSpc>
+                          <a:spcPct val="107000"/>
+                        </a:lnSpc>
+                        <a:spcAft>
+                          <a:spcPts val="0"/>
+                        </a:spcAft>
+                      </a:pPr>
+                      <a:r>
+                        <a:rPr lang="ru-RU" sz="1200" b="1" dirty="0">
+                          <a:effectLst/>
+                          <a:latin typeface="Times New Roman" panose="02020603050405020304" pitchFamily="18" charset="0"/>
+                          <a:ea typeface="Times New Roman" panose="02020603050405020304" pitchFamily="18" charset="0"/>
+                          <a:cs typeface="Times New Roman" panose="02020603050405020304" pitchFamily="18" charset="0"/>
+                        </a:rPr>
+                        <a:t> </a:t>
+                      </a:r>
+                      <a:endParaRPr lang="en-US" sz="1100" dirty="0">
+                        <a:effectLst/>
+                        <a:latin typeface="Calibri" panose="020F0502020204030204" pitchFamily="34" charset="0"/>
+                        <a:ea typeface="Calibri" panose="020F0502020204030204" pitchFamily="34" charset="0"/>
+                        <a:cs typeface="Times New Roman" panose="02020603050405020304" pitchFamily="18" charset="0"/>
+                      </a:endParaRPr>
+                    </a:p>
+                  </a:txBody>
+                  <a:tcPr marL="66634" marR="66634" marT="0" marB="0">
+                    <a:lnL w="12700" cap="flat" cmpd="sng" algn="ctr">
+                      <a:solidFill>
+                        <a:srgbClr val="000000"/>
+                      </a:solidFill>
+                      <a:prstDash val="solid"/>
+                      <a:round/>
+                      <a:headEnd type="none" w="med" len="med"/>
+                      <a:tailEnd type="none" w="med" len="med"/>
+                    </a:lnL>
+                    <a:lnR w="12700" cap="flat" cmpd="sng" algn="ctr">
+                      <a:solidFill>
+                        <a:srgbClr val="000000"/>
+                      </a:solidFill>
+                      <a:prstDash val="solid"/>
+                      <a:round/>
+                      <a:headEnd type="none" w="med" len="med"/>
+                      <a:tailEnd type="none" w="med" len="med"/>
+                    </a:lnR>
+                    <a:lnT w="12700" cap="flat" cmpd="sng" algn="ctr">
+                      <a:solidFill>
+                        <a:srgbClr val="000000"/>
+                      </a:solidFill>
+                      <a:prstDash val="solid"/>
+                      <a:round/>
+                      <a:headEnd type="none" w="med" len="med"/>
+                      <a:tailEnd type="none" w="med" len="med"/>
+                    </a:lnT>
+                    <a:lnB w="12700" cap="flat" cmpd="sng" algn="ctr">
+                      <a:solidFill>
+                        <a:srgbClr val="000000"/>
+                      </a:solidFill>
+                      <a:prstDash val="solid"/>
+                      <a:round/>
+                      <a:headEnd type="none" w="med" len="med"/>
+                      <a:tailEnd type="none" w="med" len="med"/>
+                    </a:lnB>
+                  </a:tcPr>
+                </a:tc>
+                <a:extLst>
+                  <a:ext uri="{0D108BD9-81ED-4DB2-BD59-A6C34878D82A}">
+                    <a16:rowId xmlns:a16="http://schemas.microsoft.com/office/drawing/2014/main" val="3845710745"/>
+                  </a:ext>
+                </a:extLst>
+              </a:tr>
+            </a:tbl>
+          </a:graphicData>
+        </a:graphic>
+      </p:graphicFrame>
+    </p:spTree>
+    <p:extLst>
+      <p:ext uri="{BB962C8B-B14F-4D97-AF65-F5344CB8AC3E}">
+        <p14:creationId xmlns:p14="http://schemas.microsoft.com/office/powerpoint/2010/main" val="605269063"/>
+      </p:ext>
+    </p:extLst>
+  </p:cSld>
+  <p:clrMapOvr>
+    <a:masterClrMapping/>
+  </p:clrMapOvr>
+</p:sld>
+</file>
+
+<file path=ppt/slides/slide6.xml><?xml version="1.0" encoding="utf-8"?>
+<p:sld xmlns:a="http://schemas.openxmlformats.org/drawingml/2006/main" xmlns:r="http://schemas.openxmlformats.org/officeDocument/2006/relationships" xmlns:p="http://schemas.openxmlformats.org/presentationml/2006/main">
+  <p:cSld>
+    <p:spTree>
+      <p:nvGrpSpPr>
+        <p:cNvPr id="1" name=""/>
+        <p:cNvGrpSpPr/>
+        <p:nvPr/>
+      </p:nvGrpSpPr>
+      <p:grpSpPr>
+        <a:xfrm>
+          <a:off x="0" y="0"/>
+          <a:ext cx="0" cy="0"/>
+          <a:chOff x="0" y="0"/>
+          <a:chExt cx="0" cy="0"/>
+        </a:xfrm>
+      </p:grpSpPr>
+      <p:pic>
+        <p:nvPicPr>
+          <p:cNvPr id="3" name="Рисунок 1" descr="http://mypresentation.ru/documents/7307c66927459096377abb8d6a48acb9/img0.jpg"/>
+          <p:cNvPicPr/>
+          <p:nvPr/>
+        </p:nvPicPr>
+        <p:blipFill>
+          <a:blip r:embed="rId2" cstate="print"/>
+          <a:srcRect/>
+          <a:stretch>
+            <a:fillRect/>
+          </a:stretch>
+        </p:blipFill>
+        <p:spPr bwMode="auto">
+          <a:xfrm>
+            <a:off x="2128839" y="0"/>
+            <a:ext cx="8186736" cy="6858000"/>
+          </a:xfrm>
+          <a:prstGeom prst="rect">
+            <a:avLst/>
+          </a:prstGeom>
+          <a:noFill/>
+        </p:spPr>
+      </p:pic>
+    </p:spTree>
+    <p:extLst>
+      <p:ext uri="{BB962C8B-B14F-4D97-AF65-F5344CB8AC3E}">
+        <p14:creationId xmlns:p14="http://schemas.microsoft.com/office/powerpoint/2010/main" val="212688146"/>
+      </p:ext>
+    </p:extLst>
+  </p:cSld>
+  <p:clrMapOvr>
+    <a:masterClrMapping/>
+  </p:clrMapOvr>
+</p:sld>
+</file>
+
+<file path=ppt/slides/slide7.xml><?xml version="1.0" encoding="utf-8"?>
 <p:sld xmlns:a="http://schemas.openxmlformats.org/drawingml/2006/main" xmlns:r="http://schemas.openxmlformats.org/officeDocument/2006/relationships" xmlns:p="http://schemas.openxmlformats.org/presentationml/2006/main">
   <p:cSld>
     <p:spTree>
@@ -4418,424 +9606,6 @@
 </p:sld>
 </file>
 
-<file path=ppt/slides/slide4.xml><?xml version="1.0" encoding="utf-8"?>
-<p:sld xmlns:a="http://schemas.openxmlformats.org/drawingml/2006/main" xmlns:r="http://schemas.openxmlformats.org/officeDocument/2006/relationships" xmlns:p="http://schemas.openxmlformats.org/presentationml/2006/main">
-  <p:cSld>
-    <p:spTree>
-      <p:nvGrpSpPr>
-        <p:cNvPr id="1" name=""/>
-        <p:cNvGrpSpPr/>
-        <p:nvPr/>
-      </p:nvGrpSpPr>
-      <p:grpSpPr>
-        <a:xfrm>
-          <a:off x="0" y="0"/>
-          <a:ext cx="0" cy="0"/>
-          <a:chOff x="0" y="0"/>
-          <a:chExt cx="0" cy="0"/>
-        </a:xfrm>
-      </p:grpSpPr>
-      <p:sp>
-        <p:nvSpPr>
-          <p:cNvPr id="2" name="Title 1"/>
-          <p:cNvSpPr>
-            <a:spLocks noGrp="1"/>
-          </p:cNvSpPr>
-          <p:nvPr>
-            <p:ph type="title"/>
-          </p:nvPr>
-        </p:nvSpPr>
-        <p:spPr/>
-        <p:txBody>
-          <a:bodyPr>
-            <a:normAutofit fontScale="90000"/>
-          </a:bodyPr>
-          <a:lstStyle/>
-          <a:p>
-            <a:r>
-              <a:rPr lang="ru-RU" dirty="0"/>
-              <a:t>Вступление Технических регламентов Таможенного союза</a:t>
-            </a:r>
-            <a:br>
-              <a:rPr lang="ru-RU" dirty="0"/>
-            </a:br>
-            <a:r>
-              <a:rPr lang="ru-RU" dirty="0"/>
-              <a:t>обязывает производителей </a:t>
-            </a:r>
-            <a:r>
-              <a:rPr lang="ru-RU" sz="4000" dirty="0"/>
-              <a:t>пищевой продукции</a:t>
-            </a:r>
-            <a:r>
-              <a:rPr lang="ru-RU" dirty="0"/>
-              <a:t>:</a:t>
-            </a:r>
-            <a:endParaRPr lang="en-US" dirty="0"/>
-          </a:p>
-        </p:txBody>
-      </p:sp>
-      <p:sp>
-        <p:nvSpPr>
-          <p:cNvPr id="3" name="Content Placeholder 2"/>
-          <p:cNvSpPr>
-            <a:spLocks noGrp="1"/>
-          </p:cNvSpPr>
-          <p:nvPr>
-            <p:ph idx="1"/>
-          </p:nvPr>
-        </p:nvSpPr>
-        <p:spPr/>
-        <p:txBody>
-          <a:bodyPr>
-            <a:normAutofit fontScale="92500" lnSpcReduction="20000"/>
-          </a:bodyPr>
-          <a:lstStyle/>
-          <a:p>
-            <a:r>
-              <a:rPr lang="ru-RU" dirty="0"/>
-              <a:t>нести ответственность за организацию производственного контроля;</a:t>
-            </a:r>
-          </a:p>
-          <a:p>
-            <a:r>
-              <a:rPr lang="ru-RU" dirty="0"/>
-              <a:t>определять и фиксировать документально свою политику в области качества и безопасности вырабатываемых продуктов;</a:t>
-            </a:r>
-          </a:p>
-          <a:p>
-            <a:r>
-              <a:rPr lang="ru-RU" dirty="0"/>
-              <a:t>выполнять обязательства по идентификации, оценке и контролю факторов риска процесса производства;</a:t>
-            </a:r>
-          </a:p>
-          <a:p>
-            <a:r>
-              <a:rPr lang="ru-RU" dirty="0"/>
-              <a:t>решать весь комплекс задач по обеспечению качества и безопасности готового продукта;</a:t>
-            </a:r>
-          </a:p>
-          <a:p>
-            <a:r>
-              <a:rPr lang="ru-RU" dirty="0"/>
-              <a:t>самостоятельно регулировать процесс разработки всей необходимой нормативной документации, включая требования к сырью и технологическому процессу производства, так как все существующие нормативные документы носят рекомендательный характер и не обеспечивают в нужном объеме требуемый контроль.</a:t>
-            </a:r>
-          </a:p>
-          <a:p>
-            <a:endParaRPr lang="en-US" dirty="0"/>
-          </a:p>
-        </p:txBody>
-      </p:sp>
-    </p:spTree>
-    <p:extLst>
-      <p:ext uri="{BB962C8B-B14F-4D97-AF65-F5344CB8AC3E}">
-        <p14:creationId xmlns:p14="http://schemas.microsoft.com/office/powerpoint/2010/main" val="38267263"/>
-      </p:ext>
-    </p:extLst>
-  </p:cSld>
-  <p:clrMapOvr>
-    <a:masterClrMapping/>
-  </p:clrMapOvr>
-</p:sld>
-</file>
-
-<file path=ppt/slides/slide5.xml><?xml version="1.0" encoding="utf-8"?>
-<p:sld xmlns:a="http://schemas.openxmlformats.org/drawingml/2006/main" xmlns:r="http://schemas.openxmlformats.org/officeDocument/2006/relationships" xmlns:p="http://schemas.openxmlformats.org/presentationml/2006/main">
-  <p:cSld>
-    <p:spTree>
-      <p:nvGrpSpPr>
-        <p:cNvPr id="1" name=""/>
-        <p:cNvGrpSpPr/>
-        <p:nvPr/>
-      </p:nvGrpSpPr>
-      <p:grpSpPr>
-        <a:xfrm>
-          <a:off x="0" y="0"/>
-          <a:ext cx="0" cy="0"/>
-          <a:chOff x="0" y="0"/>
-          <a:chExt cx="0" cy="0"/>
-        </a:xfrm>
-      </p:grpSpPr>
-      <p:sp>
-        <p:nvSpPr>
-          <p:cNvPr id="2" name="Title 1"/>
-          <p:cNvSpPr>
-            <a:spLocks noGrp="1"/>
-          </p:cNvSpPr>
-          <p:nvPr>
-            <p:ph type="title"/>
-          </p:nvPr>
-        </p:nvSpPr>
-        <p:spPr/>
-        <p:txBody>
-          <a:bodyPr>
-            <a:normAutofit fontScale="90000"/>
-          </a:bodyPr>
-          <a:lstStyle/>
-          <a:p>
-            <a:r>
-              <a:rPr lang="ru-RU" dirty="0"/>
-              <a:t>Ветеринарно-санитарная экспертиза</a:t>
-            </a:r>
-            <a:br>
-              <a:rPr lang="ru-RU" dirty="0"/>
-            </a:br>
-            <a:r>
-              <a:rPr lang="ru-RU" dirty="0"/>
-              <a:t>для пищевой продукции животного происхождения</a:t>
-            </a:r>
-            <a:br>
-              <a:rPr lang="ru-RU" dirty="0"/>
-            </a:br>
-            <a:endParaRPr lang="en-US" dirty="0"/>
-          </a:p>
-        </p:txBody>
-      </p:sp>
-      <p:sp>
-        <p:nvSpPr>
-          <p:cNvPr id="3" name="Content Placeholder 2"/>
-          <p:cNvSpPr>
-            <a:spLocks noGrp="1"/>
-          </p:cNvSpPr>
-          <p:nvPr>
-            <p:ph idx="1"/>
-          </p:nvPr>
-        </p:nvSpPr>
-        <p:spPr/>
-        <p:txBody>
-          <a:bodyPr>
-            <a:normAutofit/>
-          </a:bodyPr>
-          <a:lstStyle/>
-          <a:p>
-            <a:r>
-              <a:rPr lang="ru-RU" dirty="0"/>
-              <a:t>Осуществляют специалисты службы Государственного ветеринарного контроля (ГВС)</a:t>
-            </a:r>
-          </a:p>
-          <a:p>
-            <a:r>
-              <a:rPr lang="ru-RU" dirty="0"/>
-              <a:t> оформляют в электронном виде с 1 января 2016 года</a:t>
-            </a:r>
-          </a:p>
-          <a:p>
-            <a:r>
-              <a:rPr lang="ru-RU" dirty="0"/>
-              <a:t>Здоровье скота и сельскохозяйственной птицы, поставляемых на убой, контролируют по сопроводительным ветеринарным документам установленной формы и путем ветеринарного осмотра их на предприятиях согласно ветеринарно-санитарных правил</a:t>
-            </a:r>
-          </a:p>
-        </p:txBody>
-      </p:sp>
-    </p:spTree>
-    <p:extLst>
-      <p:ext uri="{BB962C8B-B14F-4D97-AF65-F5344CB8AC3E}">
-        <p14:creationId xmlns:p14="http://schemas.microsoft.com/office/powerpoint/2010/main" val="3587197030"/>
-      </p:ext>
-    </p:extLst>
-  </p:cSld>
-  <p:clrMapOvr>
-    <a:masterClrMapping/>
-  </p:clrMapOvr>
-</p:sld>
-</file>
-
-<file path=ppt/slides/slide6.xml><?xml version="1.0" encoding="utf-8"?>
-<p:sld xmlns:a="http://schemas.openxmlformats.org/drawingml/2006/main" xmlns:r="http://schemas.openxmlformats.org/officeDocument/2006/relationships" xmlns:p="http://schemas.openxmlformats.org/presentationml/2006/main">
-  <p:cSld>
-    <p:spTree>
-      <p:nvGrpSpPr>
-        <p:cNvPr id="1" name=""/>
-        <p:cNvGrpSpPr/>
-        <p:nvPr/>
-      </p:nvGrpSpPr>
-      <p:grpSpPr>
-        <a:xfrm>
-          <a:off x="0" y="0"/>
-          <a:ext cx="0" cy="0"/>
-          <a:chOff x="0" y="0"/>
-          <a:chExt cx="0" cy="0"/>
-        </a:xfrm>
-      </p:grpSpPr>
-      <p:pic>
-        <p:nvPicPr>
-          <p:cNvPr id="6" name="Picture 2"/>
-          <p:cNvPicPr>
-            <a:picLocks noGrp="1" noChangeAspect="1" noChangeArrowheads="1"/>
-          </p:cNvPicPr>
-          <p:nvPr>
-            <p:ph idx="1"/>
-          </p:nvPr>
-        </p:nvPicPr>
-        <p:blipFill rotWithShape="1">
-          <a:blip r:embed="rId2">
-            <a:extLst>
-              <a:ext uri="{28A0092B-C50C-407E-A947-70E740481C1C}">
-                <a14:useLocalDpi xmlns:a14="http://schemas.microsoft.com/office/drawing/2010/main" val="0"/>
-              </a:ext>
-            </a:extLst>
-          </a:blip>
-          <a:srcRect t="2716" r="323" b="11575"/>
-          <a:stretch/>
-        </p:blipFill>
-        <p:spPr bwMode="auto">
-          <a:xfrm>
-            <a:off x="814388" y="0"/>
-            <a:ext cx="10550273" cy="6858000"/>
-          </a:xfrm>
-          <a:prstGeom prst="rect">
-            <a:avLst/>
-          </a:prstGeom>
-          <a:noFill/>
-          <a:ln>
-            <a:noFill/>
-          </a:ln>
-          <a:effectLst/>
-          <a:extLst>
-            <a:ext uri="{909E8E84-426E-40DD-AFC4-6F175D3DCCD1}">
-              <a14:hiddenFill xmlns:a14="http://schemas.microsoft.com/office/drawing/2010/main">
-                <a:solidFill>
-                  <a:schemeClr val="accent1"/>
-                </a:solidFill>
-              </a14:hiddenFill>
-            </a:ext>
-            <a:ext uri="{91240B29-F687-4F45-9708-019B960494DF}">
-              <a14:hiddenLine xmlns:a14="http://schemas.microsoft.com/office/drawing/2010/main" w="9525">
-                <a:solidFill>
-                  <a:schemeClr val="tx1"/>
-                </a:solidFill>
-                <a:miter lim="800000"/>
-                <a:headEnd/>
-                <a:tailEnd/>
-              </a14:hiddenLine>
-            </a:ext>
-            <a:ext uri="{AF507438-7753-43E0-B8FC-AC1667EBCBE1}">
-              <a14:hiddenEffects xmlns:a14="http://schemas.microsoft.com/office/drawing/2010/main">
-                <a:effectLst>
-                  <a:outerShdw dist="35921" dir="2700000" algn="ctr" rotWithShape="0">
-                    <a:schemeClr val="bg2"/>
-                  </a:outerShdw>
-                </a:effectLst>
-              </a14:hiddenEffects>
-            </a:ext>
-          </a:extLst>
-        </p:spPr>
-      </p:pic>
-    </p:spTree>
-    <p:extLst>
-      <p:ext uri="{BB962C8B-B14F-4D97-AF65-F5344CB8AC3E}">
-        <p14:creationId xmlns:p14="http://schemas.microsoft.com/office/powerpoint/2010/main" val="3734106602"/>
-      </p:ext>
-    </p:extLst>
-  </p:cSld>
-  <p:clrMapOvr>
-    <a:masterClrMapping/>
-  </p:clrMapOvr>
-</p:sld>
-</file>
-
-<file path=ppt/slides/slide7.xml><?xml version="1.0" encoding="utf-8"?>
-<p:sld xmlns:a="http://schemas.openxmlformats.org/drawingml/2006/main" xmlns:r="http://schemas.openxmlformats.org/officeDocument/2006/relationships" xmlns:p="http://schemas.openxmlformats.org/presentationml/2006/main">
-  <p:cSld>
-    <p:spTree>
-      <p:nvGrpSpPr>
-        <p:cNvPr id="1" name=""/>
-        <p:cNvGrpSpPr/>
-        <p:nvPr/>
-      </p:nvGrpSpPr>
-      <p:grpSpPr>
-        <a:xfrm>
-          <a:off x="0" y="0"/>
-          <a:ext cx="0" cy="0"/>
-          <a:chOff x="0" y="0"/>
-          <a:chExt cx="0" cy="0"/>
-        </a:xfrm>
-      </p:grpSpPr>
-      <p:pic>
-        <p:nvPicPr>
-          <p:cNvPr id="3" name="Picture 2"/>
-          <p:cNvPicPr>
-            <a:picLocks noChangeAspect="1"/>
-          </p:cNvPicPr>
-          <p:nvPr/>
-        </p:nvPicPr>
-        <p:blipFill>
-          <a:blip r:embed="rId2"/>
-          <a:stretch>
-            <a:fillRect/>
-          </a:stretch>
-        </p:blipFill>
-        <p:spPr>
-          <a:xfrm>
-            <a:off x="1104900" y="0"/>
-            <a:ext cx="10382250" cy="3629025"/>
-          </a:xfrm>
-          <a:prstGeom prst="rect">
-            <a:avLst/>
-          </a:prstGeom>
-        </p:spPr>
-      </p:pic>
-      <p:pic>
-        <p:nvPicPr>
-          <p:cNvPr id="5" name="Picture 4"/>
-          <p:cNvPicPr>
-            <a:picLocks noChangeAspect="1"/>
-          </p:cNvPicPr>
-          <p:nvPr/>
-        </p:nvPicPr>
-        <p:blipFill>
-          <a:blip r:embed="rId3"/>
-          <a:stretch>
-            <a:fillRect/>
-          </a:stretch>
-        </p:blipFill>
-        <p:spPr>
-          <a:xfrm>
-            <a:off x="3238500" y="3629025"/>
-            <a:ext cx="2519363" cy="3157602"/>
-          </a:xfrm>
-          <a:prstGeom prst="rect">
-            <a:avLst/>
-          </a:prstGeom>
-        </p:spPr>
-      </p:pic>
-      <p:pic>
-        <p:nvPicPr>
-          <p:cNvPr id="7" name="Picture 6"/>
-          <p:cNvPicPr>
-            <a:picLocks noChangeAspect="1"/>
-          </p:cNvPicPr>
-          <p:nvPr/>
-        </p:nvPicPr>
-        <p:blipFill>
-          <a:blip r:embed="rId4"/>
-          <a:stretch>
-            <a:fillRect/>
-          </a:stretch>
-        </p:blipFill>
-        <p:spPr>
-          <a:xfrm>
-            <a:off x="6063352" y="3670329"/>
-            <a:ext cx="2480573" cy="3116298"/>
-          </a:xfrm>
-          <a:prstGeom prst="rect">
-            <a:avLst/>
-          </a:prstGeom>
-        </p:spPr>
-      </p:pic>
-    </p:spTree>
-    <p:extLst>
-      <p:ext uri="{BB962C8B-B14F-4D97-AF65-F5344CB8AC3E}">
-        <p14:creationId xmlns:p14="http://schemas.microsoft.com/office/powerpoint/2010/main" val="3305726475"/>
-      </p:ext>
-    </p:extLst>
-  </p:cSld>
-  <p:clrMapOvr>
-    <a:masterClrMapping/>
-  </p:clrMapOvr>
-</p:sld>
-</file>
-
 <file path=ppt/slides/slide8.xml><?xml version="1.0" encoding="utf-8"?>
 <p:sld xmlns:a="http://schemas.openxmlformats.org/drawingml/2006/main" xmlns:r="http://schemas.openxmlformats.org/officeDocument/2006/relationships" xmlns:p="http://schemas.openxmlformats.org/presentationml/2006/main">
   <p:cSld>
@@ -4870,7 +9640,127 @@
           </a:bodyPr>
           <a:lstStyle/>
           <a:p>
-            <a:pPr algn="ctr"/>
+            <a:r>
+              <a:rPr lang="ru-RU" dirty="0"/>
+              <a:t>Вступление Технических регламентов Таможенного союза</a:t>
+            </a:r>
+            <a:br>
+              <a:rPr lang="ru-RU" dirty="0"/>
+            </a:br>
+            <a:r>
+              <a:rPr lang="ru-RU" dirty="0"/>
+              <a:t>обязывает производителей </a:t>
+            </a:r>
+            <a:r>
+              <a:rPr lang="ru-RU" sz="4000" dirty="0"/>
+              <a:t>пищевой продукции</a:t>
+            </a:r>
+            <a:r>
+              <a:rPr lang="ru-RU" dirty="0"/>
+              <a:t>:</a:t>
+            </a:r>
+            <a:endParaRPr lang="en-US" dirty="0"/>
+          </a:p>
+        </p:txBody>
+      </p:sp>
+      <p:sp>
+        <p:nvSpPr>
+          <p:cNvPr id="3" name="Content Placeholder 2"/>
+          <p:cNvSpPr>
+            <a:spLocks noGrp="1"/>
+          </p:cNvSpPr>
+          <p:nvPr>
+            <p:ph idx="1"/>
+          </p:nvPr>
+        </p:nvSpPr>
+        <p:spPr/>
+        <p:txBody>
+          <a:bodyPr>
+            <a:normAutofit fontScale="92500" lnSpcReduction="20000"/>
+          </a:bodyPr>
+          <a:lstStyle/>
+          <a:p>
+            <a:r>
+              <a:rPr lang="ru-RU" dirty="0"/>
+              <a:t>нести ответственность за организацию производственного контроля;</a:t>
+            </a:r>
+          </a:p>
+          <a:p>
+            <a:r>
+              <a:rPr lang="ru-RU" dirty="0"/>
+              <a:t>определять и фиксировать документально свою политику в области качества и безопасности вырабатываемых продуктов;</a:t>
+            </a:r>
+          </a:p>
+          <a:p>
+            <a:r>
+              <a:rPr lang="ru-RU" dirty="0"/>
+              <a:t>выполнять обязательства по идентификации, оценке и контролю факторов риска процесса производства;</a:t>
+            </a:r>
+          </a:p>
+          <a:p>
+            <a:r>
+              <a:rPr lang="ru-RU" dirty="0"/>
+              <a:t>решать весь комплекс задач по обеспечению качества и безопасности готового продукта;</a:t>
+            </a:r>
+          </a:p>
+          <a:p>
+            <a:r>
+              <a:rPr lang="ru-RU" dirty="0"/>
+              <a:t>самостоятельно регулировать процесс разработки всей необходимой нормативной документации, включая требования к сырью и технологическому процессу производства, так как все существующие нормативные документы носят рекомендательный характер и не обеспечивают в нужном объеме требуемый контроль.</a:t>
+            </a:r>
+          </a:p>
+          <a:p>
+            <a:endParaRPr lang="en-US" dirty="0"/>
+          </a:p>
+        </p:txBody>
+      </p:sp>
+    </p:spTree>
+    <p:extLst>
+      <p:ext uri="{BB962C8B-B14F-4D97-AF65-F5344CB8AC3E}">
+        <p14:creationId xmlns:p14="http://schemas.microsoft.com/office/powerpoint/2010/main" val="38267263"/>
+      </p:ext>
+    </p:extLst>
+  </p:cSld>
+  <p:clrMapOvr>
+    <a:masterClrMapping/>
+  </p:clrMapOvr>
+</p:sld>
+</file>
+
+<file path=ppt/slides/slide9.xml><?xml version="1.0" encoding="utf-8"?>
+<p:sld xmlns:a="http://schemas.openxmlformats.org/drawingml/2006/main" xmlns:r="http://schemas.openxmlformats.org/officeDocument/2006/relationships" xmlns:p="http://schemas.openxmlformats.org/presentationml/2006/main">
+  <p:cSld>
+    <p:spTree>
+      <p:nvGrpSpPr>
+        <p:cNvPr id="1" name=""/>
+        <p:cNvGrpSpPr/>
+        <p:nvPr/>
+      </p:nvGrpSpPr>
+      <p:grpSpPr>
+        <a:xfrm>
+          <a:off x="0" y="0"/>
+          <a:ext cx="0" cy="0"/>
+          <a:chOff x="0" y="0"/>
+          <a:chExt cx="0" cy="0"/>
+        </a:xfrm>
+      </p:grpSpPr>
+      <p:sp>
+        <p:nvSpPr>
+          <p:cNvPr id="2" name="Title 1"/>
+          <p:cNvSpPr>
+            <a:spLocks noGrp="1"/>
+          </p:cNvSpPr>
+          <p:nvPr>
+            <p:ph type="title"/>
+          </p:nvPr>
+        </p:nvSpPr>
+        <p:spPr/>
+        <p:txBody>
+          <a:bodyPr>
+            <a:normAutofit fontScale="90000"/>
+          </a:bodyPr>
+          <a:lstStyle/>
+          <a:p>
             <a:r>
               <a:rPr lang="ru-RU" dirty="0"/>
               <a:t>Ветеринарно-санитарная экспертиза</a:t>
@@ -4901,7 +9791,9 @@
         </p:nvSpPr>
         <p:spPr/>
         <p:txBody>
-          <a:bodyPr/>
+          <a:bodyPr>
+            <a:normAutofit/>
+          </a:bodyPr>
           <a:lstStyle/>
           <a:p>
             <a:r>
@@ -4920,16 +9812,13 @@
               <a:rPr lang="ru-RU" dirty="0"/>
               <a:t>Здоровье скота и сельскохозяйственной птицы, поставляемых на убой, контролируют по сопроводительным ветеринарным документам установленной формы и путем ветеринарного осмотра их на предприятиях согласно ветеринарно-санитарных правил</a:t>
             </a:r>
-          </a:p>
-          <a:p>
-            <a:endParaRPr lang="en-US" dirty="0"/>
           </a:p>
         </p:txBody>
       </p:sp>
     </p:spTree>
     <p:extLst>
       <p:ext uri="{BB962C8B-B14F-4D97-AF65-F5344CB8AC3E}">
-        <p14:creationId xmlns:p14="http://schemas.microsoft.com/office/powerpoint/2010/main" val="1063656951"/>
+        <p14:creationId xmlns:p14="http://schemas.microsoft.com/office/powerpoint/2010/main" val="3587197030"/>
       </p:ext>
     </p:extLst>
   </p:cSld>

--- a/Презентация.pptx
+++ b/Презентация.pptx
@@ -7,18 +7,18 @@
   <p:sldIdLst>
     <p:sldId id="256" r:id="rId2"/>
     <p:sldId id="257" r:id="rId3"/>
-    <p:sldId id="264" r:id="rId4"/>
-    <p:sldId id="269" r:id="rId5"/>
-    <p:sldId id="270" r:id="rId6"/>
-    <p:sldId id="266" r:id="rId7"/>
-    <p:sldId id="258" r:id="rId8"/>
-    <p:sldId id="260" r:id="rId9"/>
-    <p:sldId id="261" r:id="rId10"/>
+    <p:sldId id="272" r:id="rId4"/>
+    <p:sldId id="260" r:id="rId5"/>
+    <p:sldId id="269" r:id="rId6"/>
+    <p:sldId id="270" r:id="rId7"/>
+    <p:sldId id="271" r:id="rId8"/>
+    <p:sldId id="266" r:id="rId9"/>
+    <p:sldId id="273" r:id="rId10"/>
     <p:sldId id="262" r:id="rId11"/>
     <p:sldId id="263" r:id="rId12"/>
     <p:sldId id="267" r:id="rId13"/>
     <p:sldId id="268" r:id="rId14"/>
-    <p:sldId id="259" r:id="rId15"/>
+    <p:sldId id="274" r:id="rId15"/>
     <p:sldId id="265" r:id="rId16"/>
   </p:sldIdLst>
   <p:sldSz cx="12192000" cy="6858000"/>
@@ -3224,15 +3224,7 @@
             <a:pPr algn="r"/>
             <a:r>
               <a:rPr lang="ru-RU" dirty="0"/>
-              <a:t>Выполнила </a:t>
-            </a:r>
-            <a:r>
-              <a:rPr lang="ru-RU" dirty="0" err="1"/>
-              <a:t>ст.гр</a:t>
-            </a:r>
-            <a:r>
-              <a:rPr lang="ru-RU" dirty="0"/>
-              <a:t>. СМм-21 Ложкина Л.М.</a:t>
+              <a:t>Выполнила  магистрант гр. СМм-21 Ложкина Л.М.</a:t>
             </a:r>
           </a:p>
           <a:p>
@@ -4093,7 +4085,7 @@
       </p:grpSpPr>
       <p:sp>
         <p:nvSpPr>
-          <p:cNvPr id="2" name="Title 1"/>
+          <p:cNvPr id="2" name="Заголовок 1"/>
           <p:cNvSpPr>
             <a:spLocks noGrp="1"/>
           </p:cNvSpPr>
@@ -4103,33 +4095,20 @@
         </p:nvSpPr>
         <p:spPr/>
         <p:txBody>
-          <a:bodyPr>
-            <a:normAutofit fontScale="90000"/>
-          </a:bodyPr>
+          <a:bodyPr/>
           <a:lstStyle/>
           <a:p>
             <a:pPr algn="ctr"/>
             <a:r>
               <a:rPr lang="ru-RU" dirty="0"/>
-              <a:t>Ветеринарно-санитарная экспертиза</a:t>
+              <a:t>Выводы:</a:t>
             </a:r>
-            <a:br>
-              <a:rPr lang="ru-RU" dirty="0"/>
-            </a:br>
-            <a:r>
-              <a:rPr lang="ru-RU" dirty="0"/>
-              <a:t>для пищевой продукции животного происхождения</a:t>
-            </a:r>
-            <a:br>
-              <a:rPr lang="ru-RU" dirty="0"/>
-            </a:br>
-            <a:endParaRPr lang="en-US" dirty="0"/>
           </a:p>
         </p:txBody>
       </p:sp>
       <p:sp>
         <p:nvSpPr>
-          <p:cNvPr id="3" name="Content Placeholder 2"/>
+          <p:cNvPr id="3" name="Объект 2"/>
           <p:cNvSpPr>
             <a:spLocks noGrp="1"/>
           </p:cNvSpPr>
@@ -4139,35 +4118,50 @@
         </p:nvSpPr>
         <p:spPr/>
         <p:txBody>
-          <a:bodyPr/>
+          <a:bodyPr>
+            <a:noAutofit/>
+          </a:bodyPr>
           <a:lstStyle/>
           <a:p>
             <a:r>
-              <a:rPr lang="ru-RU" dirty="0"/>
-              <a:t>Осуществляют специалисты службы Государственного ветеринарного контроля (ГВС)</a:t>
+              <a:rPr lang="ru-RU" sz="2400" dirty="0"/>
+              <a:t>Несмотря на выше перечисленные проблемы и сложности, необходимо внедрение и соблюдение принципов прослеживаемости с установлением требований к точности исполнения. </a:t>
             </a:r>
           </a:p>
           <a:p>
             <a:r>
-              <a:rPr lang="ru-RU" dirty="0"/>
-              <a:t> оформляют в электронном виде с 1 января 2016 года</a:t>
+              <a:rPr lang="ru-RU" sz="2400" dirty="0"/>
+              <a:t>Предложенная система прослеживаемости способна ввести управ­ление идентификационными характеристиками конечного продукта в процессе проведения производственного контроля предприятий с помощью проведения сквозного мониторинга всей технологической цепочки жизненного цикла  продукта</a:t>
             </a:r>
-          </a:p>
-          <a:p>
             <a:r>
-              <a:rPr lang="ru-RU" dirty="0"/>
-              <a:t>Здоровье скота и сельскохозяйственной птицы, поставляемых на убой, контролируют по сопроводительным ветеринарным документам установленной формы и путем ветеринарного осмотра их на предприятиях согласно ветеринарно-санитарных правил</a:t>
+              <a:rPr lang="ru-RU" sz="3200" dirty="0"/>
+              <a:t>.</a:t>
             </a:r>
           </a:p>
           <a:p>
-            <a:endParaRPr lang="en-US" dirty="0"/>
+            <a:r>
+              <a:rPr lang="ru-RU" sz="2400" dirty="0" err="1"/>
+              <a:t>Необходимоа</a:t>
+            </a:r>
+            <a:r>
+              <a:rPr lang="ru-RU" sz="2400" dirty="0"/>
+              <a:t> разработка и внедрение </a:t>
+            </a:r>
+            <a:r>
+              <a:rPr lang="ru-RU" sz="2400" dirty="0" err="1"/>
+              <a:t>порябка</a:t>
+            </a:r>
+            <a:r>
+              <a:rPr lang="ru-RU" sz="2400" dirty="0"/>
+              <a:t> проведения ВСЭ на соответствие  требованиям ТР ТС.</a:t>
+            </a:r>
           </a:p>
         </p:txBody>
       </p:sp>
     </p:spTree>
     <p:extLst>
       <p:ext uri="{BB962C8B-B14F-4D97-AF65-F5344CB8AC3E}">
-        <p14:creationId xmlns:p14="http://schemas.microsoft.com/office/powerpoint/2010/main" val="1063656951"/>
+        <p14:creationId xmlns:p14="http://schemas.microsoft.com/office/powerpoint/2010/main" val="1595951744"/>
       </p:ext>
     </p:extLst>
   </p:cSld>
@@ -4307,7 +4301,7 @@
           <a:p>
             <a:r>
               <a:rPr lang="ru-RU" dirty="0"/>
-              <a:t>- проанализировать прослеживаемость при подтверждении безопасности пище-вой продукции.</a:t>
+              <a:t>- проанализировать прослеживаемость при подтверждении безопасности пищевой продукции.</a:t>
             </a:r>
             <a:endParaRPr lang="en-US" dirty="0"/>
           </a:p>
@@ -4327,4214 +4321,6 @@
 </file>
 
 <file path=ppt/slides/slide3.xml><?xml version="1.0" encoding="utf-8"?>
-<p:sld xmlns:a="http://schemas.openxmlformats.org/drawingml/2006/main" xmlns:r="http://schemas.openxmlformats.org/officeDocument/2006/relationships" xmlns:p="http://schemas.openxmlformats.org/presentationml/2006/main">
-  <p:cSld>
-    <p:spTree>
-      <p:nvGrpSpPr>
-        <p:cNvPr id="1" name=""/>
-        <p:cNvGrpSpPr/>
-        <p:nvPr/>
-      </p:nvGrpSpPr>
-      <p:grpSpPr>
-        <a:xfrm>
-          <a:off x="0" y="0"/>
-          <a:ext cx="0" cy="0"/>
-          <a:chOff x="0" y="0"/>
-          <a:chExt cx="0" cy="0"/>
-        </a:xfrm>
-      </p:grpSpPr>
-      <p:pic>
-        <p:nvPicPr>
-          <p:cNvPr id="5" name="Рисунок 43" descr="http://mypresentation.ru/documents/7307c66927459096377abb8d6a48acb9/img11.jpg"/>
-          <p:cNvPicPr/>
-          <p:nvPr/>
-        </p:nvPicPr>
-        <p:blipFill>
-          <a:blip r:embed="rId2" cstate="print"/>
-          <a:srcRect/>
-          <a:stretch>
-            <a:fillRect/>
-          </a:stretch>
-        </p:blipFill>
-        <p:spPr bwMode="auto">
-          <a:xfrm>
-            <a:off x="2000251" y="0"/>
-            <a:ext cx="8072438" cy="6857999"/>
-          </a:xfrm>
-          <a:prstGeom prst="rect">
-            <a:avLst/>
-          </a:prstGeom>
-          <a:noFill/>
-          <a:ln w="9525">
-            <a:noFill/>
-            <a:miter lim="800000"/>
-            <a:headEnd/>
-            <a:tailEnd/>
-          </a:ln>
-        </p:spPr>
-      </p:pic>
-    </p:spTree>
-    <p:extLst>
-      <p:ext uri="{BB962C8B-B14F-4D97-AF65-F5344CB8AC3E}">
-        <p14:creationId xmlns:p14="http://schemas.microsoft.com/office/powerpoint/2010/main" val="3701669565"/>
-      </p:ext>
-    </p:extLst>
-  </p:cSld>
-  <p:clrMapOvr>
-    <a:masterClrMapping/>
-  </p:clrMapOvr>
-</p:sld>
-</file>
-
-<file path=ppt/slides/slide4.xml><?xml version="1.0" encoding="utf-8"?>
-<p:sld xmlns:a="http://schemas.openxmlformats.org/drawingml/2006/main" xmlns:r="http://schemas.openxmlformats.org/officeDocument/2006/relationships" xmlns:p="http://schemas.openxmlformats.org/presentationml/2006/main">
-  <p:cSld>
-    <p:spTree>
-      <p:nvGrpSpPr>
-        <p:cNvPr id="1" name=""/>
-        <p:cNvGrpSpPr/>
-        <p:nvPr/>
-      </p:nvGrpSpPr>
-      <p:grpSpPr>
-        <a:xfrm>
-          <a:off x="0" y="0"/>
-          <a:ext cx="0" cy="0"/>
-          <a:chOff x="0" y="0"/>
-          <a:chExt cx="0" cy="0"/>
-        </a:xfrm>
-      </p:grpSpPr>
-      <p:pic>
-        <p:nvPicPr>
-          <p:cNvPr id="4" name="Picture 3"/>
-          <p:cNvPicPr/>
-          <p:nvPr/>
-        </p:nvPicPr>
-        <p:blipFill>
-          <a:blip r:embed="rId2">
-            <a:extLst>
-              <a:ext uri="{28A0092B-C50C-407E-A947-70E740481C1C}">
-                <a14:useLocalDpi xmlns:a14="http://schemas.microsoft.com/office/drawing/2010/main" val="0"/>
-              </a:ext>
-            </a:extLst>
-          </a:blip>
-          <a:srcRect/>
-          <a:stretch>
-            <a:fillRect/>
-          </a:stretch>
-        </p:blipFill>
-        <p:spPr bwMode="auto">
-          <a:xfrm>
-            <a:off x="928052" y="0"/>
-            <a:ext cx="5344159" cy="6858000"/>
-          </a:xfrm>
-          <a:prstGeom prst="rect">
-            <a:avLst/>
-          </a:prstGeom>
-          <a:noFill/>
-        </p:spPr>
-      </p:pic>
-      <p:pic>
-        <p:nvPicPr>
-          <p:cNvPr id="5" name="Picture 4"/>
-          <p:cNvPicPr/>
-          <p:nvPr/>
-        </p:nvPicPr>
-        <p:blipFill>
-          <a:blip r:embed="rId3">
-            <a:extLst>
-              <a:ext uri="{28A0092B-C50C-407E-A947-70E740481C1C}">
-                <a14:useLocalDpi xmlns:a14="http://schemas.microsoft.com/office/drawing/2010/main" val="0"/>
-              </a:ext>
-            </a:extLst>
-          </a:blip>
-          <a:srcRect/>
-          <a:stretch>
-            <a:fillRect/>
-          </a:stretch>
-        </p:blipFill>
-        <p:spPr bwMode="auto">
-          <a:xfrm>
-            <a:off x="6572248" y="0"/>
-            <a:ext cx="4743452" cy="6858000"/>
-          </a:xfrm>
-          <a:prstGeom prst="rect">
-            <a:avLst/>
-          </a:prstGeom>
-          <a:noFill/>
-        </p:spPr>
-      </p:pic>
-    </p:spTree>
-    <p:extLst>
-      <p:ext uri="{BB962C8B-B14F-4D97-AF65-F5344CB8AC3E}">
-        <p14:creationId xmlns:p14="http://schemas.microsoft.com/office/powerpoint/2010/main" val="2505559781"/>
-      </p:ext>
-    </p:extLst>
-  </p:cSld>
-  <p:clrMapOvr>
-    <a:masterClrMapping/>
-  </p:clrMapOvr>
-</p:sld>
-</file>
-
-<file path=ppt/slides/slide5.xml><?xml version="1.0" encoding="utf-8"?>
-<p:sld xmlns:a="http://schemas.openxmlformats.org/drawingml/2006/main" xmlns:r="http://schemas.openxmlformats.org/officeDocument/2006/relationships" xmlns:p="http://schemas.openxmlformats.org/presentationml/2006/main">
-  <p:cSld>
-    <p:spTree>
-      <p:nvGrpSpPr>
-        <p:cNvPr id="1" name=""/>
-        <p:cNvGrpSpPr/>
-        <p:nvPr/>
-      </p:nvGrpSpPr>
-      <p:grpSpPr>
-        <a:xfrm>
-          <a:off x="0" y="0"/>
-          <a:ext cx="0" cy="0"/>
-          <a:chOff x="0" y="0"/>
-          <a:chExt cx="0" cy="0"/>
-        </a:xfrm>
-      </p:grpSpPr>
-      <p:pic>
-        <p:nvPicPr>
-          <p:cNvPr id="7" name="Picture 6"/>
-          <p:cNvPicPr>
-            <a:picLocks noChangeAspect="1"/>
-          </p:cNvPicPr>
-          <p:nvPr/>
-        </p:nvPicPr>
-        <p:blipFill>
-          <a:blip r:embed="rId2"/>
-          <a:stretch>
-            <a:fillRect/>
-          </a:stretch>
-        </p:blipFill>
-        <p:spPr>
-          <a:xfrm>
-            <a:off x="225103" y="171501"/>
-            <a:ext cx="5941068" cy="1228621"/>
-          </a:xfrm>
-          <a:prstGeom prst="rect">
-            <a:avLst/>
-          </a:prstGeom>
-        </p:spPr>
-      </p:pic>
-      <p:graphicFrame>
-        <p:nvGraphicFramePr>
-          <p:cNvPr id="11" name="Table 10"/>
-          <p:cNvGraphicFramePr>
-            <a:graphicFrameLocks noGrp="1"/>
-          </p:cNvGraphicFramePr>
-          <p:nvPr>
-            <p:extLst>
-              <p:ext uri="{D42A27DB-BD31-4B8C-83A1-F6EECF244321}">
-                <p14:modId xmlns:p14="http://schemas.microsoft.com/office/powerpoint/2010/main" val="906295425"/>
-              </p:ext>
-            </p:extLst>
-          </p:nvPr>
-        </p:nvGraphicFramePr>
-        <p:xfrm>
-          <a:off x="225103" y="1596181"/>
-          <a:ext cx="9388022" cy="4667352"/>
-        </p:xfrm>
-        <a:graphic>
-          <a:graphicData uri="http://schemas.openxmlformats.org/drawingml/2006/table">
-            <a:tbl>
-              <a:tblPr firstRow="1" firstCol="1" lastRow="1" lastCol="1" bandRow="1" bandCol="1"/>
-              <a:tblGrid>
-                <a:gridCol w="1065938">
-                  <a:extLst>
-                    <a:ext uri="{9D8B030D-6E8A-4147-A177-3AD203B41FA5}">
-                      <a16:colId xmlns:a16="http://schemas.microsoft.com/office/drawing/2014/main" val="1487305270"/>
-                    </a:ext>
-                  </a:extLst>
-                </a:gridCol>
-                <a:gridCol w="888281">
-                  <a:extLst>
-                    <a:ext uri="{9D8B030D-6E8A-4147-A177-3AD203B41FA5}">
-                      <a16:colId xmlns:a16="http://schemas.microsoft.com/office/drawing/2014/main" val="1180050521"/>
-                    </a:ext>
-                  </a:extLst>
-                </a:gridCol>
-                <a:gridCol w="999316">
-                  <a:extLst>
-                    <a:ext uri="{9D8B030D-6E8A-4147-A177-3AD203B41FA5}">
-                      <a16:colId xmlns:a16="http://schemas.microsoft.com/office/drawing/2014/main" val="3932209822"/>
-                    </a:ext>
-                  </a:extLst>
-                </a:gridCol>
-                <a:gridCol w="888281">
-                  <a:extLst>
-                    <a:ext uri="{9D8B030D-6E8A-4147-A177-3AD203B41FA5}">
-                      <a16:colId xmlns:a16="http://schemas.microsoft.com/office/drawing/2014/main" val="3565533094"/>
-                    </a:ext>
-                  </a:extLst>
-                </a:gridCol>
-                <a:gridCol w="666211">
-                  <a:extLst>
-                    <a:ext uri="{9D8B030D-6E8A-4147-A177-3AD203B41FA5}">
-                      <a16:colId xmlns:a16="http://schemas.microsoft.com/office/drawing/2014/main" val="2441790862"/>
-                    </a:ext>
-                  </a:extLst>
-                </a:gridCol>
-                <a:gridCol w="793284">
-                  <a:extLst>
-                    <a:ext uri="{9D8B030D-6E8A-4147-A177-3AD203B41FA5}">
-                      <a16:colId xmlns:a16="http://schemas.microsoft.com/office/drawing/2014/main" val="3248225607"/>
-                    </a:ext>
-                  </a:extLst>
-                </a:gridCol>
-                <a:gridCol w="864224">
-                  <a:extLst>
-                    <a:ext uri="{9D8B030D-6E8A-4147-A177-3AD203B41FA5}">
-                      <a16:colId xmlns:a16="http://schemas.microsoft.com/office/drawing/2014/main" val="1563939101"/>
-                    </a:ext>
-                  </a:extLst>
-                </a:gridCol>
-                <a:gridCol w="1595822">
-                  <a:extLst>
-                    <a:ext uri="{9D8B030D-6E8A-4147-A177-3AD203B41FA5}">
-                      <a16:colId xmlns:a16="http://schemas.microsoft.com/office/drawing/2014/main" val="3919528116"/>
-                    </a:ext>
-                  </a:extLst>
-                </a:gridCol>
-                <a:gridCol w="777246">
-                  <a:extLst>
-                    <a:ext uri="{9D8B030D-6E8A-4147-A177-3AD203B41FA5}">
-                      <a16:colId xmlns:a16="http://schemas.microsoft.com/office/drawing/2014/main" val="595598275"/>
-                    </a:ext>
-                  </a:extLst>
-                </a:gridCol>
-                <a:gridCol w="849419">
-                  <a:extLst>
-                    <a:ext uri="{9D8B030D-6E8A-4147-A177-3AD203B41FA5}">
-                      <a16:colId xmlns:a16="http://schemas.microsoft.com/office/drawing/2014/main" val="3367800582"/>
-                    </a:ext>
-                  </a:extLst>
-                </a:gridCol>
-              </a:tblGrid>
-              <a:tr h="231369">
-                <a:tc gridSpan="3">
-                  <a:txBody>
-                    <a:bodyPr/>
-                    <a:lstStyle/>
-                    <a:p>
-                      <a:pPr algn="ctr">
-                        <a:lnSpc>
-                          <a:spcPct val="107000"/>
-                        </a:lnSpc>
-                        <a:spcAft>
-                          <a:spcPts val="0"/>
-                        </a:spcAft>
-                      </a:pPr>
-                      <a:r>
-                        <a:rPr lang="ru-RU" sz="1400" b="1">
-                          <a:effectLst/>
-                          <a:latin typeface="Times New Roman" panose="02020603050405020304" pitchFamily="18" charset="0"/>
-                          <a:ea typeface="Times New Roman" panose="02020603050405020304" pitchFamily="18" charset="0"/>
-                          <a:cs typeface="Times New Roman" panose="02020603050405020304" pitchFamily="18" charset="0"/>
-                        </a:rPr>
-                        <a:t>Объект контроля</a:t>
-                      </a:r>
-                      <a:endParaRPr lang="en-US" sz="1100">
-                        <a:effectLst/>
-                        <a:latin typeface="Calibri" panose="020F0502020204030204" pitchFamily="34" charset="0"/>
-                        <a:ea typeface="Calibri" panose="020F0502020204030204" pitchFamily="34" charset="0"/>
-                        <a:cs typeface="Times New Roman" panose="02020603050405020304" pitchFamily="18" charset="0"/>
-                      </a:endParaRPr>
-                    </a:p>
-                  </a:txBody>
-                  <a:tcPr marL="66634" marR="66634" marT="0" marB="0">
-                    <a:lnL w="12700" cap="flat" cmpd="sng" algn="ctr">
-                      <a:solidFill>
-                        <a:srgbClr val="000000"/>
-                      </a:solidFill>
-                      <a:prstDash val="solid"/>
-                      <a:round/>
-                      <a:headEnd type="none" w="med" len="med"/>
-                      <a:tailEnd type="none" w="med" len="med"/>
-                    </a:lnL>
-                    <a:lnR w="12700" cap="flat" cmpd="sng" algn="ctr">
-                      <a:solidFill>
-                        <a:srgbClr val="000000"/>
-                      </a:solidFill>
-                      <a:prstDash val="solid"/>
-                      <a:round/>
-                      <a:headEnd type="none" w="med" len="med"/>
-                      <a:tailEnd type="none" w="med" len="med"/>
-                    </a:lnR>
-                    <a:lnT w="12700" cap="flat" cmpd="sng" algn="ctr">
-                      <a:solidFill>
-                        <a:srgbClr val="000000"/>
-                      </a:solidFill>
-                      <a:prstDash val="solid"/>
-                      <a:round/>
-                      <a:headEnd type="none" w="med" len="med"/>
-                      <a:tailEnd type="none" w="med" len="med"/>
-                    </a:lnT>
-                    <a:lnB w="12700" cap="flat" cmpd="sng" algn="ctr">
-                      <a:solidFill>
-                        <a:srgbClr val="000000"/>
-                      </a:solidFill>
-                      <a:prstDash val="solid"/>
-                      <a:round/>
-                      <a:headEnd type="none" w="med" len="med"/>
-                      <a:tailEnd type="none" w="med" len="med"/>
-                    </a:lnB>
-                  </a:tcPr>
-                </a:tc>
-                <a:tc hMerge="1">
-                  <a:txBody>
-                    <a:bodyPr/>
-                    <a:lstStyle/>
-                    <a:p>
-                      <a:endParaRPr lang="en-US"/>
-                    </a:p>
-                  </a:txBody>
-                  <a:tcPr/>
-                </a:tc>
-                <a:tc hMerge="1">
-                  <a:txBody>
-                    <a:bodyPr/>
-                    <a:lstStyle/>
-                    <a:p>
-                      <a:endParaRPr lang="en-US"/>
-                    </a:p>
-                  </a:txBody>
-                  <a:tcPr/>
-                </a:tc>
-                <a:tc gridSpan="4">
-                  <a:txBody>
-                    <a:bodyPr/>
-                    <a:lstStyle/>
-                    <a:p>
-                      <a:pPr algn="ctr">
-                        <a:lnSpc>
-                          <a:spcPct val="107000"/>
-                        </a:lnSpc>
-                        <a:spcAft>
-                          <a:spcPts val="0"/>
-                        </a:spcAft>
-                      </a:pPr>
-                      <a:r>
-                        <a:rPr lang="ru-RU" sz="1400" b="1">
-                          <a:effectLst/>
-                          <a:latin typeface="Times New Roman" panose="02020603050405020304" pitchFamily="18" charset="0"/>
-                          <a:ea typeface="Times New Roman" panose="02020603050405020304" pitchFamily="18" charset="0"/>
-                          <a:cs typeface="Times New Roman" panose="02020603050405020304" pitchFamily="18" charset="0"/>
-                        </a:rPr>
-                        <a:t>Способы мониторинга</a:t>
-                      </a:r>
-                      <a:endParaRPr lang="en-US" sz="1100">
-                        <a:effectLst/>
-                        <a:latin typeface="Calibri" panose="020F0502020204030204" pitchFamily="34" charset="0"/>
-                        <a:ea typeface="Calibri" panose="020F0502020204030204" pitchFamily="34" charset="0"/>
-                        <a:cs typeface="Times New Roman" panose="02020603050405020304" pitchFamily="18" charset="0"/>
-                      </a:endParaRPr>
-                    </a:p>
-                  </a:txBody>
-                  <a:tcPr marL="66634" marR="66634" marT="0" marB="0">
-                    <a:lnL w="12700" cap="flat" cmpd="sng" algn="ctr">
-                      <a:solidFill>
-                        <a:srgbClr val="000000"/>
-                      </a:solidFill>
-                      <a:prstDash val="solid"/>
-                      <a:round/>
-                      <a:headEnd type="none" w="med" len="med"/>
-                      <a:tailEnd type="none" w="med" len="med"/>
-                    </a:lnL>
-                    <a:lnR w="12700" cap="flat" cmpd="sng" algn="ctr">
-                      <a:solidFill>
-                        <a:srgbClr val="000000"/>
-                      </a:solidFill>
-                      <a:prstDash val="solid"/>
-                      <a:round/>
-                      <a:headEnd type="none" w="med" len="med"/>
-                      <a:tailEnd type="none" w="med" len="med"/>
-                    </a:lnR>
-                    <a:lnT w="12700" cap="flat" cmpd="sng" algn="ctr">
-                      <a:solidFill>
-                        <a:srgbClr val="000000"/>
-                      </a:solidFill>
-                      <a:prstDash val="solid"/>
-                      <a:round/>
-                      <a:headEnd type="none" w="med" len="med"/>
-                      <a:tailEnd type="none" w="med" len="med"/>
-                    </a:lnT>
-                    <a:lnB w="12700" cap="flat" cmpd="sng" algn="ctr">
-                      <a:solidFill>
-                        <a:srgbClr val="000000"/>
-                      </a:solidFill>
-                      <a:prstDash val="solid"/>
-                      <a:round/>
-                      <a:headEnd type="none" w="med" len="med"/>
-                      <a:tailEnd type="none" w="med" len="med"/>
-                    </a:lnB>
-                  </a:tcPr>
-                </a:tc>
-                <a:tc hMerge="1">
-                  <a:txBody>
-                    <a:bodyPr/>
-                    <a:lstStyle/>
-                    <a:p>
-                      <a:endParaRPr lang="en-US"/>
-                    </a:p>
-                  </a:txBody>
-                  <a:tcPr/>
-                </a:tc>
-                <a:tc hMerge="1">
-                  <a:txBody>
-                    <a:bodyPr/>
-                    <a:lstStyle/>
-                    <a:p>
-                      <a:endParaRPr lang="en-US"/>
-                    </a:p>
-                  </a:txBody>
-                  <a:tcPr/>
-                </a:tc>
-                <a:tc hMerge="1">
-                  <a:txBody>
-                    <a:bodyPr/>
-                    <a:lstStyle/>
-                    <a:p>
-                      <a:endParaRPr lang="en-US"/>
-                    </a:p>
-                  </a:txBody>
-                  <a:tcPr/>
-                </a:tc>
-                <a:tc gridSpan="3">
-                  <a:txBody>
-                    <a:bodyPr/>
-                    <a:lstStyle/>
-                    <a:p>
-                      <a:pPr algn="ctr">
-                        <a:lnSpc>
-                          <a:spcPct val="107000"/>
-                        </a:lnSpc>
-                        <a:spcAft>
-                          <a:spcPts val="0"/>
-                        </a:spcAft>
-                      </a:pPr>
-                      <a:r>
-                        <a:rPr lang="ru-RU" sz="1400" b="1">
-                          <a:effectLst/>
-                          <a:latin typeface="Times New Roman" panose="02020603050405020304" pitchFamily="18" charset="0"/>
-                          <a:ea typeface="Times New Roman" panose="02020603050405020304" pitchFamily="18" charset="0"/>
-                          <a:cs typeface="Times New Roman" panose="02020603050405020304" pitchFamily="18" charset="0"/>
-                        </a:rPr>
-                        <a:t>Корректирующие действия</a:t>
-                      </a:r>
-                      <a:endParaRPr lang="en-US" sz="1100">
-                        <a:effectLst/>
-                        <a:latin typeface="Calibri" panose="020F0502020204030204" pitchFamily="34" charset="0"/>
-                        <a:ea typeface="Calibri" panose="020F0502020204030204" pitchFamily="34" charset="0"/>
-                        <a:cs typeface="Times New Roman" panose="02020603050405020304" pitchFamily="18" charset="0"/>
-                      </a:endParaRPr>
-                    </a:p>
-                  </a:txBody>
-                  <a:tcPr marL="66634" marR="66634" marT="0" marB="0">
-                    <a:lnL w="12700" cap="flat" cmpd="sng" algn="ctr">
-                      <a:solidFill>
-                        <a:srgbClr val="000000"/>
-                      </a:solidFill>
-                      <a:prstDash val="solid"/>
-                      <a:round/>
-                      <a:headEnd type="none" w="med" len="med"/>
-                      <a:tailEnd type="none" w="med" len="med"/>
-                    </a:lnL>
-                    <a:lnR w="12700" cap="flat" cmpd="sng" algn="ctr">
-                      <a:solidFill>
-                        <a:srgbClr val="000000"/>
-                      </a:solidFill>
-                      <a:prstDash val="solid"/>
-                      <a:round/>
-                      <a:headEnd type="none" w="med" len="med"/>
-                      <a:tailEnd type="none" w="med" len="med"/>
-                    </a:lnR>
-                    <a:lnT w="12700" cap="flat" cmpd="sng" algn="ctr">
-                      <a:solidFill>
-                        <a:srgbClr val="000000"/>
-                      </a:solidFill>
-                      <a:prstDash val="solid"/>
-                      <a:round/>
-                      <a:headEnd type="none" w="med" len="med"/>
-                      <a:tailEnd type="none" w="med" len="med"/>
-                    </a:lnT>
-                    <a:lnB w="12700" cap="flat" cmpd="sng" algn="ctr">
-                      <a:solidFill>
-                        <a:srgbClr val="000000"/>
-                      </a:solidFill>
-                      <a:prstDash val="solid"/>
-                      <a:round/>
-                      <a:headEnd type="none" w="med" len="med"/>
-                      <a:tailEnd type="none" w="med" len="med"/>
-                    </a:lnB>
-                  </a:tcPr>
-                </a:tc>
-                <a:tc hMerge="1">
-                  <a:txBody>
-                    <a:bodyPr/>
-                    <a:lstStyle/>
-                    <a:p>
-                      <a:endParaRPr lang="en-US"/>
-                    </a:p>
-                  </a:txBody>
-                  <a:tcPr/>
-                </a:tc>
-                <a:tc hMerge="1">
-                  <a:txBody>
-                    <a:bodyPr/>
-                    <a:lstStyle/>
-                    <a:p>
-                      <a:endParaRPr lang="en-US"/>
-                    </a:p>
-                  </a:txBody>
-                  <a:tcPr/>
-                </a:tc>
-                <a:extLst>
-                  <a:ext uri="{0D108BD9-81ED-4DB2-BD59-A6C34878D82A}">
-                    <a16:rowId xmlns:a16="http://schemas.microsoft.com/office/drawing/2014/main" val="489897790"/>
-                  </a:ext>
-                </a:extLst>
-              </a:tr>
-              <a:tr h="697191">
-                <a:tc>
-                  <a:txBody>
-                    <a:bodyPr/>
-                    <a:lstStyle/>
-                    <a:p>
-                      <a:pPr algn="ctr">
-                        <a:lnSpc>
-                          <a:spcPct val="107000"/>
-                        </a:lnSpc>
-                        <a:spcAft>
-                          <a:spcPts val="0"/>
-                        </a:spcAft>
-                      </a:pPr>
-                      <a:r>
-                        <a:rPr lang="ru-RU" sz="1100" b="1">
-                          <a:effectLst/>
-                          <a:latin typeface="Times New Roman" panose="02020603050405020304" pitchFamily="18" charset="0"/>
-                          <a:ea typeface="Times New Roman" panose="02020603050405020304" pitchFamily="18" charset="0"/>
-                          <a:cs typeface="Times New Roman" panose="02020603050405020304" pitchFamily="18" charset="0"/>
-                        </a:rPr>
-                        <a:t>Наиме-нование опера-ции</a:t>
-                      </a:r>
-                      <a:endParaRPr lang="en-US" sz="1100">
-                        <a:effectLst/>
-                        <a:latin typeface="Calibri" panose="020F0502020204030204" pitchFamily="34" charset="0"/>
-                        <a:ea typeface="Calibri" panose="020F0502020204030204" pitchFamily="34" charset="0"/>
-                        <a:cs typeface="Times New Roman" panose="02020603050405020304" pitchFamily="18" charset="0"/>
-                      </a:endParaRPr>
-                    </a:p>
-                  </a:txBody>
-                  <a:tcPr marL="66634" marR="66634" marT="0" marB="0">
-                    <a:lnL w="12700" cap="flat" cmpd="sng" algn="ctr">
-                      <a:solidFill>
-                        <a:srgbClr val="000000"/>
-                      </a:solidFill>
-                      <a:prstDash val="solid"/>
-                      <a:round/>
-                      <a:headEnd type="none" w="med" len="med"/>
-                      <a:tailEnd type="none" w="med" len="med"/>
-                    </a:lnL>
-                    <a:lnR w="12700" cap="flat" cmpd="sng" algn="ctr">
-                      <a:solidFill>
-                        <a:srgbClr val="000000"/>
-                      </a:solidFill>
-                      <a:prstDash val="solid"/>
-                      <a:round/>
-                      <a:headEnd type="none" w="med" len="med"/>
-                      <a:tailEnd type="none" w="med" len="med"/>
-                    </a:lnR>
-                    <a:lnT w="12700" cap="flat" cmpd="sng" algn="ctr">
-                      <a:solidFill>
-                        <a:srgbClr val="000000"/>
-                      </a:solidFill>
-                      <a:prstDash val="solid"/>
-                      <a:round/>
-                      <a:headEnd type="none" w="med" len="med"/>
-                      <a:tailEnd type="none" w="med" len="med"/>
-                    </a:lnT>
-                    <a:lnB w="12700" cap="flat" cmpd="sng" algn="ctr">
-                      <a:solidFill>
-                        <a:srgbClr val="000000"/>
-                      </a:solidFill>
-                      <a:prstDash val="solid"/>
-                      <a:round/>
-                      <a:headEnd type="none" w="med" len="med"/>
-                      <a:tailEnd type="none" w="med" len="med"/>
-                    </a:lnB>
-                  </a:tcPr>
-                </a:tc>
-                <a:tc>
-                  <a:txBody>
-                    <a:bodyPr/>
-                    <a:lstStyle/>
-                    <a:p>
-                      <a:pPr algn="ctr">
-                        <a:lnSpc>
-                          <a:spcPct val="107000"/>
-                        </a:lnSpc>
-                        <a:spcAft>
-                          <a:spcPts val="0"/>
-                        </a:spcAft>
-                      </a:pPr>
-                      <a:r>
-                        <a:rPr lang="ru-RU" sz="1100" b="1">
-                          <a:effectLst/>
-                          <a:latin typeface="Times New Roman" panose="02020603050405020304" pitchFamily="18" charset="0"/>
-                          <a:ea typeface="Times New Roman" panose="02020603050405020304" pitchFamily="18" charset="0"/>
-                          <a:cs typeface="Times New Roman" panose="02020603050405020304" pitchFamily="18" charset="0"/>
-                        </a:rPr>
-                        <a:t>Контроли-руемый параметр</a:t>
-                      </a:r>
-                      <a:endParaRPr lang="en-US" sz="1100">
-                        <a:effectLst/>
-                        <a:latin typeface="Calibri" panose="020F0502020204030204" pitchFamily="34" charset="0"/>
-                        <a:ea typeface="Calibri" panose="020F0502020204030204" pitchFamily="34" charset="0"/>
-                        <a:cs typeface="Times New Roman" panose="02020603050405020304" pitchFamily="18" charset="0"/>
-                      </a:endParaRPr>
-                    </a:p>
-                  </a:txBody>
-                  <a:tcPr marL="66634" marR="66634" marT="0" marB="0">
-                    <a:lnL w="12700" cap="flat" cmpd="sng" algn="ctr">
-                      <a:solidFill>
-                        <a:srgbClr val="000000"/>
-                      </a:solidFill>
-                      <a:prstDash val="solid"/>
-                      <a:round/>
-                      <a:headEnd type="none" w="med" len="med"/>
-                      <a:tailEnd type="none" w="med" len="med"/>
-                    </a:lnL>
-                    <a:lnR w="12700" cap="flat" cmpd="sng" algn="ctr">
-                      <a:solidFill>
-                        <a:srgbClr val="000000"/>
-                      </a:solidFill>
-                      <a:prstDash val="solid"/>
-                      <a:round/>
-                      <a:headEnd type="none" w="med" len="med"/>
-                      <a:tailEnd type="none" w="med" len="med"/>
-                    </a:lnR>
-                    <a:lnT w="12700" cap="flat" cmpd="sng" algn="ctr">
-                      <a:solidFill>
-                        <a:srgbClr val="000000"/>
-                      </a:solidFill>
-                      <a:prstDash val="solid"/>
-                      <a:round/>
-                      <a:headEnd type="none" w="med" len="med"/>
-                      <a:tailEnd type="none" w="med" len="med"/>
-                    </a:lnT>
-                    <a:lnB w="12700" cap="flat" cmpd="sng" algn="ctr">
-                      <a:solidFill>
-                        <a:srgbClr val="000000"/>
-                      </a:solidFill>
-                      <a:prstDash val="solid"/>
-                      <a:round/>
-                      <a:headEnd type="none" w="med" len="med"/>
-                      <a:tailEnd type="none" w="med" len="med"/>
-                    </a:lnB>
-                  </a:tcPr>
-                </a:tc>
-                <a:tc>
-                  <a:txBody>
-                    <a:bodyPr/>
-                    <a:lstStyle/>
-                    <a:p>
-                      <a:pPr algn="ctr">
-                        <a:lnSpc>
-                          <a:spcPct val="107000"/>
-                        </a:lnSpc>
-                        <a:spcAft>
-                          <a:spcPts val="0"/>
-                        </a:spcAft>
-                      </a:pPr>
-                      <a:r>
-                        <a:rPr lang="ru-RU" sz="1100" b="1">
-                          <a:effectLst/>
-                          <a:latin typeface="Times New Roman" panose="02020603050405020304" pitchFamily="18" charset="0"/>
-                          <a:ea typeface="Times New Roman" panose="02020603050405020304" pitchFamily="18" charset="0"/>
-                          <a:cs typeface="Times New Roman" panose="02020603050405020304" pitchFamily="18" charset="0"/>
-                        </a:rPr>
-                        <a:t>Предельное значение</a:t>
-                      </a:r>
-                      <a:endParaRPr lang="en-US" sz="1100">
-                        <a:effectLst/>
-                        <a:latin typeface="Calibri" panose="020F0502020204030204" pitchFamily="34" charset="0"/>
-                        <a:ea typeface="Calibri" panose="020F0502020204030204" pitchFamily="34" charset="0"/>
-                        <a:cs typeface="Times New Roman" panose="02020603050405020304" pitchFamily="18" charset="0"/>
-                      </a:endParaRPr>
-                    </a:p>
-                  </a:txBody>
-                  <a:tcPr marL="66634" marR="66634" marT="0" marB="0">
-                    <a:lnL w="12700" cap="flat" cmpd="sng" algn="ctr">
-                      <a:solidFill>
-                        <a:srgbClr val="000000"/>
-                      </a:solidFill>
-                      <a:prstDash val="solid"/>
-                      <a:round/>
-                      <a:headEnd type="none" w="med" len="med"/>
-                      <a:tailEnd type="none" w="med" len="med"/>
-                    </a:lnL>
-                    <a:lnR w="12700" cap="flat" cmpd="sng" algn="ctr">
-                      <a:solidFill>
-                        <a:srgbClr val="000000"/>
-                      </a:solidFill>
-                      <a:prstDash val="solid"/>
-                      <a:round/>
-                      <a:headEnd type="none" w="med" len="med"/>
-                      <a:tailEnd type="none" w="med" len="med"/>
-                    </a:lnR>
-                    <a:lnT w="12700" cap="flat" cmpd="sng" algn="ctr">
-                      <a:solidFill>
-                        <a:srgbClr val="000000"/>
-                      </a:solidFill>
-                      <a:prstDash val="solid"/>
-                      <a:round/>
-                      <a:headEnd type="none" w="med" len="med"/>
-                      <a:tailEnd type="none" w="med" len="med"/>
-                    </a:lnT>
-                    <a:lnB w="12700" cap="flat" cmpd="sng" algn="ctr">
-                      <a:solidFill>
-                        <a:srgbClr val="000000"/>
-                      </a:solidFill>
-                      <a:prstDash val="solid"/>
-                      <a:round/>
-                      <a:headEnd type="none" w="med" len="med"/>
-                      <a:tailEnd type="none" w="med" len="med"/>
-                    </a:lnB>
-                  </a:tcPr>
-                </a:tc>
-                <a:tc>
-                  <a:txBody>
-                    <a:bodyPr/>
-                    <a:lstStyle/>
-                    <a:p>
-                      <a:pPr algn="ctr">
-                        <a:lnSpc>
-                          <a:spcPct val="107000"/>
-                        </a:lnSpc>
-                        <a:spcAft>
-                          <a:spcPts val="0"/>
-                        </a:spcAft>
-                      </a:pPr>
-                      <a:r>
-                        <a:rPr lang="ru-RU" sz="1100" b="1">
-                          <a:effectLst/>
-                          <a:latin typeface="Times New Roman" panose="02020603050405020304" pitchFamily="18" charset="0"/>
-                          <a:ea typeface="Times New Roman" panose="02020603050405020304" pitchFamily="18" charset="0"/>
-                          <a:cs typeface="Times New Roman" panose="02020603050405020304" pitchFamily="18" charset="0"/>
-                        </a:rPr>
-                        <a:t>Процедура</a:t>
-                      </a:r>
-                      <a:endParaRPr lang="en-US" sz="1100">
-                        <a:effectLst/>
-                        <a:latin typeface="Calibri" panose="020F0502020204030204" pitchFamily="34" charset="0"/>
-                        <a:ea typeface="Calibri" panose="020F0502020204030204" pitchFamily="34" charset="0"/>
-                        <a:cs typeface="Times New Roman" panose="02020603050405020304" pitchFamily="18" charset="0"/>
-                      </a:endParaRPr>
-                    </a:p>
-                  </a:txBody>
-                  <a:tcPr marL="66634" marR="66634" marT="0" marB="0">
-                    <a:lnL w="12700" cap="flat" cmpd="sng" algn="ctr">
-                      <a:solidFill>
-                        <a:srgbClr val="000000"/>
-                      </a:solidFill>
-                      <a:prstDash val="solid"/>
-                      <a:round/>
-                      <a:headEnd type="none" w="med" len="med"/>
-                      <a:tailEnd type="none" w="med" len="med"/>
-                    </a:lnL>
-                    <a:lnR w="12700" cap="flat" cmpd="sng" algn="ctr">
-                      <a:solidFill>
-                        <a:srgbClr val="000000"/>
-                      </a:solidFill>
-                      <a:prstDash val="solid"/>
-                      <a:round/>
-                      <a:headEnd type="none" w="med" len="med"/>
-                      <a:tailEnd type="none" w="med" len="med"/>
-                    </a:lnR>
-                    <a:lnT w="12700" cap="flat" cmpd="sng" algn="ctr">
-                      <a:solidFill>
-                        <a:srgbClr val="000000"/>
-                      </a:solidFill>
-                      <a:prstDash val="solid"/>
-                      <a:round/>
-                      <a:headEnd type="none" w="med" len="med"/>
-                      <a:tailEnd type="none" w="med" len="med"/>
-                    </a:lnT>
-                    <a:lnB w="12700" cap="flat" cmpd="sng" algn="ctr">
-                      <a:solidFill>
-                        <a:srgbClr val="000000"/>
-                      </a:solidFill>
-                      <a:prstDash val="solid"/>
-                      <a:round/>
-                      <a:headEnd type="none" w="med" len="med"/>
-                      <a:tailEnd type="none" w="med" len="med"/>
-                    </a:lnB>
-                  </a:tcPr>
-                </a:tc>
-                <a:tc>
-                  <a:txBody>
-                    <a:bodyPr/>
-                    <a:lstStyle/>
-                    <a:p>
-                      <a:pPr algn="ctr">
-                        <a:lnSpc>
-                          <a:spcPct val="107000"/>
-                        </a:lnSpc>
-                        <a:spcAft>
-                          <a:spcPts val="0"/>
-                        </a:spcAft>
-                      </a:pPr>
-                      <a:r>
-                        <a:rPr lang="ru-RU" sz="1100" b="1">
-                          <a:effectLst/>
-                          <a:latin typeface="Times New Roman" panose="02020603050405020304" pitchFamily="18" charset="0"/>
-                          <a:ea typeface="Times New Roman" panose="02020603050405020304" pitchFamily="18" charset="0"/>
-                          <a:cs typeface="Times New Roman" panose="02020603050405020304" pitchFamily="18" charset="0"/>
-                        </a:rPr>
-                        <a:t>Периодич-ность</a:t>
-                      </a:r>
-                      <a:endParaRPr lang="en-US" sz="1100">
-                        <a:effectLst/>
-                        <a:latin typeface="Calibri" panose="020F0502020204030204" pitchFamily="34" charset="0"/>
-                        <a:ea typeface="Calibri" panose="020F0502020204030204" pitchFamily="34" charset="0"/>
-                        <a:cs typeface="Times New Roman" panose="02020603050405020304" pitchFamily="18" charset="0"/>
-                      </a:endParaRPr>
-                    </a:p>
-                  </a:txBody>
-                  <a:tcPr marL="66634" marR="66634" marT="0" marB="0">
-                    <a:lnL w="12700" cap="flat" cmpd="sng" algn="ctr">
-                      <a:solidFill>
-                        <a:srgbClr val="000000"/>
-                      </a:solidFill>
-                      <a:prstDash val="solid"/>
-                      <a:round/>
-                      <a:headEnd type="none" w="med" len="med"/>
-                      <a:tailEnd type="none" w="med" len="med"/>
-                    </a:lnL>
-                    <a:lnR w="12700" cap="flat" cmpd="sng" algn="ctr">
-                      <a:solidFill>
-                        <a:srgbClr val="000000"/>
-                      </a:solidFill>
-                      <a:prstDash val="solid"/>
-                      <a:round/>
-                      <a:headEnd type="none" w="med" len="med"/>
-                      <a:tailEnd type="none" w="med" len="med"/>
-                    </a:lnR>
-                    <a:lnT w="12700" cap="flat" cmpd="sng" algn="ctr">
-                      <a:solidFill>
-                        <a:srgbClr val="000000"/>
-                      </a:solidFill>
-                      <a:prstDash val="solid"/>
-                      <a:round/>
-                      <a:headEnd type="none" w="med" len="med"/>
-                      <a:tailEnd type="none" w="med" len="med"/>
-                    </a:lnT>
-                    <a:lnB w="12700" cap="flat" cmpd="sng" algn="ctr">
-                      <a:solidFill>
-                        <a:srgbClr val="000000"/>
-                      </a:solidFill>
-                      <a:prstDash val="solid"/>
-                      <a:round/>
-                      <a:headEnd type="none" w="med" len="med"/>
-                      <a:tailEnd type="none" w="med" len="med"/>
-                    </a:lnB>
-                  </a:tcPr>
-                </a:tc>
-                <a:tc>
-                  <a:txBody>
-                    <a:bodyPr/>
-                    <a:lstStyle/>
-                    <a:p>
-                      <a:pPr algn="ctr">
-                        <a:lnSpc>
-                          <a:spcPct val="107000"/>
-                        </a:lnSpc>
-                        <a:spcAft>
-                          <a:spcPts val="0"/>
-                        </a:spcAft>
-                      </a:pPr>
-                      <a:r>
-                        <a:rPr lang="ru-RU" sz="1100" b="1">
-                          <a:effectLst/>
-                          <a:latin typeface="Times New Roman" panose="02020603050405020304" pitchFamily="18" charset="0"/>
-                          <a:ea typeface="Times New Roman" panose="02020603050405020304" pitchFamily="18" charset="0"/>
-                          <a:cs typeface="Times New Roman" panose="02020603050405020304" pitchFamily="18" charset="0"/>
-                        </a:rPr>
-                        <a:t>Ответст-венный</a:t>
-                      </a:r>
-                      <a:endParaRPr lang="en-US" sz="1100">
-                        <a:effectLst/>
-                        <a:latin typeface="Calibri" panose="020F0502020204030204" pitchFamily="34" charset="0"/>
-                        <a:ea typeface="Calibri" panose="020F0502020204030204" pitchFamily="34" charset="0"/>
-                        <a:cs typeface="Times New Roman" panose="02020603050405020304" pitchFamily="18" charset="0"/>
-                      </a:endParaRPr>
-                    </a:p>
-                  </a:txBody>
-                  <a:tcPr marL="66634" marR="66634" marT="0" marB="0">
-                    <a:lnL w="12700" cap="flat" cmpd="sng" algn="ctr">
-                      <a:solidFill>
-                        <a:srgbClr val="000000"/>
-                      </a:solidFill>
-                      <a:prstDash val="solid"/>
-                      <a:round/>
-                      <a:headEnd type="none" w="med" len="med"/>
-                      <a:tailEnd type="none" w="med" len="med"/>
-                    </a:lnL>
-                    <a:lnR w="12700" cap="flat" cmpd="sng" algn="ctr">
-                      <a:solidFill>
-                        <a:srgbClr val="000000"/>
-                      </a:solidFill>
-                      <a:prstDash val="solid"/>
-                      <a:round/>
-                      <a:headEnd type="none" w="med" len="med"/>
-                      <a:tailEnd type="none" w="med" len="med"/>
-                    </a:lnR>
-                    <a:lnT w="12700" cap="flat" cmpd="sng" algn="ctr">
-                      <a:solidFill>
-                        <a:srgbClr val="000000"/>
-                      </a:solidFill>
-                      <a:prstDash val="solid"/>
-                      <a:round/>
-                      <a:headEnd type="none" w="med" len="med"/>
-                      <a:tailEnd type="none" w="med" len="med"/>
-                    </a:lnT>
-                    <a:lnB w="12700" cap="flat" cmpd="sng" algn="ctr">
-                      <a:solidFill>
-                        <a:srgbClr val="000000"/>
-                      </a:solidFill>
-                      <a:prstDash val="solid"/>
-                      <a:round/>
-                      <a:headEnd type="none" w="med" len="med"/>
-                      <a:tailEnd type="none" w="med" len="med"/>
-                    </a:lnB>
-                  </a:tcPr>
-                </a:tc>
-                <a:tc>
-                  <a:txBody>
-                    <a:bodyPr/>
-                    <a:lstStyle/>
-                    <a:p>
-                      <a:pPr algn="ctr">
-                        <a:lnSpc>
-                          <a:spcPct val="107000"/>
-                        </a:lnSpc>
-                        <a:spcAft>
-                          <a:spcPts val="0"/>
-                        </a:spcAft>
-                      </a:pPr>
-                      <a:r>
-                        <a:rPr lang="ru-RU" sz="1100" b="1">
-                          <a:effectLst/>
-                          <a:latin typeface="Times New Roman" panose="02020603050405020304" pitchFamily="18" charset="0"/>
-                          <a:ea typeface="Times New Roman" panose="02020603050405020304" pitchFamily="18" charset="0"/>
-                          <a:cs typeface="Times New Roman" panose="02020603050405020304" pitchFamily="18" charset="0"/>
-                        </a:rPr>
-                        <a:t>Документ, где фикси-руются </a:t>
-                      </a:r>
-                      <a:endParaRPr lang="en-US" sz="1100">
-                        <a:effectLst/>
-                        <a:latin typeface="Calibri" panose="020F0502020204030204" pitchFamily="34" charset="0"/>
-                        <a:ea typeface="Calibri" panose="020F0502020204030204" pitchFamily="34" charset="0"/>
-                        <a:cs typeface="Times New Roman" panose="02020603050405020304" pitchFamily="18" charset="0"/>
-                      </a:endParaRPr>
-                    </a:p>
-                  </a:txBody>
-                  <a:tcPr marL="66634" marR="66634" marT="0" marB="0">
-                    <a:lnL w="12700" cap="flat" cmpd="sng" algn="ctr">
-                      <a:solidFill>
-                        <a:srgbClr val="000000"/>
-                      </a:solidFill>
-                      <a:prstDash val="solid"/>
-                      <a:round/>
-                      <a:headEnd type="none" w="med" len="med"/>
-                      <a:tailEnd type="none" w="med" len="med"/>
-                    </a:lnL>
-                    <a:lnR w="12700" cap="flat" cmpd="sng" algn="ctr">
-                      <a:solidFill>
-                        <a:srgbClr val="000000"/>
-                      </a:solidFill>
-                      <a:prstDash val="solid"/>
-                      <a:round/>
-                      <a:headEnd type="none" w="med" len="med"/>
-                      <a:tailEnd type="none" w="med" len="med"/>
-                    </a:lnR>
-                    <a:lnT w="12700" cap="flat" cmpd="sng" algn="ctr">
-                      <a:solidFill>
-                        <a:srgbClr val="000000"/>
-                      </a:solidFill>
-                      <a:prstDash val="solid"/>
-                      <a:round/>
-                      <a:headEnd type="none" w="med" len="med"/>
-                      <a:tailEnd type="none" w="med" len="med"/>
-                    </a:lnT>
-                    <a:lnB w="12700" cap="flat" cmpd="sng" algn="ctr">
-                      <a:solidFill>
-                        <a:srgbClr val="000000"/>
-                      </a:solidFill>
-                      <a:prstDash val="solid"/>
-                      <a:round/>
-                      <a:headEnd type="none" w="med" len="med"/>
-                      <a:tailEnd type="none" w="med" len="med"/>
-                    </a:lnB>
-                  </a:tcPr>
-                </a:tc>
-                <a:tc>
-                  <a:txBody>
-                    <a:bodyPr/>
-                    <a:lstStyle/>
-                    <a:p>
-                      <a:pPr algn="ctr">
-                        <a:lnSpc>
-                          <a:spcPct val="107000"/>
-                        </a:lnSpc>
-                        <a:spcAft>
-                          <a:spcPts val="0"/>
-                        </a:spcAft>
-                      </a:pPr>
-                      <a:r>
-                        <a:rPr lang="ru-RU" sz="1100" b="1">
-                          <a:effectLst/>
-                          <a:latin typeface="Times New Roman" panose="02020603050405020304" pitchFamily="18" charset="0"/>
-                          <a:ea typeface="Times New Roman" panose="02020603050405020304" pitchFamily="18" charset="0"/>
-                          <a:cs typeface="Times New Roman" panose="02020603050405020304" pitchFamily="18" charset="0"/>
-                        </a:rPr>
-                        <a:t>Процедура</a:t>
-                      </a:r>
-                      <a:endParaRPr lang="en-US" sz="1100">
-                        <a:effectLst/>
-                        <a:latin typeface="Calibri" panose="020F0502020204030204" pitchFamily="34" charset="0"/>
-                        <a:ea typeface="Calibri" panose="020F0502020204030204" pitchFamily="34" charset="0"/>
-                        <a:cs typeface="Times New Roman" panose="02020603050405020304" pitchFamily="18" charset="0"/>
-                      </a:endParaRPr>
-                    </a:p>
-                    <a:p>
-                      <a:pPr algn="ctr">
-                        <a:lnSpc>
-                          <a:spcPct val="107000"/>
-                        </a:lnSpc>
-                        <a:spcAft>
-                          <a:spcPts val="0"/>
-                        </a:spcAft>
-                      </a:pPr>
-                      <a:r>
-                        <a:rPr lang="ru-RU" sz="1100" b="1">
-                          <a:effectLst/>
-                          <a:latin typeface="Times New Roman" panose="02020603050405020304" pitchFamily="18" charset="0"/>
-                          <a:ea typeface="Times New Roman" panose="02020603050405020304" pitchFamily="18" charset="0"/>
-                          <a:cs typeface="Times New Roman" panose="02020603050405020304" pitchFamily="18" charset="0"/>
-                        </a:rPr>
-                        <a:t> </a:t>
-                      </a:r>
-                      <a:endParaRPr lang="en-US" sz="1100">
-                        <a:effectLst/>
-                        <a:latin typeface="Calibri" panose="020F0502020204030204" pitchFamily="34" charset="0"/>
-                        <a:ea typeface="Calibri" panose="020F0502020204030204" pitchFamily="34" charset="0"/>
-                        <a:cs typeface="Times New Roman" panose="02020603050405020304" pitchFamily="18" charset="0"/>
-                      </a:endParaRPr>
-                    </a:p>
-                  </a:txBody>
-                  <a:tcPr marL="66634" marR="66634" marT="0" marB="0">
-                    <a:lnL w="12700" cap="flat" cmpd="sng" algn="ctr">
-                      <a:solidFill>
-                        <a:srgbClr val="000000"/>
-                      </a:solidFill>
-                      <a:prstDash val="solid"/>
-                      <a:round/>
-                      <a:headEnd type="none" w="med" len="med"/>
-                      <a:tailEnd type="none" w="med" len="med"/>
-                    </a:lnL>
-                    <a:lnR w="12700" cap="flat" cmpd="sng" algn="ctr">
-                      <a:solidFill>
-                        <a:srgbClr val="000000"/>
-                      </a:solidFill>
-                      <a:prstDash val="solid"/>
-                      <a:round/>
-                      <a:headEnd type="none" w="med" len="med"/>
-                      <a:tailEnd type="none" w="med" len="med"/>
-                    </a:lnR>
-                    <a:lnT w="12700" cap="flat" cmpd="sng" algn="ctr">
-                      <a:solidFill>
-                        <a:srgbClr val="000000"/>
-                      </a:solidFill>
-                      <a:prstDash val="solid"/>
-                      <a:round/>
-                      <a:headEnd type="none" w="med" len="med"/>
-                      <a:tailEnd type="none" w="med" len="med"/>
-                    </a:lnT>
-                    <a:lnB w="12700" cap="flat" cmpd="sng" algn="ctr">
-                      <a:solidFill>
-                        <a:srgbClr val="000000"/>
-                      </a:solidFill>
-                      <a:prstDash val="solid"/>
-                      <a:round/>
-                      <a:headEnd type="none" w="med" len="med"/>
-                      <a:tailEnd type="none" w="med" len="med"/>
-                    </a:lnB>
-                  </a:tcPr>
-                </a:tc>
-                <a:tc>
-                  <a:txBody>
-                    <a:bodyPr/>
-                    <a:lstStyle/>
-                    <a:p>
-                      <a:pPr algn="ctr">
-                        <a:lnSpc>
-                          <a:spcPct val="107000"/>
-                        </a:lnSpc>
-                        <a:spcAft>
-                          <a:spcPts val="0"/>
-                        </a:spcAft>
-                      </a:pPr>
-                      <a:r>
-                        <a:rPr lang="ru-RU" sz="1100" b="1">
-                          <a:effectLst/>
-                          <a:latin typeface="Times New Roman" panose="02020603050405020304" pitchFamily="18" charset="0"/>
-                          <a:ea typeface="Times New Roman" panose="02020603050405020304" pitchFamily="18" charset="0"/>
-                          <a:cs typeface="Times New Roman" panose="02020603050405020304" pitchFamily="18" charset="0"/>
-                        </a:rPr>
-                        <a:t>Ответст-венный</a:t>
-                      </a:r>
-                      <a:endParaRPr lang="en-US" sz="1100">
-                        <a:effectLst/>
-                        <a:latin typeface="Calibri" panose="020F0502020204030204" pitchFamily="34" charset="0"/>
-                        <a:ea typeface="Calibri" panose="020F0502020204030204" pitchFamily="34" charset="0"/>
-                        <a:cs typeface="Times New Roman" panose="02020603050405020304" pitchFamily="18" charset="0"/>
-                      </a:endParaRPr>
-                    </a:p>
-                  </a:txBody>
-                  <a:tcPr marL="66634" marR="66634" marT="0" marB="0">
-                    <a:lnL w="12700" cap="flat" cmpd="sng" algn="ctr">
-                      <a:solidFill>
-                        <a:srgbClr val="000000"/>
-                      </a:solidFill>
-                      <a:prstDash val="solid"/>
-                      <a:round/>
-                      <a:headEnd type="none" w="med" len="med"/>
-                      <a:tailEnd type="none" w="med" len="med"/>
-                    </a:lnL>
-                    <a:lnR w="12700" cap="flat" cmpd="sng" algn="ctr">
-                      <a:solidFill>
-                        <a:srgbClr val="000000"/>
-                      </a:solidFill>
-                      <a:prstDash val="solid"/>
-                      <a:round/>
-                      <a:headEnd type="none" w="med" len="med"/>
-                      <a:tailEnd type="none" w="med" len="med"/>
-                    </a:lnR>
-                    <a:lnT w="12700" cap="flat" cmpd="sng" algn="ctr">
-                      <a:solidFill>
-                        <a:srgbClr val="000000"/>
-                      </a:solidFill>
-                      <a:prstDash val="solid"/>
-                      <a:round/>
-                      <a:headEnd type="none" w="med" len="med"/>
-                      <a:tailEnd type="none" w="med" len="med"/>
-                    </a:lnT>
-                    <a:lnB w="12700" cap="flat" cmpd="sng" algn="ctr">
-                      <a:solidFill>
-                        <a:srgbClr val="000000"/>
-                      </a:solidFill>
-                      <a:prstDash val="solid"/>
-                      <a:round/>
-                      <a:headEnd type="none" w="med" len="med"/>
-                      <a:tailEnd type="none" w="med" len="med"/>
-                    </a:lnB>
-                  </a:tcPr>
-                </a:tc>
-                <a:tc>
-                  <a:txBody>
-                    <a:bodyPr/>
-                    <a:lstStyle/>
-                    <a:p>
-                      <a:pPr>
-                        <a:lnSpc>
-                          <a:spcPct val="107000"/>
-                        </a:lnSpc>
-                        <a:spcAft>
-                          <a:spcPts val="0"/>
-                        </a:spcAft>
-                      </a:pPr>
-                      <a:r>
-                        <a:rPr lang="ru-RU" sz="1100" b="1">
-                          <a:effectLst/>
-                          <a:latin typeface="Times New Roman" panose="02020603050405020304" pitchFamily="18" charset="0"/>
-                          <a:ea typeface="Times New Roman" panose="02020603050405020304" pitchFamily="18" charset="0"/>
-                          <a:cs typeface="Times New Roman" panose="02020603050405020304" pitchFamily="18" charset="0"/>
-                        </a:rPr>
-                        <a:t>Документ, где фикси-руется</a:t>
-                      </a:r>
-                      <a:endParaRPr lang="en-US" sz="1100">
-                        <a:effectLst/>
-                        <a:latin typeface="Calibri" panose="020F0502020204030204" pitchFamily="34" charset="0"/>
-                        <a:ea typeface="Calibri" panose="020F0502020204030204" pitchFamily="34" charset="0"/>
-                        <a:cs typeface="Times New Roman" panose="02020603050405020304" pitchFamily="18" charset="0"/>
-                      </a:endParaRPr>
-                    </a:p>
-                    <a:p>
-                      <a:pPr algn="ctr">
-                        <a:lnSpc>
-                          <a:spcPct val="107000"/>
-                        </a:lnSpc>
-                        <a:spcAft>
-                          <a:spcPts val="0"/>
-                        </a:spcAft>
-                      </a:pPr>
-                      <a:r>
-                        <a:rPr lang="ru-RU" sz="1100" b="1">
-                          <a:effectLst/>
-                          <a:latin typeface="Times New Roman" panose="02020603050405020304" pitchFamily="18" charset="0"/>
-                          <a:ea typeface="Times New Roman" panose="02020603050405020304" pitchFamily="18" charset="0"/>
-                          <a:cs typeface="Times New Roman" panose="02020603050405020304" pitchFamily="18" charset="0"/>
-                        </a:rPr>
-                        <a:t> </a:t>
-                      </a:r>
-                      <a:endParaRPr lang="en-US" sz="1100">
-                        <a:effectLst/>
-                        <a:latin typeface="Calibri" panose="020F0502020204030204" pitchFamily="34" charset="0"/>
-                        <a:ea typeface="Calibri" panose="020F0502020204030204" pitchFamily="34" charset="0"/>
-                        <a:cs typeface="Times New Roman" panose="02020603050405020304" pitchFamily="18" charset="0"/>
-                      </a:endParaRPr>
-                    </a:p>
-                  </a:txBody>
-                  <a:tcPr marL="66634" marR="66634" marT="0" marB="0">
-                    <a:lnL w="12700" cap="flat" cmpd="sng" algn="ctr">
-                      <a:solidFill>
-                        <a:srgbClr val="000000"/>
-                      </a:solidFill>
-                      <a:prstDash val="solid"/>
-                      <a:round/>
-                      <a:headEnd type="none" w="med" len="med"/>
-                      <a:tailEnd type="none" w="med" len="med"/>
-                    </a:lnL>
-                    <a:lnR w="12700" cap="flat" cmpd="sng" algn="ctr">
-                      <a:solidFill>
-                        <a:srgbClr val="000000"/>
-                      </a:solidFill>
-                      <a:prstDash val="solid"/>
-                      <a:round/>
-                      <a:headEnd type="none" w="med" len="med"/>
-                      <a:tailEnd type="none" w="med" len="med"/>
-                    </a:lnR>
-                    <a:lnT w="12700" cap="flat" cmpd="sng" algn="ctr">
-                      <a:solidFill>
-                        <a:srgbClr val="000000"/>
-                      </a:solidFill>
-                      <a:prstDash val="solid"/>
-                      <a:round/>
-                      <a:headEnd type="none" w="med" len="med"/>
-                      <a:tailEnd type="none" w="med" len="med"/>
-                    </a:lnT>
-                    <a:lnB w="12700" cap="flat" cmpd="sng" algn="ctr">
-                      <a:solidFill>
-                        <a:srgbClr val="000000"/>
-                      </a:solidFill>
-                      <a:prstDash val="solid"/>
-                      <a:round/>
-                      <a:headEnd type="none" w="med" len="med"/>
-                      <a:tailEnd type="none" w="med" len="med"/>
-                    </a:lnB>
-                  </a:tcPr>
-                </a:tc>
-                <a:extLst>
-                  <a:ext uri="{0D108BD9-81ED-4DB2-BD59-A6C34878D82A}">
-                    <a16:rowId xmlns:a16="http://schemas.microsoft.com/office/drawing/2014/main" val="1712812697"/>
-                  </a:ext>
-                </a:extLst>
-              </a:tr>
-              <a:tr h="190154">
-                <a:tc>
-                  <a:txBody>
-                    <a:bodyPr/>
-                    <a:lstStyle/>
-                    <a:p>
-                      <a:pPr algn="ctr">
-                        <a:lnSpc>
-                          <a:spcPct val="107000"/>
-                        </a:lnSpc>
-                        <a:spcAft>
-                          <a:spcPts val="0"/>
-                        </a:spcAft>
-                      </a:pPr>
-                      <a:r>
-                        <a:rPr lang="ru-RU" sz="1200" b="1">
-                          <a:effectLst/>
-                          <a:latin typeface="Times New Roman" panose="02020603050405020304" pitchFamily="18" charset="0"/>
-                          <a:ea typeface="Times New Roman" panose="02020603050405020304" pitchFamily="18" charset="0"/>
-                          <a:cs typeface="Times New Roman" panose="02020603050405020304" pitchFamily="18" charset="0"/>
-                        </a:rPr>
-                        <a:t>1</a:t>
-                      </a:r>
-                      <a:endParaRPr lang="en-US" sz="1100">
-                        <a:effectLst/>
-                        <a:latin typeface="Calibri" panose="020F0502020204030204" pitchFamily="34" charset="0"/>
-                        <a:ea typeface="Calibri" panose="020F0502020204030204" pitchFamily="34" charset="0"/>
-                        <a:cs typeface="Times New Roman" panose="02020603050405020304" pitchFamily="18" charset="0"/>
-                      </a:endParaRPr>
-                    </a:p>
-                  </a:txBody>
-                  <a:tcPr marL="66634" marR="66634" marT="0" marB="0">
-                    <a:lnL w="12700" cap="flat" cmpd="sng" algn="ctr">
-                      <a:solidFill>
-                        <a:srgbClr val="000000"/>
-                      </a:solidFill>
-                      <a:prstDash val="solid"/>
-                      <a:round/>
-                      <a:headEnd type="none" w="med" len="med"/>
-                      <a:tailEnd type="none" w="med" len="med"/>
-                    </a:lnL>
-                    <a:lnR w="12700" cap="flat" cmpd="sng" algn="ctr">
-                      <a:solidFill>
-                        <a:srgbClr val="000000"/>
-                      </a:solidFill>
-                      <a:prstDash val="solid"/>
-                      <a:round/>
-                      <a:headEnd type="none" w="med" len="med"/>
-                      <a:tailEnd type="none" w="med" len="med"/>
-                    </a:lnR>
-                    <a:lnT w="12700" cap="flat" cmpd="sng" algn="ctr">
-                      <a:solidFill>
-                        <a:srgbClr val="000000"/>
-                      </a:solidFill>
-                      <a:prstDash val="solid"/>
-                      <a:round/>
-                      <a:headEnd type="none" w="med" len="med"/>
-                      <a:tailEnd type="none" w="med" len="med"/>
-                    </a:lnT>
-                    <a:lnB w="12700" cap="flat" cmpd="sng" algn="ctr">
-                      <a:solidFill>
-                        <a:srgbClr val="000000"/>
-                      </a:solidFill>
-                      <a:prstDash val="solid"/>
-                      <a:round/>
-                      <a:headEnd type="none" w="med" len="med"/>
-                      <a:tailEnd type="none" w="med" len="med"/>
-                    </a:lnB>
-                  </a:tcPr>
-                </a:tc>
-                <a:tc>
-                  <a:txBody>
-                    <a:bodyPr/>
-                    <a:lstStyle/>
-                    <a:p>
-                      <a:pPr algn="ctr">
-                        <a:lnSpc>
-                          <a:spcPct val="107000"/>
-                        </a:lnSpc>
-                        <a:spcAft>
-                          <a:spcPts val="0"/>
-                        </a:spcAft>
-                      </a:pPr>
-                      <a:r>
-                        <a:rPr lang="ru-RU" sz="1200" b="1">
-                          <a:effectLst/>
-                          <a:latin typeface="Times New Roman" panose="02020603050405020304" pitchFamily="18" charset="0"/>
-                          <a:ea typeface="Times New Roman" panose="02020603050405020304" pitchFamily="18" charset="0"/>
-                          <a:cs typeface="Times New Roman" panose="02020603050405020304" pitchFamily="18" charset="0"/>
-                        </a:rPr>
-                        <a:t>2</a:t>
-                      </a:r>
-                      <a:endParaRPr lang="en-US" sz="1100">
-                        <a:effectLst/>
-                        <a:latin typeface="Calibri" panose="020F0502020204030204" pitchFamily="34" charset="0"/>
-                        <a:ea typeface="Calibri" panose="020F0502020204030204" pitchFamily="34" charset="0"/>
-                        <a:cs typeface="Times New Roman" panose="02020603050405020304" pitchFamily="18" charset="0"/>
-                      </a:endParaRPr>
-                    </a:p>
-                  </a:txBody>
-                  <a:tcPr marL="66634" marR="66634" marT="0" marB="0">
-                    <a:lnL w="12700" cap="flat" cmpd="sng" algn="ctr">
-                      <a:solidFill>
-                        <a:srgbClr val="000000"/>
-                      </a:solidFill>
-                      <a:prstDash val="solid"/>
-                      <a:round/>
-                      <a:headEnd type="none" w="med" len="med"/>
-                      <a:tailEnd type="none" w="med" len="med"/>
-                    </a:lnL>
-                    <a:lnR w="12700" cap="flat" cmpd="sng" algn="ctr">
-                      <a:solidFill>
-                        <a:srgbClr val="000000"/>
-                      </a:solidFill>
-                      <a:prstDash val="solid"/>
-                      <a:round/>
-                      <a:headEnd type="none" w="med" len="med"/>
-                      <a:tailEnd type="none" w="med" len="med"/>
-                    </a:lnR>
-                    <a:lnT w="12700" cap="flat" cmpd="sng" algn="ctr">
-                      <a:solidFill>
-                        <a:srgbClr val="000000"/>
-                      </a:solidFill>
-                      <a:prstDash val="solid"/>
-                      <a:round/>
-                      <a:headEnd type="none" w="med" len="med"/>
-                      <a:tailEnd type="none" w="med" len="med"/>
-                    </a:lnT>
-                    <a:lnB w="12700" cap="flat" cmpd="sng" algn="ctr">
-                      <a:solidFill>
-                        <a:srgbClr val="000000"/>
-                      </a:solidFill>
-                      <a:prstDash val="solid"/>
-                      <a:round/>
-                      <a:headEnd type="none" w="med" len="med"/>
-                      <a:tailEnd type="none" w="med" len="med"/>
-                    </a:lnB>
-                  </a:tcPr>
-                </a:tc>
-                <a:tc>
-                  <a:txBody>
-                    <a:bodyPr/>
-                    <a:lstStyle/>
-                    <a:p>
-                      <a:pPr algn="ctr">
-                        <a:lnSpc>
-                          <a:spcPct val="107000"/>
-                        </a:lnSpc>
-                        <a:spcAft>
-                          <a:spcPts val="0"/>
-                        </a:spcAft>
-                      </a:pPr>
-                      <a:r>
-                        <a:rPr lang="ru-RU" sz="1200" b="1">
-                          <a:effectLst/>
-                          <a:latin typeface="Times New Roman" panose="02020603050405020304" pitchFamily="18" charset="0"/>
-                          <a:ea typeface="Times New Roman" panose="02020603050405020304" pitchFamily="18" charset="0"/>
-                          <a:cs typeface="Times New Roman" panose="02020603050405020304" pitchFamily="18" charset="0"/>
-                        </a:rPr>
-                        <a:t>3</a:t>
-                      </a:r>
-                      <a:endParaRPr lang="en-US" sz="1100">
-                        <a:effectLst/>
-                        <a:latin typeface="Calibri" panose="020F0502020204030204" pitchFamily="34" charset="0"/>
-                        <a:ea typeface="Calibri" panose="020F0502020204030204" pitchFamily="34" charset="0"/>
-                        <a:cs typeface="Times New Roman" panose="02020603050405020304" pitchFamily="18" charset="0"/>
-                      </a:endParaRPr>
-                    </a:p>
-                  </a:txBody>
-                  <a:tcPr marL="66634" marR="66634" marT="0" marB="0">
-                    <a:lnL w="12700" cap="flat" cmpd="sng" algn="ctr">
-                      <a:solidFill>
-                        <a:srgbClr val="000000"/>
-                      </a:solidFill>
-                      <a:prstDash val="solid"/>
-                      <a:round/>
-                      <a:headEnd type="none" w="med" len="med"/>
-                      <a:tailEnd type="none" w="med" len="med"/>
-                    </a:lnL>
-                    <a:lnR w="12700" cap="flat" cmpd="sng" algn="ctr">
-                      <a:solidFill>
-                        <a:srgbClr val="000000"/>
-                      </a:solidFill>
-                      <a:prstDash val="solid"/>
-                      <a:round/>
-                      <a:headEnd type="none" w="med" len="med"/>
-                      <a:tailEnd type="none" w="med" len="med"/>
-                    </a:lnR>
-                    <a:lnT w="12700" cap="flat" cmpd="sng" algn="ctr">
-                      <a:solidFill>
-                        <a:srgbClr val="000000"/>
-                      </a:solidFill>
-                      <a:prstDash val="solid"/>
-                      <a:round/>
-                      <a:headEnd type="none" w="med" len="med"/>
-                      <a:tailEnd type="none" w="med" len="med"/>
-                    </a:lnT>
-                    <a:lnB w="12700" cap="flat" cmpd="sng" algn="ctr">
-                      <a:solidFill>
-                        <a:srgbClr val="000000"/>
-                      </a:solidFill>
-                      <a:prstDash val="solid"/>
-                      <a:round/>
-                      <a:headEnd type="none" w="med" len="med"/>
-                      <a:tailEnd type="none" w="med" len="med"/>
-                    </a:lnB>
-                  </a:tcPr>
-                </a:tc>
-                <a:tc>
-                  <a:txBody>
-                    <a:bodyPr/>
-                    <a:lstStyle/>
-                    <a:p>
-                      <a:pPr algn="ctr">
-                        <a:lnSpc>
-                          <a:spcPct val="107000"/>
-                        </a:lnSpc>
-                        <a:spcAft>
-                          <a:spcPts val="0"/>
-                        </a:spcAft>
-                      </a:pPr>
-                      <a:r>
-                        <a:rPr lang="ru-RU" sz="1200" b="1">
-                          <a:effectLst/>
-                          <a:latin typeface="Times New Roman" panose="02020603050405020304" pitchFamily="18" charset="0"/>
-                          <a:ea typeface="Times New Roman" panose="02020603050405020304" pitchFamily="18" charset="0"/>
-                          <a:cs typeface="Times New Roman" panose="02020603050405020304" pitchFamily="18" charset="0"/>
-                        </a:rPr>
-                        <a:t>4</a:t>
-                      </a:r>
-                      <a:endParaRPr lang="en-US" sz="1100">
-                        <a:effectLst/>
-                        <a:latin typeface="Calibri" panose="020F0502020204030204" pitchFamily="34" charset="0"/>
-                        <a:ea typeface="Calibri" panose="020F0502020204030204" pitchFamily="34" charset="0"/>
-                        <a:cs typeface="Times New Roman" panose="02020603050405020304" pitchFamily="18" charset="0"/>
-                      </a:endParaRPr>
-                    </a:p>
-                  </a:txBody>
-                  <a:tcPr marL="66634" marR="66634" marT="0" marB="0">
-                    <a:lnL w="12700" cap="flat" cmpd="sng" algn="ctr">
-                      <a:solidFill>
-                        <a:srgbClr val="000000"/>
-                      </a:solidFill>
-                      <a:prstDash val="solid"/>
-                      <a:round/>
-                      <a:headEnd type="none" w="med" len="med"/>
-                      <a:tailEnd type="none" w="med" len="med"/>
-                    </a:lnL>
-                    <a:lnR w="12700" cap="flat" cmpd="sng" algn="ctr">
-                      <a:solidFill>
-                        <a:srgbClr val="000000"/>
-                      </a:solidFill>
-                      <a:prstDash val="solid"/>
-                      <a:round/>
-                      <a:headEnd type="none" w="med" len="med"/>
-                      <a:tailEnd type="none" w="med" len="med"/>
-                    </a:lnR>
-                    <a:lnT w="12700" cap="flat" cmpd="sng" algn="ctr">
-                      <a:solidFill>
-                        <a:srgbClr val="000000"/>
-                      </a:solidFill>
-                      <a:prstDash val="solid"/>
-                      <a:round/>
-                      <a:headEnd type="none" w="med" len="med"/>
-                      <a:tailEnd type="none" w="med" len="med"/>
-                    </a:lnT>
-                    <a:lnB w="12700" cap="flat" cmpd="sng" algn="ctr">
-                      <a:solidFill>
-                        <a:srgbClr val="000000"/>
-                      </a:solidFill>
-                      <a:prstDash val="solid"/>
-                      <a:round/>
-                      <a:headEnd type="none" w="med" len="med"/>
-                      <a:tailEnd type="none" w="med" len="med"/>
-                    </a:lnB>
-                  </a:tcPr>
-                </a:tc>
-                <a:tc>
-                  <a:txBody>
-                    <a:bodyPr/>
-                    <a:lstStyle/>
-                    <a:p>
-                      <a:pPr algn="ctr">
-                        <a:lnSpc>
-                          <a:spcPct val="107000"/>
-                        </a:lnSpc>
-                        <a:spcAft>
-                          <a:spcPts val="0"/>
-                        </a:spcAft>
-                      </a:pPr>
-                      <a:r>
-                        <a:rPr lang="ru-RU" sz="1200" b="1">
-                          <a:effectLst/>
-                          <a:latin typeface="Times New Roman" panose="02020603050405020304" pitchFamily="18" charset="0"/>
-                          <a:ea typeface="Times New Roman" panose="02020603050405020304" pitchFamily="18" charset="0"/>
-                          <a:cs typeface="Times New Roman" panose="02020603050405020304" pitchFamily="18" charset="0"/>
-                        </a:rPr>
-                        <a:t>5</a:t>
-                      </a:r>
-                      <a:endParaRPr lang="en-US" sz="1100">
-                        <a:effectLst/>
-                        <a:latin typeface="Calibri" panose="020F0502020204030204" pitchFamily="34" charset="0"/>
-                        <a:ea typeface="Calibri" panose="020F0502020204030204" pitchFamily="34" charset="0"/>
-                        <a:cs typeface="Times New Roman" panose="02020603050405020304" pitchFamily="18" charset="0"/>
-                      </a:endParaRPr>
-                    </a:p>
-                  </a:txBody>
-                  <a:tcPr marL="66634" marR="66634" marT="0" marB="0">
-                    <a:lnL w="12700" cap="flat" cmpd="sng" algn="ctr">
-                      <a:solidFill>
-                        <a:srgbClr val="000000"/>
-                      </a:solidFill>
-                      <a:prstDash val="solid"/>
-                      <a:round/>
-                      <a:headEnd type="none" w="med" len="med"/>
-                      <a:tailEnd type="none" w="med" len="med"/>
-                    </a:lnL>
-                    <a:lnR w="12700" cap="flat" cmpd="sng" algn="ctr">
-                      <a:solidFill>
-                        <a:srgbClr val="000000"/>
-                      </a:solidFill>
-                      <a:prstDash val="solid"/>
-                      <a:round/>
-                      <a:headEnd type="none" w="med" len="med"/>
-                      <a:tailEnd type="none" w="med" len="med"/>
-                    </a:lnR>
-                    <a:lnT w="12700" cap="flat" cmpd="sng" algn="ctr">
-                      <a:solidFill>
-                        <a:srgbClr val="000000"/>
-                      </a:solidFill>
-                      <a:prstDash val="solid"/>
-                      <a:round/>
-                      <a:headEnd type="none" w="med" len="med"/>
-                      <a:tailEnd type="none" w="med" len="med"/>
-                    </a:lnT>
-                    <a:lnB w="12700" cap="flat" cmpd="sng" algn="ctr">
-                      <a:solidFill>
-                        <a:srgbClr val="000000"/>
-                      </a:solidFill>
-                      <a:prstDash val="solid"/>
-                      <a:round/>
-                      <a:headEnd type="none" w="med" len="med"/>
-                      <a:tailEnd type="none" w="med" len="med"/>
-                    </a:lnB>
-                  </a:tcPr>
-                </a:tc>
-                <a:tc>
-                  <a:txBody>
-                    <a:bodyPr/>
-                    <a:lstStyle/>
-                    <a:p>
-                      <a:pPr algn="ctr">
-                        <a:lnSpc>
-                          <a:spcPct val="107000"/>
-                        </a:lnSpc>
-                        <a:spcAft>
-                          <a:spcPts val="0"/>
-                        </a:spcAft>
-                      </a:pPr>
-                      <a:r>
-                        <a:rPr lang="ru-RU" sz="1200" b="1">
-                          <a:effectLst/>
-                          <a:latin typeface="Times New Roman" panose="02020603050405020304" pitchFamily="18" charset="0"/>
-                          <a:ea typeface="Times New Roman" panose="02020603050405020304" pitchFamily="18" charset="0"/>
-                          <a:cs typeface="Times New Roman" panose="02020603050405020304" pitchFamily="18" charset="0"/>
-                        </a:rPr>
-                        <a:t>6</a:t>
-                      </a:r>
-                      <a:endParaRPr lang="en-US" sz="1100">
-                        <a:effectLst/>
-                        <a:latin typeface="Calibri" panose="020F0502020204030204" pitchFamily="34" charset="0"/>
-                        <a:ea typeface="Calibri" panose="020F0502020204030204" pitchFamily="34" charset="0"/>
-                        <a:cs typeface="Times New Roman" panose="02020603050405020304" pitchFamily="18" charset="0"/>
-                      </a:endParaRPr>
-                    </a:p>
-                  </a:txBody>
-                  <a:tcPr marL="66634" marR="66634" marT="0" marB="0">
-                    <a:lnL w="12700" cap="flat" cmpd="sng" algn="ctr">
-                      <a:solidFill>
-                        <a:srgbClr val="000000"/>
-                      </a:solidFill>
-                      <a:prstDash val="solid"/>
-                      <a:round/>
-                      <a:headEnd type="none" w="med" len="med"/>
-                      <a:tailEnd type="none" w="med" len="med"/>
-                    </a:lnL>
-                    <a:lnR w="12700" cap="flat" cmpd="sng" algn="ctr">
-                      <a:solidFill>
-                        <a:srgbClr val="000000"/>
-                      </a:solidFill>
-                      <a:prstDash val="solid"/>
-                      <a:round/>
-                      <a:headEnd type="none" w="med" len="med"/>
-                      <a:tailEnd type="none" w="med" len="med"/>
-                    </a:lnR>
-                    <a:lnT w="12700" cap="flat" cmpd="sng" algn="ctr">
-                      <a:solidFill>
-                        <a:srgbClr val="000000"/>
-                      </a:solidFill>
-                      <a:prstDash val="solid"/>
-                      <a:round/>
-                      <a:headEnd type="none" w="med" len="med"/>
-                      <a:tailEnd type="none" w="med" len="med"/>
-                    </a:lnT>
-                    <a:lnB w="12700" cap="flat" cmpd="sng" algn="ctr">
-                      <a:solidFill>
-                        <a:srgbClr val="000000"/>
-                      </a:solidFill>
-                      <a:prstDash val="solid"/>
-                      <a:round/>
-                      <a:headEnd type="none" w="med" len="med"/>
-                      <a:tailEnd type="none" w="med" len="med"/>
-                    </a:lnB>
-                  </a:tcPr>
-                </a:tc>
-                <a:tc>
-                  <a:txBody>
-                    <a:bodyPr/>
-                    <a:lstStyle/>
-                    <a:p>
-                      <a:pPr algn="ctr">
-                        <a:lnSpc>
-                          <a:spcPct val="107000"/>
-                        </a:lnSpc>
-                        <a:spcAft>
-                          <a:spcPts val="0"/>
-                        </a:spcAft>
-                      </a:pPr>
-                      <a:r>
-                        <a:rPr lang="ru-RU" sz="1200" b="1">
-                          <a:effectLst/>
-                          <a:latin typeface="Times New Roman" panose="02020603050405020304" pitchFamily="18" charset="0"/>
-                          <a:ea typeface="Times New Roman" panose="02020603050405020304" pitchFamily="18" charset="0"/>
-                          <a:cs typeface="Times New Roman" panose="02020603050405020304" pitchFamily="18" charset="0"/>
-                        </a:rPr>
-                        <a:t>7</a:t>
-                      </a:r>
-                      <a:endParaRPr lang="en-US" sz="1100">
-                        <a:effectLst/>
-                        <a:latin typeface="Calibri" panose="020F0502020204030204" pitchFamily="34" charset="0"/>
-                        <a:ea typeface="Calibri" panose="020F0502020204030204" pitchFamily="34" charset="0"/>
-                        <a:cs typeface="Times New Roman" panose="02020603050405020304" pitchFamily="18" charset="0"/>
-                      </a:endParaRPr>
-                    </a:p>
-                  </a:txBody>
-                  <a:tcPr marL="66634" marR="66634" marT="0" marB="0">
-                    <a:lnL w="12700" cap="flat" cmpd="sng" algn="ctr">
-                      <a:solidFill>
-                        <a:srgbClr val="000000"/>
-                      </a:solidFill>
-                      <a:prstDash val="solid"/>
-                      <a:round/>
-                      <a:headEnd type="none" w="med" len="med"/>
-                      <a:tailEnd type="none" w="med" len="med"/>
-                    </a:lnL>
-                    <a:lnR w="12700" cap="flat" cmpd="sng" algn="ctr">
-                      <a:solidFill>
-                        <a:srgbClr val="000000"/>
-                      </a:solidFill>
-                      <a:prstDash val="solid"/>
-                      <a:round/>
-                      <a:headEnd type="none" w="med" len="med"/>
-                      <a:tailEnd type="none" w="med" len="med"/>
-                    </a:lnR>
-                    <a:lnT w="12700" cap="flat" cmpd="sng" algn="ctr">
-                      <a:solidFill>
-                        <a:srgbClr val="000000"/>
-                      </a:solidFill>
-                      <a:prstDash val="solid"/>
-                      <a:round/>
-                      <a:headEnd type="none" w="med" len="med"/>
-                      <a:tailEnd type="none" w="med" len="med"/>
-                    </a:lnT>
-                    <a:lnB w="12700" cap="flat" cmpd="sng" algn="ctr">
-                      <a:solidFill>
-                        <a:srgbClr val="000000"/>
-                      </a:solidFill>
-                      <a:prstDash val="solid"/>
-                      <a:round/>
-                      <a:headEnd type="none" w="med" len="med"/>
-                      <a:tailEnd type="none" w="med" len="med"/>
-                    </a:lnB>
-                  </a:tcPr>
-                </a:tc>
-                <a:tc>
-                  <a:txBody>
-                    <a:bodyPr/>
-                    <a:lstStyle/>
-                    <a:p>
-                      <a:pPr algn="ctr">
-                        <a:lnSpc>
-                          <a:spcPct val="107000"/>
-                        </a:lnSpc>
-                        <a:spcAft>
-                          <a:spcPts val="0"/>
-                        </a:spcAft>
-                      </a:pPr>
-                      <a:r>
-                        <a:rPr lang="ru-RU" sz="1200" b="1">
-                          <a:effectLst/>
-                          <a:latin typeface="Times New Roman" panose="02020603050405020304" pitchFamily="18" charset="0"/>
-                          <a:ea typeface="Times New Roman" panose="02020603050405020304" pitchFamily="18" charset="0"/>
-                          <a:cs typeface="Times New Roman" panose="02020603050405020304" pitchFamily="18" charset="0"/>
-                        </a:rPr>
-                        <a:t>8</a:t>
-                      </a:r>
-                      <a:endParaRPr lang="en-US" sz="1100">
-                        <a:effectLst/>
-                        <a:latin typeface="Calibri" panose="020F0502020204030204" pitchFamily="34" charset="0"/>
-                        <a:ea typeface="Calibri" panose="020F0502020204030204" pitchFamily="34" charset="0"/>
-                        <a:cs typeface="Times New Roman" panose="02020603050405020304" pitchFamily="18" charset="0"/>
-                      </a:endParaRPr>
-                    </a:p>
-                  </a:txBody>
-                  <a:tcPr marL="66634" marR="66634" marT="0" marB="0">
-                    <a:lnL w="12700" cap="flat" cmpd="sng" algn="ctr">
-                      <a:solidFill>
-                        <a:srgbClr val="000000"/>
-                      </a:solidFill>
-                      <a:prstDash val="solid"/>
-                      <a:round/>
-                      <a:headEnd type="none" w="med" len="med"/>
-                      <a:tailEnd type="none" w="med" len="med"/>
-                    </a:lnL>
-                    <a:lnR w="12700" cap="flat" cmpd="sng" algn="ctr">
-                      <a:solidFill>
-                        <a:srgbClr val="000000"/>
-                      </a:solidFill>
-                      <a:prstDash val="solid"/>
-                      <a:round/>
-                      <a:headEnd type="none" w="med" len="med"/>
-                      <a:tailEnd type="none" w="med" len="med"/>
-                    </a:lnR>
-                    <a:lnT w="12700" cap="flat" cmpd="sng" algn="ctr">
-                      <a:solidFill>
-                        <a:srgbClr val="000000"/>
-                      </a:solidFill>
-                      <a:prstDash val="solid"/>
-                      <a:round/>
-                      <a:headEnd type="none" w="med" len="med"/>
-                      <a:tailEnd type="none" w="med" len="med"/>
-                    </a:lnT>
-                    <a:lnB w="12700" cap="flat" cmpd="sng" algn="ctr">
-                      <a:solidFill>
-                        <a:srgbClr val="000000"/>
-                      </a:solidFill>
-                      <a:prstDash val="solid"/>
-                      <a:round/>
-                      <a:headEnd type="none" w="med" len="med"/>
-                      <a:tailEnd type="none" w="med" len="med"/>
-                    </a:lnB>
-                  </a:tcPr>
-                </a:tc>
-                <a:tc>
-                  <a:txBody>
-                    <a:bodyPr/>
-                    <a:lstStyle/>
-                    <a:p>
-                      <a:pPr algn="ctr">
-                        <a:lnSpc>
-                          <a:spcPct val="107000"/>
-                        </a:lnSpc>
-                        <a:spcAft>
-                          <a:spcPts val="0"/>
-                        </a:spcAft>
-                      </a:pPr>
-                      <a:r>
-                        <a:rPr lang="ru-RU" sz="1200" b="1">
-                          <a:effectLst/>
-                          <a:latin typeface="Times New Roman" panose="02020603050405020304" pitchFamily="18" charset="0"/>
-                          <a:ea typeface="Times New Roman" panose="02020603050405020304" pitchFamily="18" charset="0"/>
-                          <a:cs typeface="Times New Roman" panose="02020603050405020304" pitchFamily="18" charset="0"/>
-                        </a:rPr>
-                        <a:t>9</a:t>
-                      </a:r>
-                      <a:endParaRPr lang="en-US" sz="1100">
-                        <a:effectLst/>
-                        <a:latin typeface="Calibri" panose="020F0502020204030204" pitchFamily="34" charset="0"/>
-                        <a:ea typeface="Calibri" panose="020F0502020204030204" pitchFamily="34" charset="0"/>
-                        <a:cs typeface="Times New Roman" panose="02020603050405020304" pitchFamily="18" charset="0"/>
-                      </a:endParaRPr>
-                    </a:p>
-                  </a:txBody>
-                  <a:tcPr marL="66634" marR="66634" marT="0" marB="0">
-                    <a:lnL w="12700" cap="flat" cmpd="sng" algn="ctr">
-                      <a:solidFill>
-                        <a:srgbClr val="000000"/>
-                      </a:solidFill>
-                      <a:prstDash val="solid"/>
-                      <a:round/>
-                      <a:headEnd type="none" w="med" len="med"/>
-                      <a:tailEnd type="none" w="med" len="med"/>
-                    </a:lnL>
-                    <a:lnR w="12700" cap="flat" cmpd="sng" algn="ctr">
-                      <a:solidFill>
-                        <a:srgbClr val="000000"/>
-                      </a:solidFill>
-                      <a:prstDash val="solid"/>
-                      <a:round/>
-                      <a:headEnd type="none" w="med" len="med"/>
-                      <a:tailEnd type="none" w="med" len="med"/>
-                    </a:lnR>
-                    <a:lnT w="12700" cap="flat" cmpd="sng" algn="ctr">
-                      <a:solidFill>
-                        <a:srgbClr val="000000"/>
-                      </a:solidFill>
-                      <a:prstDash val="solid"/>
-                      <a:round/>
-                      <a:headEnd type="none" w="med" len="med"/>
-                      <a:tailEnd type="none" w="med" len="med"/>
-                    </a:lnT>
-                    <a:lnB w="12700" cap="flat" cmpd="sng" algn="ctr">
-                      <a:solidFill>
-                        <a:srgbClr val="000000"/>
-                      </a:solidFill>
-                      <a:prstDash val="solid"/>
-                      <a:round/>
-                      <a:headEnd type="none" w="med" len="med"/>
-                      <a:tailEnd type="none" w="med" len="med"/>
-                    </a:lnB>
-                  </a:tcPr>
-                </a:tc>
-                <a:tc>
-                  <a:txBody>
-                    <a:bodyPr/>
-                    <a:lstStyle/>
-                    <a:p>
-                      <a:pPr algn="ctr">
-                        <a:lnSpc>
-                          <a:spcPct val="107000"/>
-                        </a:lnSpc>
-                        <a:spcAft>
-                          <a:spcPts val="0"/>
-                        </a:spcAft>
-                      </a:pPr>
-                      <a:r>
-                        <a:rPr lang="ru-RU" sz="1200" b="1">
-                          <a:effectLst/>
-                          <a:latin typeface="Times New Roman" panose="02020603050405020304" pitchFamily="18" charset="0"/>
-                          <a:ea typeface="Times New Roman" panose="02020603050405020304" pitchFamily="18" charset="0"/>
-                          <a:cs typeface="Times New Roman" panose="02020603050405020304" pitchFamily="18" charset="0"/>
-                        </a:rPr>
-                        <a:t>10</a:t>
-                      </a:r>
-                      <a:endParaRPr lang="en-US" sz="1100">
-                        <a:effectLst/>
-                        <a:latin typeface="Calibri" panose="020F0502020204030204" pitchFamily="34" charset="0"/>
-                        <a:ea typeface="Calibri" panose="020F0502020204030204" pitchFamily="34" charset="0"/>
-                        <a:cs typeface="Times New Roman" panose="02020603050405020304" pitchFamily="18" charset="0"/>
-                      </a:endParaRPr>
-                    </a:p>
-                  </a:txBody>
-                  <a:tcPr marL="66634" marR="66634" marT="0" marB="0">
-                    <a:lnL w="12700" cap="flat" cmpd="sng" algn="ctr">
-                      <a:solidFill>
-                        <a:srgbClr val="000000"/>
-                      </a:solidFill>
-                      <a:prstDash val="solid"/>
-                      <a:round/>
-                      <a:headEnd type="none" w="med" len="med"/>
-                      <a:tailEnd type="none" w="med" len="med"/>
-                    </a:lnL>
-                    <a:lnR w="12700" cap="flat" cmpd="sng" algn="ctr">
-                      <a:solidFill>
-                        <a:srgbClr val="000000"/>
-                      </a:solidFill>
-                      <a:prstDash val="solid"/>
-                      <a:round/>
-                      <a:headEnd type="none" w="med" len="med"/>
-                      <a:tailEnd type="none" w="med" len="med"/>
-                    </a:lnR>
-                    <a:lnT w="12700" cap="flat" cmpd="sng" algn="ctr">
-                      <a:solidFill>
-                        <a:srgbClr val="000000"/>
-                      </a:solidFill>
-                      <a:prstDash val="solid"/>
-                      <a:round/>
-                      <a:headEnd type="none" w="med" len="med"/>
-                      <a:tailEnd type="none" w="med" len="med"/>
-                    </a:lnT>
-                    <a:lnB w="12700" cap="flat" cmpd="sng" algn="ctr">
-                      <a:solidFill>
-                        <a:srgbClr val="000000"/>
-                      </a:solidFill>
-                      <a:prstDash val="solid"/>
-                      <a:round/>
-                      <a:headEnd type="none" w="med" len="med"/>
-                      <a:tailEnd type="none" w="med" len="med"/>
-                    </a:lnB>
-                  </a:tcPr>
-                </a:tc>
-                <a:extLst>
-                  <a:ext uri="{0D108BD9-81ED-4DB2-BD59-A6C34878D82A}">
-                    <a16:rowId xmlns:a16="http://schemas.microsoft.com/office/drawing/2014/main" val="3712696908"/>
-                  </a:ext>
-                </a:extLst>
-              </a:tr>
-              <a:tr h="3232623">
-                <a:tc>
-                  <a:txBody>
-                    <a:bodyPr/>
-                    <a:lstStyle/>
-                    <a:p>
-                      <a:pPr>
-                        <a:lnSpc>
-                          <a:spcPct val="107000"/>
-                        </a:lnSpc>
-                        <a:spcAft>
-                          <a:spcPts val="0"/>
-                        </a:spcAft>
-                      </a:pPr>
-                      <a:r>
-                        <a:rPr lang="ru-RU" sz="1200">
-                          <a:effectLst/>
-                          <a:latin typeface="Times New Roman" panose="02020603050405020304" pitchFamily="18" charset="0"/>
-                          <a:ea typeface="Times New Roman" panose="02020603050405020304" pitchFamily="18" charset="0"/>
-                          <a:cs typeface="Times New Roman" panose="02020603050405020304" pitchFamily="18" charset="0"/>
-                        </a:rPr>
-                        <a:t>1. Входной контроль качества птицы сельскохозяйственной для убоя</a:t>
-                      </a:r>
-                      <a:endParaRPr lang="en-US" sz="1100">
-                        <a:effectLst/>
-                        <a:latin typeface="Calibri" panose="020F0502020204030204" pitchFamily="34" charset="0"/>
-                        <a:ea typeface="Calibri" panose="020F0502020204030204" pitchFamily="34" charset="0"/>
-                        <a:cs typeface="Times New Roman" panose="02020603050405020304" pitchFamily="18" charset="0"/>
-                      </a:endParaRPr>
-                    </a:p>
-                    <a:p>
-                      <a:pPr>
-                        <a:lnSpc>
-                          <a:spcPct val="107000"/>
-                        </a:lnSpc>
-                        <a:spcAft>
-                          <a:spcPts val="0"/>
-                        </a:spcAft>
-                      </a:pPr>
-                      <a:r>
-                        <a:rPr lang="ru-RU" sz="1200">
-                          <a:effectLst/>
-                          <a:latin typeface="Times New Roman" panose="02020603050405020304" pitchFamily="18" charset="0"/>
-                          <a:ea typeface="Times New Roman" panose="02020603050405020304" pitchFamily="18" charset="0"/>
-                          <a:cs typeface="Times New Roman" panose="02020603050405020304" pitchFamily="18" charset="0"/>
-                        </a:rPr>
-                        <a:t> </a:t>
-                      </a:r>
-                      <a:endParaRPr lang="en-US" sz="1100">
-                        <a:effectLst/>
-                        <a:latin typeface="Calibri" panose="020F0502020204030204" pitchFamily="34" charset="0"/>
-                        <a:ea typeface="Calibri" panose="020F0502020204030204" pitchFamily="34" charset="0"/>
-                        <a:cs typeface="Times New Roman" panose="02020603050405020304" pitchFamily="18" charset="0"/>
-                      </a:endParaRPr>
-                    </a:p>
-                    <a:p>
-                      <a:pPr>
-                        <a:lnSpc>
-                          <a:spcPct val="107000"/>
-                        </a:lnSpc>
-                        <a:spcAft>
-                          <a:spcPts val="0"/>
-                        </a:spcAft>
-                      </a:pPr>
-                      <a:r>
-                        <a:rPr lang="ru-RU" sz="1200">
-                          <a:effectLst/>
-                          <a:latin typeface="Times New Roman" panose="02020603050405020304" pitchFamily="18" charset="0"/>
-                          <a:ea typeface="Times New Roman" panose="02020603050405020304" pitchFamily="18" charset="0"/>
-                          <a:cs typeface="Times New Roman" panose="02020603050405020304" pitchFamily="18" charset="0"/>
-                        </a:rPr>
-                        <a:t> </a:t>
-                      </a:r>
-                      <a:endParaRPr lang="en-US" sz="1100">
-                        <a:effectLst/>
-                        <a:latin typeface="Calibri" panose="020F0502020204030204" pitchFamily="34" charset="0"/>
-                        <a:ea typeface="Calibri" panose="020F0502020204030204" pitchFamily="34" charset="0"/>
-                        <a:cs typeface="Times New Roman" panose="02020603050405020304" pitchFamily="18" charset="0"/>
-                      </a:endParaRPr>
-                    </a:p>
-                    <a:p>
-                      <a:pPr>
-                        <a:lnSpc>
-                          <a:spcPct val="107000"/>
-                        </a:lnSpc>
-                        <a:spcAft>
-                          <a:spcPts val="0"/>
-                        </a:spcAft>
-                      </a:pPr>
-                      <a:r>
-                        <a:rPr lang="ru-RU" sz="1200">
-                          <a:effectLst/>
-                          <a:latin typeface="Times New Roman" panose="02020603050405020304" pitchFamily="18" charset="0"/>
-                          <a:ea typeface="Times New Roman" panose="02020603050405020304" pitchFamily="18" charset="0"/>
-                          <a:cs typeface="Times New Roman" panose="02020603050405020304" pitchFamily="18" charset="0"/>
-                        </a:rPr>
-                        <a:t> </a:t>
-                      </a:r>
-                      <a:endParaRPr lang="en-US" sz="1100">
-                        <a:effectLst/>
-                        <a:latin typeface="Calibri" panose="020F0502020204030204" pitchFamily="34" charset="0"/>
-                        <a:ea typeface="Calibri" panose="020F0502020204030204" pitchFamily="34" charset="0"/>
-                        <a:cs typeface="Times New Roman" panose="02020603050405020304" pitchFamily="18" charset="0"/>
-                      </a:endParaRPr>
-                    </a:p>
-                    <a:p>
-                      <a:pPr algn="ctr">
-                        <a:lnSpc>
-                          <a:spcPct val="107000"/>
-                        </a:lnSpc>
-                        <a:spcAft>
-                          <a:spcPts val="0"/>
-                        </a:spcAft>
-                      </a:pPr>
-                      <a:r>
-                        <a:rPr lang="ru-RU" sz="1200" b="1">
-                          <a:effectLst/>
-                          <a:latin typeface="Times New Roman" panose="02020603050405020304" pitchFamily="18" charset="0"/>
-                          <a:ea typeface="Times New Roman" panose="02020603050405020304" pitchFamily="18" charset="0"/>
-                          <a:cs typeface="Times New Roman" panose="02020603050405020304" pitchFamily="18" charset="0"/>
-                        </a:rPr>
-                        <a:t> </a:t>
-                      </a:r>
-                      <a:endParaRPr lang="en-US" sz="1100">
-                        <a:effectLst/>
-                        <a:latin typeface="Calibri" panose="020F0502020204030204" pitchFamily="34" charset="0"/>
-                        <a:ea typeface="Calibri" panose="020F0502020204030204" pitchFamily="34" charset="0"/>
-                        <a:cs typeface="Times New Roman" panose="02020603050405020304" pitchFamily="18" charset="0"/>
-                      </a:endParaRPr>
-                    </a:p>
-                    <a:p>
-                      <a:pPr algn="ctr">
-                        <a:lnSpc>
-                          <a:spcPct val="107000"/>
-                        </a:lnSpc>
-                        <a:spcAft>
-                          <a:spcPts val="0"/>
-                        </a:spcAft>
-                      </a:pPr>
-                      <a:r>
-                        <a:rPr lang="ru-RU" sz="1200" b="1">
-                          <a:effectLst/>
-                          <a:latin typeface="Times New Roman" panose="02020603050405020304" pitchFamily="18" charset="0"/>
-                          <a:ea typeface="Times New Roman" panose="02020603050405020304" pitchFamily="18" charset="0"/>
-                          <a:cs typeface="Times New Roman" panose="02020603050405020304" pitchFamily="18" charset="0"/>
-                        </a:rPr>
-                        <a:t> </a:t>
-                      </a:r>
-                      <a:endParaRPr lang="en-US" sz="1100">
-                        <a:effectLst/>
-                        <a:latin typeface="Calibri" panose="020F0502020204030204" pitchFamily="34" charset="0"/>
-                        <a:ea typeface="Calibri" panose="020F0502020204030204" pitchFamily="34" charset="0"/>
-                        <a:cs typeface="Times New Roman" panose="02020603050405020304" pitchFamily="18" charset="0"/>
-                      </a:endParaRPr>
-                    </a:p>
-                    <a:p>
-                      <a:pPr algn="ctr">
-                        <a:lnSpc>
-                          <a:spcPct val="107000"/>
-                        </a:lnSpc>
-                        <a:spcAft>
-                          <a:spcPts val="0"/>
-                        </a:spcAft>
-                      </a:pPr>
-                      <a:r>
-                        <a:rPr lang="ru-RU" sz="1200" b="1">
-                          <a:effectLst/>
-                          <a:latin typeface="Times New Roman" panose="02020603050405020304" pitchFamily="18" charset="0"/>
-                          <a:ea typeface="Times New Roman" panose="02020603050405020304" pitchFamily="18" charset="0"/>
-                          <a:cs typeface="Times New Roman" panose="02020603050405020304" pitchFamily="18" charset="0"/>
-                        </a:rPr>
-                        <a:t> </a:t>
-                      </a:r>
-                      <a:endParaRPr lang="en-US" sz="1100">
-                        <a:effectLst/>
-                        <a:latin typeface="Calibri" panose="020F0502020204030204" pitchFamily="34" charset="0"/>
-                        <a:ea typeface="Calibri" panose="020F0502020204030204" pitchFamily="34" charset="0"/>
-                        <a:cs typeface="Times New Roman" panose="02020603050405020304" pitchFamily="18" charset="0"/>
-                      </a:endParaRPr>
-                    </a:p>
-                    <a:p>
-                      <a:pPr algn="ctr">
-                        <a:lnSpc>
-                          <a:spcPct val="107000"/>
-                        </a:lnSpc>
-                        <a:spcAft>
-                          <a:spcPts val="0"/>
-                        </a:spcAft>
-                      </a:pPr>
-                      <a:r>
-                        <a:rPr lang="ru-RU" sz="1200" b="1">
-                          <a:effectLst/>
-                          <a:latin typeface="Times New Roman" panose="02020603050405020304" pitchFamily="18" charset="0"/>
-                          <a:ea typeface="Times New Roman" panose="02020603050405020304" pitchFamily="18" charset="0"/>
-                          <a:cs typeface="Times New Roman" panose="02020603050405020304" pitchFamily="18" charset="0"/>
-                        </a:rPr>
-                        <a:t> </a:t>
-                      </a:r>
-                      <a:endParaRPr lang="en-US" sz="1100">
-                        <a:effectLst/>
-                        <a:latin typeface="Calibri" panose="020F0502020204030204" pitchFamily="34" charset="0"/>
-                        <a:ea typeface="Calibri" panose="020F0502020204030204" pitchFamily="34" charset="0"/>
-                        <a:cs typeface="Times New Roman" panose="02020603050405020304" pitchFamily="18" charset="0"/>
-                      </a:endParaRPr>
-                    </a:p>
-                    <a:p>
-                      <a:pPr algn="ctr">
-                        <a:lnSpc>
-                          <a:spcPct val="107000"/>
-                        </a:lnSpc>
-                        <a:spcAft>
-                          <a:spcPts val="0"/>
-                        </a:spcAft>
-                      </a:pPr>
-                      <a:r>
-                        <a:rPr lang="ru-RU" sz="1200" b="1">
-                          <a:effectLst/>
-                          <a:latin typeface="Times New Roman" panose="02020603050405020304" pitchFamily="18" charset="0"/>
-                          <a:ea typeface="Times New Roman" panose="02020603050405020304" pitchFamily="18" charset="0"/>
-                          <a:cs typeface="Times New Roman" panose="02020603050405020304" pitchFamily="18" charset="0"/>
-                        </a:rPr>
-                        <a:t> </a:t>
-                      </a:r>
-                      <a:endParaRPr lang="en-US" sz="1100">
-                        <a:effectLst/>
-                        <a:latin typeface="Calibri" panose="020F0502020204030204" pitchFamily="34" charset="0"/>
-                        <a:ea typeface="Calibri" panose="020F0502020204030204" pitchFamily="34" charset="0"/>
-                        <a:cs typeface="Times New Roman" panose="02020603050405020304" pitchFamily="18" charset="0"/>
-                      </a:endParaRPr>
-                    </a:p>
-                    <a:p>
-                      <a:pPr algn="ctr">
-                        <a:lnSpc>
-                          <a:spcPct val="107000"/>
-                        </a:lnSpc>
-                        <a:spcAft>
-                          <a:spcPts val="0"/>
-                        </a:spcAft>
-                      </a:pPr>
-                      <a:r>
-                        <a:rPr lang="ru-RU" sz="1200" b="1">
-                          <a:effectLst/>
-                          <a:latin typeface="Times New Roman" panose="02020603050405020304" pitchFamily="18" charset="0"/>
-                          <a:ea typeface="Times New Roman" panose="02020603050405020304" pitchFamily="18" charset="0"/>
-                          <a:cs typeface="Times New Roman" panose="02020603050405020304" pitchFamily="18" charset="0"/>
-                        </a:rPr>
-                        <a:t> </a:t>
-                      </a:r>
-                      <a:endParaRPr lang="en-US" sz="1100">
-                        <a:effectLst/>
-                        <a:latin typeface="Calibri" panose="020F0502020204030204" pitchFamily="34" charset="0"/>
-                        <a:ea typeface="Calibri" panose="020F0502020204030204" pitchFamily="34" charset="0"/>
-                        <a:cs typeface="Times New Roman" panose="02020603050405020304" pitchFamily="18" charset="0"/>
-                      </a:endParaRPr>
-                    </a:p>
-                    <a:p>
-                      <a:pPr>
-                        <a:lnSpc>
-                          <a:spcPct val="107000"/>
-                        </a:lnSpc>
-                        <a:spcAft>
-                          <a:spcPts val="0"/>
-                        </a:spcAft>
-                      </a:pPr>
-                      <a:r>
-                        <a:rPr lang="ru-RU" sz="1200" b="1">
-                          <a:effectLst/>
-                          <a:latin typeface="Times New Roman" panose="02020603050405020304" pitchFamily="18" charset="0"/>
-                          <a:ea typeface="Times New Roman" panose="02020603050405020304" pitchFamily="18" charset="0"/>
-                          <a:cs typeface="Times New Roman" panose="02020603050405020304" pitchFamily="18" charset="0"/>
-                        </a:rPr>
-                        <a:t> </a:t>
-                      </a:r>
-                      <a:endParaRPr lang="en-US" sz="1100">
-                        <a:effectLst/>
-                        <a:latin typeface="Calibri" panose="020F0502020204030204" pitchFamily="34" charset="0"/>
-                        <a:ea typeface="Calibri" panose="020F0502020204030204" pitchFamily="34" charset="0"/>
-                        <a:cs typeface="Times New Roman" panose="02020603050405020304" pitchFamily="18" charset="0"/>
-                      </a:endParaRPr>
-                    </a:p>
-                  </a:txBody>
-                  <a:tcPr marL="66634" marR="66634" marT="0" marB="0">
-                    <a:lnL w="12700" cap="flat" cmpd="sng" algn="ctr">
-                      <a:solidFill>
-                        <a:srgbClr val="000000"/>
-                      </a:solidFill>
-                      <a:prstDash val="solid"/>
-                      <a:round/>
-                      <a:headEnd type="none" w="med" len="med"/>
-                      <a:tailEnd type="none" w="med" len="med"/>
-                    </a:lnL>
-                    <a:lnR w="12700" cap="flat" cmpd="sng" algn="ctr">
-                      <a:solidFill>
-                        <a:srgbClr val="000000"/>
-                      </a:solidFill>
-                      <a:prstDash val="solid"/>
-                      <a:round/>
-                      <a:headEnd type="none" w="med" len="med"/>
-                      <a:tailEnd type="none" w="med" len="med"/>
-                    </a:lnR>
-                    <a:lnT w="12700" cap="flat" cmpd="sng" algn="ctr">
-                      <a:solidFill>
-                        <a:srgbClr val="000000"/>
-                      </a:solidFill>
-                      <a:prstDash val="solid"/>
-                      <a:round/>
-                      <a:headEnd type="none" w="med" len="med"/>
-                      <a:tailEnd type="none" w="med" len="med"/>
-                    </a:lnT>
-                    <a:lnB w="12700" cap="flat" cmpd="sng" algn="ctr">
-                      <a:solidFill>
-                        <a:srgbClr val="000000"/>
-                      </a:solidFill>
-                      <a:prstDash val="solid"/>
-                      <a:round/>
-                      <a:headEnd type="none" w="med" len="med"/>
-                      <a:tailEnd type="none" w="med" len="med"/>
-                    </a:lnB>
-                  </a:tcPr>
-                </a:tc>
-                <a:tc>
-                  <a:txBody>
-                    <a:bodyPr/>
-                    <a:lstStyle/>
-                    <a:p>
-                      <a:pPr algn="ctr">
-                        <a:lnSpc>
-                          <a:spcPct val="107000"/>
-                        </a:lnSpc>
-                        <a:spcAft>
-                          <a:spcPts val="0"/>
-                        </a:spcAft>
-                      </a:pPr>
-                      <a:r>
-                        <a:rPr lang="ru-RU" sz="1100" b="1">
-                          <a:effectLst/>
-                          <a:latin typeface="Times New Roman" panose="02020603050405020304" pitchFamily="18" charset="0"/>
-                          <a:ea typeface="Times New Roman" panose="02020603050405020304" pitchFamily="18" charset="0"/>
-                          <a:cs typeface="Times New Roman" panose="02020603050405020304" pitchFamily="18" charset="0"/>
-                        </a:rPr>
-                        <a:t>Микробио-логические показатели</a:t>
-                      </a:r>
-                      <a:r>
-                        <a:rPr lang="ru-RU" sz="1200">
-                          <a:effectLst/>
-                          <a:latin typeface="Times New Roman" panose="02020603050405020304" pitchFamily="18" charset="0"/>
-                          <a:ea typeface="Times New Roman" panose="02020603050405020304" pitchFamily="18" charset="0"/>
-                          <a:cs typeface="Times New Roman" panose="02020603050405020304" pitchFamily="18" charset="0"/>
-                        </a:rPr>
-                        <a:t>: </a:t>
-                      </a:r>
-                      <a:endParaRPr lang="en-US" sz="1100">
-                        <a:effectLst/>
-                        <a:latin typeface="Calibri" panose="020F0502020204030204" pitchFamily="34" charset="0"/>
-                        <a:ea typeface="Calibri" panose="020F0502020204030204" pitchFamily="34" charset="0"/>
-                        <a:cs typeface="Times New Roman" panose="02020603050405020304" pitchFamily="18" charset="0"/>
-                      </a:endParaRPr>
-                    </a:p>
-                    <a:p>
-                      <a:pPr>
-                        <a:lnSpc>
-                          <a:spcPct val="107000"/>
-                        </a:lnSpc>
-                        <a:spcAft>
-                          <a:spcPts val="0"/>
-                        </a:spcAft>
-                      </a:pPr>
-                      <a:r>
-                        <a:rPr lang="ru-RU" sz="1200">
-                          <a:effectLst/>
-                          <a:latin typeface="Times New Roman" panose="02020603050405020304" pitchFamily="18" charset="0"/>
-                          <a:ea typeface="Times New Roman" panose="02020603050405020304" pitchFamily="18" charset="0"/>
-                          <a:cs typeface="Times New Roman" panose="02020603050405020304" pitchFamily="18" charset="0"/>
-                        </a:rPr>
-                        <a:t>Сальмонелла </a:t>
-                      </a:r>
-                      <a:endParaRPr lang="en-US" sz="1100">
-                        <a:effectLst/>
-                        <a:latin typeface="Calibri" panose="020F0502020204030204" pitchFamily="34" charset="0"/>
-                        <a:ea typeface="Calibri" panose="020F0502020204030204" pitchFamily="34" charset="0"/>
-                        <a:cs typeface="Times New Roman" panose="02020603050405020304" pitchFamily="18" charset="0"/>
-                      </a:endParaRPr>
-                    </a:p>
-                    <a:p>
-                      <a:pPr algn="ctr">
-                        <a:lnSpc>
-                          <a:spcPct val="107000"/>
-                        </a:lnSpc>
-                        <a:spcAft>
-                          <a:spcPts val="0"/>
-                        </a:spcAft>
-                      </a:pPr>
-                      <a:r>
-                        <a:rPr lang="ru-RU" sz="1200" b="1">
-                          <a:effectLst/>
-                          <a:latin typeface="Times New Roman" panose="02020603050405020304" pitchFamily="18" charset="0"/>
-                          <a:ea typeface="Times New Roman" panose="02020603050405020304" pitchFamily="18" charset="0"/>
-                          <a:cs typeface="Times New Roman" panose="02020603050405020304" pitchFamily="18" charset="0"/>
-                        </a:rPr>
-                        <a:t> </a:t>
-                      </a:r>
-                      <a:endParaRPr lang="en-US" sz="1100">
-                        <a:effectLst/>
-                        <a:latin typeface="Calibri" panose="020F0502020204030204" pitchFamily="34" charset="0"/>
-                        <a:ea typeface="Calibri" panose="020F0502020204030204" pitchFamily="34" charset="0"/>
-                        <a:cs typeface="Times New Roman" panose="02020603050405020304" pitchFamily="18" charset="0"/>
-                      </a:endParaRPr>
-                    </a:p>
-                    <a:p>
-                      <a:pPr algn="ctr">
-                        <a:lnSpc>
-                          <a:spcPct val="107000"/>
-                        </a:lnSpc>
-                        <a:spcAft>
-                          <a:spcPts val="0"/>
-                        </a:spcAft>
-                      </a:pPr>
-                      <a:r>
-                        <a:rPr lang="ru-RU" sz="1200" b="1">
-                          <a:effectLst/>
-                          <a:latin typeface="Times New Roman" panose="02020603050405020304" pitchFamily="18" charset="0"/>
-                          <a:ea typeface="Times New Roman" panose="02020603050405020304" pitchFamily="18" charset="0"/>
-                          <a:cs typeface="Times New Roman" panose="02020603050405020304" pitchFamily="18" charset="0"/>
-                        </a:rPr>
-                        <a:t> </a:t>
-                      </a:r>
-                      <a:endParaRPr lang="en-US" sz="1100">
-                        <a:effectLst/>
-                        <a:latin typeface="Calibri" panose="020F0502020204030204" pitchFamily="34" charset="0"/>
-                        <a:ea typeface="Calibri" panose="020F0502020204030204" pitchFamily="34" charset="0"/>
-                        <a:cs typeface="Times New Roman" panose="02020603050405020304" pitchFamily="18" charset="0"/>
-                      </a:endParaRPr>
-                    </a:p>
-                    <a:p>
-                      <a:pPr>
-                        <a:lnSpc>
-                          <a:spcPct val="107000"/>
-                        </a:lnSpc>
-                        <a:spcAft>
-                          <a:spcPts val="0"/>
-                        </a:spcAft>
-                      </a:pPr>
-                      <a:r>
-                        <a:rPr lang="ru-RU" sz="1200" b="1">
-                          <a:effectLst/>
-                          <a:latin typeface="Times New Roman" panose="02020603050405020304" pitchFamily="18" charset="0"/>
-                          <a:ea typeface="Times New Roman" panose="02020603050405020304" pitchFamily="18" charset="0"/>
-                          <a:cs typeface="Times New Roman" panose="02020603050405020304" pitchFamily="18" charset="0"/>
-                        </a:rPr>
-                        <a:t> </a:t>
-                      </a:r>
-                      <a:endParaRPr lang="en-US" sz="1100">
-                        <a:effectLst/>
-                        <a:latin typeface="Calibri" panose="020F0502020204030204" pitchFamily="34" charset="0"/>
-                        <a:ea typeface="Calibri" panose="020F0502020204030204" pitchFamily="34" charset="0"/>
-                        <a:cs typeface="Times New Roman" panose="02020603050405020304" pitchFamily="18" charset="0"/>
-                      </a:endParaRPr>
-                    </a:p>
-                    <a:p>
-                      <a:pPr algn="ctr">
-                        <a:lnSpc>
-                          <a:spcPct val="107000"/>
-                        </a:lnSpc>
-                        <a:spcAft>
-                          <a:spcPts val="0"/>
-                        </a:spcAft>
-                      </a:pPr>
-                      <a:r>
-                        <a:rPr lang="ru-RU" sz="1200" b="1">
-                          <a:effectLst/>
-                          <a:latin typeface="Times New Roman" panose="02020603050405020304" pitchFamily="18" charset="0"/>
-                          <a:ea typeface="Times New Roman" panose="02020603050405020304" pitchFamily="18" charset="0"/>
-                          <a:cs typeface="Times New Roman" panose="02020603050405020304" pitchFamily="18" charset="0"/>
-                        </a:rPr>
-                        <a:t> </a:t>
-                      </a:r>
-                      <a:endParaRPr lang="en-US" sz="1100">
-                        <a:effectLst/>
-                        <a:latin typeface="Calibri" panose="020F0502020204030204" pitchFamily="34" charset="0"/>
-                        <a:ea typeface="Calibri" panose="020F0502020204030204" pitchFamily="34" charset="0"/>
-                        <a:cs typeface="Times New Roman" panose="02020603050405020304" pitchFamily="18" charset="0"/>
-                      </a:endParaRPr>
-                    </a:p>
-                  </a:txBody>
-                  <a:tcPr marL="66634" marR="66634" marT="0" marB="0">
-                    <a:lnL w="12700" cap="flat" cmpd="sng" algn="ctr">
-                      <a:solidFill>
-                        <a:srgbClr val="000000"/>
-                      </a:solidFill>
-                      <a:prstDash val="solid"/>
-                      <a:round/>
-                      <a:headEnd type="none" w="med" len="med"/>
-                      <a:tailEnd type="none" w="med" len="med"/>
-                    </a:lnL>
-                    <a:lnR w="12700" cap="flat" cmpd="sng" algn="ctr">
-                      <a:solidFill>
-                        <a:srgbClr val="000000"/>
-                      </a:solidFill>
-                      <a:prstDash val="solid"/>
-                      <a:round/>
-                      <a:headEnd type="none" w="med" len="med"/>
-                      <a:tailEnd type="none" w="med" len="med"/>
-                    </a:lnR>
-                    <a:lnT w="12700" cap="flat" cmpd="sng" algn="ctr">
-                      <a:solidFill>
-                        <a:srgbClr val="000000"/>
-                      </a:solidFill>
-                      <a:prstDash val="solid"/>
-                      <a:round/>
-                      <a:headEnd type="none" w="med" len="med"/>
-                      <a:tailEnd type="none" w="med" len="med"/>
-                    </a:lnT>
-                    <a:lnB w="12700" cap="flat" cmpd="sng" algn="ctr">
-                      <a:solidFill>
-                        <a:srgbClr val="000000"/>
-                      </a:solidFill>
-                      <a:prstDash val="solid"/>
-                      <a:round/>
-                      <a:headEnd type="none" w="med" len="med"/>
-                      <a:tailEnd type="none" w="med" len="med"/>
-                    </a:lnB>
-                  </a:tcPr>
-                </a:tc>
-                <a:tc>
-                  <a:txBody>
-                    <a:bodyPr/>
-                    <a:lstStyle/>
-                    <a:p>
-                      <a:pPr>
-                        <a:lnSpc>
-                          <a:spcPct val="107000"/>
-                        </a:lnSpc>
-                        <a:spcAft>
-                          <a:spcPts val="0"/>
-                        </a:spcAft>
-                      </a:pPr>
-                      <a:r>
-                        <a:rPr lang="ru-RU" sz="1200">
-                          <a:effectLst/>
-                          <a:latin typeface="Times New Roman" panose="02020603050405020304" pitchFamily="18" charset="0"/>
-                          <a:ea typeface="Times New Roman" panose="02020603050405020304" pitchFamily="18" charset="0"/>
-                          <a:cs typeface="Times New Roman" panose="02020603050405020304" pitchFamily="18" charset="0"/>
-                        </a:rPr>
-                        <a:t>Не допускается</a:t>
-                      </a:r>
-                      <a:endParaRPr lang="en-US" sz="1100">
-                        <a:effectLst/>
-                        <a:latin typeface="Calibri" panose="020F0502020204030204" pitchFamily="34" charset="0"/>
-                        <a:ea typeface="Calibri" panose="020F0502020204030204" pitchFamily="34" charset="0"/>
-                        <a:cs typeface="Times New Roman" panose="02020603050405020304" pitchFamily="18" charset="0"/>
-                      </a:endParaRPr>
-                    </a:p>
-                    <a:p>
-                      <a:pPr algn="ctr">
-                        <a:lnSpc>
-                          <a:spcPct val="107000"/>
-                        </a:lnSpc>
-                        <a:spcAft>
-                          <a:spcPts val="0"/>
-                        </a:spcAft>
-                      </a:pPr>
-                      <a:r>
-                        <a:rPr lang="ru-RU" sz="1200" b="1">
-                          <a:effectLst/>
-                          <a:latin typeface="Times New Roman" panose="02020603050405020304" pitchFamily="18" charset="0"/>
-                          <a:ea typeface="Times New Roman" panose="02020603050405020304" pitchFamily="18" charset="0"/>
-                          <a:cs typeface="Times New Roman" panose="02020603050405020304" pitchFamily="18" charset="0"/>
-                        </a:rPr>
-                        <a:t> </a:t>
-                      </a:r>
-                      <a:endParaRPr lang="en-US" sz="1100">
-                        <a:effectLst/>
-                        <a:latin typeface="Calibri" panose="020F0502020204030204" pitchFamily="34" charset="0"/>
-                        <a:ea typeface="Calibri" panose="020F0502020204030204" pitchFamily="34" charset="0"/>
-                        <a:cs typeface="Times New Roman" panose="02020603050405020304" pitchFamily="18" charset="0"/>
-                      </a:endParaRPr>
-                    </a:p>
-                    <a:p>
-                      <a:pPr algn="ctr">
-                        <a:lnSpc>
-                          <a:spcPct val="107000"/>
-                        </a:lnSpc>
-                        <a:spcAft>
-                          <a:spcPts val="0"/>
-                        </a:spcAft>
-                      </a:pPr>
-                      <a:r>
-                        <a:rPr lang="ru-RU" sz="1200" b="1">
-                          <a:effectLst/>
-                          <a:latin typeface="Times New Roman" panose="02020603050405020304" pitchFamily="18" charset="0"/>
-                          <a:ea typeface="Times New Roman" panose="02020603050405020304" pitchFamily="18" charset="0"/>
-                          <a:cs typeface="Times New Roman" panose="02020603050405020304" pitchFamily="18" charset="0"/>
-                        </a:rPr>
-                        <a:t> </a:t>
-                      </a:r>
-                      <a:endParaRPr lang="en-US" sz="1100">
-                        <a:effectLst/>
-                        <a:latin typeface="Calibri" panose="020F0502020204030204" pitchFamily="34" charset="0"/>
-                        <a:ea typeface="Calibri" panose="020F0502020204030204" pitchFamily="34" charset="0"/>
-                        <a:cs typeface="Times New Roman" panose="02020603050405020304" pitchFamily="18" charset="0"/>
-                      </a:endParaRPr>
-                    </a:p>
-                    <a:p>
-                      <a:pPr algn="ctr">
-                        <a:lnSpc>
-                          <a:spcPct val="107000"/>
-                        </a:lnSpc>
-                        <a:spcAft>
-                          <a:spcPts val="0"/>
-                        </a:spcAft>
-                      </a:pPr>
-                      <a:r>
-                        <a:rPr lang="ru-RU" sz="1200" b="1">
-                          <a:effectLst/>
-                          <a:latin typeface="Times New Roman" panose="02020603050405020304" pitchFamily="18" charset="0"/>
-                          <a:ea typeface="Times New Roman" panose="02020603050405020304" pitchFamily="18" charset="0"/>
-                          <a:cs typeface="Times New Roman" panose="02020603050405020304" pitchFamily="18" charset="0"/>
-                        </a:rPr>
-                        <a:t> </a:t>
-                      </a:r>
-                      <a:endParaRPr lang="en-US" sz="1100">
-                        <a:effectLst/>
-                        <a:latin typeface="Calibri" panose="020F0502020204030204" pitchFamily="34" charset="0"/>
-                        <a:ea typeface="Calibri" panose="020F0502020204030204" pitchFamily="34" charset="0"/>
-                        <a:cs typeface="Times New Roman" panose="02020603050405020304" pitchFamily="18" charset="0"/>
-                      </a:endParaRPr>
-                    </a:p>
-                    <a:p>
-                      <a:pPr algn="ctr">
-                        <a:lnSpc>
-                          <a:spcPct val="107000"/>
-                        </a:lnSpc>
-                        <a:spcAft>
-                          <a:spcPts val="0"/>
-                        </a:spcAft>
-                      </a:pPr>
-                      <a:r>
-                        <a:rPr lang="ru-RU" sz="1200" b="1">
-                          <a:effectLst/>
-                          <a:latin typeface="Times New Roman" panose="02020603050405020304" pitchFamily="18" charset="0"/>
-                          <a:ea typeface="Times New Roman" panose="02020603050405020304" pitchFamily="18" charset="0"/>
-                          <a:cs typeface="Times New Roman" panose="02020603050405020304" pitchFamily="18" charset="0"/>
-                        </a:rPr>
-                        <a:t> </a:t>
-                      </a:r>
-                      <a:endParaRPr lang="en-US" sz="1100">
-                        <a:effectLst/>
-                        <a:latin typeface="Calibri" panose="020F0502020204030204" pitchFamily="34" charset="0"/>
-                        <a:ea typeface="Calibri" panose="020F0502020204030204" pitchFamily="34" charset="0"/>
-                        <a:cs typeface="Times New Roman" panose="02020603050405020304" pitchFamily="18" charset="0"/>
-                      </a:endParaRPr>
-                    </a:p>
-                    <a:p>
-                      <a:pPr algn="ctr">
-                        <a:lnSpc>
-                          <a:spcPct val="107000"/>
-                        </a:lnSpc>
-                        <a:spcAft>
-                          <a:spcPts val="0"/>
-                        </a:spcAft>
-                      </a:pPr>
-                      <a:r>
-                        <a:rPr lang="ru-RU" sz="1200" b="1">
-                          <a:effectLst/>
-                          <a:latin typeface="Times New Roman" panose="02020603050405020304" pitchFamily="18" charset="0"/>
-                          <a:ea typeface="Times New Roman" panose="02020603050405020304" pitchFamily="18" charset="0"/>
-                          <a:cs typeface="Times New Roman" panose="02020603050405020304" pitchFamily="18" charset="0"/>
-                        </a:rPr>
-                        <a:t> </a:t>
-                      </a:r>
-                      <a:endParaRPr lang="en-US" sz="1100">
-                        <a:effectLst/>
-                        <a:latin typeface="Calibri" panose="020F0502020204030204" pitchFamily="34" charset="0"/>
-                        <a:ea typeface="Calibri" panose="020F0502020204030204" pitchFamily="34" charset="0"/>
-                        <a:cs typeface="Times New Roman" panose="02020603050405020304" pitchFamily="18" charset="0"/>
-                      </a:endParaRPr>
-                    </a:p>
-                    <a:p>
-                      <a:pPr algn="ctr">
-                        <a:lnSpc>
-                          <a:spcPct val="107000"/>
-                        </a:lnSpc>
-                        <a:spcAft>
-                          <a:spcPts val="0"/>
-                        </a:spcAft>
-                      </a:pPr>
-                      <a:r>
-                        <a:rPr lang="ru-RU" sz="1200" b="1">
-                          <a:effectLst/>
-                          <a:latin typeface="Times New Roman" panose="02020603050405020304" pitchFamily="18" charset="0"/>
-                          <a:ea typeface="Times New Roman" panose="02020603050405020304" pitchFamily="18" charset="0"/>
-                          <a:cs typeface="Times New Roman" panose="02020603050405020304" pitchFamily="18" charset="0"/>
-                        </a:rPr>
-                        <a:t> </a:t>
-                      </a:r>
-                      <a:endParaRPr lang="en-US" sz="1100">
-                        <a:effectLst/>
-                        <a:latin typeface="Calibri" panose="020F0502020204030204" pitchFamily="34" charset="0"/>
-                        <a:ea typeface="Calibri" panose="020F0502020204030204" pitchFamily="34" charset="0"/>
-                        <a:cs typeface="Times New Roman" panose="02020603050405020304" pitchFamily="18" charset="0"/>
-                      </a:endParaRPr>
-                    </a:p>
-                    <a:p>
-                      <a:pPr algn="ctr">
-                        <a:lnSpc>
-                          <a:spcPct val="107000"/>
-                        </a:lnSpc>
-                        <a:spcAft>
-                          <a:spcPts val="0"/>
-                        </a:spcAft>
-                      </a:pPr>
-                      <a:r>
-                        <a:rPr lang="ru-RU" sz="1200" b="1">
-                          <a:effectLst/>
-                          <a:latin typeface="Times New Roman" panose="02020603050405020304" pitchFamily="18" charset="0"/>
-                          <a:ea typeface="Times New Roman" panose="02020603050405020304" pitchFamily="18" charset="0"/>
-                          <a:cs typeface="Times New Roman" panose="02020603050405020304" pitchFamily="18" charset="0"/>
-                        </a:rPr>
-                        <a:t> </a:t>
-                      </a:r>
-                      <a:endParaRPr lang="en-US" sz="1100">
-                        <a:effectLst/>
-                        <a:latin typeface="Calibri" panose="020F0502020204030204" pitchFamily="34" charset="0"/>
-                        <a:ea typeface="Calibri" panose="020F0502020204030204" pitchFamily="34" charset="0"/>
-                        <a:cs typeface="Times New Roman" panose="02020603050405020304" pitchFamily="18" charset="0"/>
-                      </a:endParaRPr>
-                    </a:p>
-                    <a:p>
-                      <a:pPr algn="ctr">
-                        <a:lnSpc>
-                          <a:spcPct val="107000"/>
-                        </a:lnSpc>
-                        <a:spcAft>
-                          <a:spcPts val="0"/>
-                        </a:spcAft>
-                      </a:pPr>
-                      <a:r>
-                        <a:rPr lang="ru-RU" sz="1200" b="1">
-                          <a:effectLst/>
-                          <a:latin typeface="Times New Roman" panose="02020603050405020304" pitchFamily="18" charset="0"/>
-                          <a:ea typeface="Times New Roman" panose="02020603050405020304" pitchFamily="18" charset="0"/>
-                          <a:cs typeface="Times New Roman" panose="02020603050405020304" pitchFamily="18" charset="0"/>
-                        </a:rPr>
-                        <a:t> </a:t>
-                      </a:r>
-                      <a:endParaRPr lang="en-US" sz="1100">
-                        <a:effectLst/>
-                        <a:latin typeface="Calibri" panose="020F0502020204030204" pitchFamily="34" charset="0"/>
-                        <a:ea typeface="Calibri" panose="020F0502020204030204" pitchFamily="34" charset="0"/>
-                        <a:cs typeface="Times New Roman" panose="02020603050405020304" pitchFamily="18" charset="0"/>
-                      </a:endParaRPr>
-                    </a:p>
-                    <a:p>
-                      <a:pPr algn="ctr">
-                        <a:lnSpc>
-                          <a:spcPct val="107000"/>
-                        </a:lnSpc>
-                        <a:spcAft>
-                          <a:spcPts val="0"/>
-                        </a:spcAft>
-                      </a:pPr>
-                      <a:r>
-                        <a:rPr lang="ru-RU" sz="1200" b="1">
-                          <a:effectLst/>
-                          <a:latin typeface="Times New Roman" panose="02020603050405020304" pitchFamily="18" charset="0"/>
-                          <a:ea typeface="Times New Roman" panose="02020603050405020304" pitchFamily="18" charset="0"/>
-                          <a:cs typeface="Times New Roman" panose="02020603050405020304" pitchFamily="18" charset="0"/>
-                        </a:rPr>
-                        <a:t> </a:t>
-                      </a:r>
-                      <a:endParaRPr lang="en-US" sz="1100">
-                        <a:effectLst/>
-                        <a:latin typeface="Calibri" panose="020F0502020204030204" pitchFamily="34" charset="0"/>
-                        <a:ea typeface="Calibri" panose="020F0502020204030204" pitchFamily="34" charset="0"/>
-                        <a:cs typeface="Times New Roman" panose="02020603050405020304" pitchFamily="18" charset="0"/>
-                      </a:endParaRPr>
-                    </a:p>
-                    <a:p>
-                      <a:pPr algn="ctr">
-                        <a:lnSpc>
-                          <a:spcPct val="107000"/>
-                        </a:lnSpc>
-                        <a:spcAft>
-                          <a:spcPts val="0"/>
-                        </a:spcAft>
-                      </a:pPr>
-                      <a:r>
-                        <a:rPr lang="ru-RU" sz="1200" b="1">
-                          <a:effectLst/>
-                          <a:latin typeface="Times New Roman" panose="02020603050405020304" pitchFamily="18" charset="0"/>
-                          <a:ea typeface="Times New Roman" panose="02020603050405020304" pitchFamily="18" charset="0"/>
-                          <a:cs typeface="Times New Roman" panose="02020603050405020304" pitchFamily="18" charset="0"/>
-                        </a:rPr>
-                        <a:t> </a:t>
-                      </a:r>
-                      <a:endParaRPr lang="en-US" sz="1100">
-                        <a:effectLst/>
-                        <a:latin typeface="Calibri" panose="020F0502020204030204" pitchFamily="34" charset="0"/>
-                        <a:ea typeface="Calibri" panose="020F0502020204030204" pitchFamily="34" charset="0"/>
-                        <a:cs typeface="Times New Roman" panose="02020603050405020304" pitchFamily="18" charset="0"/>
-                      </a:endParaRPr>
-                    </a:p>
-                    <a:p>
-                      <a:pPr algn="ctr">
-                        <a:lnSpc>
-                          <a:spcPct val="107000"/>
-                        </a:lnSpc>
-                        <a:spcAft>
-                          <a:spcPts val="0"/>
-                        </a:spcAft>
-                      </a:pPr>
-                      <a:r>
-                        <a:rPr lang="ru-RU" sz="1200" b="1">
-                          <a:effectLst/>
-                          <a:latin typeface="Times New Roman" panose="02020603050405020304" pitchFamily="18" charset="0"/>
-                          <a:ea typeface="Times New Roman" panose="02020603050405020304" pitchFamily="18" charset="0"/>
-                          <a:cs typeface="Times New Roman" panose="02020603050405020304" pitchFamily="18" charset="0"/>
-                        </a:rPr>
-                        <a:t> </a:t>
-                      </a:r>
-                      <a:endParaRPr lang="en-US" sz="1100">
-                        <a:effectLst/>
-                        <a:latin typeface="Calibri" panose="020F0502020204030204" pitchFamily="34" charset="0"/>
-                        <a:ea typeface="Calibri" panose="020F0502020204030204" pitchFamily="34" charset="0"/>
-                        <a:cs typeface="Times New Roman" panose="02020603050405020304" pitchFamily="18" charset="0"/>
-                      </a:endParaRPr>
-                    </a:p>
-                    <a:p>
-                      <a:pPr algn="ctr">
-                        <a:lnSpc>
-                          <a:spcPct val="107000"/>
-                        </a:lnSpc>
-                        <a:spcAft>
-                          <a:spcPts val="0"/>
-                        </a:spcAft>
-                      </a:pPr>
-                      <a:r>
-                        <a:rPr lang="ru-RU" sz="1200" b="1">
-                          <a:effectLst/>
-                          <a:latin typeface="Times New Roman" panose="02020603050405020304" pitchFamily="18" charset="0"/>
-                          <a:ea typeface="Times New Roman" panose="02020603050405020304" pitchFamily="18" charset="0"/>
-                          <a:cs typeface="Times New Roman" panose="02020603050405020304" pitchFamily="18" charset="0"/>
-                        </a:rPr>
-                        <a:t> </a:t>
-                      </a:r>
-                      <a:endParaRPr lang="en-US" sz="1100">
-                        <a:effectLst/>
-                        <a:latin typeface="Calibri" panose="020F0502020204030204" pitchFamily="34" charset="0"/>
-                        <a:ea typeface="Calibri" panose="020F0502020204030204" pitchFamily="34" charset="0"/>
-                        <a:cs typeface="Times New Roman" panose="02020603050405020304" pitchFamily="18" charset="0"/>
-                      </a:endParaRPr>
-                    </a:p>
-                    <a:p>
-                      <a:pPr algn="ctr">
-                        <a:lnSpc>
-                          <a:spcPct val="107000"/>
-                        </a:lnSpc>
-                        <a:spcAft>
-                          <a:spcPts val="0"/>
-                        </a:spcAft>
-                      </a:pPr>
-                      <a:r>
-                        <a:rPr lang="ru-RU" sz="1200" b="1">
-                          <a:effectLst/>
-                          <a:latin typeface="Times New Roman" panose="02020603050405020304" pitchFamily="18" charset="0"/>
-                          <a:ea typeface="Times New Roman" panose="02020603050405020304" pitchFamily="18" charset="0"/>
-                          <a:cs typeface="Times New Roman" panose="02020603050405020304" pitchFamily="18" charset="0"/>
-                        </a:rPr>
-                        <a:t> </a:t>
-                      </a:r>
-                      <a:endParaRPr lang="en-US" sz="1100">
-                        <a:effectLst/>
-                        <a:latin typeface="Calibri" panose="020F0502020204030204" pitchFamily="34" charset="0"/>
-                        <a:ea typeface="Calibri" panose="020F0502020204030204" pitchFamily="34" charset="0"/>
-                        <a:cs typeface="Times New Roman" panose="02020603050405020304" pitchFamily="18" charset="0"/>
-                      </a:endParaRPr>
-                    </a:p>
-                    <a:p>
-                      <a:pPr algn="ctr">
-                        <a:lnSpc>
-                          <a:spcPct val="107000"/>
-                        </a:lnSpc>
-                        <a:spcAft>
-                          <a:spcPts val="0"/>
-                        </a:spcAft>
-                      </a:pPr>
-                      <a:r>
-                        <a:rPr lang="ru-RU" sz="1200" b="1">
-                          <a:effectLst/>
-                          <a:latin typeface="Times New Roman" panose="02020603050405020304" pitchFamily="18" charset="0"/>
-                          <a:ea typeface="Times New Roman" panose="02020603050405020304" pitchFamily="18" charset="0"/>
-                          <a:cs typeface="Times New Roman" panose="02020603050405020304" pitchFamily="18" charset="0"/>
-                        </a:rPr>
-                        <a:t> </a:t>
-                      </a:r>
-                      <a:endParaRPr lang="en-US" sz="1100">
-                        <a:effectLst/>
-                        <a:latin typeface="Calibri" panose="020F0502020204030204" pitchFamily="34" charset="0"/>
-                        <a:ea typeface="Calibri" panose="020F0502020204030204" pitchFamily="34" charset="0"/>
-                        <a:cs typeface="Times New Roman" panose="02020603050405020304" pitchFamily="18" charset="0"/>
-                      </a:endParaRPr>
-                    </a:p>
-                    <a:p>
-                      <a:pPr algn="ctr">
-                        <a:lnSpc>
-                          <a:spcPct val="107000"/>
-                        </a:lnSpc>
-                        <a:spcAft>
-                          <a:spcPts val="0"/>
-                        </a:spcAft>
-                      </a:pPr>
-                      <a:r>
-                        <a:rPr lang="ru-RU" sz="1200" b="1">
-                          <a:effectLst/>
-                          <a:latin typeface="Times New Roman" panose="02020603050405020304" pitchFamily="18" charset="0"/>
-                          <a:ea typeface="Times New Roman" panose="02020603050405020304" pitchFamily="18" charset="0"/>
-                          <a:cs typeface="Times New Roman" panose="02020603050405020304" pitchFamily="18" charset="0"/>
-                        </a:rPr>
-                        <a:t> </a:t>
-                      </a:r>
-                      <a:endParaRPr lang="en-US" sz="1100">
-                        <a:effectLst/>
-                        <a:latin typeface="Calibri" panose="020F0502020204030204" pitchFamily="34" charset="0"/>
-                        <a:ea typeface="Calibri" panose="020F0502020204030204" pitchFamily="34" charset="0"/>
-                        <a:cs typeface="Times New Roman" panose="02020603050405020304" pitchFamily="18" charset="0"/>
-                      </a:endParaRPr>
-                    </a:p>
-                  </a:txBody>
-                  <a:tcPr marL="66634" marR="66634" marT="0" marB="0">
-                    <a:lnL w="12700" cap="flat" cmpd="sng" algn="ctr">
-                      <a:solidFill>
-                        <a:srgbClr val="000000"/>
-                      </a:solidFill>
-                      <a:prstDash val="solid"/>
-                      <a:round/>
-                      <a:headEnd type="none" w="med" len="med"/>
-                      <a:tailEnd type="none" w="med" len="med"/>
-                    </a:lnL>
-                    <a:lnR w="12700" cap="flat" cmpd="sng" algn="ctr">
-                      <a:solidFill>
-                        <a:srgbClr val="000000"/>
-                      </a:solidFill>
-                      <a:prstDash val="solid"/>
-                      <a:round/>
-                      <a:headEnd type="none" w="med" len="med"/>
-                      <a:tailEnd type="none" w="med" len="med"/>
-                    </a:lnR>
-                    <a:lnT w="12700" cap="flat" cmpd="sng" algn="ctr">
-                      <a:solidFill>
-                        <a:srgbClr val="000000"/>
-                      </a:solidFill>
-                      <a:prstDash val="solid"/>
-                      <a:round/>
-                      <a:headEnd type="none" w="med" len="med"/>
-                      <a:tailEnd type="none" w="med" len="med"/>
-                    </a:lnT>
-                    <a:lnB w="12700" cap="flat" cmpd="sng" algn="ctr">
-                      <a:solidFill>
-                        <a:srgbClr val="000000"/>
-                      </a:solidFill>
-                      <a:prstDash val="solid"/>
-                      <a:round/>
-                      <a:headEnd type="none" w="med" len="med"/>
-                      <a:tailEnd type="none" w="med" len="med"/>
-                    </a:lnB>
-                  </a:tcPr>
-                </a:tc>
-                <a:tc>
-                  <a:txBody>
-                    <a:bodyPr/>
-                    <a:lstStyle/>
-                    <a:p>
-                      <a:pPr>
-                        <a:lnSpc>
-                          <a:spcPct val="107000"/>
-                        </a:lnSpc>
-                        <a:spcAft>
-                          <a:spcPts val="0"/>
-                        </a:spcAft>
-                      </a:pPr>
-                      <a:r>
-                        <a:rPr lang="ru-RU" sz="1200">
-                          <a:effectLst/>
-                          <a:latin typeface="Times New Roman" panose="02020603050405020304" pitchFamily="18" charset="0"/>
-                          <a:ea typeface="Times New Roman" panose="02020603050405020304" pitchFamily="18" charset="0"/>
-                          <a:cs typeface="Times New Roman" panose="02020603050405020304" pitchFamily="18" charset="0"/>
-                        </a:rPr>
-                        <a:t>Проведение лабораторных исследований и ветеринарно-санитарной экспертизы птицы сельскохозяйственной для убоя</a:t>
-                      </a:r>
-                      <a:endParaRPr lang="en-US" sz="1100">
-                        <a:effectLst/>
-                        <a:latin typeface="Calibri" panose="020F0502020204030204" pitchFamily="34" charset="0"/>
-                        <a:ea typeface="Calibri" panose="020F0502020204030204" pitchFamily="34" charset="0"/>
-                        <a:cs typeface="Times New Roman" panose="02020603050405020304" pitchFamily="18" charset="0"/>
-                      </a:endParaRPr>
-                    </a:p>
-                    <a:p>
-                      <a:pPr>
-                        <a:lnSpc>
-                          <a:spcPct val="107000"/>
-                        </a:lnSpc>
-                        <a:spcAft>
-                          <a:spcPts val="0"/>
-                        </a:spcAft>
-                      </a:pPr>
-                      <a:r>
-                        <a:rPr lang="ru-RU" sz="1200">
-                          <a:effectLst/>
-                          <a:latin typeface="Times New Roman" panose="02020603050405020304" pitchFamily="18" charset="0"/>
-                          <a:ea typeface="Times New Roman" panose="02020603050405020304" pitchFamily="18" charset="0"/>
-                          <a:cs typeface="Times New Roman" panose="02020603050405020304" pitchFamily="18" charset="0"/>
-                        </a:rPr>
-                        <a:t> </a:t>
-                      </a:r>
-                      <a:endParaRPr lang="en-US" sz="1100">
-                        <a:effectLst/>
-                        <a:latin typeface="Calibri" panose="020F0502020204030204" pitchFamily="34" charset="0"/>
-                        <a:ea typeface="Calibri" panose="020F0502020204030204" pitchFamily="34" charset="0"/>
-                        <a:cs typeface="Times New Roman" panose="02020603050405020304" pitchFamily="18" charset="0"/>
-                      </a:endParaRPr>
-                    </a:p>
-                    <a:p>
-                      <a:pPr>
-                        <a:lnSpc>
-                          <a:spcPct val="107000"/>
-                        </a:lnSpc>
-                        <a:spcAft>
-                          <a:spcPts val="0"/>
-                        </a:spcAft>
-                      </a:pPr>
-                      <a:r>
-                        <a:rPr lang="ru-RU" sz="1200">
-                          <a:effectLst/>
-                          <a:latin typeface="Times New Roman" panose="02020603050405020304" pitchFamily="18" charset="0"/>
-                          <a:ea typeface="Times New Roman" panose="02020603050405020304" pitchFamily="18" charset="0"/>
-                          <a:cs typeface="Times New Roman" panose="02020603050405020304" pitchFamily="18" charset="0"/>
-                        </a:rPr>
-                        <a:t> </a:t>
-                      </a:r>
-                      <a:endParaRPr lang="en-US" sz="1100">
-                        <a:effectLst/>
-                        <a:latin typeface="Calibri" panose="020F0502020204030204" pitchFamily="34" charset="0"/>
-                        <a:ea typeface="Calibri" panose="020F0502020204030204" pitchFamily="34" charset="0"/>
-                        <a:cs typeface="Times New Roman" panose="02020603050405020304" pitchFamily="18" charset="0"/>
-                      </a:endParaRPr>
-                    </a:p>
-                    <a:p>
-                      <a:pPr>
-                        <a:lnSpc>
-                          <a:spcPct val="107000"/>
-                        </a:lnSpc>
-                        <a:spcAft>
-                          <a:spcPts val="0"/>
-                        </a:spcAft>
-                      </a:pPr>
-                      <a:r>
-                        <a:rPr lang="ru-RU" sz="1200" b="1">
-                          <a:effectLst/>
-                          <a:latin typeface="Times New Roman" panose="02020603050405020304" pitchFamily="18" charset="0"/>
-                          <a:ea typeface="Times New Roman" panose="02020603050405020304" pitchFamily="18" charset="0"/>
-                          <a:cs typeface="Times New Roman" panose="02020603050405020304" pitchFamily="18" charset="0"/>
-                        </a:rPr>
-                        <a:t> </a:t>
-                      </a:r>
-                      <a:endParaRPr lang="en-US" sz="1100">
-                        <a:effectLst/>
-                        <a:latin typeface="Calibri" panose="020F0502020204030204" pitchFamily="34" charset="0"/>
-                        <a:ea typeface="Calibri" panose="020F0502020204030204" pitchFamily="34" charset="0"/>
-                        <a:cs typeface="Times New Roman" panose="02020603050405020304" pitchFamily="18" charset="0"/>
-                      </a:endParaRPr>
-                    </a:p>
-                  </a:txBody>
-                  <a:tcPr marL="66634" marR="66634" marT="0" marB="0">
-                    <a:lnL w="12700" cap="flat" cmpd="sng" algn="ctr">
-                      <a:solidFill>
-                        <a:srgbClr val="000000"/>
-                      </a:solidFill>
-                      <a:prstDash val="solid"/>
-                      <a:round/>
-                      <a:headEnd type="none" w="med" len="med"/>
-                      <a:tailEnd type="none" w="med" len="med"/>
-                    </a:lnL>
-                    <a:lnR w="12700" cap="flat" cmpd="sng" algn="ctr">
-                      <a:solidFill>
-                        <a:srgbClr val="000000"/>
-                      </a:solidFill>
-                      <a:prstDash val="solid"/>
-                      <a:round/>
-                      <a:headEnd type="none" w="med" len="med"/>
-                      <a:tailEnd type="none" w="med" len="med"/>
-                    </a:lnR>
-                    <a:lnT w="12700" cap="flat" cmpd="sng" algn="ctr">
-                      <a:solidFill>
-                        <a:srgbClr val="000000"/>
-                      </a:solidFill>
-                      <a:prstDash val="solid"/>
-                      <a:round/>
-                      <a:headEnd type="none" w="med" len="med"/>
-                      <a:tailEnd type="none" w="med" len="med"/>
-                    </a:lnT>
-                    <a:lnB w="12700" cap="flat" cmpd="sng" algn="ctr">
-                      <a:solidFill>
-                        <a:srgbClr val="000000"/>
-                      </a:solidFill>
-                      <a:prstDash val="solid"/>
-                      <a:round/>
-                      <a:headEnd type="none" w="med" len="med"/>
-                      <a:tailEnd type="none" w="med" len="med"/>
-                    </a:lnB>
-                  </a:tcPr>
-                </a:tc>
-                <a:tc>
-                  <a:txBody>
-                    <a:bodyPr/>
-                    <a:lstStyle/>
-                    <a:p>
-                      <a:pPr algn="ctr">
-                        <a:lnSpc>
-                          <a:spcPct val="107000"/>
-                        </a:lnSpc>
-                        <a:spcAft>
-                          <a:spcPts val="0"/>
-                        </a:spcAft>
-                      </a:pPr>
-                      <a:r>
-                        <a:rPr lang="ru-RU" sz="1200">
-                          <a:effectLst/>
-                          <a:latin typeface="Times New Roman" panose="02020603050405020304" pitchFamily="18" charset="0"/>
-                          <a:ea typeface="Times New Roman" panose="02020603050405020304" pitchFamily="18" charset="0"/>
-                          <a:cs typeface="Times New Roman" panose="02020603050405020304" pitchFamily="18" charset="0"/>
-                        </a:rPr>
-                        <a:t>Каждая партия</a:t>
-                      </a:r>
-                      <a:endParaRPr lang="en-US" sz="1100">
-                        <a:effectLst/>
-                        <a:latin typeface="Calibri" panose="020F0502020204030204" pitchFamily="34" charset="0"/>
-                        <a:ea typeface="Calibri" panose="020F0502020204030204" pitchFamily="34" charset="0"/>
-                        <a:cs typeface="Times New Roman" panose="02020603050405020304" pitchFamily="18" charset="0"/>
-                      </a:endParaRPr>
-                    </a:p>
-                    <a:p>
-                      <a:pPr algn="ctr">
-                        <a:lnSpc>
-                          <a:spcPct val="107000"/>
-                        </a:lnSpc>
-                        <a:spcAft>
-                          <a:spcPts val="0"/>
-                        </a:spcAft>
-                      </a:pPr>
-                      <a:r>
-                        <a:rPr lang="en-US" sz="1200" b="1">
-                          <a:effectLst/>
-                          <a:latin typeface="Times New Roman" panose="02020603050405020304" pitchFamily="18" charset="0"/>
-                          <a:ea typeface="Times New Roman" panose="02020603050405020304" pitchFamily="18" charset="0"/>
-                          <a:cs typeface="Times New Roman" panose="02020603050405020304" pitchFamily="18" charset="0"/>
-                        </a:rPr>
-                        <a:t> </a:t>
-                      </a:r>
-                      <a:endParaRPr lang="en-US" sz="1100">
-                        <a:effectLst/>
-                        <a:latin typeface="Calibri" panose="020F0502020204030204" pitchFamily="34" charset="0"/>
-                        <a:ea typeface="Calibri" panose="020F0502020204030204" pitchFamily="34" charset="0"/>
-                        <a:cs typeface="Times New Roman" panose="02020603050405020304" pitchFamily="18" charset="0"/>
-                      </a:endParaRPr>
-                    </a:p>
-                    <a:p>
-                      <a:pPr algn="ctr">
-                        <a:lnSpc>
-                          <a:spcPct val="107000"/>
-                        </a:lnSpc>
-                        <a:spcAft>
-                          <a:spcPts val="0"/>
-                        </a:spcAft>
-                      </a:pPr>
-                      <a:r>
-                        <a:rPr lang="en-US" sz="1200" b="1">
-                          <a:effectLst/>
-                          <a:latin typeface="Times New Roman" panose="02020603050405020304" pitchFamily="18" charset="0"/>
-                          <a:ea typeface="Times New Roman" panose="02020603050405020304" pitchFamily="18" charset="0"/>
-                          <a:cs typeface="Times New Roman" panose="02020603050405020304" pitchFamily="18" charset="0"/>
-                        </a:rPr>
-                        <a:t> </a:t>
-                      </a:r>
-                      <a:endParaRPr lang="en-US" sz="1100">
-                        <a:effectLst/>
-                        <a:latin typeface="Calibri" panose="020F0502020204030204" pitchFamily="34" charset="0"/>
-                        <a:ea typeface="Calibri" panose="020F0502020204030204" pitchFamily="34" charset="0"/>
-                        <a:cs typeface="Times New Roman" panose="02020603050405020304" pitchFamily="18" charset="0"/>
-                      </a:endParaRPr>
-                    </a:p>
-                    <a:p>
-                      <a:pPr algn="ctr">
-                        <a:lnSpc>
-                          <a:spcPct val="107000"/>
-                        </a:lnSpc>
-                        <a:spcAft>
-                          <a:spcPts val="0"/>
-                        </a:spcAft>
-                      </a:pPr>
-                      <a:r>
-                        <a:rPr lang="en-US" sz="1200" b="1">
-                          <a:effectLst/>
-                          <a:latin typeface="Times New Roman" panose="02020603050405020304" pitchFamily="18" charset="0"/>
-                          <a:ea typeface="Times New Roman" panose="02020603050405020304" pitchFamily="18" charset="0"/>
-                          <a:cs typeface="Times New Roman" panose="02020603050405020304" pitchFamily="18" charset="0"/>
-                        </a:rPr>
-                        <a:t> </a:t>
-                      </a:r>
-                      <a:endParaRPr lang="en-US" sz="1100">
-                        <a:effectLst/>
-                        <a:latin typeface="Calibri" panose="020F0502020204030204" pitchFamily="34" charset="0"/>
-                        <a:ea typeface="Calibri" panose="020F0502020204030204" pitchFamily="34" charset="0"/>
-                        <a:cs typeface="Times New Roman" panose="02020603050405020304" pitchFamily="18" charset="0"/>
-                      </a:endParaRPr>
-                    </a:p>
-                    <a:p>
-                      <a:pPr algn="ctr">
-                        <a:lnSpc>
-                          <a:spcPct val="107000"/>
-                        </a:lnSpc>
-                        <a:spcAft>
-                          <a:spcPts val="0"/>
-                        </a:spcAft>
-                      </a:pPr>
-                      <a:r>
-                        <a:rPr lang="en-US" sz="1200" b="1">
-                          <a:effectLst/>
-                          <a:latin typeface="Times New Roman" panose="02020603050405020304" pitchFamily="18" charset="0"/>
-                          <a:ea typeface="Times New Roman" panose="02020603050405020304" pitchFamily="18" charset="0"/>
-                          <a:cs typeface="Times New Roman" panose="02020603050405020304" pitchFamily="18" charset="0"/>
-                        </a:rPr>
-                        <a:t> </a:t>
-                      </a:r>
-                      <a:endParaRPr lang="en-US" sz="1100">
-                        <a:effectLst/>
-                        <a:latin typeface="Calibri" panose="020F0502020204030204" pitchFamily="34" charset="0"/>
-                        <a:ea typeface="Calibri" panose="020F0502020204030204" pitchFamily="34" charset="0"/>
-                        <a:cs typeface="Times New Roman" panose="02020603050405020304" pitchFamily="18" charset="0"/>
-                      </a:endParaRPr>
-                    </a:p>
-                    <a:p>
-                      <a:pPr algn="ctr">
-                        <a:lnSpc>
-                          <a:spcPct val="107000"/>
-                        </a:lnSpc>
-                        <a:spcAft>
-                          <a:spcPts val="0"/>
-                        </a:spcAft>
-                      </a:pPr>
-                      <a:r>
-                        <a:rPr lang="en-US" sz="1200" b="1">
-                          <a:effectLst/>
-                          <a:latin typeface="Times New Roman" panose="02020603050405020304" pitchFamily="18" charset="0"/>
-                          <a:ea typeface="Times New Roman" panose="02020603050405020304" pitchFamily="18" charset="0"/>
-                          <a:cs typeface="Times New Roman" panose="02020603050405020304" pitchFamily="18" charset="0"/>
-                        </a:rPr>
-                        <a:t> </a:t>
-                      </a:r>
-                      <a:endParaRPr lang="en-US" sz="1100">
-                        <a:effectLst/>
-                        <a:latin typeface="Calibri" panose="020F0502020204030204" pitchFamily="34" charset="0"/>
-                        <a:ea typeface="Calibri" panose="020F0502020204030204" pitchFamily="34" charset="0"/>
-                        <a:cs typeface="Times New Roman" panose="02020603050405020304" pitchFamily="18" charset="0"/>
-                      </a:endParaRPr>
-                    </a:p>
-                    <a:p>
-                      <a:pPr algn="ctr">
-                        <a:lnSpc>
-                          <a:spcPct val="107000"/>
-                        </a:lnSpc>
-                        <a:spcAft>
-                          <a:spcPts val="0"/>
-                        </a:spcAft>
-                      </a:pPr>
-                      <a:r>
-                        <a:rPr lang="en-US" sz="1200" b="1">
-                          <a:effectLst/>
-                          <a:latin typeface="Times New Roman" panose="02020603050405020304" pitchFamily="18" charset="0"/>
-                          <a:ea typeface="Times New Roman" panose="02020603050405020304" pitchFamily="18" charset="0"/>
-                          <a:cs typeface="Times New Roman" panose="02020603050405020304" pitchFamily="18" charset="0"/>
-                        </a:rPr>
-                        <a:t> </a:t>
-                      </a:r>
-                      <a:endParaRPr lang="en-US" sz="1100">
-                        <a:effectLst/>
-                        <a:latin typeface="Calibri" panose="020F0502020204030204" pitchFamily="34" charset="0"/>
-                        <a:ea typeface="Calibri" panose="020F0502020204030204" pitchFamily="34" charset="0"/>
-                        <a:cs typeface="Times New Roman" panose="02020603050405020304" pitchFamily="18" charset="0"/>
-                      </a:endParaRPr>
-                    </a:p>
-                    <a:p>
-                      <a:pPr algn="ctr">
-                        <a:lnSpc>
-                          <a:spcPct val="107000"/>
-                        </a:lnSpc>
-                        <a:spcAft>
-                          <a:spcPts val="0"/>
-                        </a:spcAft>
-                      </a:pPr>
-                      <a:r>
-                        <a:rPr lang="en-US" sz="1200" b="1">
-                          <a:effectLst/>
-                          <a:latin typeface="Times New Roman" panose="02020603050405020304" pitchFamily="18" charset="0"/>
-                          <a:ea typeface="Times New Roman" panose="02020603050405020304" pitchFamily="18" charset="0"/>
-                          <a:cs typeface="Times New Roman" panose="02020603050405020304" pitchFamily="18" charset="0"/>
-                        </a:rPr>
-                        <a:t> </a:t>
-                      </a:r>
-                      <a:endParaRPr lang="en-US" sz="1100">
-                        <a:effectLst/>
-                        <a:latin typeface="Calibri" panose="020F0502020204030204" pitchFamily="34" charset="0"/>
-                        <a:ea typeface="Calibri" panose="020F0502020204030204" pitchFamily="34" charset="0"/>
-                        <a:cs typeface="Times New Roman" panose="02020603050405020304" pitchFamily="18" charset="0"/>
-                      </a:endParaRPr>
-                    </a:p>
-                    <a:p>
-                      <a:pPr algn="ctr">
-                        <a:lnSpc>
-                          <a:spcPct val="107000"/>
-                        </a:lnSpc>
-                        <a:spcAft>
-                          <a:spcPts val="0"/>
-                        </a:spcAft>
-                      </a:pPr>
-                      <a:r>
-                        <a:rPr lang="ru-RU" sz="1200" b="1">
-                          <a:effectLst/>
-                          <a:latin typeface="Times New Roman" panose="02020603050405020304" pitchFamily="18" charset="0"/>
-                          <a:ea typeface="Times New Roman" panose="02020603050405020304" pitchFamily="18" charset="0"/>
-                          <a:cs typeface="Times New Roman" panose="02020603050405020304" pitchFamily="18" charset="0"/>
-                        </a:rPr>
-                        <a:t> </a:t>
-                      </a:r>
-                      <a:endParaRPr lang="en-US" sz="1100">
-                        <a:effectLst/>
-                        <a:latin typeface="Calibri" panose="020F0502020204030204" pitchFamily="34" charset="0"/>
-                        <a:ea typeface="Calibri" panose="020F0502020204030204" pitchFamily="34" charset="0"/>
-                        <a:cs typeface="Times New Roman" panose="02020603050405020304" pitchFamily="18" charset="0"/>
-                      </a:endParaRPr>
-                    </a:p>
-                    <a:p>
-                      <a:pPr algn="ctr">
-                        <a:lnSpc>
-                          <a:spcPct val="107000"/>
-                        </a:lnSpc>
-                        <a:spcAft>
-                          <a:spcPts val="0"/>
-                        </a:spcAft>
-                      </a:pPr>
-                      <a:r>
-                        <a:rPr lang="ru-RU" sz="1200" b="1">
-                          <a:effectLst/>
-                          <a:latin typeface="Times New Roman" panose="02020603050405020304" pitchFamily="18" charset="0"/>
-                          <a:ea typeface="Times New Roman" panose="02020603050405020304" pitchFamily="18" charset="0"/>
-                          <a:cs typeface="Times New Roman" panose="02020603050405020304" pitchFamily="18" charset="0"/>
-                        </a:rPr>
-                        <a:t> </a:t>
-                      </a:r>
-                      <a:endParaRPr lang="en-US" sz="1100">
-                        <a:effectLst/>
-                        <a:latin typeface="Calibri" panose="020F0502020204030204" pitchFamily="34" charset="0"/>
-                        <a:ea typeface="Calibri" panose="020F0502020204030204" pitchFamily="34" charset="0"/>
-                        <a:cs typeface="Times New Roman" panose="02020603050405020304" pitchFamily="18" charset="0"/>
-                      </a:endParaRPr>
-                    </a:p>
-                    <a:p>
-                      <a:pPr algn="ctr">
-                        <a:lnSpc>
-                          <a:spcPct val="107000"/>
-                        </a:lnSpc>
-                        <a:spcAft>
-                          <a:spcPts val="0"/>
-                        </a:spcAft>
-                      </a:pPr>
-                      <a:r>
-                        <a:rPr lang="ru-RU" sz="1200" b="1">
-                          <a:effectLst/>
-                          <a:latin typeface="Times New Roman" panose="02020603050405020304" pitchFamily="18" charset="0"/>
-                          <a:ea typeface="Times New Roman" panose="02020603050405020304" pitchFamily="18" charset="0"/>
-                          <a:cs typeface="Times New Roman" panose="02020603050405020304" pitchFamily="18" charset="0"/>
-                        </a:rPr>
-                        <a:t> </a:t>
-                      </a:r>
-                      <a:endParaRPr lang="en-US" sz="1100">
-                        <a:effectLst/>
-                        <a:latin typeface="Calibri" panose="020F0502020204030204" pitchFamily="34" charset="0"/>
-                        <a:ea typeface="Calibri" panose="020F0502020204030204" pitchFamily="34" charset="0"/>
-                        <a:cs typeface="Times New Roman" panose="02020603050405020304" pitchFamily="18" charset="0"/>
-                      </a:endParaRPr>
-                    </a:p>
-                  </a:txBody>
-                  <a:tcPr marL="66634" marR="66634" marT="0" marB="0">
-                    <a:lnL w="12700" cap="flat" cmpd="sng" algn="ctr">
-                      <a:solidFill>
-                        <a:srgbClr val="000000"/>
-                      </a:solidFill>
-                      <a:prstDash val="solid"/>
-                      <a:round/>
-                      <a:headEnd type="none" w="med" len="med"/>
-                      <a:tailEnd type="none" w="med" len="med"/>
-                    </a:lnL>
-                    <a:lnR w="12700" cap="flat" cmpd="sng" algn="ctr">
-                      <a:solidFill>
-                        <a:srgbClr val="000000"/>
-                      </a:solidFill>
-                      <a:prstDash val="solid"/>
-                      <a:round/>
-                      <a:headEnd type="none" w="med" len="med"/>
-                      <a:tailEnd type="none" w="med" len="med"/>
-                    </a:lnR>
-                    <a:lnT w="12700" cap="flat" cmpd="sng" algn="ctr">
-                      <a:solidFill>
-                        <a:srgbClr val="000000"/>
-                      </a:solidFill>
-                      <a:prstDash val="solid"/>
-                      <a:round/>
-                      <a:headEnd type="none" w="med" len="med"/>
-                      <a:tailEnd type="none" w="med" len="med"/>
-                    </a:lnT>
-                    <a:lnB w="12700" cap="flat" cmpd="sng" algn="ctr">
-                      <a:solidFill>
-                        <a:srgbClr val="000000"/>
-                      </a:solidFill>
-                      <a:prstDash val="solid"/>
-                      <a:round/>
-                      <a:headEnd type="none" w="med" len="med"/>
-                      <a:tailEnd type="none" w="med" len="med"/>
-                    </a:lnB>
-                  </a:tcPr>
-                </a:tc>
-                <a:tc>
-                  <a:txBody>
-                    <a:bodyPr/>
-                    <a:lstStyle/>
-                    <a:p>
-                      <a:pPr algn="ctr">
-                        <a:lnSpc>
-                          <a:spcPct val="107000"/>
-                        </a:lnSpc>
-                        <a:spcAft>
-                          <a:spcPts val="0"/>
-                        </a:spcAft>
-                      </a:pPr>
-                      <a:r>
-                        <a:rPr lang="ru-RU" sz="1200">
-                          <a:effectLst/>
-                          <a:latin typeface="Times New Roman" panose="02020603050405020304" pitchFamily="18" charset="0"/>
-                          <a:ea typeface="Times New Roman" panose="02020603050405020304" pitchFamily="18" charset="0"/>
-                          <a:cs typeface="Times New Roman" panose="02020603050405020304" pitchFamily="18" charset="0"/>
-                        </a:rPr>
-                        <a:t>Ветеринарный врач ветсанслужбы и ветеринарный врач предприятия </a:t>
-                      </a:r>
-                      <a:endParaRPr lang="en-US" sz="1100">
-                        <a:effectLst/>
-                        <a:latin typeface="Calibri" panose="020F0502020204030204" pitchFamily="34" charset="0"/>
-                        <a:ea typeface="Calibri" panose="020F0502020204030204" pitchFamily="34" charset="0"/>
-                        <a:cs typeface="Times New Roman" panose="02020603050405020304" pitchFamily="18" charset="0"/>
-                      </a:endParaRPr>
-                    </a:p>
-                    <a:p>
-                      <a:pPr algn="ctr">
-                        <a:lnSpc>
-                          <a:spcPct val="107000"/>
-                        </a:lnSpc>
-                        <a:spcAft>
-                          <a:spcPts val="0"/>
-                        </a:spcAft>
-                      </a:pPr>
-                      <a:r>
-                        <a:rPr lang="ru-RU" sz="1200">
-                          <a:effectLst/>
-                          <a:latin typeface="Times New Roman" panose="02020603050405020304" pitchFamily="18" charset="0"/>
-                          <a:ea typeface="Times New Roman" panose="02020603050405020304" pitchFamily="18" charset="0"/>
-                          <a:cs typeface="Times New Roman" panose="02020603050405020304" pitchFamily="18" charset="0"/>
-                        </a:rPr>
-                        <a:t> </a:t>
-                      </a:r>
-                      <a:endParaRPr lang="en-US" sz="1100">
-                        <a:effectLst/>
-                        <a:latin typeface="Calibri" panose="020F0502020204030204" pitchFamily="34" charset="0"/>
-                        <a:ea typeface="Calibri" panose="020F0502020204030204" pitchFamily="34" charset="0"/>
-                        <a:cs typeface="Times New Roman" panose="02020603050405020304" pitchFamily="18" charset="0"/>
-                      </a:endParaRPr>
-                    </a:p>
-                    <a:p>
-                      <a:pPr algn="ctr">
-                        <a:lnSpc>
-                          <a:spcPct val="107000"/>
-                        </a:lnSpc>
-                        <a:spcAft>
-                          <a:spcPts val="0"/>
-                        </a:spcAft>
-                      </a:pPr>
-                      <a:r>
-                        <a:rPr lang="ru-RU" sz="1200" b="1">
-                          <a:effectLst/>
-                          <a:latin typeface="Times New Roman" panose="02020603050405020304" pitchFamily="18" charset="0"/>
-                          <a:ea typeface="Times New Roman" panose="02020603050405020304" pitchFamily="18" charset="0"/>
-                          <a:cs typeface="Times New Roman" panose="02020603050405020304" pitchFamily="18" charset="0"/>
-                        </a:rPr>
-                        <a:t> </a:t>
-                      </a:r>
-                      <a:endParaRPr lang="en-US" sz="1100">
-                        <a:effectLst/>
-                        <a:latin typeface="Calibri" panose="020F0502020204030204" pitchFamily="34" charset="0"/>
-                        <a:ea typeface="Calibri" panose="020F0502020204030204" pitchFamily="34" charset="0"/>
-                        <a:cs typeface="Times New Roman" panose="02020603050405020304" pitchFamily="18" charset="0"/>
-                      </a:endParaRPr>
-                    </a:p>
-                    <a:p>
-                      <a:pPr>
-                        <a:lnSpc>
-                          <a:spcPct val="107000"/>
-                        </a:lnSpc>
-                        <a:spcAft>
-                          <a:spcPts val="0"/>
-                        </a:spcAft>
-                      </a:pPr>
-                      <a:r>
-                        <a:rPr lang="ru-RU" sz="1200" b="1">
-                          <a:effectLst/>
-                          <a:latin typeface="Times New Roman" panose="02020603050405020304" pitchFamily="18" charset="0"/>
-                          <a:ea typeface="Times New Roman" panose="02020603050405020304" pitchFamily="18" charset="0"/>
-                          <a:cs typeface="Times New Roman" panose="02020603050405020304" pitchFamily="18" charset="0"/>
-                        </a:rPr>
-                        <a:t> </a:t>
-                      </a:r>
-                      <a:endParaRPr lang="en-US" sz="1100">
-                        <a:effectLst/>
-                        <a:latin typeface="Calibri" panose="020F0502020204030204" pitchFamily="34" charset="0"/>
-                        <a:ea typeface="Calibri" panose="020F0502020204030204" pitchFamily="34" charset="0"/>
-                        <a:cs typeface="Times New Roman" panose="02020603050405020304" pitchFamily="18" charset="0"/>
-                      </a:endParaRPr>
-                    </a:p>
-                  </a:txBody>
-                  <a:tcPr marL="66634" marR="66634" marT="0" marB="0">
-                    <a:lnL w="12700" cap="flat" cmpd="sng" algn="ctr">
-                      <a:solidFill>
-                        <a:srgbClr val="000000"/>
-                      </a:solidFill>
-                      <a:prstDash val="solid"/>
-                      <a:round/>
-                      <a:headEnd type="none" w="med" len="med"/>
-                      <a:tailEnd type="none" w="med" len="med"/>
-                    </a:lnL>
-                    <a:lnR w="12700" cap="flat" cmpd="sng" algn="ctr">
-                      <a:solidFill>
-                        <a:srgbClr val="000000"/>
-                      </a:solidFill>
-                      <a:prstDash val="solid"/>
-                      <a:round/>
-                      <a:headEnd type="none" w="med" len="med"/>
-                      <a:tailEnd type="none" w="med" len="med"/>
-                    </a:lnR>
-                    <a:lnT w="12700" cap="flat" cmpd="sng" algn="ctr">
-                      <a:solidFill>
-                        <a:srgbClr val="000000"/>
-                      </a:solidFill>
-                      <a:prstDash val="solid"/>
-                      <a:round/>
-                      <a:headEnd type="none" w="med" len="med"/>
-                      <a:tailEnd type="none" w="med" len="med"/>
-                    </a:lnT>
-                    <a:lnB w="12700" cap="flat" cmpd="sng" algn="ctr">
-                      <a:solidFill>
-                        <a:srgbClr val="000000"/>
-                      </a:solidFill>
-                      <a:prstDash val="solid"/>
-                      <a:round/>
-                      <a:headEnd type="none" w="med" len="med"/>
-                      <a:tailEnd type="none" w="med" len="med"/>
-                    </a:lnB>
-                  </a:tcPr>
-                </a:tc>
-                <a:tc>
-                  <a:txBody>
-                    <a:bodyPr/>
-                    <a:lstStyle/>
-                    <a:p>
-                      <a:pPr>
-                        <a:lnSpc>
-                          <a:spcPct val="107000"/>
-                        </a:lnSpc>
-                        <a:spcAft>
-                          <a:spcPts val="0"/>
-                        </a:spcAft>
-                      </a:pPr>
-                      <a:r>
-                        <a:rPr lang="ru-RU" sz="1200">
-                          <a:effectLst/>
-                          <a:latin typeface="Times New Roman" panose="02020603050405020304" pitchFamily="18" charset="0"/>
-                          <a:ea typeface="Times New Roman" panose="02020603050405020304" pitchFamily="18" charset="0"/>
-                          <a:cs typeface="Times New Roman" panose="02020603050405020304" pitchFamily="18" charset="0"/>
-                        </a:rPr>
-                        <a:t>1. Журнал микробиологического контроля мяса птицы </a:t>
-                      </a:r>
-                      <a:endParaRPr lang="en-US" sz="1100">
-                        <a:effectLst/>
-                        <a:latin typeface="Calibri" panose="020F0502020204030204" pitchFamily="34" charset="0"/>
-                        <a:ea typeface="Calibri" panose="020F0502020204030204" pitchFamily="34" charset="0"/>
-                        <a:cs typeface="Times New Roman" panose="02020603050405020304" pitchFamily="18" charset="0"/>
-                      </a:endParaRPr>
-                    </a:p>
-                    <a:p>
-                      <a:pPr>
-                        <a:lnSpc>
-                          <a:spcPct val="107000"/>
-                        </a:lnSpc>
-                        <a:spcAft>
-                          <a:spcPts val="0"/>
-                        </a:spcAft>
-                      </a:pPr>
-                      <a:r>
-                        <a:rPr lang="ru-RU" sz="1200">
-                          <a:effectLst/>
-                          <a:latin typeface="Times New Roman" panose="02020603050405020304" pitchFamily="18" charset="0"/>
-                          <a:ea typeface="Times New Roman" panose="02020603050405020304" pitchFamily="18" charset="0"/>
-                          <a:cs typeface="Times New Roman" panose="02020603050405020304" pitchFamily="18" charset="0"/>
-                        </a:rPr>
-                        <a:t>2. Журнал учета результатов ветсанэкспертизы тушек птицы в убойном цехе</a:t>
-                      </a:r>
-                      <a:endParaRPr lang="en-US" sz="1100">
-                        <a:effectLst/>
-                        <a:latin typeface="Calibri" panose="020F0502020204030204" pitchFamily="34" charset="0"/>
-                        <a:ea typeface="Calibri" panose="020F0502020204030204" pitchFamily="34" charset="0"/>
-                        <a:cs typeface="Times New Roman" panose="02020603050405020304" pitchFamily="18" charset="0"/>
-                      </a:endParaRPr>
-                    </a:p>
-                    <a:p>
-                      <a:pPr>
-                        <a:lnSpc>
-                          <a:spcPct val="107000"/>
-                        </a:lnSpc>
-                        <a:spcAft>
-                          <a:spcPts val="0"/>
-                        </a:spcAft>
-                      </a:pPr>
-                      <a:r>
-                        <a:rPr lang="ru-RU" sz="1200" b="1">
-                          <a:effectLst/>
-                          <a:latin typeface="Times New Roman" panose="02020603050405020304" pitchFamily="18" charset="0"/>
-                          <a:ea typeface="Times New Roman" panose="02020603050405020304" pitchFamily="18" charset="0"/>
-                          <a:cs typeface="Times New Roman" panose="02020603050405020304" pitchFamily="18" charset="0"/>
-                        </a:rPr>
-                        <a:t> </a:t>
-                      </a:r>
-                      <a:endParaRPr lang="en-US" sz="1100">
-                        <a:effectLst/>
-                        <a:latin typeface="Calibri" panose="020F0502020204030204" pitchFamily="34" charset="0"/>
-                        <a:ea typeface="Calibri" panose="020F0502020204030204" pitchFamily="34" charset="0"/>
-                        <a:cs typeface="Times New Roman" panose="02020603050405020304" pitchFamily="18" charset="0"/>
-                      </a:endParaRPr>
-                    </a:p>
-                  </a:txBody>
-                  <a:tcPr marL="66634" marR="66634" marT="0" marB="0">
-                    <a:lnL w="12700" cap="flat" cmpd="sng" algn="ctr">
-                      <a:solidFill>
-                        <a:srgbClr val="000000"/>
-                      </a:solidFill>
-                      <a:prstDash val="solid"/>
-                      <a:round/>
-                      <a:headEnd type="none" w="med" len="med"/>
-                      <a:tailEnd type="none" w="med" len="med"/>
-                    </a:lnL>
-                    <a:lnR w="12700" cap="flat" cmpd="sng" algn="ctr">
-                      <a:solidFill>
-                        <a:srgbClr val="000000"/>
-                      </a:solidFill>
-                      <a:prstDash val="solid"/>
-                      <a:round/>
-                      <a:headEnd type="none" w="med" len="med"/>
-                      <a:tailEnd type="none" w="med" len="med"/>
-                    </a:lnR>
-                    <a:lnT w="12700" cap="flat" cmpd="sng" algn="ctr">
-                      <a:solidFill>
-                        <a:srgbClr val="000000"/>
-                      </a:solidFill>
-                      <a:prstDash val="solid"/>
-                      <a:round/>
-                      <a:headEnd type="none" w="med" len="med"/>
-                      <a:tailEnd type="none" w="med" len="med"/>
-                    </a:lnT>
-                    <a:lnB w="12700" cap="flat" cmpd="sng" algn="ctr">
-                      <a:solidFill>
-                        <a:srgbClr val="000000"/>
-                      </a:solidFill>
-                      <a:prstDash val="solid"/>
-                      <a:round/>
-                      <a:headEnd type="none" w="med" len="med"/>
-                      <a:tailEnd type="none" w="med" len="med"/>
-                    </a:lnB>
-                  </a:tcPr>
-                </a:tc>
-                <a:tc>
-                  <a:txBody>
-                    <a:bodyPr/>
-                    <a:lstStyle/>
-                    <a:p>
-                      <a:pPr>
-                        <a:lnSpc>
-                          <a:spcPct val="107000"/>
-                        </a:lnSpc>
-                        <a:spcAft>
-                          <a:spcPts val="0"/>
-                        </a:spcAft>
-                      </a:pPr>
-                      <a:r>
-                        <a:rPr lang="ru-RU" sz="1200">
-                          <a:effectLst/>
-                          <a:latin typeface="Times New Roman" panose="02020603050405020304" pitchFamily="18" charset="0"/>
-                          <a:ea typeface="Times New Roman" panose="02020603050405020304" pitchFamily="18" charset="0"/>
-                          <a:cs typeface="Times New Roman" panose="02020603050405020304" pitchFamily="18" charset="0"/>
-                        </a:rPr>
-                        <a:t>Если в тушке и органах  птицы обнаруживается сальмонелла, внутренние органы направляются на утилизацию, а мясо на проварку или переработку на мясные хлеба или консервы.</a:t>
-                      </a:r>
-                      <a:endParaRPr lang="en-US" sz="1100">
-                        <a:effectLst/>
-                        <a:latin typeface="Calibri" panose="020F0502020204030204" pitchFamily="34" charset="0"/>
-                        <a:ea typeface="Calibri" panose="020F0502020204030204" pitchFamily="34" charset="0"/>
-                        <a:cs typeface="Times New Roman" panose="02020603050405020304" pitchFamily="18" charset="0"/>
-                      </a:endParaRPr>
-                    </a:p>
-                    <a:p>
-                      <a:pPr>
-                        <a:lnSpc>
-                          <a:spcPct val="107000"/>
-                        </a:lnSpc>
-                        <a:spcAft>
-                          <a:spcPts val="0"/>
-                        </a:spcAft>
-                      </a:pPr>
-                      <a:r>
-                        <a:rPr lang="ru-RU" sz="1200" b="1">
-                          <a:effectLst/>
-                          <a:latin typeface="Times New Roman" panose="02020603050405020304" pitchFamily="18" charset="0"/>
-                          <a:ea typeface="Times New Roman" panose="02020603050405020304" pitchFamily="18" charset="0"/>
-                          <a:cs typeface="Times New Roman" panose="02020603050405020304" pitchFamily="18" charset="0"/>
-                        </a:rPr>
-                        <a:t>ДП.</a:t>
-                      </a:r>
-                      <a:endParaRPr lang="en-US" sz="1100">
-                        <a:effectLst/>
-                        <a:latin typeface="Calibri" panose="020F0502020204030204" pitchFamily="34" charset="0"/>
-                        <a:ea typeface="Calibri" panose="020F0502020204030204" pitchFamily="34" charset="0"/>
-                        <a:cs typeface="Times New Roman" panose="02020603050405020304" pitchFamily="18" charset="0"/>
-                      </a:endParaRPr>
-                    </a:p>
-                    <a:p>
-                      <a:pPr>
-                        <a:lnSpc>
-                          <a:spcPct val="107000"/>
-                        </a:lnSpc>
-                        <a:spcAft>
-                          <a:spcPts val="0"/>
-                        </a:spcAft>
-                      </a:pPr>
-                      <a:r>
-                        <a:rPr lang="ru-RU" sz="1200" b="1">
-                          <a:effectLst/>
-                          <a:latin typeface="Times New Roman" panose="02020603050405020304" pitchFamily="18" charset="0"/>
-                          <a:ea typeface="Times New Roman" panose="02020603050405020304" pitchFamily="18" charset="0"/>
-                          <a:cs typeface="Times New Roman" panose="02020603050405020304" pitchFamily="18" charset="0"/>
-                        </a:rPr>
-                        <a:t>Корректирующие действия. Обращение с потенциально небезопасными продуктами.</a:t>
-                      </a:r>
-                      <a:endParaRPr lang="en-US" sz="1100">
-                        <a:effectLst/>
-                        <a:latin typeface="Calibri" panose="020F0502020204030204" pitchFamily="34" charset="0"/>
-                        <a:ea typeface="Calibri" panose="020F0502020204030204" pitchFamily="34" charset="0"/>
-                        <a:cs typeface="Times New Roman" panose="02020603050405020304" pitchFamily="18" charset="0"/>
-                      </a:endParaRPr>
-                    </a:p>
-                  </a:txBody>
-                  <a:tcPr marL="66634" marR="66634" marT="0" marB="0">
-                    <a:lnL w="12700" cap="flat" cmpd="sng" algn="ctr">
-                      <a:solidFill>
-                        <a:srgbClr val="000000"/>
-                      </a:solidFill>
-                      <a:prstDash val="solid"/>
-                      <a:round/>
-                      <a:headEnd type="none" w="med" len="med"/>
-                      <a:tailEnd type="none" w="med" len="med"/>
-                    </a:lnL>
-                    <a:lnR w="12700" cap="flat" cmpd="sng" algn="ctr">
-                      <a:solidFill>
-                        <a:srgbClr val="000000"/>
-                      </a:solidFill>
-                      <a:prstDash val="solid"/>
-                      <a:round/>
-                      <a:headEnd type="none" w="med" len="med"/>
-                      <a:tailEnd type="none" w="med" len="med"/>
-                    </a:lnR>
-                    <a:lnT w="12700" cap="flat" cmpd="sng" algn="ctr">
-                      <a:solidFill>
-                        <a:srgbClr val="000000"/>
-                      </a:solidFill>
-                      <a:prstDash val="solid"/>
-                      <a:round/>
-                      <a:headEnd type="none" w="med" len="med"/>
-                      <a:tailEnd type="none" w="med" len="med"/>
-                    </a:lnT>
-                    <a:lnB w="12700" cap="flat" cmpd="sng" algn="ctr">
-                      <a:solidFill>
-                        <a:srgbClr val="000000"/>
-                      </a:solidFill>
-                      <a:prstDash val="solid"/>
-                      <a:round/>
-                      <a:headEnd type="none" w="med" len="med"/>
-                      <a:tailEnd type="none" w="med" len="med"/>
-                    </a:lnB>
-                  </a:tcPr>
-                </a:tc>
-                <a:tc>
-                  <a:txBody>
-                    <a:bodyPr/>
-                    <a:lstStyle/>
-                    <a:p>
-                      <a:pPr algn="ctr">
-                        <a:lnSpc>
-                          <a:spcPct val="107000"/>
-                        </a:lnSpc>
-                        <a:spcAft>
-                          <a:spcPts val="0"/>
-                        </a:spcAft>
-                      </a:pPr>
-                      <a:r>
-                        <a:rPr lang="ru-RU" sz="1200">
-                          <a:effectLst/>
-                          <a:latin typeface="Times New Roman" panose="02020603050405020304" pitchFamily="18" charset="0"/>
-                          <a:ea typeface="Times New Roman" panose="02020603050405020304" pitchFamily="18" charset="0"/>
-                          <a:cs typeface="Times New Roman" panose="02020603050405020304" pitchFamily="18" charset="0"/>
-                        </a:rPr>
-                        <a:t>Ветеринарный врач ветсанслужбы и ветеринарный врач предприятия </a:t>
-                      </a:r>
-                      <a:endParaRPr lang="en-US" sz="1100">
-                        <a:effectLst/>
-                        <a:latin typeface="Calibri" panose="020F0502020204030204" pitchFamily="34" charset="0"/>
-                        <a:ea typeface="Calibri" panose="020F0502020204030204" pitchFamily="34" charset="0"/>
-                        <a:cs typeface="Times New Roman" panose="02020603050405020304" pitchFamily="18" charset="0"/>
-                      </a:endParaRPr>
-                    </a:p>
-                    <a:p>
-                      <a:pPr>
-                        <a:lnSpc>
-                          <a:spcPct val="107000"/>
-                        </a:lnSpc>
-                        <a:spcAft>
-                          <a:spcPts val="0"/>
-                        </a:spcAft>
-                      </a:pPr>
-                      <a:r>
-                        <a:rPr lang="ru-RU" sz="1200" b="1">
-                          <a:effectLst/>
-                          <a:latin typeface="Times New Roman" panose="02020603050405020304" pitchFamily="18" charset="0"/>
-                          <a:ea typeface="Times New Roman" panose="02020603050405020304" pitchFamily="18" charset="0"/>
-                          <a:cs typeface="Times New Roman" panose="02020603050405020304" pitchFamily="18" charset="0"/>
-                        </a:rPr>
-                        <a:t> </a:t>
-                      </a:r>
-                      <a:endParaRPr lang="en-US" sz="1100">
-                        <a:effectLst/>
-                        <a:latin typeface="Calibri" panose="020F0502020204030204" pitchFamily="34" charset="0"/>
-                        <a:ea typeface="Calibri" panose="020F0502020204030204" pitchFamily="34" charset="0"/>
-                        <a:cs typeface="Times New Roman" panose="02020603050405020304" pitchFamily="18" charset="0"/>
-                      </a:endParaRPr>
-                    </a:p>
-                    <a:p>
-                      <a:pPr algn="ctr">
-                        <a:lnSpc>
-                          <a:spcPct val="107000"/>
-                        </a:lnSpc>
-                        <a:spcAft>
-                          <a:spcPts val="0"/>
-                        </a:spcAft>
-                      </a:pPr>
-                      <a:r>
-                        <a:rPr lang="ru-RU" sz="1200" b="1">
-                          <a:effectLst/>
-                          <a:latin typeface="Times New Roman" panose="02020603050405020304" pitchFamily="18" charset="0"/>
-                          <a:ea typeface="Times New Roman" panose="02020603050405020304" pitchFamily="18" charset="0"/>
-                          <a:cs typeface="Times New Roman" panose="02020603050405020304" pitchFamily="18" charset="0"/>
-                        </a:rPr>
-                        <a:t> </a:t>
-                      </a:r>
-                      <a:endParaRPr lang="en-US" sz="1100">
-                        <a:effectLst/>
-                        <a:latin typeface="Calibri" panose="020F0502020204030204" pitchFamily="34" charset="0"/>
-                        <a:ea typeface="Calibri" panose="020F0502020204030204" pitchFamily="34" charset="0"/>
-                        <a:cs typeface="Times New Roman" panose="02020603050405020304" pitchFamily="18" charset="0"/>
-                      </a:endParaRPr>
-                    </a:p>
-                  </a:txBody>
-                  <a:tcPr marL="66634" marR="66634" marT="0" marB="0">
-                    <a:lnL w="12700" cap="flat" cmpd="sng" algn="ctr">
-                      <a:solidFill>
-                        <a:srgbClr val="000000"/>
-                      </a:solidFill>
-                      <a:prstDash val="solid"/>
-                      <a:round/>
-                      <a:headEnd type="none" w="med" len="med"/>
-                      <a:tailEnd type="none" w="med" len="med"/>
-                    </a:lnL>
-                    <a:lnR w="12700" cap="flat" cmpd="sng" algn="ctr">
-                      <a:solidFill>
-                        <a:srgbClr val="000000"/>
-                      </a:solidFill>
-                      <a:prstDash val="solid"/>
-                      <a:round/>
-                      <a:headEnd type="none" w="med" len="med"/>
-                      <a:tailEnd type="none" w="med" len="med"/>
-                    </a:lnR>
-                    <a:lnT w="12700" cap="flat" cmpd="sng" algn="ctr">
-                      <a:solidFill>
-                        <a:srgbClr val="000000"/>
-                      </a:solidFill>
-                      <a:prstDash val="solid"/>
-                      <a:round/>
-                      <a:headEnd type="none" w="med" len="med"/>
-                      <a:tailEnd type="none" w="med" len="med"/>
-                    </a:lnT>
-                    <a:lnB w="12700" cap="flat" cmpd="sng" algn="ctr">
-                      <a:solidFill>
-                        <a:srgbClr val="000000"/>
-                      </a:solidFill>
-                      <a:prstDash val="solid"/>
-                      <a:round/>
-                      <a:headEnd type="none" w="med" len="med"/>
-                      <a:tailEnd type="none" w="med" len="med"/>
-                    </a:lnB>
-                  </a:tcPr>
-                </a:tc>
-                <a:tc>
-                  <a:txBody>
-                    <a:bodyPr/>
-                    <a:lstStyle/>
-                    <a:p>
-                      <a:pPr>
-                        <a:lnSpc>
-                          <a:spcPct val="107000"/>
-                        </a:lnSpc>
-                        <a:spcAft>
-                          <a:spcPts val="0"/>
-                        </a:spcAft>
-                      </a:pPr>
-                      <a:r>
-                        <a:rPr lang="ru-RU" sz="1200" dirty="0">
-                          <a:effectLst/>
-                          <a:latin typeface="Times New Roman" panose="02020603050405020304" pitchFamily="18" charset="0"/>
-                          <a:ea typeface="Times New Roman" panose="02020603050405020304" pitchFamily="18" charset="0"/>
-                          <a:cs typeface="Times New Roman" panose="02020603050405020304" pitchFamily="18" charset="0"/>
-                        </a:rPr>
-                        <a:t>Журнал учета результатов </a:t>
-                      </a:r>
-                      <a:r>
-                        <a:rPr lang="ru-RU" sz="1200" dirty="0" err="1">
-                          <a:effectLst/>
-                          <a:latin typeface="Times New Roman" panose="02020603050405020304" pitchFamily="18" charset="0"/>
-                          <a:ea typeface="Times New Roman" panose="02020603050405020304" pitchFamily="18" charset="0"/>
-                          <a:cs typeface="Times New Roman" panose="02020603050405020304" pitchFamily="18" charset="0"/>
-                        </a:rPr>
-                        <a:t>ветсанэкспертизы</a:t>
-                      </a:r>
-                      <a:r>
-                        <a:rPr lang="ru-RU" sz="1200" dirty="0">
-                          <a:effectLst/>
-                          <a:latin typeface="Times New Roman" panose="02020603050405020304" pitchFamily="18" charset="0"/>
-                          <a:ea typeface="Times New Roman" panose="02020603050405020304" pitchFamily="18" charset="0"/>
-                          <a:cs typeface="Times New Roman" panose="02020603050405020304" pitchFamily="18" charset="0"/>
-                        </a:rPr>
-                        <a:t> тушек птицы в убойном цехе</a:t>
-                      </a:r>
-                      <a:endParaRPr lang="en-US" sz="1100" dirty="0">
-                        <a:effectLst/>
-                        <a:latin typeface="Calibri" panose="020F0502020204030204" pitchFamily="34" charset="0"/>
-                        <a:ea typeface="Calibri" panose="020F0502020204030204" pitchFamily="34" charset="0"/>
-                        <a:cs typeface="Times New Roman" panose="02020603050405020304" pitchFamily="18" charset="0"/>
-                      </a:endParaRPr>
-                    </a:p>
-                    <a:p>
-                      <a:pPr algn="ctr">
-                        <a:lnSpc>
-                          <a:spcPct val="107000"/>
-                        </a:lnSpc>
-                        <a:spcAft>
-                          <a:spcPts val="0"/>
-                        </a:spcAft>
-                      </a:pPr>
-                      <a:r>
-                        <a:rPr lang="ru-RU" sz="1200" b="1" dirty="0">
-                          <a:effectLst/>
-                          <a:latin typeface="Times New Roman" panose="02020603050405020304" pitchFamily="18" charset="0"/>
-                          <a:ea typeface="Times New Roman" panose="02020603050405020304" pitchFamily="18" charset="0"/>
-                          <a:cs typeface="Times New Roman" panose="02020603050405020304" pitchFamily="18" charset="0"/>
-                        </a:rPr>
-                        <a:t> </a:t>
-                      </a:r>
-                      <a:endParaRPr lang="en-US" sz="1100" dirty="0">
-                        <a:effectLst/>
-                        <a:latin typeface="Calibri" panose="020F0502020204030204" pitchFamily="34" charset="0"/>
-                        <a:ea typeface="Calibri" panose="020F0502020204030204" pitchFamily="34" charset="0"/>
-                        <a:cs typeface="Times New Roman" panose="02020603050405020304" pitchFamily="18" charset="0"/>
-                      </a:endParaRPr>
-                    </a:p>
-                    <a:p>
-                      <a:pPr algn="ctr">
-                        <a:lnSpc>
-                          <a:spcPct val="107000"/>
-                        </a:lnSpc>
-                        <a:spcAft>
-                          <a:spcPts val="0"/>
-                        </a:spcAft>
-                      </a:pPr>
-                      <a:r>
-                        <a:rPr lang="ru-RU" sz="1200" b="1" dirty="0">
-                          <a:effectLst/>
-                          <a:latin typeface="Times New Roman" panose="02020603050405020304" pitchFamily="18" charset="0"/>
-                          <a:ea typeface="Times New Roman" panose="02020603050405020304" pitchFamily="18" charset="0"/>
-                          <a:cs typeface="Times New Roman" panose="02020603050405020304" pitchFamily="18" charset="0"/>
-                        </a:rPr>
-                        <a:t> </a:t>
-                      </a:r>
-                      <a:endParaRPr lang="en-US" sz="1100" dirty="0">
-                        <a:effectLst/>
-                        <a:latin typeface="Calibri" panose="020F0502020204030204" pitchFamily="34" charset="0"/>
-                        <a:ea typeface="Calibri" panose="020F0502020204030204" pitchFamily="34" charset="0"/>
-                        <a:cs typeface="Times New Roman" panose="02020603050405020304" pitchFamily="18" charset="0"/>
-                      </a:endParaRPr>
-                    </a:p>
-                    <a:p>
-                      <a:pPr algn="ctr">
-                        <a:lnSpc>
-                          <a:spcPct val="107000"/>
-                        </a:lnSpc>
-                        <a:spcAft>
-                          <a:spcPts val="0"/>
-                        </a:spcAft>
-                      </a:pPr>
-                      <a:r>
-                        <a:rPr lang="ru-RU" sz="1200" b="1" dirty="0">
-                          <a:effectLst/>
-                          <a:latin typeface="Times New Roman" panose="02020603050405020304" pitchFamily="18" charset="0"/>
-                          <a:ea typeface="Times New Roman" panose="02020603050405020304" pitchFamily="18" charset="0"/>
-                          <a:cs typeface="Times New Roman" panose="02020603050405020304" pitchFamily="18" charset="0"/>
-                        </a:rPr>
-                        <a:t> </a:t>
-                      </a:r>
-                      <a:endParaRPr lang="en-US" sz="1100" dirty="0">
-                        <a:effectLst/>
-                        <a:latin typeface="Calibri" panose="020F0502020204030204" pitchFamily="34" charset="0"/>
-                        <a:ea typeface="Calibri" panose="020F0502020204030204" pitchFamily="34" charset="0"/>
-                        <a:cs typeface="Times New Roman" panose="02020603050405020304" pitchFamily="18" charset="0"/>
-                      </a:endParaRPr>
-                    </a:p>
-                    <a:p>
-                      <a:pPr algn="ctr">
-                        <a:lnSpc>
-                          <a:spcPct val="107000"/>
-                        </a:lnSpc>
-                        <a:spcAft>
-                          <a:spcPts val="0"/>
-                        </a:spcAft>
-                      </a:pPr>
-                      <a:r>
-                        <a:rPr lang="ru-RU" sz="1200" b="1" dirty="0">
-                          <a:effectLst/>
-                          <a:latin typeface="Times New Roman" panose="02020603050405020304" pitchFamily="18" charset="0"/>
-                          <a:ea typeface="Times New Roman" panose="02020603050405020304" pitchFamily="18" charset="0"/>
-                          <a:cs typeface="Times New Roman" panose="02020603050405020304" pitchFamily="18" charset="0"/>
-                        </a:rPr>
-                        <a:t> </a:t>
-                      </a:r>
-                      <a:endParaRPr lang="en-US" sz="1100" dirty="0">
-                        <a:effectLst/>
-                        <a:latin typeface="Calibri" panose="020F0502020204030204" pitchFamily="34" charset="0"/>
-                        <a:ea typeface="Calibri" panose="020F0502020204030204" pitchFamily="34" charset="0"/>
-                        <a:cs typeface="Times New Roman" panose="02020603050405020304" pitchFamily="18" charset="0"/>
-                      </a:endParaRPr>
-                    </a:p>
-                  </a:txBody>
-                  <a:tcPr marL="66634" marR="66634" marT="0" marB="0">
-                    <a:lnL w="12700" cap="flat" cmpd="sng" algn="ctr">
-                      <a:solidFill>
-                        <a:srgbClr val="000000"/>
-                      </a:solidFill>
-                      <a:prstDash val="solid"/>
-                      <a:round/>
-                      <a:headEnd type="none" w="med" len="med"/>
-                      <a:tailEnd type="none" w="med" len="med"/>
-                    </a:lnL>
-                    <a:lnR w="12700" cap="flat" cmpd="sng" algn="ctr">
-                      <a:solidFill>
-                        <a:srgbClr val="000000"/>
-                      </a:solidFill>
-                      <a:prstDash val="solid"/>
-                      <a:round/>
-                      <a:headEnd type="none" w="med" len="med"/>
-                      <a:tailEnd type="none" w="med" len="med"/>
-                    </a:lnR>
-                    <a:lnT w="12700" cap="flat" cmpd="sng" algn="ctr">
-                      <a:solidFill>
-                        <a:srgbClr val="000000"/>
-                      </a:solidFill>
-                      <a:prstDash val="solid"/>
-                      <a:round/>
-                      <a:headEnd type="none" w="med" len="med"/>
-                      <a:tailEnd type="none" w="med" len="med"/>
-                    </a:lnT>
-                    <a:lnB w="12700" cap="flat" cmpd="sng" algn="ctr">
-                      <a:solidFill>
-                        <a:srgbClr val="000000"/>
-                      </a:solidFill>
-                      <a:prstDash val="solid"/>
-                      <a:round/>
-                      <a:headEnd type="none" w="med" len="med"/>
-                      <a:tailEnd type="none" w="med" len="med"/>
-                    </a:lnB>
-                  </a:tcPr>
-                </a:tc>
-                <a:extLst>
-                  <a:ext uri="{0D108BD9-81ED-4DB2-BD59-A6C34878D82A}">
-                    <a16:rowId xmlns:a16="http://schemas.microsoft.com/office/drawing/2014/main" val="3845710745"/>
-                  </a:ext>
-                </a:extLst>
-              </a:tr>
-            </a:tbl>
-          </a:graphicData>
-        </a:graphic>
-      </p:graphicFrame>
-    </p:spTree>
-    <p:extLst>
-      <p:ext uri="{BB962C8B-B14F-4D97-AF65-F5344CB8AC3E}">
-        <p14:creationId xmlns:p14="http://schemas.microsoft.com/office/powerpoint/2010/main" val="605269063"/>
-      </p:ext>
-    </p:extLst>
-  </p:cSld>
-  <p:clrMapOvr>
-    <a:masterClrMapping/>
-  </p:clrMapOvr>
-</p:sld>
-</file>
-
-<file path=ppt/slides/slide6.xml><?xml version="1.0" encoding="utf-8"?>
-<p:sld xmlns:a="http://schemas.openxmlformats.org/drawingml/2006/main" xmlns:r="http://schemas.openxmlformats.org/officeDocument/2006/relationships" xmlns:p="http://schemas.openxmlformats.org/presentationml/2006/main">
-  <p:cSld>
-    <p:spTree>
-      <p:nvGrpSpPr>
-        <p:cNvPr id="1" name=""/>
-        <p:cNvGrpSpPr/>
-        <p:nvPr/>
-      </p:nvGrpSpPr>
-      <p:grpSpPr>
-        <a:xfrm>
-          <a:off x="0" y="0"/>
-          <a:ext cx="0" cy="0"/>
-          <a:chOff x="0" y="0"/>
-          <a:chExt cx="0" cy="0"/>
-        </a:xfrm>
-      </p:grpSpPr>
-      <p:pic>
-        <p:nvPicPr>
-          <p:cNvPr id="3" name="Рисунок 1" descr="http://mypresentation.ru/documents/7307c66927459096377abb8d6a48acb9/img0.jpg"/>
-          <p:cNvPicPr/>
-          <p:nvPr/>
-        </p:nvPicPr>
-        <p:blipFill>
-          <a:blip r:embed="rId2" cstate="print"/>
-          <a:srcRect/>
-          <a:stretch>
-            <a:fillRect/>
-          </a:stretch>
-        </p:blipFill>
-        <p:spPr bwMode="auto">
-          <a:xfrm>
-            <a:off x="2128839" y="0"/>
-            <a:ext cx="8186736" cy="6858000"/>
-          </a:xfrm>
-          <a:prstGeom prst="rect">
-            <a:avLst/>
-          </a:prstGeom>
-          <a:noFill/>
-        </p:spPr>
-      </p:pic>
-    </p:spTree>
-    <p:extLst>
-      <p:ext uri="{BB962C8B-B14F-4D97-AF65-F5344CB8AC3E}">
-        <p14:creationId xmlns:p14="http://schemas.microsoft.com/office/powerpoint/2010/main" val="212688146"/>
-      </p:ext>
-    </p:extLst>
-  </p:cSld>
-  <p:clrMapOvr>
-    <a:masterClrMapping/>
-  </p:clrMapOvr>
-</p:sld>
-</file>
-
-<file path=ppt/slides/slide7.xml><?xml version="1.0" encoding="utf-8"?>
 <p:sld xmlns:a="http://schemas.openxmlformats.org/drawingml/2006/main" xmlns:r="http://schemas.openxmlformats.org/officeDocument/2006/relationships" xmlns:p="http://schemas.openxmlformats.org/presentationml/2006/main">
   <p:cSld>
     <p:spTree>
@@ -9596,7 +5382,7 @@
     </p:spTree>
     <p:extLst>
       <p:ext uri="{BB962C8B-B14F-4D97-AF65-F5344CB8AC3E}">
-        <p14:creationId xmlns:p14="http://schemas.microsoft.com/office/powerpoint/2010/main" val="4175419759"/>
+        <p14:creationId xmlns:p14="http://schemas.microsoft.com/office/powerpoint/2010/main" val="3067039527"/>
       </p:ext>
     </p:extLst>
   </p:cSld>
@@ -9606,7 +5392,7 @@
 </p:sld>
 </file>
 
-<file path=ppt/slides/slide8.xml><?xml version="1.0" encoding="utf-8"?>
+<file path=ppt/slides/slide4.xml><?xml version="1.0" encoding="utf-8"?>
 <p:sld xmlns:a="http://schemas.openxmlformats.org/drawingml/2006/main" xmlns:r="http://schemas.openxmlformats.org/officeDocument/2006/relationships" xmlns:p="http://schemas.openxmlformats.org/presentationml/2006/main">
   <p:cSld>
     <p:spTree>
@@ -9718,6 +5504,4210 @@
     <p:extLst>
       <p:ext uri="{BB962C8B-B14F-4D97-AF65-F5344CB8AC3E}">
         <p14:creationId xmlns:p14="http://schemas.microsoft.com/office/powerpoint/2010/main" val="38267263"/>
+      </p:ext>
+    </p:extLst>
+  </p:cSld>
+  <p:clrMapOvr>
+    <a:masterClrMapping/>
+  </p:clrMapOvr>
+</p:sld>
+</file>
+
+<file path=ppt/slides/slide5.xml><?xml version="1.0" encoding="utf-8"?>
+<p:sld xmlns:a="http://schemas.openxmlformats.org/drawingml/2006/main" xmlns:r="http://schemas.openxmlformats.org/officeDocument/2006/relationships" xmlns:p="http://schemas.openxmlformats.org/presentationml/2006/main">
+  <p:cSld>
+    <p:spTree>
+      <p:nvGrpSpPr>
+        <p:cNvPr id="1" name=""/>
+        <p:cNvGrpSpPr/>
+        <p:nvPr/>
+      </p:nvGrpSpPr>
+      <p:grpSpPr>
+        <a:xfrm>
+          <a:off x="0" y="0"/>
+          <a:ext cx="0" cy="0"/>
+          <a:chOff x="0" y="0"/>
+          <a:chExt cx="0" cy="0"/>
+        </a:xfrm>
+      </p:grpSpPr>
+      <p:pic>
+        <p:nvPicPr>
+          <p:cNvPr id="5" name="Рисунок 43" descr="http://mypresentation.ru/documents/7307c66927459096377abb8d6a48acb9/img11.jpg"/>
+          <p:cNvPicPr/>
+          <p:nvPr/>
+        </p:nvPicPr>
+        <p:blipFill>
+          <a:blip r:embed="rId2" cstate="print"/>
+          <a:srcRect/>
+          <a:stretch>
+            <a:fillRect/>
+          </a:stretch>
+        </p:blipFill>
+        <p:spPr bwMode="auto">
+          <a:xfrm>
+            <a:off x="2000251" y="0"/>
+            <a:ext cx="8072438" cy="6857999"/>
+          </a:xfrm>
+          <a:prstGeom prst="rect">
+            <a:avLst/>
+          </a:prstGeom>
+          <a:noFill/>
+          <a:ln w="9525">
+            <a:noFill/>
+            <a:miter lim="800000"/>
+            <a:headEnd/>
+            <a:tailEnd/>
+          </a:ln>
+        </p:spPr>
+      </p:pic>
+    </p:spTree>
+    <p:extLst>
+      <p:ext uri="{BB962C8B-B14F-4D97-AF65-F5344CB8AC3E}">
+        <p14:creationId xmlns:p14="http://schemas.microsoft.com/office/powerpoint/2010/main" val="3172504582"/>
+      </p:ext>
+    </p:extLst>
+  </p:cSld>
+  <p:clrMapOvr>
+    <a:masterClrMapping/>
+  </p:clrMapOvr>
+</p:sld>
+</file>
+
+<file path=ppt/slides/slide6.xml><?xml version="1.0" encoding="utf-8"?>
+<p:sld xmlns:a="http://schemas.openxmlformats.org/drawingml/2006/main" xmlns:r="http://schemas.openxmlformats.org/officeDocument/2006/relationships" xmlns:p="http://schemas.openxmlformats.org/presentationml/2006/main">
+  <p:cSld>
+    <p:spTree>
+      <p:nvGrpSpPr>
+        <p:cNvPr id="1" name=""/>
+        <p:cNvGrpSpPr/>
+        <p:nvPr/>
+      </p:nvGrpSpPr>
+      <p:grpSpPr>
+        <a:xfrm>
+          <a:off x="0" y="0"/>
+          <a:ext cx="0" cy="0"/>
+          <a:chOff x="0" y="0"/>
+          <a:chExt cx="0" cy="0"/>
+        </a:xfrm>
+      </p:grpSpPr>
+      <p:pic>
+        <p:nvPicPr>
+          <p:cNvPr id="4" name="Picture 3"/>
+          <p:cNvPicPr/>
+          <p:nvPr/>
+        </p:nvPicPr>
+        <p:blipFill>
+          <a:blip r:embed="rId2">
+            <a:extLst>
+              <a:ext uri="{28A0092B-C50C-407E-A947-70E740481C1C}">
+                <a14:useLocalDpi xmlns:a14="http://schemas.microsoft.com/office/drawing/2010/main" val="0"/>
+              </a:ext>
+            </a:extLst>
+          </a:blip>
+          <a:srcRect/>
+          <a:stretch>
+            <a:fillRect/>
+          </a:stretch>
+        </p:blipFill>
+        <p:spPr bwMode="auto">
+          <a:xfrm>
+            <a:off x="928052" y="0"/>
+            <a:ext cx="5344159" cy="6858000"/>
+          </a:xfrm>
+          <a:prstGeom prst="rect">
+            <a:avLst/>
+          </a:prstGeom>
+          <a:noFill/>
+        </p:spPr>
+      </p:pic>
+      <p:pic>
+        <p:nvPicPr>
+          <p:cNvPr id="5" name="Picture 4"/>
+          <p:cNvPicPr/>
+          <p:nvPr/>
+        </p:nvPicPr>
+        <p:blipFill>
+          <a:blip r:embed="rId3">
+            <a:extLst>
+              <a:ext uri="{28A0092B-C50C-407E-A947-70E740481C1C}">
+                <a14:useLocalDpi xmlns:a14="http://schemas.microsoft.com/office/drawing/2010/main" val="0"/>
+              </a:ext>
+            </a:extLst>
+          </a:blip>
+          <a:srcRect/>
+          <a:stretch>
+            <a:fillRect/>
+          </a:stretch>
+        </p:blipFill>
+        <p:spPr bwMode="auto">
+          <a:xfrm>
+            <a:off x="6572248" y="0"/>
+            <a:ext cx="4743452" cy="6858000"/>
+          </a:xfrm>
+          <a:prstGeom prst="rect">
+            <a:avLst/>
+          </a:prstGeom>
+          <a:noFill/>
+        </p:spPr>
+      </p:pic>
+    </p:spTree>
+    <p:extLst>
+      <p:ext uri="{BB962C8B-B14F-4D97-AF65-F5344CB8AC3E}">
+        <p14:creationId xmlns:p14="http://schemas.microsoft.com/office/powerpoint/2010/main" val="2791133388"/>
+      </p:ext>
+    </p:extLst>
+  </p:cSld>
+  <p:clrMapOvr>
+    <a:masterClrMapping/>
+  </p:clrMapOvr>
+</p:sld>
+</file>
+
+<file path=ppt/slides/slide7.xml><?xml version="1.0" encoding="utf-8"?>
+<p:sld xmlns:a="http://schemas.openxmlformats.org/drawingml/2006/main" xmlns:r="http://schemas.openxmlformats.org/officeDocument/2006/relationships" xmlns:p="http://schemas.openxmlformats.org/presentationml/2006/main">
+  <p:cSld>
+    <p:spTree>
+      <p:nvGrpSpPr>
+        <p:cNvPr id="1" name=""/>
+        <p:cNvGrpSpPr/>
+        <p:nvPr/>
+      </p:nvGrpSpPr>
+      <p:grpSpPr>
+        <a:xfrm>
+          <a:off x="0" y="0"/>
+          <a:ext cx="0" cy="0"/>
+          <a:chOff x="0" y="0"/>
+          <a:chExt cx="0" cy="0"/>
+        </a:xfrm>
+      </p:grpSpPr>
+      <p:pic>
+        <p:nvPicPr>
+          <p:cNvPr id="7" name="Picture 6"/>
+          <p:cNvPicPr>
+            <a:picLocks noChangeAspect="1"/>
+          </p:cNvPicPr>
+          <p:nvPr/>
+        </p:nvPicPr>
+        <p:blipFill>
+          <a:blip r:embed="rId2"/>
+          <a:stretch>
+            <a:fillRect/>
+          </a:stretch>
+        </p:blipFill>
+        <p:spPr>
+          <a:xfrm>
+            <a:off x="225103" y="171501"/>
+            <a:ext cx="5941068" cy="1228621"/>
+          </a:xfrm>
+          <a:prstGeom prst="rect">
+            <a:avLst/>
+          </a:prstGeom>
+        </p:spPr>
+      </p:pic>
+      <p:graphicFrame>
+        <p:nvGraphicFramePr>
+          <p:cNvPr id="11" name="Table 10"/>
+          <p:cNvGraphicFramePr>
+            <a:graphicFrameLocks noGrp="1"/>
+          </p:cNvGraphicFramePr>
+          <p:nvPr>
+            <p:extLst/>
+          </p:nvPr>
+        </p:nvGraphicFramePr>
+        <p:xfrm>
+          <a:off x="225103" y="1596181"/>
+          <a:ext cx="9388022" cy="4667352"/>
+        </p:xfrm>
+        <a:graphic>
+          <a:graphicData uri="http://schemas.openxmlformats.org/drawingml/2006/table">
+            <a:tbl>
+              <a:tblPr firstRow="1" firstCol="1" lastRow="1" lastCol="1" bandRow="1" bandCol="1"/>
+              <a:tblGrid>
+                <a:gridCol w="1065938">
+                  <a:extLst>
+                    <a:ext uri="{9D8B030D-6E8A-4147-A177-3AD203B41FA5}">
+                      <a16:colId xmlns:a16="http://schemas.microsoft.com/office/drawing/2014/main" val="1487305270"/>
+                    </a:ext>
+                  </a:extLst>
+                </a:gridCol>
+                <a:gridCol w="888281">
+                  <a:extLst>
+                    <a:ext uri="{9D8B030D-6E8A-4147-A177-3AD203B41FA5}">
+                      <a16:colId xmlns:a16="http://schemas.microsoft.com/office/drawing/2014/main" val="1180050521"/>
+                    </a:ext>
+                  </a:extLst>
+                </a:gridCol>
+                <a:gridCol w="999316">
+                  <a:extLst>
+                    <a:ext uri="{9D8B030D-6E8A-4147-A177-3AD203B41FA5}">
+                      <a16:colId xmlns:a16="http://schemas.microsoft.com/office/drawing/2014/main" val="3932209822"/>
+                    </a:ext>
+                  </a:extLst>
+                </a:gridCol>
+                <a:gridCol w="888281">
+                  <a:extLst>
+                    <a:ext uri="{9D8B030D-6E8A-4147-A177-3AD203B41FA5}">
+                      <a16:colId xmlns:a16="http://schemas.microsoft.com/office/drawing/2014/main" val="3565533094"/>
+                    </a:ext>
+                  </a:extLst>
+                </a:gridCol>
+                <a:gridCol w="666211">
+                  <a:extLst>
+                    <a:ext uri="{9D8B030D-6E8A-4147-A177-3AD203B41FA5}">
+                      <a16:colId xmlns:a16="http://schemas.microsoft.com/office/drawing/2014/main" val="2441790862"/>
+                    </a:ext>
+                  </a:extLst>
+                </a:gridCol>
+                <a:gridCol w="793284">
+                  <a:extLst>
+                    <a:ext uri="{9D8B030D-6E8A-4147-A177-3AD203B41FA5}">
+                      <a16:colId xmlns:a16="http://schemas.microsoft.com/office/drawing/2014/main" val="3248225607"/>
+                    </a:ext>
+                  </a:extLst>
+                </a:gridCol>
+                <a:gridCol w="864224">
+                  <a:extLst>
+                    <a:ext uri="{9D8B030D-6E8A-4147-A177-3AD203B41FA5}">
+                      <a16:colId xmlns:a16="http://schemas.microsoft.com/office/drawing/2014/main" val="1563939101"/>
+                    </a:ext>
+                  </a:extLst>
+                </a:gridCol>
+                <a:gridCol w="1595822">
+                  <a:extLst>
+                    <a:ext uri="{9D8B030D-6E8A-4147-A177-3AD203B41FA5}">
+                      <a16:colId xmlns:a16="http://schemas.microsoft.com/office/drawing/2014/main" val="3919528116"/>
+                    </a:ext>
+                  </a:extLst>
+                </a:gridCol>
+                <a:gridCol w="777246">
+                  <a:extLst>
+                    <a:ext uri="{9D8B030D-6E8A-4147-A177-3AD203B41FA5}">
+                      <a16:colId xmlns:a16="http://schemas.microsoft.com/office/drawing/2014/main" val="595598275"/>
+                    </a:ext>
+                  </a:extLst>
+                </a:gridCol>
+                <a:gridCol w="849419">
+                  <a:extLst>
+                    <a:ext uri="{9D8B030D-6E8A-4147-A177-3AD203B41FA5}">
+                      <a16:colId xmlns:a16="http://schemas.microsoft.com/office/drawing/2014/main" val="3367800582"/>
+                    </a:ext>
+                  </a:extLst>
+                </a:gridCol>
+              </a:tblGrid>
+              <a:tr h="231369">
+                <a:tc gridSpan="3">
+                  <a:txBody>
+                    <a:bodyPr/>
+                    <a:lstStyle/>
+                    <a:p>
+                      <a:pPr algn="ctr">
+                        <a:lnSpc>
+                          <a:spcPct val="107000"/>
+                        </a:lnSpc>
+                        <a:spcAft>
+                          <a:spcPts val="0"/>
+                        </a:spcAft>
+                      </a:pPr>
+                      <a:r>
+                        <a:rPr lang="ru-RU" sz="1400" b="1">
+                          <a:effectLst/>
+                          <a:latin typeface="Times New Roman" panose="02020603050405020304" pitchFamily="18" charset="0"/>
+                          <a:ea typeface="Times New Roman" panose="02020603050405020304" pitchFamily="18" charset="0"/>
+                          <a:cs typeface="Times New Roman" panose="02020603050405020304" pitchFamily="18" charset="0"/>
+                        </a:rPr>
+                        <a:t>Объект контроля</a:t>
+                      </a:r>
+                      <a:endParaRPr lang="en-US" sz="1100">
+                        <a:effectLst/>
+                        <a:latin typeface="Calibri" panose="020F0502020204030204" pitchFamily="34" charset="0"/>
+                        <a:ea typeface="Calibri" panose="020F0502020204030204" pitchFamily="34" charset="0"/>
+                        <a:cs typeface="Times New Roman" panose="02020603050405020304" pitchFamily="18" charset="0"/>
+                      </a:endParaRPr>
+                    </a:p>
+                  </a:txBody>
+                  <a:tcPr marL="66634" marR="66634" marT="0" marB="0">
+                    <a:lnL w="12700" cap="flat" cmpd="sng" algn="ctr">
+                      <a:solidFill>
+                        <a:srgbClr val="000000"/>
+                      </a:solidFill>
+                      <a:prstDash val="solid"/>
+                      <a:round/>
+                      <a:headEnd type="none" w="med" len="med"/>
+                      <a:tailEnd type="none" w="med" len="med"/>
+                    </a:lnL>
+                    <a:lnR w="12700" cap="flat" cmpd="sng" algn="ctr">
+                      <a:solidFill>
+                        <a:srgbClr val="000000"/>
+                      </a:solidFill>
+                      <a:prstDash val="solid"/>
+                      <a:round/>
+                      <a:headEnd type="none" w="med" len="med"/>
+                      <a:tailEnd type="none" w="med" len="med"/>
+                    </a:lnR>
+                    <a:lnT w="12700" cap="flat" cmpd="sng" algn="ctr">
+                      <a:solidFill>
+                        <a:srgbClr val="000000"/>
+                      </a:solidFill>
+                      <a:prstDash val="solid"/>
+                      <a:round/>
+                      <a:headEnd type="none" w="med" len="med"/>
+                      <a:tailEnd type="none" w="med" len="med"/>
+                    </a:lnT>
+                    <a:lnB w="12700" cap="flat" cmpd="sng" algn="ctr">
+                      <a:solidFill>
+                        <a:srgbClr val="000000"/>
+                      </a:solidFill>
+                      <a:prstDash val="solid"/>
+                      <a:round/>
+                      <a:headEnd type="none" w="med" len="med"/>
+                      <a:tailEnd type="none" w="med" len="med"/>
+                    </a:lnB>
+                  </a:tcPr>
+                </a:tc>
+                <a:tc hMerge="1">
+                  <a:txBody>
+                    <a:bodyPr/>
+                    <a:lstStyle/>
+                    <a:p>
+                      <a:endParaRPr lang="en-US"/>
+                    </a:p>
+                  </a:txBody>
+                  <a:tcPr/>
+                </a:tc>
+                <a:tc hMerge="1">
+                  <a:txBody>
+                    <a:bodyPr/>
+                    <a:lstStyle/>
+                    <a:p>
+                      <a:endParaRPr lang="en-US"/>
+                    </a:p>
+                  </a:txBody>
+                  <a:tcPr/>
+                </a:tc>
+                <a:tc gridSpan="4">
+                  <a:txBody>
+                    <a:bodyPr/>
+                    <a:lstStyle/>
+                    <a:p>
+                      <a:pPr algn="ctr">
+                        <a:lnSpc>
+                          <a:spcPct val="107000"/>
+                        </a:lnSpc>
+                        <a:spcAft>
+                          <a:spcPts val="0"/>
+                        </a:spcAft>
+                      </a:pPr>
+                      <a:r>
+                        <a:rPr lang="ru-RU" sz="1400" b="1">
+                          <a:effectLst/>
+                          <a:latin typeface="Times New Roman" panose="02020603050405020304" pitchFamily="18" charset="0"/>
+                          <a:ea typeface="Times New Roman" panose="02020603050405020304" pitchFamily="18" charset="0"/>
+                          <a:cs typeface="Times New Roman" panose="02020603050405020304" pitchFamily="18" charset="0"/>
+                        </a:rPr>
+                        <a:t>Способы мониторинга</a:t>
+                      </a:r>
+                      <a:endParaRPr lang="en-US" sz="1100">
+                        <a:effectLst/>
+                        <a:latin typeface="Calibri" panose="020F0502020204030204" pitchFamily="34" charset="0"/>
+                        <a:ea typeface="Calibri" panose="020F0502020204030204" pitchFamily="34" charset="0"/>
+                        <a:cs typeface="Times New Roman" panose="02020603050405020304" pitchFamily="18" charset="0"/>
+                      </a:endParaRPr>
+                    </a:p>
+                  </a:txBody>
+                  <a:tcPr marL="66634" marR="66634" marT="0" marB="0">
+                    <a:lnL w="12700" cap="flat" cmpd="sng" algn="ctr">
+                      <a:solidFill>
+                        <a:srgbClr val="000000"/>
+                      </a:solidFill>
+                      <a:prstDash val="solid"/>
+                      <a:round/>
+                      <a:headEnd type="none" w="med" len="med"/>
+                      <a:tailEnd type="none" w="med" len="med"/>
+                    </a:lnL>
+                    <a:lnR w="12700" cap="flat" cmpd="sng" algn="ctr">
+                      <a:solidFill>
+                        <a:srgbClr val="000000"/>
+                      </a:solidFill>
+                      <a:prstDash val="solid"/>
+                      <a:round/>
+                      <a:headEnd type="none" w="med" len="med"/>
+                      <a:tailEnd type="none" w="med" len="med"/>
+                    </a:lnR>
+                    <a:lnT w="12700" cap="flat" cmpd="sng" algn="ctr">
+                      <a:solidFill>
+                        <a:srgbClr val="000000"/>
+                      </a:solidFill>
+                      <a:prstDash val="solid"/>
+                      <a:round/>
+                      <a:headEnd type="none" w="med" len="med"/>
+                      <a:tailEnd type="none" w="med" len="med"/>
+                    </a:lnT>
+                    <a:lnB w="12700" cap="flat" cmpd="sng" algn="ctr">
+                      <a:solidFill>
+                        <a:srgbClr val="000000"/>
+                      </a:solidFill>
+                      <a:prstDash val="solid"/>
+                      <a:round/>
+                      <a:headEnd type="none" w="med" len="med"/>
+                      <a:tailEnd type="none" w="med" len="med"/>
+                    </a:lnB>
+                  </a:tcPr>
+                </a:tc>
+                <a:tc hMerge="1">
+                  <a:txBody>
+                    <a:bodyPr/>
+                    <a:lstStyle/>
+                    <a:p>
+                      <a:endParaRPr lang="en-US"/>
+                    </a:p>
+                  </a:txBody>
+                  <a:tcPr/>
+                </a:tc>
+                <a:tc hMerge="1">
+                  <a:txBody>
+                    <a:bodyPr/>
+                    <a:lstStyle/>
+                    <a:p>
+                      <a:endParaRPr lang="en-US"/>
+                    </a:p>
+                  </a:txBody>
+                  <a:tcPr/>
+                </a:tc>
+                <a:tc hMerge="1">
+                  <a:txBody>
+                    <a:bodyPr/>
+                    <a:lstStyle/>
+                    <a:p>
+                      <a:endParaRPr lang="en-US"/>
+                    </a:p>
+                  </a:txBody>
+                  <a:tcPr/>
+                </a:tc>
+                <a:tc gridSpan="3">
+                  <a:txBody>
+                    <a:bodyPr/>
+                    <a:lstStyle/>
+                    <a:p>
+                      <a:pPr algn="ctr">
+                        <a:lnSpc>
+                          <a:spcPct val="107000"/>
+                        </a:lnSpc>
+                        <a:spcAft>
+                          <a:spcPts val="0"/>
+                        </a:spcAft>
+                      </a:pPr>
+                      <a:r>
+                        <a:rPr lang="ru-RU" sz="1400" b="1">
+                          <a:effectLst/>
+                          <a:latin typeface="Times New Roman" panose="02020603050405020304" pitchFamily="18" charset="0"/>
+                          <a:ea typeface="Times New Roman" panose="02020603050405020304" pitchFamily="18" charset="0"/>
+                          <a:cs typeface="Times New Roman" panose="02020603050405020304" pitchFamily="18" charset="0"/>
+                        </a:rPr>
+                        <a:t>Корректирующие действия</a:t>
+                      </a:r>
+                      <a:endParaRPr lang="en-US" sz="1100">
+                        <a:effectLst/>
+                        <a:latin typeface="Calibri" panose="020F0502020204030204" pitchFamily="34" charset="0"/>
+                        <a:ea typeface="Calibri" panose="020F0502020204030204" pitchFamily="34" charset="0"/>
+                        <a:cs typeface="Times New Roman" panose="02020603050405020304" pitchFamily="18" charset="0"/>
+                      </a:endParaRPr>
+                    </a:p>
+                  </a:txBody>
+                  <a:tcPr marL="66634" marR="66634" marT="0" marB="0">
+                    <a:lnL w="12700" cap="flat" cmpd="sng" algn="ctr">
+                      <a:solidFill>
+                        <a:srgbClr val="000000"/>
+                      </a:solidFill>
+                      <a:prstDash val="solid"/>
+                      <a:round/>
+                      <a:headEnd type="none" w="med" len="med"/>
+                      <a:tailEnd type="none" w="med" len="med"/>
+                    </a:lnL>
+                    <a:lnR w="12700" cap="flat" cmpd="sng" algn="ctr">
+                      <a:solidFill>
+                        <a:srgbClr val="000000"/>
+                      </a:solidFill>
+                      <a:prstDash val="solid"/>
+                      <a:round/>
+                      <a:headEnd type="none" w="med" len="med"/>
+                      <a:tailEnd type="none" w="med" len="med"/>
+                    </a:lnR>
+                    <a:lnT w="12700" cap="flat" cmpd="sng" algn="ctr">
+                      <a:solidFill>
+                        <a:srgbClr val="000000"/>
+                      </a:solidFill>
+                      <a:prstDash val="solid"/>
+                      <a:round/>
+                      <a:headEnd type="none" w="med" len="med"/>
+                      <a:tailEnd type="none" w="med" len="med"/>
+                    </a:lnT>
+                    <a:lnB w="12700" cap="flat" cmpd="sng" algn="ctr">
+                      <a:solidFill>
+                        <a:srgbClr val="000000"/>
+                      </a:solidFill>
+                      <a:prstDash val="solid"/>
+                      <a:round/>
+                      <a:headEnd type="none" w="med" len="med"/>
+                      <a:tailEnd type="none" w="med" len="med"/>
+                    </a:lnB>
+                  </a:tcPr>
+                </a:tc>
+                <a:tc hMerge="1">
+                  <a:txBody>
+                    <a:bodyPr/>
+                    <a:lstStyle/>
+                    <a:p>
+                      <a:endParaRPr lang="en-US"/>
+                    </a:p>
+                  </a:txBody>
+                  <a:tcPr/>
+                </a:tc>
+                <a:tc hMerge="1">
+                  <a:txBody>
+                    <a:bodyPr/>
+                    <a:lstStyle/>
+                    <a:p>
+                      <a:endParaRPr lang="en-US"/>
+                    </a:p>
+                  </a:txBody>
+                  <a:tcPr/>
+                </a:tc>
+                <a:extLst>
+                  <a:ext uri="{0D108BD9-81ED-4DB2-BD59-A6C34878D82A}">
+                    <a16:rowId xmlns:a16="http://schemas.microsoft.com/office/drawing/2014/main" val="489897790"/>
+                  </a:ext>
+                </a:extLst>
+              </a:tr>
+              <a:tr h="697191">
+                <a:tc>
+                  <a:txBody>
+                    <a:bodyPr/>
+                    <a:lstStyle/>
+                    <a:p>
+                      <a:pPr algn="ctr">
+                        <a:lnSpc>
+                          <a:spcPct val="107000"/>
+                        </a:lnSpc>
+                        <a:spcAft>
+                          <a:spcPts val="0"/>
+                        </a:spcAft>
+                      </a:pPr>
+                      <a:r>
+                        <a:rPr lang="ru-RU" sz="1100" b="1">
+                          <a:effectLst/>
+                          <a:latin typeface="Times New Roman" panose="02020603050405020304" pitchFamily="18" charset="0"/>
+                          <a:ea typeface="Times New Roman" panose="02020603050405020304" pitchFamily="18" charset="0"/>
+                          <a:cs typeface="Times New Roman" panose="02020603050405020304" pitchFamily="18" charset="0"/>
+                        </a:rPr>
+                        <a:t>Наиме-нование опера-ции</a:t>
+                      </a:r>
+                      <a:endParaRPr lang="en-US" sz="1100">
+                        <a:effectLst/>
+                        <a:latin typeface="Calibri" panose="020F0502020204030204" pitchFamily="34" charset="0"/>
+                        <a:ea typeface="Calibri" panose="020F0502020204030204" pitchFamily="34" charset="0"/>
+                        <a:cs typeface="Times New Roman" panose="02020603050405020304" pitchFamily="18" charset="0"/>
+                      </a:endParaRPr>
+                    </a:p>
+                  </a:txBody>
+                  <a:tcPr marL="66634" marR="66634" marT="0" marB="0">
+                    <a:lnL w="12700" cap="flat" cmpd="sng" algn="ctr">
+                      <a:solidFill>
+                        <a:srgbClr val="000000"/>
+                      </a:solidFill>
+                      <a:prstDash val="solid"/>
+                      <a:round/>
+                      <a:headEnd type="none" w="med" len="med"/>
+                      <a:tailEnd type="none" w="med" len="med"/>
+                    </a:lnL>
+                    <a:lnR w="12700" cap="flat" cmpd="sng" algn="ctr">
+                      <a:solidFill>
+                        <a:srgbClr val="000000"/>
+                      </a:solidFill>
+                      <a:prstDash val="solid"/>
+                      <a:round/>
+                      <a:headEnd type="none" w="med" len="med"/>
+                      <a:tailEnd type="none" w="med" len="med"/>
+                    </a:lnR>
+                    <a:lnT w="12700" cap="flat" cmpd="sng" algn="ctr">
+                      <a:solidFill>
+                        <a:srgbClr val="000000"/>
+                      </a:solidFill>
+                      <a:prstDash val="solid"/>
+                      <a:round/>
+                      <a:headEnd type="none" w="med" len="med"/>
+                      <a:tailEnd type="none" w="med" len="med"/>
+                    </a:lnT>
+                    <a:lnB w="12700" cap="flat" cmpd="sng" algn="ctr">
+                      <a:solidFill>
+                        <a:srgbClr val="000000"/>
+                      </a:solidFill>
+                      <a:prstDash val="solid"/>
+                      <a:round/>
+                      <a:headEnd type="none" w="med" len="med"/>
+                      <a:tailEnd type="none" w="med" len="med"/>
+                    </a:lnB>
+                  </a:tcPr>
+                </a:tc>
+                <a:tc>
+                  <a:txBody>
+                    <a:bodyPr/>
+                    <a:lstStyle/>
+                    <a:p>
+                      <a:pPr algn="ctr">
+                        <a:lnSpc>
+                          <a:spcPct val="107000"/>
+                        </a:lnSpc>
+                        <a:spcAft>
+                          <a:spcPts val="0"/>
+                        </a:spcAft>
+                      </a:pPr>
+                      <a:r>
+                        <a:rPr lang="ru-RU" sz="1100" b="1">
+                          <a:effectLst/>
+                          <a:latin typeface="Times New Roman" panose="02020603050405020304" pitchFamily="18" charset="0"/>
+                          <a:ea typeface="Times New Roman" panose="02020603050405020304" pitchFamily="18" charset="0"/>
+                          <a:cs typeface="Times New Roman" panose="02020603050405020304" pitchFamily="18" charset="0"/>
+                        </a:rPr>
+                        <a:t>Контроли-руемый параметр</a:t>
+                      </a:r>
+                      <a:endParaRPr lang="en-US" sz="1100">
+                        <a:effectLst/>
+                        <a:latin typeface="Calibri" panose="020F0502020204030204" pitchFamily="34" charset="0"/>
+                        <a:ea typeface="Calibri" panose="020F0502020204030204" pitchFamily="34" charset="0"/>
+                        <a:cs typeface="Times New Roman" panose="02020603050405020304" pitchFamily="18" charset="0"/>
+                      </a:endParaRPr>
+                    </a:p>
+                  </a:txBody>
+                  <a:tcPr marL="66634" marR="66634" marT="0" marB="0">
+                    <a:lnL w="12700" cap="flat" cmpd="sng" algn="ctr">
+                      <a:solidFill>
+                        <a:srgbClr val="000000"/>
+                      </a:solidFill>
+                      <a:prstDash val="solid"/>
+                      <a:round/>
+                      <a:headEnd type="none" w="med" len="med"/>
+                      <a:tailEnd type="none" w="med" len="med"/>
+                    </a:lnL>
+                    <a:lnR w="12700" cap="flat" cmpd="sng" algn="ctr">
+                      <a:solidFill>
+                        <a:srgbClr val="000000"/>
+                      </a:solidFill>
+                      <a:prstDash val="solid"/>
+                      <a:round/>
+                      <a:headEnd type="none" w="med" len="med"/>
+                      <a:tailEnd type="none" w="med" len="med"/>
+                    </a:lnR>
+                    <a:lnT w="12700" cap="flat" cmpd="sng" algn="ctr">
+                      <a:solidFill>
+                        <a:srgbClr val="000000"/>
+                      </a:solidFill>
+                      <a:prstDash val="solid"/>
+                      <a:round/>
+                      <a:headEnd type="none" w="med" len="med"/>
+                      <a:tailEnd type="none" w="med" len="med"/>
+                    </a:lnT>
+                    <a:lnB w="12700" cap="flat" cmpd="sng" algn="ctr">
+                      <a:solidFill>
+                        <a:srgbClr val="000000"/>
+                      </a:solidFill>
+                      <a:prstDash val="solid"/>
+                      <a:round/>
+                      <a:headEnd type="none" w="med" len="med"/>
+                      <a:tailEnd type="none" w="med" len="med"/>
+                    </a:lnB>
+                  </a:tcPr>
+                </a:tc>
+                <a:tc>
+                  <a:txBody>
+                    <a:bodyPr/>
+                    <a:lstStyle/>
+                    <a:p>
+                      <a:pPr algn="ctr">
+                        <a:lnSpc>
+                          <a:spcPct val="107000"/>
+                        </a:lnSpc>
+                        <a:spcAft>
+                          <a:spcPts val="0"/>
+                        </a:spcAft>
+                      </a:pPr>
+                      <a:r>
+                        <a:rPr lang="ru-RU" sz="1100" b="1">
+                          <a:effectLst/>
+                          <a:latin typeface="Times New Roman" panose="02020603050405020304" pitchFamily="18" charset="0"/>
+                          <a:ea typeface="Times New Roman" panose="02020603050405020304" pitchFamily="18" charset="0"/>
+                          <a:cs typeface="Times New Roman" panose="02020603050405020304" pitchFamily="18" charset="0"/>
+                        </a:rPr>
+                        <a:t>Предельное значение</a:t>
+                      </a:r>
+                      <a:endParaRPr lang="en-US" sz="1100">
+                        <a:effectLst/>
+                        <a:latin typeface="Calibri" panose="020F0502020204030204" pitchFamily="34" charset="0"/>
+                        <a:ea typeface="Calibri" panose="020F0502020204030204" pitchFamily="34" charset="0"/>
+                        <a:cs typeface="Times New Roman" panose="02020603050405020304" pitchFamily="18" charset="0"/>
+                      </a:endParaRPr>
+                    </a:p>
+                  </a:txBody>
+                  <a:tcPr marL="66634" marR="66634" marT="0" marB="0">
+                    <a:lnL w="12700" cap="flat" cmpd="sng" algn="ctr">
+                      <a:solidFill>
+                        <a:srgbClr val="000000"/>
+                      </a:solidFill>
+                      <a:prstDash val="solid"/>
+                      <a:round/>
+                      <a:headEnd type="none" w="med" len="med"/>
+                      <a:tailEnd type="none" w="med" len="med"/>
+                    </a:lnL>
+                    <a:lnR w="12700" cap="flat" cmpd="sng" algn="ctr">
+                      <a:solidFill>
+                        <a:srgbClr val="000000"/>
+                      </a:solidFill>
+                      <a:prstDash val="solid"/>
+                      <a:round/>
+                      <a:headEnd type="none" w="med" len="med"/>
+                      <a:tailEnd type="none" w="med" len="med"/>
+                    </a:lnR>
+                    <a:lnT w="12700" cap="flat" cmpd="sng" algn="ctr">
+                      <a:solidFill>
+                        <a:srgbClr val="000000"/>
+                      </a:solidFill>
+                      <a:prstDash val="solid"/>
+                      <a:round/>
+                      <a:headEnd type="none" w="med" len="med"/>
+                      <a:tailEnd type="none" w="med" len="med"/>
+                    </a:lnT>
+                    <a:lnB w="12700" cap="flat" cmpd="sng" algn="ctr">
+                      <a:solidFill>
+                        <a:srgbClr val="000000"/>
+                      </a:solidFill>
+                      <a:prstDash val="solid"/>
+                      <a:round/>
+                      <a:headEnd type="none" w="med" len="med"/>
+                      <a:tailEnd type="none" w="med" len="med"/>
+                    </a:lnB>
+                  </a:tcPr>
+                </a:tc>
+                <a:tc>
+                  <a:txBody>
+                    <a:bodyPr/>
+                    <a:lstStyle/>
+                    <a:p>
+                      <a:pPr algn="ctr">
+                        <a:lnSpc>
+                          <a:spcPct val="107000"/>
+                        </a:lnSpc>
+                        <a:spcAft>
+                          <a:spcPts val="0"/>
+                        </a:spcAft>
+                      </a:pPr>
+                      <a:r>
+                        <a:rPr lang="ru-RU" sz="1100" b="1">
+                          <a:effectLst/>
+                          <a:latin typeface="Times New Roman" panose="02020603050405020304" pitchFamily="18" charset="0"/>
+                          <a:ea typeface="Times New Roman" panose="02020603050405020304" pitchFamily="18" charset="0"/>
+                          <a:cs typeface="Times New Roman" panose="02020603050405020304" pitchFamily="18" charset="0"/>
+                        </a:rPr>
+                        <a:t>Процедура</a:t>
+                      </a:r>
+                      <a:endParaRPr lang="en-US" sz="1100">
+                        <a:effectLst/>
+                        <a:latin typeface="Calibri" panose="020F0502020204030204" pitchFamily="34" charset="0"/>
+                        <a:ea typeface="Calibri" panose="020F0502020204030204" pitchFamily="34" charset="0"/>
+                        <a:cs typeface="Times New Roman" panose="02020603050405020304" pitchFamily="18" charset="0"/>
+                      </a:endParaRPr>
+                    </a:p>
+                  </a:txBody>
+                  <a:tcPr marL="66634" marR="66634" marT="0" marB="0">
+                    <a:lnL w="12700" cap="flat" cmpd="sng" algn="ctr">
+                      <a:solidFill>
+                        <a:srgbClr val="000000"/>
+                      </a:solidFill>
+                      <a:prstDash val="solid"/>
+                      <a:round/>
+                      <a:headEnd type="none" w="med" len="med"/>
+                      <a:tailEnd type="none" w="med" len="med"/>
+                    </a:lnL>
+                    <a:lnR w="12700" cap="flat" cmpd="sng" algn="ctr">
+                      <a:solidFill>
+                        <a:srgbClr val="000000"/>
+                      </a:solidFill>
+                      <a:prstDash val="solid"/>
+                      <a:round/>
+                      <a:headEnd type="none" w="med" len="med"/>
+                      <a:tailEnd type="none" w="med" len="med"/>
+                    </a:lnR>
+                    <a:lnT w="12700" cap="flat" cmpd="sng" algn="ctr">
+                      <a:solidFill>
+                        <a:srgbClr val="000000"/>
+                      </a:solidFill>
+                      <a:prstDash val="solid"/>
+                      <a:round/>
+                      <a:headEnd type="none" w="med" len="med"/>
+                      <a:tailEnd type="none" w="med" len="med"/>
+                    </a:lnT>
+                    <a:lnB w="12700" cap="flat" cmpd="sng" algn="ctr">
+                      <a:solidFill>
+                        <a:srgbClr val="000000"/>
+                      </a:solidFill>
+                      <a:prstDash val="solid"/>
+                      <a:round/>
+                      <a:headEnd type="none" w="med" len="med"/>
+                      <a:tailEnd type="none" w="med" len="med"/>
+                    </a:lnB>
+                  </a:tcPr>
+                </a:tc>
+                <a:tc>
+                  <a:txBody>
+                    <a:bodyPr/>
+                    <a:lstStyle/>
+                    <a:p>
+                      <a:pPr algn="ctr">
+                        <a:lnSpc>
+                          <a:spcPct val="107000"/>
+                        </a:lnSpc>
+                        <a:spcAft>
+                          <a:spcPts val="0"/>
+                        </a:spcAft>
+                      </a:pPr>
+                      <a:r>
+                        <a:rPr lang="ru-RU" sz="1100" b="1">
+                          <a:effectLst/>
+                          <a:latin typeface="Times New Roman" panose="02020603050405020304" pitchFamily="18" charset="0"/>
+                          <a:ea typeface="Times New Roman" panose="02020603050405020304" pitchFamily="18" charset="0"/>
+                          <a:cs typeface="Times New Roman" panose="02020603050405020304" pitchFamily="18" charset="0"/>
+                        </a:rPr>
+                        <a:t>Периодич-ность</a:t>
+                      </a:r>
+                      <a:endParaRPr lang="en-US" sz="1100">
+                        <a:effectLst/>
+                        <a:latin typeface="Calibri" panose="020F0502020204030204" pitchFamily="34" charset="0"/>
+                        <a:ea typeface="Calibri" panose="020F0502020204030204" pitchFamily="34" charset="0"/>
+                        <a:cs typeface="Times New Roman" panose="02020603050405020304" pitchFamily="18" charset="0"/>
+                      </a:endParaRPr>
+                    </a:p>
+                  </a:txBody>
+                  <a:tcPr marL="66634" marR="66634" marT="0" marB="0">
+                    <a:lnL w="12700" cap="flat" cmpd="sng" algn="ctr">
+                      <a:solidFill>
+                        <a:srgbClr val="000000"/>
+                      </a:solidFill>
+                      <a:prstDash val="solid"/>
+                      <a:round/>
+                      <a:headEnd type="none" w="med" len="med"/>
+                      <a:tailEnd type="none" w="med" len="med"/>
+                    </a:lnL>
+                    <a:lnR w="12700" cap="flat" cmpd="sng" algn="ctr">
+                      <a:solidFill>
+                        <a:srgbClr val="000000"/>
+                      </a:solidFill>
+                      <a:prstDash val="solid"/>
+                      <a:round/>
+                      <a:headEnd type="none" w="med" len="med"/>
+                      <a:tailEnd type="none" w="med" len="med"/>
+                    </a:lnR>
+                    <a:lnT w="12700" cap="flat" cmpd="sng" algn="ctr">
+                      <a:solidFill>
+                        <a:srgbClr val="000000"/>
+                      </a:solidFill>
+                      <a:prstDash val="solid"/>
+                      <a:round/>
+                      <a:headEnd type="none" w="med" len="med"/>
+                      <a:tailEnd type="none" w="med" len="med"/>
+                    </a:lnT>
+                    <a:lnB w="12700" cap="flat" cmpd="sng" algn="ctr">
+                      <a:solidFill>
+                        <a:srgbClr val="000000"/>
+                      </a:solidFill>
+                      <a:prstDash val="solid"/>
+                      <a:round/>
+                      <a:headEnd type="none" w="med" len="med"/>
+                      <a:tailEnd type="none" w="med" len="med"/>
+                    </a:lnB>
+                  </a:tcPr>
+                </a:tc>
+                <a:tc>
+                  <a:txBody>
+                    <a:bodyPr/>
+                    <a:lstStyle/>
+                    <a:p>
+                      <a:pPr algn="ctr">
+                        <a:lnSpc>
+                          <a:spcPct val="107000"/>
+                        </a:lnSpc>
+                        <a:spcAft>
+                          <a:spcPts val="0"/>
+                        </a:spcAft>
+                      </a:pPr>
+                      <a:r>
+                        <a:rPr lang="ru-RU" sz="1100" b="1">
+                          <a:effectLst/>
+                          <a:latin typeface="Times New Roman" panose="02020603050405020304" pitchFamily="18" charset="0"/>
+                          <a:ea typeface="Times New Roman" panose="02020603050405020304" pitchFamily="18" charset="0"/>
+                          <a:cs typeface="Times New Roman" panose="02020603050405020304" pitchFamily="18" charset="0"/>
+                        </a:rPr>
+                        <a:t>Ответст-венный</a:t>
+                      </a:r>
+                      <a:endParaRPr lang="en-US" sz="1100">
+                        <a:effectLst/>
+                        <a:latin typeface="Calibri" panose="020F0502020204030204" pitchFamily="34" charset="0"/>
+                        <a:ea typeface="Calibri" panose="020F0502020204030204" pitchFamily="34" charset="0"/>
+                        <a:cs typeface="Times New Roman" panose="02020603050405020304" pitchFamily="18" charset="0"/>
+                      </a:endParaRPr>
+                    </a:p>
+                  </a:txBody>
+                  <a:tcPr marL="66634" marR="66634" marT="0" marB="0">
+                    <a:lnL w="12700" cap="flat" cmpd="sng" algn="ctr">
+                      <a:solidFill>
+                        <a:srgbClr val="000000"/>
+                      </a:solidFill>
+                      <a:prstDash val="solid"/>
+                      <a:round/>
+                      <a:headEnd type="none" w="med" len="med"/>
+                      <a:tailEnd type="none" w="med" len="med"/>
+                    </a:lnL>
+                    <a:lnR w="12700" cap="flat" cmpd="sng" algn="ctr">
+                      <a:solidFill>
+                        <a:srgbClr val="000000"/>
+                      </a:solidFill>
+                      <a:prstDash val="solid"/>
+                      <a:round/>
+                      <a:headEnd type="none" w="med" len="med"/>
+                      <a:tailEnd type="none" w="med" len="med"/>
+                    </a:lnR>
+                    <a:lnT w="12700" cap="flat" cmpd="sng" algn="ctr">
+                      <a:solidFill>
+                        <a:srgbClr val="000000"/>
+                      </a:solidFill>
+                      <a:prstDash val="solid"/>
+                      <a:round/>
+                      <a:headEnd type="none" w="med" len="med"/>
+                      <a:tailEnd type="none" w="med" len="med"/>
+                    </a:lnT>
+                    <a:lnB w="12700" cap="flat" cmpd="sng" algn="ctr">
+                      <a:solidFill>
+                        <a:srgbClr val="000000"/>
+                      </a:solidFill>
+                      <a:prstDash val="solid"/>
+                      <a:round/>
+                      <a:headEnd type="none" w="med" len="med"/>
+                      <a:tailEnd type="none" w="med" len="med"/>
+                    </a:lnB>
+                  </a:tcPr>
+                </a:tc>
+                <a:tc>
+                  <a:txBody>
+                    <a:bodyPr/>
+                    <a:lstStyle/>
+                    <a:p>
+                      <a:pPr algn="ctr">
+                        <a:lnSpc>
+                          <a:spcPct val="107000"/>
+                        </a:lnSpc>
+                        <a:spcAft>
+                          <a:spcPts val="0"/>
+                        </a:spcAft>
+                      </a:pPr>
+                      <a:r>
+                        <a:rPr lang="ru-RU" sz="1100" b="1">
+                          <a:effectLst/>
+                          <a:latin typeface="Times New Roman" panose="02020603050405020304" pitchFamily="18" charset="0"/>
+                          <a:ea typeface="Times New Roman" panose="02020603050405020304" pitchFamily="18" charset="0"/>
+                          <a:cs typeface="Times New Roman" panose="02020603050405020304" pitchFamily="18" charset="0"/>
+                        </a:rPr>
+                        <a:t>Документ, где фикси-руются </a:t>
+                      </a:r>
+                      <a:endParaRPr lang="en-US" sz="1100">
+                        <a:effectLst/>
+                        <a:latin typeface="Calibri" panose="020F0502020204030204" pitchFamily="34" charset="0"/>
+                        <a:ea typeface="Calibri" panose="020F0502020204030204" pitchFamily="34" charset="0"/>
+                        <a:cs typeface="Times New Roman" panose="02020603050405020304" pitchFamily="18" charset="0"/>
+                      </a:endParaRPr>
+                    </a:p>
+                  </a:txBody>
+                  <a:tcPr marL="66634" marR="66634" marT="0" marB="0">
+                    <a:lnL w="12700" cap="flat" cmpd="sng" algn="ctr">
+                      <a:solidFill>
+                        <a:srgbClr val="000000"/>
+                      </a:solidFill>
+                      <a:prstDash val="solid"/>
+                      <a:round/>
+                      <a:headEnd type="none" w="med" len="med"/>
+                      <a:tailEnd type="none" w="med" len="med"/>
+                    </a:lnL>
+                    <a:lnR w="12700" cap="flat" cmpd="sng" algn="ctr">
+                      <a:solidFill>
+                        <a:srgbClr val="000000"/>
+                      </a:solidFill>
+                      <a:prstDash val="solid"/>
+                      <a:round/>
+                      <a:headEnd type="none" w="med" len="med"/>
+                      <a:tailEnd type="none" w="med" len="med"/>
+                    </a:lnR>
+                    <a:lnT w="12700" cap="flat" cmpd="sng" algn="ctr">
+                      <a:solidFill>
+                        <a:srgbClr val="000000"/>
+                      </a:solidFill>
+                      <a:prstDash val="solid"/>
+                      <a:round/>
+                      <a:headEnd type="none" w="med" len="med"/>
+                      <a:tailEnd type="none" w="med" len="med"/>
+                    </a:lnT>
+                    <a:lnB w="12700" cap="flat" cmpd="sng" algn="ctr">
+                      <a:solidFill>
+                        <a:srgbClr val="000000"/>
+                      </a:solidFill>
+                      <a:prstDash val="solid"/>
+                      <a:round/>
+                      <a:headEnd type="none" w="med" len="med"/>
+                      <a:tailEnd type="none" w="med" len="med"/>
+                    </a:lnB>
+                  </a:tcPr>
+                </a:tc>
+                <a:tc>
+                  <a:txBody>
+                    <a:bodyPr/>
+                    <a:lstStyle/>
+                    <a:p>
+                      <a:pPr algn="ctr">
+                        <a:lnSpc>
+                          <a:spcPct val="107000"/>
+                        </a:lnSpc>
+                        <a:spcAft>
+                          <a:spcPts val="0"/>
+                        </a:spcAft>
+                      </a:pPr>
+                      <a:r>
+                        <a:rPr lang="ru-RU" sz="1100" b="1">
+                          <a:effectLst/>
+                          <a:latin typeface="Times New Roman" panose="02020603050405020304" pitchFamily="18" charset="0"/>
+                          <a:ea typeface="Times New Roman" panose="02020603050405020304" pitchFamily="18" charset="0"/>
+                          <a:cs typeface="Times New Roman" panose="02020603050405020304" pitchFamily="18" charset="0"/>
+                        </a:rPr>
+                        <a:t>Процедура</a:t>
+                      </a:r>
+                      <a:endParaRPr lang="en-US" sz="1100">
+                        <a:effectLst/>
+                        <a:latin typeface="Calibri" panose="020F0502020204030204" pitchFamily="34" charset="0"/>
+                        <a:ea typeface="Calibri" panose="020F0502020204030204" pitchFamily="34" charset="0"/>
+                        <a:cs typeface="Times New Roman" panose="02020603050405020304" pitchFamily="18" charset="0"/>
+                      </a:endParaRPr>
+                    </a:p>
+                    <a:p>
+                      <a:pPr algn="ctr">
+                        <a:lnSpc>
+                          <a:spcPct val="107000"/>
+                        </a:lnSpc>
+                        <a:spcAft>
+                          <a:spcPts val="0"/>
+                        </a:spcAft>
+                      </a:pPr>
+                      <a:r>
+                        <a:rPr lang="ru-RU" sz="1100" b="1">
+                          <a:effectLst/>
+                          <a:latin typeface="Times New Roman" panose="02020603050405020304" pitchFamily="18" charset="0"/>
+                          <a:ea typeface="Times New Roman" panose="02020603050405020304" pitchFamily="18" charset="0"/>
+                          <a:cs typeface="Times New Roman" panose="02020603050405020304" pitchFamily="18" charset="0"/>
+                        </a:rPr>
+                        <a:t> </a:t>
+                      </a:r>
+                      <a:endParaRPr lang="en-US" sz="1100">
+                        <a:effectLst/>
+                        <a:latin typeface="Calibri" panose="020F0502020204030204" pitchFamily="34" charset="0"/>
+                        <a:ea typeface="Calibri" panose="020F0502020204030204" pitchFamily="34" charset="0"/>
+                        <a:cs typeface="Times New Roman" panose="02020603050405020304" pitchFamily="18" charset="0"/>
+                      </a:endParaRPr>
+                    </a:p>
+                  </a:txBody>
+                  <a:tcPr marL="66634" marR="66634" marT="0" marB="0">
+                    <a:lnL w="12700" cap="flat" cmpd="sng" algn="ctr">
+                      <a:solidFill>
+                        <a:srgbClr val="000000"/>
+                      </a:solidFill>
+                      <a:prstDash val="solid"/>
+                      <a:round/>
+                      <a:headEnd type="none" w="med" len="med"/>
+                      <a:tailEnd type="none" w="med" len="med"/>
+                    </a:lnL>
+                    <a:lnR w="12700" cap="flat" cmpd="sng" algn="ctr">
+                      <a:solidFill>
+                        <a:srgbClr val="000000"/>
+                      </a:solidFill>
+                      <a:prstDash val="solid"/>
+                      <a:round/>
+                      <a:headEnd type="none" w="med" len="med"/>
+                      <a:tailEnd type="none" w="med" len="med"/>
+                    </a:lnR>
+                    <a:lnT w="12700" cap="flat" cmpd="sng" algn="ctr">
+                      <a:solidFill>
+                        <a:srgbClr val="000000"/>
+                      </a:solidFill>
+                      <a:prstDash val="solid"/>
+                      <a:round/>
+                      <a:headEnd type="none" w="med" len="med"/>
+                      <a:tailEnd type="none" w="med" len="med"/>
+                    </a:lnT>
+                    <a:lnB w="12700" cap="flat" cmpd="sng" algn="ctr">
+                      <a:solidFill>
+                        <a:srgbClr val="000000"/>
+                      </a:solidFill>
+                      <a:prstDash val="solid"/>
+                      <a:round/>
+                      <a:headEnd type="none" w="med" len="med"/>
+                      <a:tailEnd type="none" w="med" len="med"/>
+                    </a:lnB>
+                  </a:tcPr>
+                </a:tc>
+                <a:tc>
+                  <a:txBody>
+                    <a:bodyPr/>
+                    <a:lstStyle/>
+                    <a:p>
+                      <a:pPr algn="ctr">
+                        <a:lnSpc>
+                          <a:spcPct val="107000"/>
+                        </a:lnSpc>
+                        <a:spcAft>
+                          <a:spcPts val="0"/>
+                        </a:spcAft>
+                      </a:pPr>
+                      <a:r>
+                        <a:rPr lang="ru-RU" sz="1100" b="1">
+                          <a:effectLst/>
+                          <a:latin typeface="Times New Roman" panose="02020603050405020304" pitchFamily="18" charset="0"/>
+                          <a:ea typeface="Times New Roman" panose="02020603050405020304" pitchFamily="18" charset="0"/>
+                          <a:cs typeface="Times New Roman" panose="02020603050405020304" pitchFamily="18" charset="0"/>
+                        </a:rPr>
+                        <a:t>Ответст-венный</a:t>
+                      </a:r>
+                      <a:endParaRPr lang="en-US" sz="1100">
+                        <a:effectLst/>
+                        <a:latin typeface="Calibri" panose="020F0502020204030204" pitchFamily="34" charset="0"/>
+                        <a:ea typeface="Calibri" panose="020F0502020204030204" pitchFamily="34" charset="0"/>
+                        <a:cs typeface="Times New Roman" panose="02020603050405020304" pitchFamily="18" charset="0"/>
+                      </a:endParaRPr>
+                    </a:p>
+                  </a:txBody>
+                  <a:tcPr marL="66634" marR="66634" marT="0" marB="0">
+                    <a:lnL w="12700" cap="flat" cmpd="sng" algn="ctr">
+                      <a:solidFill>
+                        <a:srgbClr val="000000"/>
+                      </a:solidFill>
+                      <a:prstDash val="solid"/>
+                      <a:round/>
+                      <a:headEnd type="none" w="med" len="med"/>
+                      <a:tailEnd type="none" w="med" len="med"/>
+                    </a:lnL>
+                    <a:lnR w="12700" cap="flat" cmpd="sng" algn="ctr">
+                      <a:solidFill>
+                        <a:srgbClr val="000000"/>
+                      </a:solidFill>
+                      <a:prstDash val="solid"/>
+                      <a:round/>
+                      <a:headEnd type="none" w="med" len="med"/>
+                      <a:tailEnd type="none" w="med" len="med"/>
+                    </a:lnR>
+                    <a:lnT w="12700" cap="flat" cmpd="sng" algn="ctr">
+                      <a:solidFill>
+                        <a:srgbClr val="000000"/>
+                      </a:solidFill>
+                      <a:prstDash val="solid"/>
+                      <a:round/>
+                      <a:headEnd type="none" w="med" len="med"/>
+                      <a:tailEnd type="none" w="med" len="med"/>
+                    </a:lnT>
+                    <a:lnB w="12700" cap="flat" cmpd="sng" algn="ctr">
+                      <a:solidFill>
+                        <a:srgbClr val="000000"/>
+                      </a:solidFill>
+                      <a:prstDash val="solid"/>
+                      <a:round/>
+                      <a:headEnd type="none" w="med" len="med"/>
+                      <a:tailEnd type="none" w="med" len="med"/>
+                    </a:lnB>
+                  </a:tcPr>
+                </a:tc>
+                <a:tc>
+                  <a:txBody>
+                    <a:bodyPr/>
+                    <a:lstStyle/>
+                    <a:p>
+                      <a:pPr>
+                        <a:lnSpc>
+                          <a:spcPct val="107000"/>
+                        </a:lnSpc>
+                        <a:spcAft>
+                          <a:spcPts val="0"/>
+                        </a:spcAft>
+                      </a:pPr>
+                      <a:r>
+                        <a:rPr lang="ru-RU" sz="1100" b="1">
+                          <a:effectLst/>
+                          <a:latin typeface="Times New Roman" panose="02020603050405020304" pitchFamily="18" charset="0"/>
+                          <a:ea typeface="Times New Roman" panose="02020603050405020304" pitchFamily="18" charset="0"/>
+                          <a:cs typeface="Times New Roman" panose="02020603050405020304" pitchFamily="18" charset="0"/>
+                        </a:rPr>
+                        <a:t>Документ, где фикси-руется</a:t>
+                      </a:r>
+                      <a:endParaRPr lang="en-US" sz="1100">
+                        <a:effectLst/>
+                        <a:latin typeface="Calibri" panose="020F0502020204030204" pitchFamily="34" charset="0"/>
+                        <a:ea typeface="Calibri" panose="020F0502020204030204" pitchFamily="34" charset="0"/>
+                        <a:cs typeface="Times New Roman" panose="02020603050405020304" pitchFamily="18" charset="0"/>
+                      </a:endParaRPr>
+                    </a:p>
+                    <a:p>
+                      <a:pPr algn="ctr">
+                        <a:lnSpc>
+                          <a:spcPct val="107000"/>
+                        </a:lnSpc>
+                        <a:spcAft>
+                          <a:spcPts val="0"/>
+                        </a:spcAft>
+                      </a:pPr>
+                      <a:r>
+                        <a:rPr lang="ru-RU" sz="1100" b="1">
+                          <a:effectLst/>
+                          <a:latin typeface="Times New Roman" panose="02020603050405020304" pitchFamily="18" charset="0"/>
+                          <a:ea typeface="Times New Roman" panose="02020603050405020304" pitchFamily="18" charset="0"/>
+                          <a:cs typeface="Times New Roman" panose="02020603050405020304" pitchFamily="18" charset="0"/>
+                        </a:rPr>
+                        <a:t> </a:t>
+                      </a:r>
+                      <a:endParaRPr lang="en-US" sz="1100">
+                        <a:effectLst/>
+                        <a:latin typeface="Calibri" panose="020F0502020204030204" pitchFamily="34" charset="0"/>
+                        <a:ea typeface="Calibri" panose="020F0502020204030204" pitchFamily="34" charset="0"/>
+                        <a:cs typeface="Times New Roman" panose="02020603050405020304" pitchFamily="18" charset="0"/>
+                      </a:endParaRPr>
+                    </a:p>
+                  </a:txBody>
+                  <a:tcPr marL="66634" marR="66634" marT="0" marB="0">
+                    <a:lnL w="12700" cap="flat" cmpd="sng" algn="ctr">
+                      <a:solidFill>
+                        <a:srgbClr val="000000"/>
+                      </a:solidFill>
+                      <a:prstDash val="solid"/>
+                      <a:round/>
+                      <a:headEnd type="none" w="med" len="med"/>
+                      <a:tailEnd type="none" w="med" len="med"/>
+                    </a:lnL>
+                    <a:lnR w="12700" cap="flat" cmpd="sng" algn="ctr">
+                      <a:solidFill>
+                        <a:srgbClr val="000000"/>
+                      </a:solidFill>
+                      <a:prstDash val="solid"/>
+                      <a:round/>
+                      <a:headEnd type="none" w="med" len="med"/>
+                      <a:tailEnd type="none" w="med" len="med"/>
+                    </a:lnR>
+                    <a:lnT w="12700" cap="flat" cmpd="sng" algn="ctr">
+                      <a:solidFill>
+                        <a:srgbClr val="000000"/>
+                      </a:solidFill>
+                      <a:prstDash val="solid"/>
+                      <a:round/>
+                      <a:headEnd type="none" w="med" len="med"/>
+                      <a:tailEnd type="none" w="med" len="med"/>
+                    </a:lnT>
+                    <a:lnB w="12700" cap="flat" cmpd="sng" algn="ctr">
+                      <a:solidFill>
+                        <a:srgbClr val="000000"/>
+                      </a:solidFill>
+                      <a:prstDash val="solid"/>
+                      <a:round/>
+                      <a:headEnd type="none" w="med" len="med"/>
+                      <a:tailEnd type="none" w="med" len="med"/>
+                    </a:lnB>
+                  </a:tcPr>
+                </a:tc>
+                <a:extLst>
+                  <a:ext uri="{0D108BD9-81ED-4DB2-BD59-A6C34878D82A}">
+                    <a16:rowId xmlns:a16="http://schemas.microsoft.com/office/drawing/2014/main" val="1712812697"/>
+                  </a:ext>
+                </a:extLst>
+              </a:tr>
+              <a:tr h="190154">
+                <a:tc>
+                  <a:txBody>
+                    <a:bodyPr/>
+                    <a:lstStyle/>
+                    <a:p>
+                      <a:pPr algn="ctr">
+                        <a:lnSpc>
+                          <a:spcPct val="107000"/>
+                        </a:lnSpc>
+                        <a:spcAft>
+                          <a:spcPts val="0"/>
+                        </a:spcAft>
+                      </a:pPr>
+                      <a:r>
+                        <a:rPr lang="ru-RU" sz="1200" b="1">
+                          <a:effectLst/>
+                          <a:latin typeface="Times New Roman" panose="02020603050405020304" pitchFamily="18" charset="0"/>
+                          <a:ea typeface="Times New Roman" panose="02020603050405020304" pitchFamily="18" charset="0"/>
+                          <a:cs typeface="Times New Roman" panose="02020603050405020304" pitchFamily="18" charset="0"/>
+                        </a:rPr>
+                        <a:t>1</a:t>
+                      </a:r>
+                      <a:endParaRPr lang="en-US" sz="1100">
+                        <a:effectLst/>
+                        <a:latin typeface="Calibri" panose="020F0502020204030204" pitchFamily="34" charset="0"/>
+                        <a:ea typeface="Calibri" panose="020F0502020204030204" pitchFamily="34" charset="0"/>
+                        <a:cs typeface="Times New Roman" panose="02020603050405020304" pitchFamily="18" charset="0"/>
+                      </a:endParaRPr>
+                    </a:p>
+                  </a:txBody>
+                  <a:tcPr marL="66634" marR="66634" marT="0" marB="0">
+                    <a:lnL w="12700" cap="flat" cmpd="sng" algn="ctr">
+                      <a:solidFill>
+                        <a:srgbClr val="000000"/>
+                      </a:solidFill>
+                      <a:prstDash val="solid"/>
+                      <a:round/>
+                      <a:headEnd type="none" w="med" len="med"/>
+                      <a:tailEnd type="none" w="med" len="med"/>
+                    </a:lnL>
+                    <a:lnR w="12700" cap="flat" cmpd="sng" algn="ctr">
+                      <a:solidFill>
+                        <a:srgbClr val="000000"/>
+                      </a:solidFill>
+                      <a:prstDash val="solid"/>
+                      <a:round/>
+                      <a:headEnd type="none" w="med" len="med"/>
+                      <a:tailEnd type="none" w="med" len="med"/>
+                    </a:lnR>
+                    <a:lnT w="12700" cap="flat" cmpd="sng" algn="ctr">
+                      <a:solidFill>
+                        <a:srgbClr val="000000"/>
+                      </a:solidFill>
+                      <a:prstDash val="solid"/>
+                      <a:round/>
+                      <a:headEnd type="none" w="med" len="med"/>
+                      <a:tailEnd type="none" w="med" len="med"/>
+                    </a:lnT>
+                    <a:lnB w="12700" cap="flat" cmpd="sng" algn="ctr">
+                      <a:solidFill>
+                        <a:srgbClr val="000000"/>
+                      </a:solidFill>
+                      <a:prstDash val="solid"/>
+                      <a:round/>
+                      <a:headEnd type="none" w="med" len="med"/>
+                      <a:tailEnd type="none" w="med" len="med"/>
+                    </a:lnB>
+                  </a:tcPr>
+                </a:tc>
+                <a:tc>
+                  <a:txBody>
+                    <a:bodyPr/>
+                    <a:lstStyle/>
+                    <a:p>
+                      <a:pPr algn="ctr">
+                        <a:lnSpc>
+                          <a:spcPct val="107000"/>
+                        </a:lnSpc>
+                        <a:spcAft>
+                          <a:spcPts val="0"/>
+                        </a:spcAft>
+                      </a:pPr>
+                      <a:r>
+                        <a:rPr lang="ru-RU" sz="1200" b="1">
+                          <a:effectLst/>
+                          <a:latin typeface="Times New Roman" panose="02020603050405020304" pitchFamily="18" charset="0"/>
+                          <a:ea typeface="Times New Roman" panose="02020603050405020304" pitchFamily="18" charset="0"/>
+                          <a:cs typeface="Times New Roman" panose="02020603050405020304" pitchFamily="18" charset="0"/>
+                        </a:rPr>
+                        <a:t>2</a:t>
+                      </a:r>
+                      <a:endParaRPr lang="en-US" sz="1100">
+                        <a:effectLst/>
+                        <a:latin typeface="Calibri" panose="020F0502020204030204" pitchFamily="34" charset="0"/>
+                        <a:ea typeface="Calibri" panose="020F0502020204030204" pitchFamily="34" charset="0"/>
+                        <a:cs typeface="Times New Roman" panose="02020603050405020304" pitchFamily="18" charset="0"/>
+                      </a:endParaRPr>
+                    </a:p>
+                  </a:txBody>
+                  <a:tcPr marL="66634" marR="66634" marT="0" marB="0">
+                    <a:lnL w="12700" cap="flat" cmpd="sng" algn="ctr">
+                      <a:solidFill>
+                        <a:srgbClr val="000000"/>
+                      </a:solidFill>
+                      <a:prstDash val="solid"/>
+                      <a:round/>
+                      <a:headEnd type="none" w="med" len="med"/>
+                      <a:tailEnd type="none" w="med" len="med"/>
+                    </a:lnL>
+                    <a:lnR w="12700" cap="flat" cmpd="sng" algn="ctr">
+                      <a:solidFill>
+                        <a:srgbClr val="000000"/>
+                      </a:solidFill>
+                      <a:prstDash val="solid"/>
+                      <a:round/>
+                      <a:headEnd type="none" w="med" len="med"/>
+                      <a:tailEnd type="none" w="med" len="med"/>
+                    </a:lnR>
+                    <a:lnT w="12700" cap="flat" cmpd="sng" algn="ctr">
+                      <a:solidFill>
+                        <a:srgbClr val="000000"/>
+                      </a:solidFill>
+                      <a:prstDash val="solid"/>
+                      <a:round/>
+                      <a:headEnd type="none" w="med" len="med"/>
+                      <a:tailEnd type="none" w="med" len="med"/>
+                    </a:lnT>
+                    <a:lnB w="12700" cap="flat" cmpd="sng" algn="ctr">
+                      <a:solidFill>
+                        <a:srgbClr val="000000"/>
+                      </a:solidFill>
+                      <a:prstDash val="solid"/>
+                      <a:round/>
+                      <a:headEnd type="none" w="med" len="med"/>
+                      <a:tailEnd type="none" w="med" len="med"/>
+                    </a:lnB>
+                  </a:tcPr>
+                </a:tc>
+                <a:tc>
+                  <a:txBody>
+                    <a:bodyPr/>
+                    <a:lstStyle/>
+                    <a:p>
+                      <a:pPr algn="ctr">
+                        <a:lnSpc>
+                          <a:spcPct val="107000"/>
+                        </a:lnSpc>
+                        <a:spcAft>
+                          <a:spcPts val="0"/>
+                        </a:spcAft>
+                      </a:pPr>
+                      <a:r>
+                        <a:rPr lang="ru-RU" sz="1200" b="1">
+                          <a:effectLst/>
+                          <a:latin typeface="Times New Roman" panose="02020603050405020304" pitchFamily="18" charset="0"/>
+                          <a:ea typeface="Times New Roman" panose="02020603050405020304" pitchFamily="18" charset="0"/>
+                          <a:cs typeface="Times New Roman" panose="02020603050405020304" pitchFamily="18" charset="0"/>
+                        </a:rPr>
+                        <a:t>3</a:t>
+                      </a:r>
+                      <a:endParaRPr lang="en-US" sz="1100">
+                        <a:effectLst/>
+                        <a:latin typeface="Calibri" panose="020F0502020204030204" pitchFamily="34" charset="0"/>
+                        <a:ea typeface="Calibri" panose="020F0502020204030204" pitchFamily="34" charset="0"/>
+                        <a:cs typeface="Times New Roman" panose="02020603050405020304" pitchFamily="18" charset="0"/>
+                      </a:endParaRPr>
+                    </a:p>
+                  </a:txBody>
+                  <a:tcPr marL="66634" marR="66634" marT="0" marB="0">
+                    <a:lnL w="12700" cap="flat" cmpd="sng" algn="ctr">
+                      <a:solidFill>
+                        <a:srgbClr val="000000"/>
+                      </a:solidFill>
+                      <a:prstDash val="solid"/>
+                      <a:round/>
+                      <a:headEnd type="none" w="med" len="med"/>
+                      <a:tailEnd type="none" w="med" len="med"/>
+                    </a:lnL>
+                    <a:lnR w="12700" cap="flat" cmpd="sng" algn="ctr">
+                      <a:solidFill>
+                        <a:srgbClr val="000000"/>
+                      </a:solidFill>
+                      <a:prstDash val="solid"/>
+                      <a:round/>
+                      <a:headEnd type="none" w="med" len="med"/>
+                      <a:tailEnd type="none" w="med" len="med"/>
+                    </a:lnR>
+                    <a:lnT w="12700" cap="flat" cmpd="sng" algn="ctr">
+                      <a:solidFill>
+                        <a:srgbClr val="000000"/>
+                      </a:solidFill>
+                      <a:prstDash val="solid"/>
+                      <a:round/>
+                      <a:headEnd type="none" w="med" len="med"/>
+                      <a:tailEnd type="none" w="med" len="med"/>
+                    </a:lnT>
+                    <a:lnB w="12700" cap="flat" cmpd="sng" algn="ctr">
+                      <a:solidFill>
+                        <a:srgbClr val="000000"/>
+                      </a:solidFill>
+                      <a:prstDash val="solid"/>
+                      <a:round/>
+                      <a:headEnd type="none" w="med" len="med"/>
+                      <a:tailEnd type="none" w="med" len="med"/>
+                    </a:lnB>
+                  </a:tcPr>
+                </a:tc>
+                <a:tc>
+                  <a:txBody>
+                    <a:bodyPr/>
+                    <a:lstStyle/>
+                    <a:p>
+                      <a:pPr algn="ctr">
+                        <a:lnSpc>
+                          <a:spcPct val="107000"/>
+                        </a:lnSpc>
+                        <a:spcAft>
+                          <a:spcPts val="0"/>
+                        </a:spcAft>
+                      </a:pPr>
+                      <a:r>
+                        <a:rPr lang="ru-RU" sz="1200" b="1">
+                          <a:effectLst/>
+                          <a:latin typeface="Times New Roman" panose="02020603050405020304" pitchFamily="18" charset="0"/>
+                          <a:ea typeface="Times New Roman" panose="02020603050405020304" pitchFamily="18" charset="0"/>
+                          <a:cs typeface="Times New Roman" panose="02020603050405020304" pitchFamily="18" charset="0"/>
+                        </a:rPr>
+                        <a:t>4</a:t>
+                      </a:r>
+                      <a:endParaRPr lang="en-US" sz="1100">
+                        <a:effectLst/>
+                        <a:latin typeface="Calibri" panose="020F0502020204030204" pitchFamily="34" charset="0"/>
+                        <a:ea typeface="Calibri" panose="020F0502020204030204" pitchFamily="34" charset="0"/>
+                        <a:cs typeface="Times New Roman" panose="02020603050405020304" pitchFamily="18" charset="0"/>
+                      </a:endParaRPr>
+                    </a:p>
+                  </a:txBody>
+                  <a:tcPr marL="66634" marR="66634" marT="0" marB="0">
+                    <a:lnL w="12700" cap="flat" cmpd="sng" algn="ctr">
+                      <a:solidFill>
+                        <a:srgbClr val="000000"/>
+                      </a:solidFill>
+                      <a:prstDash val="solid"/>
+                      <a:round/>
+                      <a:headEnd type="none" w="med" len="med"/>
+                      <a:tailEnd type="none" w="med" len="med"/>
+                    </a:lnL>
+                    <a:lnR w="12700" cap="flat" cmpd="sng" algn="ctr">
+                      <a:solidFill>
+                        <a:srgbClr val="000000"/>
+                      </a:solidFill>
+                      <a:prstDash val="solid"/>
+                      <a:round/>
+                      <a:headEnd type="none" w="med" len="med"/>
+                      <a:tailEnd type="none" w="med" len="med"/>
+                    </a:lnR>
+                    <a:lnT w="12700" cap="flat" cmpd="sng" algn="ctr">
+                      <a:solidFill>
+                        <a:srgbClr val="000000"/>
+                      </a:solidFill>
+                      <a:prstDash val="solid"/>
+                      <a:round/>
+                      <a:headEnd type="none" w="med" len="med"/>
+                      <a:tailEnd type="none" w="med" len="med"/>
+                    </a:lnT>
+                    <a:lnB w="12700" cap="flat" cmpd="sng" algn="ctr">
+                      <a:solidFill>
+                        <a:srgbClr val="000000"/>
+                      </a:solidFill>
+                      <a:prstDash val="solid"/>
+                      <a:round/>
+                      <a:headEnd type="none" w="med" len="med"/>
+                      <a:tailEnd type="none" w="med" len="med"/>
+                    </a:lnB>
+                  </a:tcPr>
+                </a:tc>
+                <a:tc>
+                  <a:txBody>
+                    <a:bodyPr/>
+                    <a:lstStyle/>
+                    <a:p>
+                      <a:pPr algn="ctr">
+                        <a:lnSpc>
+                          <a:spcPct val="107000"/>
+                        </a:lnSpc>
+                        <a:spcAft>
+                          <a:spcPts val="0"/>
+                        </a:spcAft>
+                      </a:pPr>
+                      <a:r>
+                        <a:rPr lang="ru-RU" sz="1200" b="1">
+                          <a:effectLst/>
+                          <a:latin typeface="Times New Roman" panose="02020603050405020304" pitchFamily="18" charset="0"/>
+                          <a:ea typeface="Times New Roman" panose="02020603050405020304" pitchFamily="18" charset="0"/>
+                          <a:cs typeface="Times New Roman" panose="02020603050405020304" pitchFamily="18" charset="0"/>
+                        </a:rPr>
+                        <a:t>5</a:t>
+                      </a:r>
+                      <a:endParaRPr lang="en-US" sz="1100">
+                        <a:effectLst/>
+                        <a:latin typeface="Calibri" panose="020F0502020204030204" pitchFamily="34" charset="0"/>
+                        <a:ea typeface="Calibri" panose="020F0502020204030204" pitchFamily="34" charset="0"/>
+                        <a:cs typeface="Times New Roman" panose="02020603050405020304" pitchFamily="18" charset="0"/>
+                      </a:endParaRPr>
+                    </a:p>
+                  </a:txBody>
+                  <a:tcPr marL="66634" marR="66634" marT="0" marB="0">
+                    <a:lnL w="12700" cap="flat" cmpd="sng" algn="ctr">
+                      <a:solidFill>
+                        <a:srgbClr val="000000"/>
+                      </a:solidFill>
+                      <a:prstDash val="solid"/>
+                      <a:round/>
+                      <a:headEnd type="none" w="med" len="med"/>
+                      <a:tailEnd type="none" w="med" len="med"/>
+                    </a:lnL>
+                    <a:lnR w="12700" cap="flat" cmpd="sng" algn="ctr">
+                      <a:solidFill>
+                        <a:srgbClr val="000000"/>
+                      </a:solidFill>
+                      <a:prstDash val="solid"/>
+                      <a:round/>
+                      <a:headEnd type="none" w="med" len="med"/>
+                      <a:tailEnd type="none" w="med" len="med"/>
+                    </a:lnR>
+                    <a:lnT w="12700" cap="flat" cmpd="sng" algn="ctr">
+                      <a:solidFill>
+                        <a:srgbClr val="000000"/>
+                      </a:solidFill>
+                      <a:prstDash val="solid"/>
+                      <a:round/>
+                      <a:headEnd type="none" w="med" len="med"/>
+                      <a:tailEnd type="none" w="med" len="med"/>
+                    </a:lnT>
+                    <a:lnB w="12700" cap="flat" cmpd="sng" algn="ctr">
+                      <a:solidFill>
+                        <a:srgbClr val="000000"/>
+                      </a:solidFill>
+                      <a:prstDash val="solid"/>
+                      <a:round/>
+                      <a:headEnd type="none" w="med" len="med"/>
+                      <a:tailEnd type="none" w="med" len="med"/>
+                    </a:lnB>
+                  </a:tcPr>
+                </a:tc>
+                <a:tc>
+                  <a:txBody>
+                    <a:bodyPr/>
+                    <a:lstStyle/>
+                    <a:p>
+                      <a:pPr algn="ctr">
+                        <a:lnSpc>
+                          <a:spcPct val="107000"/>
+                        </a:lnSpc>
+                        <a:spcAft>
+                          <a:spcPts val="0"/>
+                        </a:spcAft>
+                      </a:pPr>
+                      <a:r>
+                        <a:rPr lang="ru-RU" sz="1200" b="1">
+                          <a:effectLst/>
+                          <a:latin typeface="Times New Roman" panose="02020603050405020304" pitchFamily="18" charset="0"/>
+                          <a:ea typeface="Times New Roman" panose="02020603050405020304" pitchFamily="18" charset="0"/>
+                          <a:cs typeface="Times New Roman" panose="02020603050405020304" pitchFamily="18" charset="0"/>
+                        </a:rPr>
+                        <a:t>6</a:t>
+                      </a:r>
+                      <a:endParaRPr lang="en-US" sz="1100">
+                        <a:effectLst/>
+                        <a:latin typeface="Calibri" panose="020F0502020204030204" pitchFamily="34" charset="0"/>
+                        <a:ea typeface="Calibri" panose="020F0502020204030204" pitchFamily="34" charset="0"/>
+                        <a:cs typeface="Times New Roman" panose="02020603050405020304" pitchFamily="18" charset="0"/>
+                      </a:endParaRPr>
+                    </a:p>
+                  </a:txBody>
+                  <a:tcPr marL="66634" marR="66634" marT="0" marB="0">
+                    <a:lnL w="12700" cap="flat" cmpd="sng" algn="ctr">
+                      <a:solidFill>
+                        <a:srgbClr val="000000"/>
+                      </a:solidFill>
+                      <a:prstDash val="solid"/>
+                      <a:round/>
+                      <a:headEnd type="none" w="med" len="med"/>
+                      <a:tailEnd type="none" w="med" len="med"/>
+                    </a:lnL>
+                    <a:lnR w="12700" cap="flat" cmpd="sng" algn="ctr">
+                      <a:solidFill>
+                        <a:srgbClr val="000000"/>
+                      </a:solidFill>
+                      <a:prstDash val="solid"/>
+                      <a:round/>
+                      <a:headEnd type="none" w="med" len="med"/>
+                      <a:tailEnd type="none" w="med" len="med"/>
+                    </a:lnR>
+                    <a:lnT w="12700" cap="flat" cmpd="sng" algn="ctr">
+                      <a:solidFill>
+                        <a:srgbClr val="000000"/>
+                      </a:solidFill>
+                      <a:prstDash val="solid"/>
+                      <a:round/>
+                      <a:headEnd type="none" w="med" len="med"/>
+                      <a:tailEnd type="none" w="med" len="med"/>
+                    </a:lnT>
+                    <a:lnB w="12700" cap="flat" cmpd="sng" algn="ctr">
+                      <a:solidFill>
+                        <a:srgbClr val="000000"/>
+                      </a:solidFill>
+                      <a:prstDash val="solid"/>
+                      <a:round/>
+                      <a:headEnd type="none" w="med" len="med"/>
+                      <a:tailEnd type="none" w="med" len="med"/>
+                    </a:lnB>
+                  </a:tcPr>
+                </a:tc>
+                <a:tc>
+                  <a:txBody>
+                    <a:bodyPr/>
+                    <a:lstStyle/>
+                    <a:p>
+                      <a:pPr algn="ctr">
+                        <a:lnSpc>
+                          <a:spcPct val="107000"/>
+                        </a:lnSpc>
+                        <a:spcAft>
+                          <a:spcPts val="0"/>
+                        </a:spcAft>
+                      </a:pPr>
+                      <a:r>
+                        <a:rPr lang="ru-RU" sz="1200" b="1">
+                          <a:effectLst/>
+                          <a:latin typeface="Times New Roman" panose="02020603050405020304" pitchFamily="18" charset="0"/>
+                          <a:ea typeface="Times New Roman" panose="02020603050405020304" pitchFamily="18" charset="0"/>
+                          <a:cs typeface="Times New Roman" panose="02020603050405020304" pitchFamily="18" charset="0"/>
+                        </a:rPr>
+                        <a:t>7</a:t>
+                      </a:r>
+                      <a:endParaRPr lang="en-US" sz="1100">
+                        <a:effectLst/>
+                        <a:latin typeface="Calibri" panose="020F0502020204030204" pitchFamily="34" charset="0"/>
+                        <a:ea typeface="Calibri" panose="020F0502020204030204" pitchFamily="34" charset="0"/>
+                        <a:cs typeface="Times New Roman" panose="02020603050405020304" pitchFamily="18" charset="0"/>
+                      </a:endParaRPr>
+                    </a:p>
+                  </a:txBody>
+                  <a:tcPr marL="66634" marR="66634" marT="0" marB="0">
+                    <a:lnL w="12700" cap="flat" cmpd="sng" algn="ctr">
+                      <a:solidFill>
+                        <a:srgbClr val="000000"/>
+                      </a:solidFill>
+                      <a:prstDash val="solid"/>
+                      <a:round/>
+                      <a:headEnd type="none" w="med" len="med"/>
+                      <a:tailEnd type="none" w="med" len="med"/>
+                    </a:lnL>
+                    <a:lnR w="12700" cap="flat" cmpd="sng" algn="ctr">
+                      <a:solidFill>
+                        <a:srgbClr val="000000"/>
+                      </a:solidFill>
+                      <a:prstDash val="solid"/>
+                      <a:round/>
+                      <a:headEnd type="none" w="med" len="med"/>
+                      <a:tailEnd type="none" w="med" len="med"/>
+                    </a:lnR>
+                    <a:lnT w="12700" cap="flat" cmpd="sng" algn="ctr">
+                      <a:solidFill>
+                        <a:srgbClr val="000000"/>
+                      </a:solidFill>
+                      <a:prstDash val="solid"/>
+                      <a:round/>
+                      <a:headEnd type="none" w="med" len="med"/>
+                      <a:tailEnd type="none" w="med" len="med"/>
+                    </a:lnT>
+                    <a:lnB w="12700" cap="flat" cmpd="sng" algn="ctr">
+                      <a:solidFill>
+                        <a:srgbClr val="000000"/>
+                      </a:solidFill>
+                      <a:prstDash val="solid"/>
+                      <a:round/>
+                      <a:headEnd type="none" w="med" len="med"/>
+                      <a:tailEnd type="none" w="med" len="med"/>
+                    </a:lnB>
+                  </a:tcPr>
+                </a:tc>
+                <a:tc>
+                  <a:txBody>
+                    <a:bodyPr/>
+                    <a:lstStyle/>
+                    <a:p>
+                      <a:pPr algn="ctr">
+                        <a:lnSpc>
+                          <a:spcPct val="107000"/>
+                        </a:lnSpc>
+                        <a:spcAft>
+                          <a:spcPts val="0"/>
+                        </a:spcAft>
+                      </a:pPr>
+                      <a:r>
+                        <a:rPr lang="ru-RU" sz="1200" b="1">
+                          <a:effectLst/>
+                          <a:latin typeface="Times New Roman" panose="02020603050405020304" pitchFamily="18" charset="0"/>
+                          <a:ea typeface="Times New Roman" panose="02020603050405020304" pitchFamily="18" charset="0"/>
+                          <a:cs typeface="Times New Roman" panose="02020603050405020304" pitchFamily="18" charset="0"/>
+                        </a:rPr>
+                        <a:t>8</a:t>
+                      </a:r>
+                      <a:endParaRPr lang="en-US" sz="1100">
+                        <a:effectLst/>
+                        <a:latin typeface="Calibri" panose="020F0502020204030204" pitchFamily="34" charset="0"/>
+                        <a:ea typeface="Calibri" panose="020F0502020204030204" pitchFamily="34" charset="0"/>
+                        <a:cs typeface="Times New Roman" panose="02020603050405020304" pitchFamily="18" charset="0"/>
+                      </a:endParaRPr>
+                    </a:p>
+                  </a:txBody>
+                  <a:tcPr marL="66634" marR="66634" marT="0" marB="0">
+                    <a:lnL w="12700" cap="flat" cmpd="sng" algn="ctr">
+                      <a:solidFill>
+                        <a:srgbClr val="000000"/>
+                      </a:solidFill>
+                      <a:prstDash val="solid"/>
+                      <a:round/>
+                      <a:headEnd type="none" w="med" len="med"/>
+                      <a:tailEnd type="none" w="med" len="med"/>
+                    </a:lnL>
+                    <a:lnR w="12700" cap="flat" cmpd="sng" algn="ctr">
+                      <a:solidFill>
+                        <a:srgbClr val="000000"/>
+                      </a:solidFill>
+                      <a:prstDash val="solid"/>
+                      <a:round/>
+                      <a:headEnd type="none" w="med" len="med"/>
+                      <a:tailEnd type="none" w="med" len="med"/>
+                    </a:lnR>
+                    <a:lnT w="12700" cap="flat" cmpd="sng" algn="ctr">
+                      <a:solidFill>
+                        <a:srgbClr val="000000"/>
+                      </a:solidFill>
+                      <a:prstDash val="solid"/>
+                      <a:round/>
+                      <a:headEnd type="none" w="med" len="med"/>
+                      <a:tailEnd type="none" w="med" len="med"/>
+                    </a:lnT>
+                    <a:lnB w="12700" cap="flat" cmpd="sng" algn="ctr">
+                      <a:solidFill>
+                        <a:srgbClr val="000000"/>
+                      </a:solidFill>
+                      <a:prstDash val="solid"/>
+                      <a:round/>
+                      <a:headEnd type="none" w="med" len="med"/>
+                      <a:tailEnd type="none" w="med" len="med"/>
+                    </a:lnB>
+                  </a:tcPr>
+                </a:tc>
+                <a:tc>
+                  <a:txBody>
+                    <a:bodyPr/>
+                    <a:lstStyle/>
+                    <a:p>
+                      <a:pPr algn="ctr">
+                        <a:lnSpc>
+                          <a:spcPct val="107000"/>
+                        </a:lnSpc>
+                        <a:spcAft>
+                          <a:spcPts val="0"/>
+                        </a:spcAft>
+                      </a:pPr>
+                      <a:r>
+                        <a:rPr lang="ru-RU" sz="1200" b="1">
+                          <a:effectLst/>
+                          <a:latin typeface="Times New Roman" panose="02020603050405020304" pitchFamily="18" charset="0"/>
+                          <a:ea typeface="Times New Roman" panose="02020603050405020304" pitchFamily="18" charset="0"/>
+                          <a:cs typeface="Times New Roman" panose="02020603050405020304" pitchFamily="18" charset="0"/>
+                        </a:rPr>
+                        <a:t>9</a:t>
+                      </a:r>
+                      <a:endParaRPr lang="en-US" sz="1100">
+                        <a:effectLst/>
+                        <a:latin typeface="Calibri" panose="020F0502020204030204" pitchFamily="34" charset="0"/>
+                        <a:ea typeface="Calibri" panose="020F0502020204030204" pitchFamily="34" charset="0"/>
+                        <a:cs typeface="Times New Roman" panose="02020603050405020304" pitchFamily="18" charset="0"/>
+                      </a:endParaRPr>
+                    </a:p>
+                  </a:txBody>
+                  <a:tcPr marL="66634" marR="66634" marT="0" marB="0">
+                    <a:lnL w="12700" cap="flat" cmpd="sng" algn="ctr">
+                      <a:solidFill>
+                        <a:srgbClr val="000000"/>
+                      </a:solidFill>
+                      <a:prstDash val="solid"/>
+                      <a:round/>
+                      <a:headEnd type="none" w="med" len="med"/>
+                      <a:tailEnd type="none" w="med" len="med"/>
+                    </a:lnL>
+                    <a:lnR w="12700" cap="flat" cmpd="sng" algn="ctr">
+                      <a:solidFill>
+                        <a:srgbClr val="000000"/>
+                      </a:solidFill>
+                      <a:prstDash val="solid"/>
+                      <a:round/>
+                      <a:headEnd type="none" w="med" len="med"/>
+                      <a:tailEnd type="none" w="med" len="med"/>
+                    </a:lnR>
+                    <a:lnT w="12700" cap="flat" cmpd="sng" algn="ctr">
+                      <a:solidFill>
+                        <a:srgbClr val="000000"/>
+                      </a:solidFill>
+                      <a:prstDash val="solid"/>
+                      <a:round/>
+                      <a:headEnd type="none" w="med" len="med"/>
+                      <a:tailEnd type="none" w="med" len="med"/>
+                    </a:lnT>
+                    <a:lnB w="12700" cap="flat" cmpd="sng" algn="ctr">
+                      <a:solidFill>
+                        <a:srgbClr val="000000"/>
+                      </a:solidFill>
+                      <a:prstDash val="solid"/>
+                      <a:round/>
+                      <a:headEnd type="none" w="med" len="med"/>
+                      <a:tailEnd type="none" w="med" len="med"/>
+                    </a:lnB>
+                  </a:tcPr>
+                </a:tc>
+                <a:tc>
+                  <a:txBody>
+                    <a:bodyPr/>
+                    <a:lstStyle/>
+                    <a:p>
+                      <a:pPr algn="ctr">
+                        <a:lnSpc>
+                          <a:spcPct val="107000"/>
+                        </a:lnSpc>
+                        <a:spcAft>
+                          <a:spcPts val="0"/>
+                        </a:spcAft>
+                      </a:pPr>
+                      <a:r>
+                        <a:rPr lang="ru-RU" sz="1200" b="1">
+                          <a:effectLst/>
+                          <a:latin typeface="Times New Roman" panose="02020603050405020304" pitchFamily="18" charset="0"/>
+                          <a:ea typeface="Times New Roman" panose="02020603050405020304" pitchFamily="18" charset="0"/>
+                          <a:cs typeface="Times New Roman" panose="02020603050405020304" pitchFamily="18" charset="0"/>
+                        </a:rPr>
+                        <a:t>10</a:t>
+                      </a:r>
+                      <a:endParaRPr lang="en-US" sz="1100">
+                        <a:effectLst/>
+                        <a:latin typeface="Calibri" panose="020F0502020204030204" pitchFamily="34" charset="0"/>
+                        <a:ea typeface="Calibri" panose="020F0502020204030204" pitchFamily="34" charset="0"/>
+                        <a:cs typeface="Times New Roman" panose="02020603050405020304" pitchFamily="18" charset="0"/>
+                      </a:endParaRPr>
+                    </a:p>
+                  </a:txBody>
+                  <a:tcPr marL="66634" marR="66634" marT="0" marB="0">
+                    <a:lnL w="12700" cap="flat" cmpd="sng" algn="ctr">
+                      <a:solidFill>
+                        <a:srgbClr val="000000"/>
+                      </a:solidFill>
+                      <a:prstDash val="solid"/>
+                      <a:round/>
+                      <a:headEnd type="none" w="med" len="med"/>
+                      <a:tailEnd type="none" w="med" len="med"/>
+                    </a:lnL>
+                    <a:lnR w="12700" cap="flat" cmpd="sng" algn="ctr">
+                      <a:solidFill>
+                        <a:srgbClr val="000000"/>
+                      </a:solidFill>
+                      <a:prstDash val="solid"/>
+                      <a:round/>
+                      <a:headEnd type="none" w="med" len="med"/>
+                      <a:tailEnd type="none" w="med" len="med"/>
+                    </a:lnR>
+                    <a:lnT w="12700" cap="flat" cmpd="sng" algn="ctr">
+                      <a:solidFill>
+                        <a:srgbClr val="000000"/>
+                      </a:solidFill>
+                      <a:prstDash val="solid"/>
+                      <a:round/>
+                      <a:headEnd type="none" w="med" len="med"/>
+                      <a:tailEnd type="none" w="med" len="med"/>
+                    </a:lnT>
+                    <a:lnB w="12700" cap="flat" cmpd="sng" algn="ctr">
+                      <a:solidFill>
+                        <a:srgbClr val="000000"/>
+                      </a:solidFill>
+                      <a:prstDash val="solid"/>
+                      <a:round/>
+                      <a:headEnd type="none" w="med" len="med"/>
+                      <a:tailEnd type="none" w="med" len="med"/>
+                    </a:lnB>
+                  </a:tcPr>
+                </a:tc>
+                <a:extLst>
+                  <a:ext uri="{0D108BD9-81ED-4DB2-BD59-A6C34878D82A}">
+                    <a16:rowId xmlns:a16="http://schemas.microsoft.com/office/drawing/2014/main" val="3712696908"/>
+                  </a:ext>
+                </a:extLst>
+              </a:tr>
+              <a:tr h="3232623">
+                <a:tc>
+                  <a:txBody>
+                    <a:bodyPr/>
+                    <a:lstStyle/>
+                    <a:p>
+                      <a:pPr>
+                        <a:lnSpc>
+                          <a:spcPct val="107000"/>
+                        </a:lnSpc>
+                        <a:spcAft>
+                          <a:spcPts val="0"/>
+                        </a:spcAft>
+                      </a:pPr>
+                      <a:r>
+                        <a:rPr lang="ru-RU" sz="1200">
+                          <a:effectLst/>
+                          <a:latin typeface="Times New Roman" panose="02020603050405020304" pitchFamily="18" charset="0"/>
+                          <a:ea typeface="Times New Roman" panose="02020603050405020304" pitchFamily="18" charset="0"/>
+                          <a:cs typeface="Times New Roman" panose="02020603050405020304" pitchFamily="18" charset="0"/>
+                        </a:rPr>
+                        <a:t>1. Входной контроль качества птицы сельскохозяйственной для убоя</a:t>
+                      </a:r>
+                      <a:endParaRPr lang="en-US" sz="1100">
+                        <a:effectLst/>
+                        <a:latin typeface="Calibri" panose="020F0502020204030204" pitchFamily="34" charset="0"/>
+                        <a:ea typeface="Calibri" panose="020F0502020204030204" pitchFamily="34" charset="0"/>
+                        <a:cs typeface="Times New Roman" panose="02020603050405020304" pitchFamily="18" charset="0"/>
+                      </a:endParaRPr>
+                    </a:p>
+                    <a:p>
+                      <a:pPr>
+                        <a:lnSpc>
+                          <a:spcPct val="107000"/>
+                        </a:lnSpc>
+                        <a:spcAft>
+                          <a:spcPts val="0"/>
+                        </a:spcAft>
+                      </a:pPr>
+                      <a:r>
+                        <a:rPr lang="ru-RU" sz="1200">
+                          <a:effectLst/>
+                          <a:latin typeface="Times New Roman" panose="02020603050405020304" pitchFamily="18" charset="0"/>
+                          <a:ea typeface="Times New Roman" panose="02020603050405020304" pitchFamily="18" charset="0"/>
+                          <a:cs typeface="Times New Roman" panose="02020603050405020304" pitchFamily="18" charset="0"/>
+                        </a:rPr>
+                        <a:t> </a:t>
+                      </a:r>
+                      <a:endParaRPr lang="en-US" sz="1100">
+                        <a:effectLst/>
+                        <a:latin typeface="Calibri" panose="020F0502020204030204" pitchFamily="34" charset="0"/>
+                        <a:ea typeface="Calibri" panose="020F0502020204030204" pitchFamily="34" charset="0"/>
+                        <a:cs typeface="Times New Roman" panose="02020603050405020304" pitchFamily="18" charset="0"/>
+                      </a:endParaRPr>
+                    </a:p>
+                    <a:p>
+                      <a:pPr>
+                        <a:lnSpc>
+                          <a:spcPct val="107000"/>
+                        </a:lnSpc>
+                        <a:spcAft>
+                          <a:spcPts val="0"/>
+                        </a:spcAft>
+                      </a:pPr>
+                      <a:r>
+                        <a:rPr lang="ru-RU" sz="1200">
+                          <a:effectLst/>
+                          <a:latin typeface="Times New Roman" panose="02020603050405020304" pitchFamily="18" charset="0"/>
+                          <a:ea typeface="Times New Roman" panose="02020603050405020304" pitchFamily="18" charset="0"/>
+                          <a:cs typeface="Times New Roman" panose="02020603050405020304" pitchFamily="18" charset="0"/>
+                        </a:rPr>
+                        <a:t> </a:t>
+                      </a:r>
+                      <a:endParaRPr lang="en-US" sz="1100">
+                        <a:effectLst/>
+                        <a:latin typeface="Calibri" panose="020F0502020204030204" pitchFamily="34" charset="0"/>
+                        <a:ea typeface="Calibri" panose="020F0502020204030204" pitchFamily="34" charset="0"/>
+                        <a:cs typeface="Times New Roman" panose="02020603050405020304" pitchFamily="18" charset="0"/>
+                      </a:endParaRPr>
+                    </a:p>
+                    <a:p>
+                      <a:pPr>
+                        <a:lnSpc>
+                          <a:spcPct val="107000"/>
+                        </a:lnSpc>
+                        <a:spcAft>
+                          <a:spcPts val="0"/>
+                        </a:spcAft>
+                      </a:pPr>
+                      <a:r>
+                        <a:rPr lang="ru-RU" sz="1200">
+                          <a:effectLst/>
+                          <a:latin typeface="Times New Roman" panose="02020603050405020304" pitchFamily="18" charset="0"/>
+                          <a:ea typeface="Times New Roman" panose="02020603050405020304" pitchFamily="18" charset="0"/>
+                          <a:cs typeface="Times New Roman" panose="02020603050405020304" pitchFamily="18" charset="0"/>
+                        </a:rPr>
+                        <a:t> </a:t>
+                      </a:r>
+                      <a:endParaRPr lang="en-US" sz="1100">
+                        <a:effectLst/>
+                        <a:latin typeface="Calibri" panose="020F0502020204030204" pitchFamily="34" charset="0"/>
+                        <a:ea typeface="Calibri" panose="020F0502020204030204" pitchFamily="34" charset="0"/>
+                        <a:cs typeface="Times New Roman" panose="02020603050405020304" pitchFamily="18" charset="0"/>
+                      </a:endParaRPr>
+                    </a:p>
+                    <a:p>
+                      <a:pPr algn="ctr">
+                        <a:lnSpc>
+                          <a:spcPct val="107000"/>
+                        </a:lnSpc>
+                        <a:spcAft>
+                          <a:spcPts val="0"/>
+                        </a:spcAft>
+                      </a:pPr>
+                      <a:r>
+                        <a:rPr lang="ru-RU" sz="1200" b="1">
+                          <a:effectLst/>
+                          <a:latin typeface="Times New Roman" panose="02020603050405020304" pitchFamily="18" charset="0"/>
+                          <a:ea typeface="Times New Roman" panose="02020603050405020304" pitchFamily="18" charset="0"/>
+                          <a:cs typeface="Times New Roman" panose="02020603050405020304" pitchFamily="18" charset="0"/>
+                        </a:rPr>
+                        <a:t> </a:t>
+                      </a:r>
+                      <a:endParaRPr lang="en-US" sz="1100">
+                        <a:effectLst/>
+                        <a:latin typeface="Calibri" panose="020F0502020204030204" pitchFamily="34" charset="0"/>
+                        <a:ea typeface="Calibri" panose="020F0502020204030204" pitchFamily="34" charset="0"/>
+                        <a:cs typeface="Times New Roman" panose="02020603050405020304" pitchFamily="18" charset="0"/>
+                      </a:endParaRPr>
+                    </a:p>
+                    <a:p>
+                      <a:pPr algn="ctr">
+                        <a:lnSpc>
+                          <a:spcPct val="107000"/>
+                        </a:lnSpc>
+                        <a:spcAft>
+                          <a:spcPts val="0"/>
+                        </a:spcAft>
+                      </a:pPr>
+                      <a:r>
+                        <a:rPr lang="ru-RU" sz="1200" b="1">
+                          <a:effectLst/>
+                          <a:latin typeface="Times New Roman" panose="02020603050405020304" pitchFamily="18" charset="0"/>
+                          <a:ea typeface="Times New Roman" panose="02020603050405020304" pitchFamily="18" charset="0"/>
+                          <a:cs typeface="Times New Roman" panose="02020603050405020304" pitchFamily="18" charset="0"/>
+                        </a:rPr>
+                        <a:t> </a:t>
+                      </a:r>
+                      <a:endParaRPr lang="en-US" sz="1100">
+                        <a:effectLst/>
+                        <a:latin typeface="Calibri" panose="020F0502020204030204" pitchFamily="34" charset="0"/>
+                        <a:ea typeface="Calibri" panose="020F0502020204030204" pitchFamily="34" charset="0"/>
+                        <a:cs typeface="Times New Roman" panose="02020603050405020304" pitchFamily="18" charset="0"/>
+                      </a:endParaRPr>
+                    </a:p>
+                    <a:p>
+                      <a:pPr algn="ctr">
+                        <a:lnSpc>
+                          <a:spcPct val="107000"/>
+                        </a:lnSpc>
+                        <a:spcAft>
+                          <a:spcPts val="0"/>
+                        </a:spcAft>
+                      </a:pPr>
+                      <a:r>
+                        <a:rPr lang="ru-RU" sz="1200" b="1">
+                          <a:effectLst/>
+                          <a:latin typeface="Times New Roman" panose="02020603050405020304" pitchFamily="18" charset="0"/>
+                          <a:ea typeface="Times New Roman" panose="02020603050405020304" pitchFamily="18" charset="0"/>
+                          <a:cs typeface="Times New Roman" panose="02020603050405020304" pitchFamily="18" charset="0"/>
+                        </a:rPr>
+                        <a:t> </a:t>
+                      </a:r>
+                      <a:endParaRPr lang="en-US" sz="1100">
+                        <a:effectLst/>
+                        <a:latin typeface="Calibri" panose="020F0502020204030204" pitchFamily="34" charset="0"/>
+                        <a:ea typeface="Calibri" panose="020F0502020204030204" pitchFamily="34" charset="0"/>
+                        <a:cs typeface="Times New Roman" panose="02020603050405020304" pitchFamily="18" charset="0"/>
+                      </a:endParaRPr>
+                    </a:p>
+                    <a:p>
+                      <a:pPr algn="ctr">
+                        <a:lnSpc>
+                          <a:spcPct val="107000"/>
+                        </a:lnSpc>
+                        <a:spcAft>
+                          <a:spcPts val="0"/>
+                        </a:spcAft>
+                      </a:pPr>
+                      <a:r>
+                        <a:rPr lang="ru-RU" sz="1200" b="1">
+                          <a:effectLst/>
+                          <a:latin typeface="Times New Roman" panose="02020603050405020304" pitchFamily="18" charset="0"/>
+                          <a:ea typeface="Times New Roman" panose="02020603050405020304" pitchFamily="18" charset="0"/>
+                          <a:cs typeface="Times New Roman" panose="02020603050405020304" pitchFamily="18" charset="0"/>
+                        </a:rPr>
+                        <a:t> </a:t>
+                      </a:r>
+                      <a:endParaRPr lang="en-US" sz="1100">
+                        <a:effectLst/>
+                        <a:latin typeface="Calibri" panose="020F0502020204030204" pitchFamily="34" charset="0"/>
+                        <a:ea typeface="Calibri" panose="020F0502020204030204" pitchFamily="34" charset="0"/>
+                        <a:cs typeface="Times New Roman" panose="02020603050405020304" pitchFamily="18" charset="0"/>
+                      </a:endParaRPr>
+                    </a:p>
+                    <a:p>
+                      <a:pPr algn="ctr">
+                        <a:lnSpc>
+                          <a:spcPct val="107000"/>
+                        </a:lnSpc>
+                        <a:spcAft>
+                          <a:spcPts val="0"/>
+                        </a:spcAft>
+                      </a:pPr>
+                      <a:r>
+                        <a:rPr lang="ru-RU" sz="1200" b="1">
+                          <a:effectLst/>
+                          <a:latin typeface="Times New Roman" panose="02020603050405020304" pitchFamily="18" charset="0"/>
+                          <a:ea typeface="Times New Roman" panose="02020603050405020304" pitchFamily="18" charset="0"/>
+                          <a:cs typeface="Times New Roman" panose="02020603050405020304" pitchFamily="18" charset="0"/>
+                        </a:rPr>
+                        <a:t> </a:t>
+                      </a:r>
+                      <a:endParaRPr lang="en-US" sz="1100">
+                        <a:effectLst/>
+                        <a:latin typeface="Calibri" panose="020F0502020204030204" pitchFamily="34" charset="0"/>
+                        <a:ea typeface="Calibri" panose="020F0502020204030204" pitchFamily="34" charset="0"/>
+                        <a:cs typeface="Times New Roman" panose="02020603050405020304" pitchFamily="18" charset="0"/>
+                      </a:endParaRPr>
+                    </a:p>
+                    <a:p>
+                      <a:pPr algn="ctr">
+                        <a:lnSpc>
+                          <a:spcPct val="107000"/>
+                        </a:lnSpc>
+                        <a:spcAft>
+                          <a:spcPts val="0"/>
+                        </a:spcAft>
+                      </a:pPr>
+                      <a:r>
+                        <a:rPr lang="ru-RU" sz="1200" b="1">
+                          <a:effectLst/>
+                          <a:latin typeface="Times New Roman" panose="02020603050405020304" pitchFamily="18" charset="0"/>
+                          <a:ea typeface="Times New Roman" panose="02020603050405020304" pitchFamily="18" charset="0"/>
+                          <a:cs typeface="Times New Roman" panose="02020603050405020304" pitchFamily="18" charset="0"/>
+                        </a:rPr>
+                        <a:t> </a:t>
+                      </a:r>
+                      <a:endParaRPr lang="en-US" sz="1100">
+                        <a:effectLst/>
+                        <a:latin typeface="Calibri" panose="020F0502020204030204" pitchFamily="34" charset="0"/>
+                        <a:ea typeface="Calibri" panose="020F0502020204030204" pitchFamily="34" charset="0"/>
+                        <a:cs typeface="Times New Roman" panose="02020603050405020304" pitchFamily="18" charset="0"/>
+                      </a:endParaRPr>
+                    </a:p>
+                    <a:p>
+                      <a:pPr>
+                        <a:lnSpc>
+                          <a:spcPct val="107000"/>
+                        </a:lnSpc>
+                        <a:spcAft>
+                          <a:spcPts val="0"/>
+                        </a:spcAft>
+                      </a:pPr>
+                      <a:r>
+                        <a:rPr lang="ru-RU" sz="1200" b="1">
+                          <a:effectLst/>
+                          <a:latin typeface="Times New Roman" panose="02020603050405020304" pitchFamily="18" charset="0"/>
+                          <a:ea typeface="Times New Roman" panose="02020603050405020304" pitchFamily="18" charset="0"/>
+                          <a:cs typeface="Times New Roman" panose="02020603050405020304" pitchFamily="18" charset="0"/>
+                        </a:rPr>
+                        <a:t> </a:t>
+                      </a:r>
+                      <a:endParaRPr lang="en-US" sz="1100">
+                        <a:effectLst/>
+                        <a:latin typeface="Calibri" panose="020F0502020204030204" pitchFamily="34" charset="0"/>
+                        <a:ea typeface="Calibri" panose="020F0502020204030204" pitchFamily="34" charset="0"/>
+                        <a:cs typeface="Times New Roman" panose="02020603050405020304" pitchFamily="18" charset="0"/>
+                      </a:endParaRPr>
+                    </a:p>
+                  </a:txBody>
+                  <a:tcPr marL="66634" marR="66634" marT="0" marB="0">
+                    <a:lnL w="12700" cap="flat" cmpd="sng" algn="ctr">
+                      <a:solidFill>
+                        <a:srgbClr val="000000"/>
+                      </a:solidFill>
+                      <a:prstDash val="solid"/>
+                      <a:round/>
+                      <a:headEnd type="none" w="med" len="med"/>
+                      <a:tailEnd type="none" w="med" len="med"/>
+                    </a:lnL>
+                    <a:lnR w="12700" cap="flat" cmpd="sng" algn="ctr">
+                      <a:solidFill>
+                        <a:srgbClr val="000000"/>
+                      </a:solidFill>
+                      <a:prstDash val="solid"/>
+                      <a:round/>
+                      <a:headEnd type="none" w="med" len="med"/>
+                      <a:tailEnd type="none" w="med" len="med"/>
+                    </a:lnR>
+                    <a:lnT w="12700" cap="flat" cmpd="sng" algn="ctr">
+                      <a:solidFill>
+                        <a:srgbClr val="000000"/>
+                      </a:solidFill>
+                      <a:prstDash val="solid"/>
+                      <a:round/>
+                      <a:headEnd type="none" w="med" len="med"/>
+                      <a:tailEnd type="none" w="med" len="med"/>
+                    </a:lnT>
+                    <a:lnB w="12700" cap="flat" cmpd="sng" algn="ctr">
+                      <a:solidFill>
+                        <a:srgbClr val="000000"/>
+                      </a:solidFill>
+                      <a:prstDash val="solid"/>
+                      <a:round/>
+                      <a:headEnd type="none" w="med" len="med"/>
+                      <a:tailEnd type="none" w="med" len="med"/>
+                    </a:lnB>
+                  </a:tcPr>
+                </a:tc>
+                <a:tc>
+                  <a:txBody>
+                    <a:bodyPr/>
+                    <a:lstStyle/>
+                    <a:p>
+                      <a:pPr algn="ctr">
+                        <a:lnSpc>
+                          <a:spcPct val="107000"/>
+                        </a:lnSpc>
+                        <a:spcAft>
+                          <a:spcPts val="0"/>
+                        </a:spcAft>
+                      </a:pPr>
+                      <a:r>
+                        <a:rPr lang="ru-RU" sz="1100" b="1">
+                          <a:effectLst/>
+                          <a:latin typeface="Times New Roman" panose="02020603050405020304" pitchFamily="18" charset="0"/>
+                          <a:ea typeface="Times New Roman" panose="02020603050405020304" pitchFamily="18" charset="0"/>
+                          <a:cs typeface="Times New Roman" panose="02020603050405020304" pitchFamily="18" charset="0"/>
+                        </a:rPr>
+                        <a:t>Микробио-логические показатели</a:t>
+                      </a:r>
+                      <a:r>
+                        <a:rPr lang="ru-RU" sz="1200">
+                          <a:effectLst/>
+                          <a:latin typeface="Times New Roman" panose="02020603050405020304" pitchFamily="18" charset="0"/>
+                          <a:ea typeface="Times New Roman" panose="02020603050405020304" pitchFamily="18" charset="0"/>
+                          <a:cs typeface="Times New Roman" panose="02020603050405020304" pitchFamily="18" charset="0"/>
+                        </a:rPr>
+                        <a:t>: </a:t>
+                      </a:r>
+                      <a:endParaRPr lang="en-US" sz="1100">
+                        <a:effectLst/>
+                        <a:latin typeface="Calibri" panose="020F0502020204030204" pitchFamily="34" charset="0"/>
+                        <a:ea typeface="Calibri" panose="020F0502020204030204" pitchFamily="34" charset="0"/>
+                        <a:cs typeface="Times New Roman" panose="02020603050405020304" pitchFamily="18" charset="0"/>
+                      </a:endParaRPr>
+                    </a:p>
+                    <a:p>
+                      <a:pPr>
+                        <a:lnSpc>
+                          <a:spcPct val="107000"/>
+                        </a:lnSpc>
+                        <a:spcAft>
+                          <a:spcPts val="0"/>
+                        </a:spcAft>
+                      </a:pPr>
+                      <a:r>
+                        <a:rPr lang="ru-RU" sz="1200">
+                          <a:effectLst/>
+                          <a:latin typeface="Times New Roman" panose="02020603050405020304" pitchFamily="18" charset="0"/>
+                          <a:ea typeface="Times New Roman" panose="02020603050405020304" pitchFamily="18" charset="0"/>
+                          <a:cs typeface="Times New Roman" panose="02020603050405020304" pitchFamily="18" charset="0"/>
+                        </a:rPr>
+                        <a:t>Сальмонелла </a:t>
+                      </a:r>
+                      <a:endParaRPr lang="en-US" sz="1100">
+                        <a:effectLst/>
+                        <a:latin typeface="Calibri" panose="020F0502020204030204" pitchFamily="34" charset="0"/>
+                        <a:ea typeface="Calibri" panose="020F0502020204030204" pitchFamily="34" charset="0"/>
+                        <a:cs typeface="Times New Roman" panose="02020603050405020304" pitchFamily="18" charset="0"/>
+                      </a:endParaRPr>
+                    </a:p>
+                    <a:p>
+                      <a:pPr algn="ctr">
+                        <a:lnSpc>
+                          <a:spcPct val="107000"/>
+                        </a:lnSpc>
+                        <a:spcAft>
+                          <a:spcPts val="0"/>
+                        </a:spcAft>
+                      </a:pPr>
+                      <a:r>
+                        <a:rPr lang="ru-RU" sz="1200" b="1">
+                          <a:effectLst/>
+                          <a:latin typeface="Times New Roman" panose="02020603050405020304" pitchFamily="18" charset="0"/>
+                          <a:ea typeface="Times New Roman" panose="02020603050405020304" pitchFamily="18" charset="0"/>
+                          <a:cs typeface="Times New Roman" panose="02020603050405020304" pitchFamily="18" charset="0"/>
+                        </a:rPr>
+                        <a:t> </a:t>
+                      </a:r>
+                      <a:endParaRPr lang="en-US" sz="1100">
+                        <a:effectLst/>
+                        <a:latin typeface="Calibri" panose="020F0502020204030204" pitchFamily="34" charset="0"/>
+                        <a:ea typeface="Calibri" panose="020F0502020204030204" pitchFamily="34" charset="0"/>
+                        <a:cs typeface="Times New Roman" panose="02020603050405020304" pitchFamily="18" charset="0"/>
+                      </a:endParaRPr>
+                    </a:p>
+                    <a:p>
+                      <a:pPr algn="ctr">
+                        <a:lnSpc>
+                          <a:spcPct val="107000"/>
+                        </a:lnSpc>
+                        <a:spcAft>
+                          <a:spcPts val="0"/>
+                        </a:spcAft>
+                      </a:pPr>
+                      <a:r>
+                        <a:rPr lang="ru-RU" sz="1200" b="1">
+                          <a:effectLst/>
+                          <a:latin typeface="Times New Roman" panose="02020603050405020304" pitchFamily="18" charset="0"/>
+                          <a:ea typeface="Times New Roman" panose="02020603050405020304" pitchFamily="18" charset="0"/>
+                          <a:cs typeface="Times New Roman" panose="02020603050405020304" pitchFamily="18" charset="0"/>
+                        </a:rPr>
+                        <a:t> </a:t>
+                      </a:r>
+                      <a:endParaRPr lang="en-US" sz="1100">
+                        <a:effectLst/>
+                        <a:latin typeface="Calibri" panose="020F0502020204030204" pitchFamily="34" charset="0"/>
+                        <a:ea typeface="Calibri" panose="020F0502020204030204" pitchFamily="34" charset="0"/>
+                        <a:cs typeface="Times New Roman" panose="02020603050405020304" pitchFamily="18" charset="0"/>
+                      </a:endParaRPr>
+                    </a:p>
+                    <a:p>
+                      <a:pPr>
+                        <a:lnSpc>
+                          <a:spcPct val="107000"/>
+                        </a:lnSpc>
+                        <a:spcAft>
+                          <a:spcPts val="0"/>
+                        </a:spcAft>
+                      </a:pPr>
+                      <a:r>
+                        <a:rPr lang="ru-RU" sz="1200" b="1">
+                          <a:effectLst/>
+                          <a:latin typeface="Times New Roman" panose="02020603050405020304" pitchFamily="18" charset="0"/>
+                          <a:ea typeface="Times New Roman" panose="02020603050405020304" pitchFamily="18" charset="0"/>
+                          <a:cs typeface="Times New Roman" panose="02020603050405020304" pitchFamily="18" charset="0"/>
+                        </a:rPr>
+                        <a:t> </a:t>
+                      </a:r>
+                      <a:endParaRPr lang="en-US" sz="1100">
+                        <a:effectLst/>
+                        <a:latin typeface="Calibri" panose="020F0502020204030204" pitchFamily="34" charset="0"/>
+                        <a:ea typeface="Calibri" panose="020F0502020204030204" pitchFamily="34" charset="0"/>
+                        <a:cs typeface="Times New Roman" panose="02020603050405020304" pitchFamily="18" charset="0"/>
+                      </a:endParaRPr>
+                    </a:p>
+                    <a:p>
+                      <a:pPr algn="ctr">
+                        <a:lnSpc>
+                          <a:spcPct val="107000"/>
+                        </a:lnSpc>
+                        <a:spcAft>
+                          <a:spcPts val="0"/>
+                        </a:spcAft>
+                      </a:pPr>
+                      <a:r>
+                        <a:rPr lang="ru-RU" sz="1200" b="1">
+                          <a:effectLst/>
+                          <a:latin typeface="Times New Roman" panose="02020603050405020304" pitchFamily="18" charset="0"/>
+                          <a:ea typeface="Times New Roman" panose="02020603050405020304" pitchFamily="18" charset="0"/>
+                          <a:cs typeface="Times New Roman" panose="02020603050405020304" pitchFamily="18" charset="0"/>
+                        </a:rPr>
+                        <a:t> </a:t>
+                      </a:r>
+                      <a:endParaRPr lang="en-US" sz="1100">
+                        <a:effectLst/>
+                        <a:latin typeface="Calibri" panose="020F0502020204030204" pitchFamily="34" charset="0"/>
+                        <a:ea typeface="Calibri" panose="020F0502020204030204" pitchFamily="34" charset="0"/>
+                        <a:cs typeface="Times New Roman" panose="02020603050405020304" pitchFamily="18" charset="0"/>
+                      </a:endParaRPr>
+                    </a:p>
+                  </a:txBody>
+                  <a:tcPr marL="66634" marR="66634" marT="0" marB="0">
+                    <a:lnL w="12700" cap="flat" cmpd="sng" algn="ctr">
+                      <a:solidFill>
+                        <a:srgbClr val="000000"/>
+                      </a:solidFill>
+                      <a:prstDash val="solid"/>
+                      <a:round/>
+                      <a:headEnd type="none" w="med" len="med"/>
+                      <a:tailEnd type="none" w="med" len="med"/>
+                    </a:lnL>
+                    <a:lnR w="12700" cap="flat" cmpd="sng" algn="ctr">
+                      <a:solidFill>
+                        <a:srgbClr val="000000"/>
+                      </a:solidFill>
+                      <a:prstDash val="solid"/>
+                      <a:round/>
+                      <a:headEnd type="none" w="med" len="med"/>
+                      <a:tailEnd type="none" w="med" len="med"/>
+                    </a:lnR>
+                    <a:lnT w="12700" cap="flat" cmpd="sng" algn="ctr">
+                      <a:solidFill>
+                        <a:srgbClr val="000000"/>
+                      </a:solidFill>
+                      <a:prstDash val="solid"/>
+                      <a:round/>
+                      <a:headEnd type="none" w="med" len="med"/>
+                      <a:tailEnd type="none" w="med" len="med"/>
+                    </a:lnT>
+                    <a:lnB w="12700" cap="flat" cmpd="sng" algn="ctr">
+                      <a:solidFill>
+                        <a:srgbClr val="000000"/>
+                      </a:solidFill>
+                      <a:prstDash val="solid"/>
+                      <a:round/>
+                      <a:headEnd type="none" w="med" len="med"/>
+                      <a:tailEnd type="none" w="med" len="med"/>
+                    </a:lnB>
+                  </a:tcPr>
+                </a:tc>
+                <a:tc>
+                  <a:txBody>
+                    <a:bodyPr/>
+                    <a:lstStyle/>
+                    <a:p>
+                      <a:pPr>
+                        <a:lnSpc>
+                          <a:spcPct val="107000"/>
+                        </a:lnSpc>
+                        <a:spcAft>
+                          <a:spcPts val="0"/>
+                        </a:spcAft>
+                      </a:pPr>
+                      <a:r>
+                        <a:rPr lang="ru-RU" sz="1200">
+                          <a:effectLst/>
+                          <a:latin typeface="Times New Roman" panose="02020603050405020304" pitchFamily="18" charset="0"/>
+                          <a:ea typeface="Times New Roman" panose="02020603050405020304" pitchFamily="18" charset="0"/>
+                          <a:cs typeface="Times New Roman" panose="02020603050405020304" pitchFamily="18" charset="0"/>
+                        </a:rPr>
+                        <a:t>Не допускается</a:t>
+                      </a:r>
+                      <a:endParaRPr lang="en-US" sz="1100">
+                        <a:effectLst/>
+                        <a:latin typeface="Calibri" panose="020F0502020204030204" pitchFamily="34" charset="0"/>
+                        <a:ea typeface="Calibri" panose="020F0502020204030204" pitchFamily="34" charset="0"/>
+                        <a:cs typeface="Times New Roman" panose="02020603050405020304" pitchFamily="18" charset="0"/>
+                      </a:endParaRPr>
+                    </a:p>
+                    <a:p>
+                      <a:pPr algn="ctr">
+                        <a:lnSpc>
+                          <a:spcPct val="107000"/>
+                        </a:lnSpc>
+                        <a:spcAft>
+                          <a:spcPts val="0"/>
+                        </a:spcAft>
+                      </a:pPr>
+                      <a:r>
+                        <a:rPr lang="ru-RU" sz="1200" b="1">
+                          <a:effectLst/>
+                          <a:latin typeface="Times New Roman" panose="02020603050405020304" pitchFamily="18" charset="0"/>
+                          <a:ea typeface="Times New Roman" panose="02020603050405020304" pitchFamily="18" charset="0"/>
+                          <a:cs typeface="Times New Roman" panose="02020603050405020304" pitchFamily="18" charset="0"/>
+                        </a:rPr>
+                        <a:t> </a:t>
+                      </a:r>
+                      <a:endParaRPr lang="en-US" sz="1100">
+                        <a:effectLst/>
+                        <a:latin typeface="Calibri" panose="020F0502020204030204" pitchFamily="34" charset="0"/>
+                        <a:ea typeface="Calibri" panose="020F0502020204030204" pitchFamily="34" charset="0"/>
+                        <a:cs typeface="Times New Roman" panose="02020603050405020304" pitchFamily="18" charset="0"/>
+                      </a:endParaRPr>
+                    </a:p>
+                    <a:p>
+                      <a:pPr algn="ctr">
+                        <a:lnSpc>
+                          <a:spcPct val="107000"/>
+                        </a:lnSpc>
+                        <a:spcAft>
+                          <a:spcPts val="0"/>
+                        </a:spcAft>
+                      </a:pPr>
+                      <a:r>
+                        <a:rPr lang="ru-RU" sz="1200" b="1">
+                          <a:effectLst/>
+                          <a:latin typeface="Times New Roman" panose="02020603050405020304" pitchFamily="18" charset="0"/>
+                          <a:ea typeface="Times New Roman" panose="02020603050405020304" pitchFamily="18" charset="0"/>
+                          <a:cs typeface="Times New Roman" panose="02020603050405020304" pitchFamily="18" charset="0"/>
+                        </a:rPr>
+                        <a:t> </a:t>
+                      </a:r>
+                      <a:endParaRPr lang="en-US" sz="1100">
+                        <a:effectLst/>
+                        <a:latin typeface="Calibri" panose="020F0502020204030204" pitchFamily="34" charset="0"/>
+                        <a:ea typeface="Calibri" panose="020F0502020204030204" pitchFamily="34" charset="0"/>
+                        <a:cs typeface="Times New Roman" panose="02020603050405020304" pitchFamily="18" charset="0"/>
+                      </a:endParaRPr>
+                    </a:p>
+                    <a:p>
+                      <a:pPr algn="ctr">
+                        <a:lnSpc>
+                          <a:spcPct val="107000"/>
+                        </a:lnSpc>
+                        <a:spcAft>
+                          <a:spcPts val="0"/>
+                        </a:spcAft>
+                      </a:pPr>
+                      <a:r>
+                        <a:rPr lang="ru-RU" sz="1200" b="1">
+                          <a:effectLst/>
+                          <a:latin typeface="Times New Roman" panose="02020603050405020304" pitchFamily="18" charset="0"/>
+                          <a:ea typeface="Times New Roman" panose="02020603050405020304" pitchFamily="18" charset="0"/>
+                          <a:cs typeface="Times New Roman" panose="02020603050405020304" pitchFamily="18" charset="0"/>
+                        </a:rPr>
+                        <a:t> </a:t>
+                      </a:r>
+                      <a:endParaRPr lang="en-US" sz="1100">
+                        <a:effectLst/>
+                        <a:latin typeface="Calibri" panose="020F0502020204030204" pitchFamily="34" charset="0"/>
+                        <a:ea typeface="Calibri" panose="020F0502020204030204" pitchFamily="34" charset="0"/>
+                        <a:cs typeface="Times New Roman" panose="02020603050405020304" pitchFamily="18" charset="0"/>
+                      </a:endParaRPr>
+                    </a:p>
+                    <a:p>
+                      <a:pPr algn="ctr">
+                        <a:lnSpc>
+                          <a:spcPct val="107000"/>
+                        </a:lnSpc>
+                        <a:spcAft>
+                          <a:spcPts val="0"/>
+                        </a:spcAft>
+                      </a:pPr>
+                      <a:r>
+                        <a:rPr lang="ru-RU" sz="1200" b="1">
+                          <a:effectLst/>
+                          <a:latin typeface="Times New Roman" panose="02020603050405020304" pitchFamily="18" charset="0"/>
+                          <a:ea typeface="Times New Roman" panose="02020603050405020304" pitchFamily="18" charset="0"/>
+                          <a:cs typeface="Times New Roman" panose="02020603050405020304" pitchFamily="18" charset="0"/>
+                        </a:rPr>
+                        <a:t> </a:t>
+                      </a:r>
+                      <a:endParaRPr lang="en-US" sz="1100">
+                        <a:effectLst/>
+                        <a:latin typeface="Calibri" panose="020F0502020204030204" pitchFamily="34" charset="0"/>
+                        <a:ea typeface="Calibri" panose="020F0502020204030204" pitchFamily="34" charset="0"/>
+                        <a:cs typeface="Times New Roman" panose="02020603050405020304" pitchFamily="18" charset="0"/>
+                      </a:endParaRPr>
+                    </a:p>
+                    <a:p>
+                      <a:pPr algn="ctr">
+                        <a:lnSpc>
+                          <a:spcPct val="107000"/>
+                        </a:lnSpc>
+                        <a:spcAft>
+                          <a:spcPts val="0"/>
+                        </a:spcAft>
+                      </a:pPr>
+                      <a:r>
+                        <a:rPr lang="ru-RU" sz="1200" b="1">
+                          <a:effectLst/>
+                          <a:latin typeface="Times New Roman" panose="02020603050405020304" pitchFamily="18" charset="0"/>
+                          <a:ea typeface="Times New Roman" panose="02020603050405020304" pitchFamily="18" charset="0"/>
+                          <a:cs typeface="Times New Roman" panose="02020603050405020304" pitchFamily="18" charset="0"/>
+                        </a:rPr>
+                        <a:t> </a:t>
+                      </a:r>
+                      <a:endParaRPr lang="en-US" sz="1100">
+                        <a:effectLst/>
+                        <a:latin typeface="Calibri" panose="020F0502020204030204" pitchFamily="34" charset="0"/>
+                        <a:ea typeface="Calibri" panose="020F0502020204030204" pitchFamily="34" charset="0"/>
+                        <a:cs typeface="Times New Roman" panose="02020603050405020304" pitchFamily="18" charset="0"/>
+                      </a:endParaRPr>
+                    </a:p>
+                    <a:p>
+                      <a:pPr algn="ctr">
+                        <a:lnSpc>
+                          <a:spcPct val="107000"/>
+                        </a:lnSpc>
+                        <a:spcAft>
+                          <a:spcPts val="0"/>
+                        </a:spcAft>
+                      </a:pPr>
+                      <a:r>
+                        <a:rPr lang="ru-RU" sz="1200" b="1">
+                          <a:effectLst/>
+                          <a:latin typeface="Times New Roman" panose="02020603050405020304" pitchFamily="18" charset="0"/>
+                          <a:ea typeface="Times New Roman" panose="02020603050405020304" pitchFamily="18" charset="0"/>
+                          <a:cs typeface="Times New Roman" panose="02020603050405020304" pitchFamily="18" charset="0"/>
+                        </a:rPr>
+                        <a:t> </a:t>
+                      </a:r>
+                      <a:endParaRPr lang="en-US" sz="1100">
+                        <a:effectLst/>
+                        <a:latin typeface="Calibri" panose="020F0502020204030204" pitchFamily="34" charset="0"/>
+                        <a:ea typeface="Calibri" panose="020F0502020204030204" pitchFamily="34" charset="0"/>
+                        <a:cs typeface="Times New Roman" panose="02020603050405020304" pitchFamily="18" charset="0"/>
+                      </a:endParaRPr>
+                    </a:p>
+                    <a:p>
+                      <a:pPr algn="ctr">
+                        <a:lnSpc>
+                          <a:spcPct val="107000"/>
+                        </a:lnSpc>
+                        <a:spcAft>
+                          <a:spcPts val="0"/>
+                        </a:spcAft>
+                      </a:pPr>
+                      <a:r>
+                        <a:rPr lang="ru-RU" sz="1200" b="1">
+                          <a:effectLst/>
+                          <a:latin typeface="Times New Roman" panose="02020603050405020304" pitchFamily="18" charset="0"/>
+                          <a:ea typeface="Times New Roman" panose="02020603050405020304" pitchFamily="18" charset="0"/>
+                          <a:cs typeface="Times New Roman" panose="02020603050405020304" pitchFamily="18" charset="0"/>
+                        </a:rPr>
+                        <a:t> </a:t>
+                      </a:r>
+                      <a:endParaRPr lang="en-US" sz="1100">
+                        <a:effectLst/>
+                        <a:latin typeface="Calibri" panose="020F0502020204030204" pitchFamily="34" charset="0"/>
+                        <a:ea typeface="Calibri" panose="020F0502020204030204" pitchFamily="34" charset="0"/>
+                        <a:cs typeface="Times New Roman" panose="02020603050405020304" pitchFamily="18" charset="0"/>
+                      </a:endParaRPr>
+                    </a:p>
+                    <a:p>
+                      <a:pPr algn="ctr">
+                        <a:lnSpc>
+                          <a:spcPct val="107000"/>
+                        </a:lnSpc>
+                        <a:spcAft>
+                          <a:spcPts val="0"/>
+                        </a:spcAft>
+                      </a:pPr>
+                      <a:r>
+                        <a:rPr lang="ru-RU" sz="1200" b="1">
+                          <a:effectLst/>
+                          <a:latin typeface="Times New Roman" panose="02020603050405020304" pitchFamily="18" charset="0"/>
+                          <a:ea typeface="Times New Roman" panose="02020603050405020304" pitchFamily="18" charset="0"/>
+                          <a:cs typeface="Times New Roman" panose="02020603050405020304" pitchFamily="18" charset="0"/>
+                        </a:rPr>
+                        <a:t> </a:t>
+                      </a:r>
+                      <a:endParaRPr lang="en-US" sz="1100">
+                        <a:effectLst/>
+                        <a:latin typeface="Calibri" panose="020F0502020204030204" pitchFamily="34" charset="0"/>
+                        <a:ea typeface="Calibri" panose="020F0502020204030204" pitchFamily="34" charset="0"/>
+                        <a:cs typeface="Times New Roman" panose="02020603050405020304" pitchFamily="18" charset="0"/>
+                      </a:endParaRPr>
+                    </a:p>
+                    <a:p>
+                      <a:pPr algn="ctr">
+                        <a:lnSpc>
+                          <a:spcPct val="107000"/>
+                        </a:lnSpc>
+                        <a:spcAft>
+                          <a:spcPts val="0"/>
+                        </a:spcAft>
+                      </a:pPr>
+                      <a:r>
+                        <a:rPr lang="ru-RU" sz="1200" b="1">
+                          <a:effectLst/>
+                          <a:latin typeface="Times New Roman" panose="02020603050405020304" pitchFamily="18" charset="0"/>
+                          <a:ea typeface="Times New Roman" panose="02020603050405020304" pitchFamily="18" charset="0"/>
+                          <a:cs typeface="Times New Roman" panose="02020603050405020304" pitchFamily="18" charset="0"/>
+                        </a:rPr>
+                        <a:t> </a:t>
+                      </a:r>
+                      <a:endParaRPr lang="en-US" sz="1100">
+                        <a:effectLst/>
+                        <a:latin typeface="Calibri" panose="020F0502020204030204" pitchFamily="34" charset="0"/>
+                        <a:ea typeface="Calibri" panose="020F0502020204030204" pitchFamily="34" charset="0"/>
+                        <a:cs typeface="Times New Roman" panose="02020603050405020304" pitchFamily="18" charset="0"/>
+                      </a:endParaRPr>
+                    </a:p>
+                    <a:p>
+                      <a:pPr algn="ctr">
+                        <a:lnSpc>
+                          <a:spcPct val="107000"/>
+                        </a:lnSpc>
+                        <a:spcAft>
+                          <a:spcPts val="0"/>
+                        </a:spcAft>
+                      </a:pPr>
+                      <a:r>
+                        <a:rPr lang="ru-RU" sz="1200" b="1">
+                          <a:effectLst/>
+                          <a:latin typeface="Times New Roman" panose="02020603050405020304" pitchFamily="18" charset="0"/>
+                          <a:ea typeface="Times New Roman" panose="02020603050405020304" pitchFamily="18" charset="0"/>
+                          <a:cs typeface="Times New Roman" panose="02020603050405020304" pitchFamily="18" charset="0"/>
+                        </a:rPr>
+                        <a:t> </a:t>
+                      </a:r>
+                      <a:endParaRPr lang="en-US" sz="1100">
+                        <a:effectLst/>
+                        <a:latin typeface="Calibri" panose="020F0502020204030204" pitchFamily="34" charset="0"/>
+                        <a:ea typeface="Calibri" panose="020F0502020204030204" pitchFamily="34" charset="0"/>
+                        <a:cs typeface="Times New Roman" panose="02020603050405020304" pitchFamily="18" charset="0"/>
+                      </a:endParaRPr>
+                    </a:p>
+                    <a:p>
+                      <a:pPr algn="ctr">
+                        <a:lnSpc>
+                          <a:spcPct val="107000"/>
+                        </a:lnSpc>
+                        <a:spcAft>
+                          <a:spcPts val="0"/>
+                        </a:spcAft>
+                      </a:pPr>
+                      <a:r>
+                        <a:rPr lang="ru-RU" sz="1200" b="1">
+                          <a:effectLst/>
+                          <a:latin typeface="Times New Roman" panose="02020603050405020304" pitchFamily="18" charset="0"/>
+                          <a:ea typeface="Times New Roman" panose="02020603050405020304" pitchFamily="18" charset="0"/>
+                          <a:cs typeface="Times New Roman" panose="02020603050405020304" pitchFamily="18" charset="0"/>
+                        </a:rPr>
+                        <a:t> </a:t>
+                      </a:r>
+                      <a:endParaRPr lang="en-US" sz="1100">
+                        <a:effectLst/>
+                        <a:latin typeface="Calibri" panose="020F0502020204030204" pitchFamily="34" charset="0"/>
+                        <a:ea typeface="Calibri" panose="020F0502020204030204" pitchFamily="34" charset="0"/>
+                        <a:cs typeface="Times New Roman" panose="02020603050405020304" pitchFamily="18" charset="0"/>
+                      </a:endParaRPr>
+                    </a:p>
+                    <a:p>
+                      <a:pPr algn="ctr">
+                        <a:lnSpc>
+                          <a:spcPct val="107000"/>
+                        </a:lnSpc>
+                        <a:spcAft>
+                          <a:spcPts val="0"/>
+                        </a:spcAft>
+                      </a:pPr>
+                      <a:r>
+                        <a:rPr lang="ru-RU" sz="1200" b="1">
+                          <a:effectLst/>
+                          <a:latin typeface="Times New Roman" panose="02020603050405020304" pitchFamily="18" charset="0"/>
+                          <a:ea typeface="Times New Roman" panose="02020603050405020304" pitchFamily="18" charset="0"/>
+                          <a:cs typeface="Times New Roman" panose="02020603050405020304" pitchFamily="18" charset="0"/>
+                        </a:rPr>
+                        <a:t> </a:t>
+                      </a:r>
+                      <a:endParaRPr lang="en-US" sz="1100">
+                        <a:effectLst/>
+                        <a:latin typeface="Calibri" panose="020F0502020204030204" pitchFamily="34" charset="0"/>
+                        <a:ea typeface="Calibri" panose="020F0502020204030204" pitchFamily="34" charset="0"/>
+                        <a:cs typeface="Times New Roman" panose="02020603050405020304" pitchFamily="18" charset="0"/>
+                      </a:endParaRPr>
+                    </a:p>
+                    <a:p>
+                      <a:pPr algn="ctr">
+                        <a:lnSpc>
+                          <a:spcPct val="107000"/>
+                        </a:lnSpc>
+                        <a:spcAft>
+                          <a:spcPts val="0"/>
+                        </a:spcAft>
+                      </a:pPr>
+                      <a:r>
+                        <a:rPr lang="ru-RU" sz="1200" b="1">
+                          <a:effectLst/>
+                          <a:latin typeface="Times New Roman" panose="02020603050405020304" pitchFamily="18" charset="0"/>
+                          <a:ea typeface="Times New Roman" panose="02020603050405020304" pitchFamily="18" charset="0"/>
+                          <a:cs typeface="Times New Roman" panose="02020603050405020304" pitchFamily="18" charset="0"/>
+                        </a:rPr>
+                        <a:t> </a:t>
+                      </a:r>
+                      <a:endParaRPr lang="en-US" sz="1100">
+                        <a:effectLst/>
+                        <a:latin typeface="Calibri" panose="020F0502020204030204" pitchFamily="34" charset="0"/>
+                        <a:ea typeface="Calibri" panose="020F0502020204030204" pitchFamily="34" charset="0"/>
+                        <a:cs typeface="Times New Roman" panose="02020603050405020304" pitchFamily="18" charset="0"/>
+                      </a:endParaRPr>
+                    </a:p>
+                    <a:p>
+                      <a:pPr algn="ctr">
+                        <a:lnSpc>
+                          <a:spcPct val="107000"/>
+                        </a:lnSpc>
+                        <a:spcAft>
+                          <a:spcPts val="0"/>
+                        </a:spcAft>
+                      </a:pPr>
+                      <a:r>
+                        <a:rPr lang="ru-RU" sz="1200" b="1">
+                          <a:effectLst/>
+                          <a:latin typeface="Times New Roman" panose="02020603050405020304" pitchFamily="18" charset="0"/>
+                          <a:ea typeface="Times New Roman" panose="02020603050405020304" pitchFamily="18" charset="0"/>
+                          <a:cs typeface="Times New Roman" panose="02020603050405020304" pitchFamily="18" charset="0"/>
+                        </a:rPr>
+                        <a:t> </a:t>
+                      </a:r>
+                      <a:endParaRPr lang="en-US" sz="1100">
+                        <a:effectLst/>
+                        <a:latin typeface="Calibri" panose="020F0502020204030204" pitchFamily="34" charset="0"/>
+                        <a:ea typeface="Calibri" panose="020F0502020204030204" pitchFamily="34" charset="0"/>
+                        <a:cs typeface="Times New Roman" panose="02020603050405020304" pitchFamily="18" charset="0"/>
+                      </a:endParaRPr>
+                    </a:p>
+                    <a:p>
+                      <a:pPr algn="ctr">
+                        <a:lnSpc>
+                          <a:spcPct val="107000"/>
+                        </a:lnSpc>
+                        <a:spcAft>
+                          <a:spcPts val="0"/>
+                        </a:spcAft>
+                      </a:pPr>
+                      <a:r>
+                        <a:rPr lang="ru-RU" sz="1200" b="1">
+                          <a:effectLst/>
+                          <a:latin typeface="Times New Roman" panose="02020603050405020304" pitchFamily="18" charset="0"/>
+                          <a:ea typeface="Times New Roman" panose="02020603050405020304" pitchFamily="18" charset="0"/>
+                          <a:cs typeface="Times New Roman" panose="02020603050405020304" pitchFamily="18" charset="0"/>
+                        </a:rPr>
+                        <a:t> </a:t>
+                      </a:r>
+                      <a:endParaRPr lang="en-US" sz="1100">
+                        <a:effectLst/>
+                        <a:latin typeface="Calibri" panose="020F0502020204030204" pitchFamily="34" charset="0"/>
+                        <a:ea typeface="Calibri" panose="020F0502020204030204" pitchFamily="34" charset="0"/>
+                        <a:cs typeface="Times New Roman" panose="02020603050405020304" pitchFamily="18" charset="0"/>
+                      </a:endParaRPr>
+                    </a:p>
+                  </a:txBody>
+                  <a:tcPr marL="66634" marR="66634" marT="0" marB="0">
+                    <a:lnL w="12700" cap="flat" cmpd="sng" algn="ctr">
+                      <a:solidFill>
+                        <a:srgbClr val="000000"/>
+                      </a:solidFill>
+                      <a:prstDash val="solid"/>
+                      <a:round/>
+                      <a:headEnd type="none" w="med" len="med"/>
+                      <a:tailEnd type="none" w="med" len="med"/>
+                    </a:lnL>
+                    <a:lnR w="12700" cap="flat" cmpd="sng" algn="ctr">
+                      <a:solidFill>
+                        <a:srgbClr val="000000"/>
+                      </a:solidFill>
+                      <a:prstDash val="solid"/>
+                      <a:round/>
+                      <a:headEnd type="none" w="med" len="med"/>
+                      <a:tailEnd type="none" w="med" len="med"/>
+                    </a:lnR>
+                    <a:lnT w="12700" cap="flat" cmpd="sng" algn="ctr">
+                      <a:solidFill>
+                        <a:srgbClr val="000000"/>
+                      </a:solidFill>
+                      <a:prstDash val="solid"/>
+                      <a:round/>
+                      <a:headEnd type="none" w="med" len="med"/>
+                      <a:tailEnd type="none" w="med" len="med"/>
+                    </a:lnT>
+                    <a:lnB w="12700" cap="flat" cmpd="sng" algn="ctr">
+                      <a:solidFill>
+                        <a:srgbClr val="000000"/>
+                      </a:solidFill>
+                      <a:prstDash val="solid"/>
+                      <a:round/>
+                      <a:headEnd type="none" w="med" len="med"/>
+                      <a:tailEnd type="none" w="med" len="med"/>
+                    </a:lnB>
+                  </a:tcPr>
+                </a:tc>
+                <a:tc>
+                  <a:txBody>
+                    <a:bodyPr/>
+                    <a:lstStyle/>
+                    <a:p>
+                      <a:pPr>
+                        <a:lnSpc>
+                          <a:spcPct val="107000"/>
+                        </a:lnSpc>
+                        <a:spcAft>
+                          <a:spcPts val="0"/>
+                        </a:spcAft>
+                      </a:pPr>
+                      <a:r>
+                        <a:rPr lang="ru-RU" sz="1200">
+                          <a:effectLst/>
+                          <a:latin typeface="Times New Roman" panose="02020603050405020304" pitchFamily="18" charset="0"/>
+                          <a:ea typeface="Times New Roman" panose="02020603050405020304" pitchFamily="18" charset="0"/>
+                          <a:cs typeface="Times New Roman" panose="02020603050405020304" pitchFamily="18" charset="0"/>
+                        </a:rPr>
+                        <a:t>Проведение лабораторных исследований и ветеринарно-санитарной экспертизы птицы сельскохозяйственной для убоя</a:t>
+                      </a:r>
+                      <a:endParaRPr lang="en-US" sz="1100">
+                        <a:effectLst/>
+                        <a:latin typeface="Calibri" panose="020F0502020204030204" pitchFamily="34" charset="0"/>
+                        <a:ea typeface="Calibri" panose="020F0502020204030204" pitchFamily="34" charset="0"/>
+                        <a:cs typeface="Times New Roman" panose="02020603050405020304" pitchFamily="18" charset="0"/>
+                      </a:endParaRPr>
+                    </a:p>
+                    <a:p>
+                      <a:pPr>
+                        <a:lnSpc>
+                          <a:spcPct val="107000"/>
+                        </a:lnSpc>
+                        <a:spcAft>
+                          <a:spcPts val="0"/>
+                        </a:spcAft>
+                      </a:pPr>
+                      <a:r>
+                        <a:rPr lang="ru-RU" sz="1200">
+                          <a:effectLst/>
+                          <a:latin typeface="Times New Roman" panose="02020603050405020304" pitchFamily="18" charset="0"/>
+                          <a:ea typeface="Times New Roman" panose="02020603050405020304" pitchFamily="18" charset="0"/>
+                          <a:cs typeface="Times New Roman" panose="02020603050405020304" pitchFamily="18" charset="0"/>
+                        </a:rPr>
+                        <a:t> </a:t>
+                      </a:r>
+                      <a:endParaRPr lang="en-US" sz="1100">
+                        <a:effectLst/>
+                        <a:latin typeface="Calibri" panose="020F0502020204030204" pitchFamily="34" charset="0"/>
+                        <a:ea typeface="Calibri" panose="020F0502020204030204" pitchFamily="34" charset="0"/>
+                        <a:cs typeface="Times New Roman" panose="02020603050405020304" pitchFamily="18" charset="0"/>
+                      </a:endParaRPr>
+                    </a:p>
+                    <a:p>
+                      <a:pPr>
+                        <a:lnSpc>
+                          <a:spcPct val="107000"/>
+                        </a:lnSpc>
+                        <a:spcAft>
+                          <a:spcPts val="0"/>
+                        </a:spcAft>
+                      </a:pPr>
+                      <a:r>
+                        <a:rPr lang="ru-RU" sz="1200">
+                          <a:effectLst/>
+                          <a:latin typeface="Times New Roman" panose="02020603050405020304" pitchFamily="18" charset="0"/>
+                          <a:ea typeface="Times New Roman" panose="02020603050405020304" pitchFamily="18" charset="0"/>
+                          <a:cs typeface="Times New Roman" panose="02020603050405020304" pitchFamily="18" charset="0"/>
+                        </a:rPr>
+                        <a:t> </a:t>
+                      </a:r>
+                      <a:endParaRPr lang="en-US" sz="1100">
+                        <a:effectLst/>
+                        <a:latin typeface="Calibri" panose="020F0502020204030204" pitchFamily="34" charset="0"/>
+                        <a:ea typeface="Calibri" panose="020F0502020204030204" pitchFamily="34" charset="0"/>
+                        <a:cs typeface="Times New Roman" panose="02020603050405020304" pitchFamily="18" charset="0"/>
+                      </a:endParaRPr>
+                    </a:p>
+                    <a:p>
+                      <a:pPr>
+                        <a:lnSpc>
+                          <a:spcPct val="107000"/>
+                        </a:lnSpc>
+                        <a:spcAft>
+                          <a:spcPts val="0"/>
+                        </a:spcAft>
+                      </a:pPr>
+                      <a:r>
+                        <a:rPr lang="ru-RU" sz="1200" b="1">
+                          <a:effectLst/>
+                          <a:latin typeface="Times New Roman" panose="02020603050405020304" pitchFamily="18" charset="0"/>
+                          <a:ea typeface="Times New Roman" panose="02020603050405020304" pitchFamily="18" charset="0"/>
+                          <a:cs typeface="Times New Roman" panose="02020603050405020304" pitchFamily="18" charset="0"/>
+                        </a:rPr>
+                        <a:t> </a:t>
+                      </a:r>
+                      <a:endParaRPr lang="en-US" sz="1100">
+                        <a:effectLst/>
+                        <a:latin typeface="Calibri" panose="020F0502020204030204" pitchFamily="34" charset="0"/>
+                        <a:ea typeface="Calibri" panose="020F0502020204030204" pitchFamily="34" charset="0"/>
+                        <a:cs typeface="Times New Roman" panose="02020603050405020304" pitchFamily="18" charset="0"/>
+                      </a:endParaRPr>
+                    </a:p>
+                  </a:txBody>
+                  <a:tcPr marL="66634" marR="66634" marT="0" marB="0">
+                    <a:lnL w="12700" cap="flat" cmpd="sng" algn="ctr">
+                      <a:solidFill>
+                        <a:srgbClr val="000000"/>
+                      </a:solidFill>
+                      <a:prstDash val="solid"/>
+                      <a:round/>
+                      <a:headEnd type="none" w="med" len="med"/>
+                      <a:tailEnd type="none" w="med" len="med"/>
+                    </a:lnL>
+                    <a:lnR w="12700" cap="flat" cmpd="sng" algn="ctr">
+                      <a:solidFill>
+                        <a:srgbClr val="000000"/>
+                      </a:solidFill>
+                      <a:prstDash val="solid"/>
+                      <a:round/>
+                      <a:headEnd type="none" w="med" len="med"/>
+                      <a:tailEnd type="none" w="med" len="med"/>
+                    </a:lnR>
+                    <a:lnT w="12700" cap="flat" cmpd="sng" algn="ctr">
+                      <a:solidFill>
+                        <a:srgbClr val="000000"/>
+                      </a:solidFill>
+                      <a:prstDash val="solid"/>
+                      <a:round/>
+                      <a:headEnd type="none" w="med" len="med"/>
+                      <a:tailEnd type="none" w="med" len="med"/>
+                    </a:lnT>
+                    <a:lnB w="12700" cap="flat" cmpd="sng" algn="ctr">
+                      <a:solidFill>
+                        <a:srgbClr val="000000"/>
+                      </a:solidFill>
+                      <a:prstDash val="solid"/>
+                      <a:round/>
+                      <a:headEnd type="none" w="med" len="med"/>
+                      <a:tailEnd type="none" w="med" len="med"/>
+                    </a:lnB>
+                  </a:tcPr>
+                </a:tc>
+                <a:tc>
+                  <a:txBody>
+                    <a:bodyPr/>
+                    <a:lstStyle/>
+                    <a:p>
+                      <a:pPr algn="ctr">
+                        <a:lnSpc>
+                          <a:spcPct val="107000"/>
+                        </a:lnSpc>
+                        <a:spcAft>
+                          <a:spcPts val="0"/>
+                        </a:spcAft>
+                      </a:pPr>
+                      <a:r>
+                        <a:rPr lang="ru-RU" sz="1200">
+                          <a:effectLst/>
+                          <a:latin typeface="Times New Roman" panose="02020603050405020304" pitchFamily="18" charset="0"/>
+                          <a:ea typeface="Times New Roman" panose="02020603050405020304" pitchFamily="18" charset="0"/>
+                          <a:cs typeface="Times New Roman" panose="02020603050405020304" pitchFamily="18" charset="0"/>
+                        </a:rPr>
+                        <a:t>Каждая партия</a:t>
+                      </a:r>
+                      <a:endParaRPr lang="en-US" sz="1100">
+                        <a:effectLst/>
+                        <a:latin typeface="Calibri" panose="020F0502020204030204" pitchFamily="34" charset="0"/>
+                        <a:ea typeface="Calibri" panose="020F0502020204030204" pitchFamily="34" charset="0"/>
+                        <a:cs typeface="Times New Roman" panose="02020603050405020304" pitchFamily="18" charset="0"/>
+                      </a:endParaRPr>
+                    </a:p>
+                    <a:p>
+                      <a:pPr algn="ctr">
+                        <a:lnSpc>
+                          <a:spcPct val="107000"/>
+                        </a:lnSpc>
+                        <a:spcAft>
+                          <a:spcPts val="0"/>
+                        </a:spcAft>
+                      </a:pPr>
+                      <a:r>
+                        <a:rPr lang="en-US" sz="1200" b="1">
+                          <a:effectLst/>
+                          <a:latin typeface="Times New Roman" panose="02020603050405020304" pitchFamily="18" charset="0"/>
+                          <a:ea typeface="Times New Roman" panose="02020603050405020304" pitchFamily="18" charset="0"/>
+                          <a:cs typeface="Times New Roman" panose="02020603050405020304" pitchFamily="18" charset="0"/>
+                        </a:rPr>
+                        <a:t> </a:t>
+                      </a:r>
+                      <a:endParaRPr lang="en-US" sz="1100">
+                        <a:effectLst/>
+                        <a:latin typeface="Calibri" panose="020F0502020204030204" pitchFamily="34" charset="0"/>
+                        <a:ea typeface="Calibri" panose="020F0502020204030204" pitchFamily="34" charset="0"/>
+                        <a:cs typeface="Times New Roman" panose="02020603050405020304" pitchFamily="18" charset="0"/>
+                      </a:endParaRPr>
+                    </a:p>
+                    <a:p>
+                      <a:pPr algn="ctr">
+                        <a:lnSpc>
+                          <a:spcPct val="107000"/>
+                        </a:lnSpc>
+                        <a:spcAft>
+                          <a:spcPts val="0"/>
+                        </a:spcAft>
+                      </a:pPr>
+                      <a:r>
+                        <a:rPr lang="en-US" sz="1200" b="1">
+                          <a:effectLst/>
+                          <a:latin typeface="Times New Roman" panose="02020603050405020304" pitchFamily="18" charset="0"/>
+                          <a:ea typeface="Times New Roman" panose="02020603050405020304" pitchFamily="18" charset="0"/>
+                          <a:cs typeface="Times New Roman" panose="02020603050405020304" pitchFamily="18" charset="0"/>
+                        </a:rPr>
+                        <a:t> </a:t>
+                      </a:r>
+                      <a:endParaRPr lang="en-US" sz="1100">
+                        <a:effectLst/>
+                        <a:latin typeface="Calibri" panose="020F0502020204030204" pitchFamily="34" charset="0"/>
+                        <a:ea typeface="Calibri" panose="020F0502020204030204" pitchFamily="34" charset="0"/>
+                        <a:cs typeface="Times New Roman" panose="02020603050405020304" pitchFamily="18" charset="0"/>
+                      </a:endParaRPr>
+                    </a:p>
+                    <a:p>
+                      <a:pPr algn="ctr">
+                        <a:lnSpc>
+                          <a:spcPct val="107000"/>
+                        </a:lnSpc>
+                        <a:spcAft>
+                          <a:spcPts val="0"/>
+                        </a:spcAft>
+                      </a:pPr>
+                      <a:r>
+                        <a:rPr lang="en-US" sz="1200" b="1">
+                          <a:effectLst/>
+                          <a:latin typeface="Times New Roman" panose="02020603050405020304" pitchFamily="18" charset="0"/>
+                          <a:ea typeface="Times New Roman" panose="02020603050405020304" pitchFamily="18" charset="0"/>
+                          <a:cs typeface="Times New Roman" panose="02020603050405020304" pitchFamily="18" charset="0"/>
+                        </a:rPr>
+                        <a:t> </a:t>
+                      </a:r>
+                      <a:endParaRPr lang="en-US" sz="1100">
+                        <a:effectLst/>
+                        <a:latin typeface="Calibri" panose="020F0502020204030204" pitchFamily="34" charset="0"/>
+                        <a:ea typeface="Calibri" panose="020F0502020204030204" pitchFamily="34" charset="0"/>
+                        <a:cs typeface="Times New Roman" panose="02020603050405020304" pitchFamily="18" charset="0"/>
+                      </a:endParaRPr>
+                    </a:p>
+                    <a:p>
+                      <a:pPr algn="ctr">
+                        <a:lnSpc>
+                          <a:spcPct val="107000"/>
+                        </a:lnSpc>
+                        <a:spcAft>
+                          <a:spcPts val="0"/>
+                        </a:spcAft>
+                      </a:pPr>
+                      <a:r>
+                        <a:rPr lang="en-US" sz="1200" b="1">
+                          <a:effectLst/>
+                          <a:latin typeface="Times New Roman" panose="02020603050405020304" pitchFamily="18" charset="0"/>
+                          <a:ea typeface="Times New Roman" panose="02020603050405020304" pitchFamily="18" charset="0"/>
+                          <a:cs typeface="Times New Roman" panose="02020603050405020304" pitchFamily="18" charset="0"/>
+                        </a:rPr>
+                        <a:t> </a:t>
+                      </a:r>
+                      <a:endParaRPr lang="en-US" sz="1100">
+                        <a:effectLst/>
+                        <a:latin typeface="Calibri" panose="020F0502020204030204" pitchFamily="34" charset="0"/>
+                        <a:ea typeface="Calibri" panose="020F0502020204030204" pitchFamily="34" charset="0"/>
+                        <a:cs typeface="Times New Roman" panose="02020603050405020304" pitchFamily="18" charset="0"/>
+                      </a:endParaRPr>
+                    </a:p>
+                    <a:p>
+                      <a:pPr algn="ctr">
+                        <a:lnSpc>
+                          <a:spcPct val="107000"/>
+                        </a:lnSpc>
+                        <a:spcAft>
+                          <a:spcPts val="0"/>
+                        </a:spcAft>
+                      </a:pPr>
+                      <a:r>
+                        <a:rPr lang="en-US" sz="1200" b="1">
+                          <a:effectLst/>
+                          <a:latin typeface="Times New Roman" panose="02020603050405020304" pitchFamily="18" charset="0"/>
+                          <a:ea typeface="Times New Roman" panose="02020603050405020304" pitchFamily="18" charset="0"/>
+                          <a:cs typeface="Times New Roman" panose="02020603050405020304" pitchFamily="18" charset="0"/>
+                        </a:rPr>
+                        <a:t> </a:t>
+                      </a:r>
+                      <a:endParaRPr lang="en-US" sz="1100">
+                        <a:effectLst/>
+                        <a:latin typeface="Calibri" panose="020F0502020204030204" pitchFamily="34" charset="0"/>
+                        <a:ea typeface="Calibri" panose="020F0502020204030204" pitchFamily="34" charset="0"/>
+                        <a:cs typeface="Times New Roman" panose="02020603050405020304" pitchFamily="18" charset="0"/>
+                      </a:endParaRPr>
+                    </a:p>
+                    <a:p>
+                      <a:pPr algn="ctr">
+                        <a:lnSpc>
+                          <a:spcPct val="107000"/>
+                        </a:lnSpc>
+                        <a:spcAft>
+                          <a:spcPts val="0"/>
+                        </a:spcAft>
+                      </a:pPr>
+                      <a:r>
+                        <a:rPr lang="en-US" sz="1200" b="1">
+                          <a:effectLst/>
+                          <a:latin typeface="Times New Roman" panose="02020603050405020304" pitchFamily="18" charset="0"/>
+                          <a:ea typeface="Times New Roman" panose="02020603050405020304" pitchFamily="18" charset="0"/>
+                          <a:cs typeface="Times New Roman" panose="02020603050405020304" pitchFamily="18" charset="0"/>
+                        </a:rPr>
+                        <a:t> </a:t>
+                      </a:r>
+                      <a:endParaRPr lang="en-US" sz="1100">
+                        <a:effectLst/>
+                        <a:latin typeface="Calibri" panose="020F0502020204030204" pitchFamily="34" charset="0"/>
+                        <a:ea typeface="Calibri" panose="020F0502020204030204" pitchFamily="34" charset="0"/>
+                        <a:cs typeface="Times New Roman" panose="02020603050405020304" pitchFamily="18" charset="0"/>
+                      </a:endParaRPr>
+                    </a:p>
+                    <a:p>
+                      <a:pPr algn="ctr">
+                        <a:lnSpc>
+                          <a:spcPct val="107000"/>
+                        </a:lnSpc>
+                        <a:spcAft>
+                          <a:spcPts val="0"/>
+                        </a:spcAft>
+                      </a:pPr>
+                      <a:r>
+                        <a:rPr lang="en-US" sz="1200" b="1">
+                          <a:effectLst/>
+                          <a:latin typeface="Times New Roman" panose="02020603050405020304" pitchFamily="18" charset="0"/>
+                          <a:ea typeface="Times New Roman" panose="02020603050405020304" pitchFamily="18" charset="0"/>
+                          <a:cs typeface="Times New Roman" panose="02020603050405020304" pitchFamily="18" charset="0"/>
+                        </a:rPr>
+                        <a:t> </a:t>
+                      </a:r>
+                      <a:endParaRPr lang="en-US" sz="1100">
+                        <a:effectLst/>
+                        <a:latin typeface="Calibri" panose="020F0502020204030204" pitchFamily="34" charset="0"/>
+                        <a:ea typeface="Calibri" panose="020F0502020204030204" pitchFamily="34" charset="0"/>
+                        <a:cs typeface="Times New Roman" panose="02020603050405020304" pitchFamily="18" charset="0"/>
+                      </a:endParaRPr>
+                    </a:p>
+                    <a:p>
+                      <a:pPr algn="ctr">
+                        <a:lnSpc>
+                          <a:spcPct val="107000"/>
+                        </a:lnSpc>
+                        <a:spcAft>
+                          <a:spcPts val="0"/>
+                        </a:spcAft>
+                      </a:pPr>
+                      <a:r>
+                        <a:rPr lang="ru-RU" sz="1200" b="1">
+                          <a:effectLst/>
+                          <a:latin typeface="Times New Roman" panose="02020603050405020304" pitchFamily="18" charset="0"/>
+                          <a:ea typeface="Times New Roman" panose="02020603050405020304" pitchFamily="18" charset="0"/>
+                          <a:cs typeface="Times New Roman" panose="02020603050405020304" pitchFamily="18" charset="0"/>
+                        </a:rPr>
+                        <a:t> </a:t>
+                      </a:r>
+                      <a:endParaRPr lang="en-US" sz="1100">
+                        <a:effectLst/>
+                        <a:latin typeface="Calibri" panose="020F0502020204030204" pitchFamily="34" charset="0"/>
+                        <a:ea typeface="Calibri" panose="020F0502020204030204" pitchFamily="34" charset="0"/>
+                        <a:cs typeface="Times New Roman" panose="02020603050405020304" pitchFamily="18" charset="0"/>
+                      </a:endParaRPr>
+                    </a:p>
+                    <a:p>
+                      <a:pPr algn="ctr">
+                        <a:lnSpc>
+                          <a:spcPct val="107000"/>
+                        </a:lnSpc>
+                        <a:spcAft>
+                          <a:spcPts val="0"/>
+                        </a:spcAft>
+                      </a:pPr>
+                      <a:r>
+                        <a:rPr lang="ru-RU" sz="1200" b="1">
+                          <a:effectLst/>
+                          <a:latin typeface="Times New Roman" panose="02020603050405020304" pitchFamily="18" charset="0"/>
+                          <a:ea typeface="Times New Roman" panose="02020603050405020304" pitchFamily="18" charset="0"/>
+                          <a:cs typeface="Times New Roman" panose="02020603050405020304" pitchFamily="18" charset="0"/>
+                        </a:rPr>
+                        <a:t> </a:t>
+                      </a:r>
+                      <a:endParaRPr lang="en-US" sz="1100">
+                        <a:effectLst/>
+                        <a:latin typeface="Calibri" panose="020F0502020204030204" pitchFamily="34" charset="0"/>
+                        <a:ea typeface="Calibri" panose="020F0502020204030204" pitchFamily="34" charset="0"/>
+                        <a:cs typeface="Times New Roman" panose="02020603050405020304" pitchFamily="18" charset="0"/>
+                      </a:endParaRPr>
+                    </a:p>
+                    <a:p>
+                      <a:pPr algn="ctr">
+                        <a:lnSpc>
+                          <a:spcPct val="107000"/>
+                        </a:lnSpc>
+                        <a:spcAft>
+                          <a:spcPts val="0"/>
+                        </a:spcAft>
+                      </a:pPr>
+                      <a:r>
+                        <a:rPr lang="ru-RU" sz="1200" b="1">
+                          <a:effectLst/>
+                          <a:latin typeface="Times New Roman" panose="02020603050405020304" pitchFamily="18" charset="0"/>
+                          <a:ea typeface="Times New Roman" panose="02020603050405020304" pitchFamily="18" charset="0"/>
+                          <a:cs typeface="Times New Roman" panose="02020603050405020304" pitchFamily="18" charset="0"/>
+                        </a:rPr>
+                        <a:t> </a:t>
+                      </a:r>
+                      <a:endParaRPr lang="en-US" sz="1100">
+                        <a:effectLst/>
+                        <a:latin typeface="Calibri" panose="020F0502020204030204" pitchFamily="34" charset="0"/>
+                        <a:ea typeface="Calibri" panose="020F0502020204030204" pitchFamily="34" charset="0"/>
+                        <a:cs typeface="Times New Roman" panose="02020603050405020304" pitchFamily="18" charset="0"/>
+                      </a:endParaRPr>
+                    </a:p>
+                  </a:txBody>
+                  <a:tcPr marL="66634" marR="66634" marT="0" marB="0">
+                    <a:lnL w="12700" cap="flat" cmpd="sng" algn="ctr">
+                      <a:solidFill>
+                        <a:srgbClr val="000000"/>
+                      </a:solidFill>
+                      <a:prstDash val="solid"/>
+                      <a:round/>
+                      <a:headEnd type="none" w="med" len="med"/>
+                      <a:tailEnd type="none" w="med" len="med"/>
+                    </a:lnL>
+                    <a:lnR w="12700" cap="flat" cmpd="sng" algn="ctr">
+                      <a:solidFill>
+                        <a:srgbClr val="000000"/>
+                      </a:solidFill>
+                      <a:prstDash val="solid"/>
+                      <a:round/>
+                      <a:headEnd type="none" w="med" len="med"/>
+                      <a:tailEnd type="none" w="med" len="med"/>
+                    </a:lnR>
+                    <a:lnT w="12700" cap="flat" cmpd="sng" algn="ctr">
+                      <a:solidFill>
+                        <a:srgbClr val="000000"/>
+                      </a:solidFill>
+                      <a:prstDash val="solid"/>
+                      <a:round/>
+                      <a:headEnd type="none" w="med" len="med"/>
+                      <a:tailEnd type="none" w="med" len="med"/>
+                    </a:lnT>
+                    <a:lnB w="12700" cap="flat" cmpd="sng" algn="ctr">
+                      <a:solidFill>
+                        <a:srgbClr val="000000"/>
+                      </a:solidFill>
+                      <a:prstDash val="solid"/>
+                      <a:round/>
+                      <a:headEnd type="none" w="med" len="med"/>
+                      <a:tailEnd type="none" w="med" len="med"/>
+                    </a:lnB>
+                  </a:tcPr>
+                </a:tc>
+                <a:tc>
+                  <a:txBody>
+                    <a:bodyPr/>
+                    <a:lstStyle/>
+                    <a:p>
+                      <a:pPr algn="ctr">
+                        <a:lnSpc>
+                          <a:spcPct val="107000"/>
+                        </a:lnSpc>
+                        <a:spcAft>
+                          <a:spcPts val="0"/>
+                        </a:spcAft>
+                      </a:pPr>
+                      <a:r>
+                        <a:rPr lang="ru-RU" sz="1200">
+                          <a:effectLst/>
+                          <a:latin typeface="Times New Roman" panose="02020603050405020304" pitchFamily="18" charset="0"/>
+                          <a:ea typeface="Times New Roman" panose="02020603050405020304" pitchFamily="18" charset="0"/>
+                          <a:cs typeface="Times New Roman" panose="02020603050405020304" pitchFamily="18" charset="0"/>
+                        </a:rPr>
+                        <a:t>Ветеринарный врач ветсанслужбы и ветеринарный врач предприятия </a:t>
+                      </a:r>
+                      <a:endParaRPr lang="en-US" sz="1100">
+                        <a:effectLst/>
+                        <a:latin typeface="Calibri" panose="020F0502020204030204" pitchFamily="34" charset="0"/>
+                        <a:ea typeface="Calibri" panose="020F0502020204030204" pitchFamily="34" charset="0"/>
+                        <a:cs typeface="Times New Roman" panose="02020603050405020304" pitchFamily="18" charset="0"/>
+                      </a:endParaRPr>
+                    </a:p>
+                    <a:p>
+                      <a:pPr algn="ctr">
+                        <a:lnSpc>
+                          <a:spcPct val="107000"/>
+                        </a:lnSpc>
+                        <a:spcAft>
+                          <a:spcPts val="0"/>
+                        </a:spcAft>
+                      </a:pPr>
+                      <a:r>
+                        <a:rPr lang="ru-RU" sz="1200">
+                          <a:effectLst/>
+                          <a:latin typeface="Times New Roman" panose="02020603050405020304" pitchFamily="18" charset="0"/>
+                          <a:ea typeface="Times New Roman" panose="02020603050405020304" pitchFamily="18" charset="0"/>
+                          <a:cs typeface="Times New Roman" panose="02020603050405020304" pitchFamily="18" charset="0"/>
+                        </a:rPr>
+                        <a:t> </a:t>
+                      </a:r>
+                      <a:endParaRPr lang="en-US" sz="1100">
+                        <a:effectLst/>
+                        <a:latin typeface="Calibri" panose="020F0502020204030204" pitchFamily="34" charset="0"/>
+                        <a:ea typeface="Calibri" panose="020F0502020204030204" pitchFamily="34" charset="0"/>
+                        <a:cs typeface="Times New Roman" panose="02020603050405020304" pitchFamily="18" charset="0"/>
+                      </a:endParaRPr>
+                    </a:p>
+                    <a:p>
+                      <a:pPr algn="ctr">
+                        <a:lnSpc>
+                          <a:spcPct val="107000"/>
+                        </a:lnSpc>
+                        <a:spcAft>
+                          <a:spcPts val="0"/>
+                        </a:spcAft>
+                      </a:pPr>
+                      <a:r>
+                        <a:rPr lang="ru-RU" sz="1200" b="1">
+                          <a:effectLst/>
+                          <a:latin typeface="Times New Roman" panose="02020603050405020304" pitchFamily="18" charset="0"/>
+                          <a:ea typeface="Times New Roman" panose="02020603050405020304" pitchFamily="18" charset="0"/>
+                          <a:cs typeface="Times New Roman" panose="02020603050405020304" pitchFamily="18" charset="0"/>
+                        </a:rPr>
+                        <a:t> </a:t>
+                      </a:r>
+                      <a:endParaRPr lang="en-US" sz="1100">
+                        <a:effectLst/>
+                        <a:latin typeface="Calibri" panose="020F0502020204030204" pitchFamily="34" charset="0"/>
+                        <a:ea typeface="Calibri" panose="020F0502020204030204" pitchFamily="34" charset="0"/>
+                        <a:cs typeface="Times New Roman" panose="02020603050405020304" pitchFamily="18" charset="0"/>
+                      </a:endParaRPr>
+                    </a:p>
+                    <a:p>
+                      <a:pPr>
+                        <a:lnSpc>
+                          <a:spcPct val="107000"/>
+                        </a:lnSpc>
+                        <a:spcAft>
+                          <a:spcPts val="0"/>
+                        </a:spcAft>
+                      </a:pPr>
+                      <a:r>
+                        <a:rPr lang="ru-RU" sz="1200" b="1">
+                          <a:effectLst/>
+                          <a:latin typeface="Times New Roman" panose="02020603050405020304" pitchFamily="18" charset="0"/>
+                          <a:ea typeface="Times New Roman" panose="02020603050405020304" pitchFamily="18" charset="0"/>
+                          <a:cs typeface="Times New Roman" panose="02020603050405020304" pitchFamily="18" charset="0"/>
+                        </a:rPr>
+                        <a:t> </a:t>
+                      </a:r>
+                      <a:endParaRPr lang="en-US" sz="1100">
+                        <a:effectLst/>
+                        <a:latin typeface="Calibri" panose="020F0502020204030204" pitchFamily="34" charset="0"/>
+                        <a:ea typeface="Calibri" panose="020F0502020204030204" pitchFamily="34" charset="0"/>
+                        <a:cs typeface="Times New Roman" panose="02020603050405020304" pitchFamily="18" charset="0"/>
+                      </a:endParaRPr>
+                    </a:p>
+                  </a:txBody>
+                  <a:tcPr marL="66634" marR="66634" marT="0" marB="0">
+                    <a:lnL w="12700" cap="flat" cmpd="sng" algn="ctr">
+                      <a:solidFill>
+                        <a:srgbClr val="000000"/>
+                      </a:solidFill>
+                      <a:prstDash val="solid"/>
+                      <a:round/>
+                      <a:headEnd type="none" w="med" len="med"/>
+                      <a:tailEnd type="none" w="med" len="med"/>
+                    </a:lnL>
+                    <a:lnR w="12700" cap="flat" cmpd="sng" algn="ctr">
+                      <a:solidFill>
+                        <a:srgbClr val="000000"/>
+                      </a:solidFill>
+                      <a:prstDash val="solid"/>
+                      <a:round/>
+                      <a:headEnd type="none" w="med" len="med"/>
+                      <a:tailEnd type="none" w="med" len="med"/>
+                    </a:lnR>
+                    <a:lnT w="12700" cap="flat" cmpd="sng" algn="ctr">
+                      <a:solidFill>
+                        <a:srgbClr val="000000"/>
+                      </a:solidFill>
+                      <a:prstDash val="solid"/>
+                      <a:round/>
+                      <a:headEnd type="none" w="med" len="med"/>
+                      <a:tailEnd type="none" w="med" len="med"/>
+                    </a:lnT>
+                    <a:lnB w="12700" cap="flat" cmpd="sng" algn="ctr">
+                      <a:solidFill>
+                        <a:srgbClr val="000000"/>
+                      </a:solidFill>
+                      <a:prstDash val="solid"/>
+                      <a:round/>
+                      <a:headEnd type="none" w="med" len="med"/>
+                      <a:tailEnd type="none" w="med" len="med"/>
+                    </a:lnB>
+                  </a:tcPr>
+                </a:tc>
+                <a:tc>
+                  <a:txBody>
+                    <a:bodyPr/>
+                    <a:lstStyle/>
+                    <a:p>
+                      <a:pPr>
+                        <a:lnSpc>
+                          <a:spcPct val="107000"/>
+                        </a:lnSpc>
+                        <a:spcAft>
+                          <a:spcPts val="0"/>
+                        </a:spcAft>
+                      </a:pPr>
+                      <a:r>
+                        <a:rPr lang="ru-RU" sz="1200">
+                          <a:effectLst/>
+                          <a:latin typeface="Times New Roman" panose="02020603050405020304" pitchFamily="18" charset="0"/>
+                          <a:ea typeface="Times New Roman" panose="02020603050405020304" pitchFamily="18" charset="0"/>
+                          <a:cs typeface="Times New Roman" panose="02020603050405020304" pitchFamily="18" charset="0"/>
+                        </a:rPr>
+                        <a:t>1. Журнал микробиологического контроля мяса птицы </a:t>
+                      </a:r>
+                      <a:endParaRPr lang="en-US" sz="1100">
+                        <a:effectLst/>
+                        <a:latin typeface="Calibri" panose="020F0502020204030204" pitchFamily="34" charset="0"/>
+                        <a:ea typeface="Calibri" panose="020F0502020204030204" pitchFamily="34" charset="0"/>
+                        <a:cs typeface="Times New Roman" panose="02020603050405020304" pitchFamily="18" charset="0"/>
+                      </a:endParaRPr>
+                    </a:p>
+                    <a:p>
+                      <a:pPr>
+                        <a:lnSpc>
+                          <a:spcPct val="107000"/>
+                        </a:lnSpc>
+                        <a:spcAft>
+                          <a:spcPts val="0"/>
+                        </a:spcAft>
+                      </a:pPr>
+                      <a:r>
+                        <a:rPr lang="ru-RU" sz="1200">
+                          <a:effectLst/>
+                          <a:latin typeface="Times New Roman" panose="02020603050405020304" pitchFamily="18" charset="0"/>
+                          <a:ea typeface="Times New Roman" panose="02020603050405020304" pitchFamily="18" charset="0"/>
+                          <a:cs typeface="Times New Roman" panose="02020603050405020304" pitchFamily="18" charset="0"/>
+                        </a:rPr>
+                        <a:t>2. Журнал учета результатов ветсанэкспертизы тушек птицы в убойном цехе</a:t>
+                      </a:r>
+                      <a:endParaRPr lang="en-US" sz="1100">
+                        <a:effectLst/>
+                        <a:latin typeface="Calibri" panose="020F0502020204030204" pitchFamily="34" charset="0"/>
+                        <a:ea typeface="Calibri" panose="020F0502020204030204" pitchFamily="34" charset="0"/>
+                        <a:cs typeface="Times New Roman" panose="02020603050405020304" pitchFamily="18" charset="0"/>
+                      </a:endParaRPr>
+                    </a:p>
+                    <a:p>
+                      <a:pPr>
+                        <a:lnSpc>
+                          <a:spcPct val="107000"/>
+                        </a:lnSpc>
+                        <a:spcAft>
+                          <a:spcPts val="0"/>
+                        </a:spcAft>
+                      </a:pPr>
+                      <a:r>
+                        <a:rPr lang="ru-RU" sz="1200" b="1">
+                          <a:effectLst/>
+                          <a:latin typeface="Times New Roman" panose="02020603050405020304" pitchFamily="18" charset="0"/>
+                          <a:ea typeface="Times New Roman" panose="02020603050405020304" pitchFamily="18" charset="0"/>
+                          <a:cs typeface="Times New Roman" panose="02020603050405020304" pitchFamily="18" charset="0"/>
+                        </a:rPr>
+                        <a:t> </a:t>
+                      </a:r>
+                      <a:endParaRPr lang="en-US" sz="1100">
+                        <a:effectLst/>
+                        <a:latin typeface="Calibri" panose="020F0502020204030204" pitchFamily="34" charset="0"/>
+                        <a:ea typeface="Calibri" panose="020F0502020204030204" pitchFamily="34" charset="0"/>
+                        <a:cs typeface="Times New Roman" panose="02020603050405020304" pitchFamily="18" charset="0"/>
+                      </a:endParaRPr>
+                    </a:p>
+                  </a:txBody>
+                  <a:tcPr marL="66634" marR="66634" marT="0" marB="0">
+                    <a:lnL w="12700" cap="flat" cmpd="sng" algn="ctr">
+                      <a:solidFill>
+                        <a:srgbClr val="000000"/>
+                      </a:solidFill>
+                      <a:prstDash val="solid"/>
+                      <a:round/>
+                      <a:headEnd type="none" w="med" len="med"/>
+                      <a:tailEnd type="none" w="med" len="med"/>
+                    </a:lnL>
+                    <a:lnR w="12700" cap="flat" cmpd="sng" algn="ctr">
+                      <a:solidFill>
+                        <a:srgbClr val="000000"/>
+                      </a:solidFill>
+                      <a:prstDash val="solid"/>
+                      <a:round/>
+                      <a:headEnd type="none" w="med" len="med"/>
+                      <a:tailEnd type="none" w="med" len="med"/>
+                    </a:lnR>
+                    <a:lnT w="12700" cap="flat" cmpd="sng" algn="ctr">
+                      <a:solidFill>
+                        <a:srgbClr val="000000"/>
+                      </a:solidFill>
+                      <a:prstDash val="solid"/>
+                      <a:round/>
+                      <a:headEnd type="none" w="med" len="med"/>
+                      <a:tailEnd type="none" w="med" len="med"/>
+                    </a:lnT>
+                    <a:lnB w="12700" cap="flat" cmpd="sng" algn="ctr">
+                      <a:solidFill>
+                        <a:srgbClr val="000000"/>
+                      </a:solidFill>
+                      <a:prstDash val="solid"/>
+                      <a:round/>
+                      <a:headEnd type="none" w="med" len="med"/>
+                      <a:tailEnd type="none" w="med" len="med"/>
+                    </a:lnB>
+                  </a:tcPr>
+                </a:tc>
+                <a:tc>
+                  <a:txBody>
+                    <a:bodyPr/>
+                    <a:lstStyle/>
+                    <a:p>
+                      <a:pPr>
+                        <a:lnSpc>
+                          <a:spcPct val="107000"/>
+                        </a:lnSpc>
+                        <a:spcAft>
+                          <a:spcPts val="0"/>
+                        </a:spcAft>
+                      </a:pPr>
+                      <a:r>
+                        <a:rPr lang="ru-RU" sz="1200">
+                          <a:effectLst/>
+                          <a:latin typeface="Times New Roman" panose="02020603050405020304" pitchFamily="18" charset="0"/>
+                          <a:ea typeface="Times New Roman" panose="02020603050405020304" pitchFamily="18" charset="0"/>
+                          <a:cs typeface="Times New Roman" panose="02020603050405020304" pitchFamily="18" charset="0"/>
+                        </a:rPr>
+                        <a:t>Если в тушке и органах  птицы обнаруживается сальмонелла, внутренние органы направляются на утилизацию, а мясо на проварку или переработку на мясные хлеба или консервы.</a:t>
+                      </a:r>
+                      <a:endParaRPr lang="en-US" sz="1100">
+                        <a:effectLst/>
+                        <a:latin typeface="Calibri" panose="020F0502020204030204" pitchFamily="34" charset="0"/>
+                        <a:ea typeface="Calibri" panose="020F0502020204030204" pitchFamily="34" charset="0"/>
+                        <a:cs typeface="Times New Roman" panose="02020603050405020304" pitchFamily="18" charset="0"/>
+                      </a:endParaRPr>
+                    </a:p>
+                    <a:p>
+                      <a:pPr>
+                        <a:lnSpc>
+                          <a:spcPct val="107000"/>
+                        </a:lnSpc>
+                        <a:spcAft>
+                          <a:spcPts val="0"/>
+                        </a:spcAft>
+                      </a:pPr>
+                      <a:r>
+                        <a:rPr lang="ru-RU" sz="1200" b="1">
+                          <a:effectLst/>
+                          <a:latin typeface="Times New Roman" panose="02020603050405020304" pitchFamily="18" charset="0"/>
+                          <a:ea typeface="Times New Roman" panose="02020603050405020304" pitchFamily="18" charset="0"/>
+                          <a:cs typeface="Times New Roman" panose="02020603050405020304" pitchFamily="18" charset="0"/>
+                        </a:rPr>
+                        <a:t>ДП.</a:t>
+                      </a:r>
+                      <a:endParaRPr lang="en-US" sz="1100">
+                        <a:effectLst/>
+                        <a:latin typeface="Calibri" panose="020F0502020204030204" pitchFamily="34" charset="0"/>
+                        <a:ea typeface="Calibri" panose="020F0502020204030204" pitchFamily="34" charset="0"/>
+                        <a:cs typeface="Times New Roman" panose="02020603050405020304" pitchFamily="18" charset="0"/>
+                      </a:endParaRPr>
+                    </a:p>
+                    <a:p>
+                      <a:pPr>
+                        <a:lnSpc>
+                          <a:spcPct val="107000"/>
+                        </a:lnSpc>
+                        <a:spcAft>
+                          <a:spcPts val="0"/>
+                        </a:spcAft>
+                      </a:pPr>
+                      <a:r>
+                        <a:rPr lang="ru-RU" sz="1200" b="1">
+                          <a:effectLst/>
+                          <a:latin typeface="Times New Roman" panose="02020603050405020304" pitchFamily="18" charset="0"/>
+                          <a:ea typeface="Times New Roman" panose="02020603050405020304" pitchFamily="18" charset="0"/>
+                          <a:cs typeface="Times New Roman" panose="02020603050405020304" pitchFamily="18" charset="0"/>
+                        </a:rPr>
+                        <a:t>Корректирующие действия. Обращение с потенциально небезопасными продуктами.</a:t>
+                      </a:r>
+                      <a:endParaRPr lang="en-US" sz="1100">
+                        <a:effectLst/>
+                        <a:latin typeface="Calibri" panose="020F0502020204030204" pitchFamily="34" charset="0"/>
+                        <a:ea typeface="Calibri" panose="020F0502020204030204" pitchFamily="34" charset="0"/>
+                        <a:cs typeface="Times New Roman" panose="02020603050405020304" pitchFamily="18" charset="0"/>
+                      </a:endParaRPr>
+                    </a:p>
+                  </a:txBody>
+                  <a:tcPr marL="66634" marR="66634" marT="0" marB="0">
+                    <a:lnL w="12700" cap="flat" cmpd="sng" algn="ctr">
+                      <a:solidFill>
+                        <a:srgbClr val="000000"/>
+                      </a:solidFill>
+                      <a:prstDash val="solid"/>
+                      <a:round/>
+                      <a:headEnd type="none" w="med" len="med"/>
+                      <a:tailEnd type="none" w="med" len="med"/>
+                    </a:lnL>
+                    <a:lnR w="12700" cap="flat" cmpd="sng" algn="ctr">
+                      <a:solidFill>
+                        <a:srgbClr val="000000"/>
+                      </a:solidFill>
+                      <a:prstDash val="solid"/>
+                      <a:round/>
+                      <a:headEnd type="none" w="med" len="med"/>
+                      <a:tailEnd type="none" w="med" len="med"/>
+                    </a:lnR>
+                    <a:lnT w="12700" cap="flat" cmpd="sng" algn="ctr">
+                      <a:solidFill>
+                        <a:srgbClr val="000000"/>
+                      </a:solidFill>
+                      <a:prstDash val="solid"/>
+                      <a:round/>
+                      <a:headEnd type="none" w="med" len="med"/>
+                      <a:tailEnd type="none" w="med" len="med"/>
+                    </a:lnT>
+                    <a:lnB w="12700" cap="flat" cmpd="sng" algn="ctr">
+                      <a:solidFill>
+                        <a:srgbClr val="000000"/>
+                      </a:solidFill>
+                      <a:prstDash val="solid"/>
+                      <a:round/>
+                      <a:headEnd type="none" w="med" len="med"/>
+                      <a:tailEnd type="none" w="med" len="med"/>
+                    </a:lnB>
+                  </a:tcPr>
+                </a:tc>
+                <a:tc>
+                  <a:txBody>
+                    <a:bodyPr/>
+                    <a:lstStyle/>
+                    <a:p>
+                      <a:pPr algn="ctr">
+                        <a:lnSpc>
+                          <a:spcPct val="107000"/>
+                        </a:lnSpc>
+                        <a:spcAft>
+                          <a:spcPts val="0"/>
+                        </a:spcAft>
+                      </a:pPr>
+                      <a:r>
+                        <a:rPr lang="ru-RU" sz="1200">
+                          <a:effectLst/>
+                          <a:latin typeface="Times New Roman" panose="02020603050405020304" pitchFamily="18" charset="0"/>
+                          <a:ea typeface="Times New Roman" panose="02020603050405020304" pitchFamily="18" charset="0"/>
+                          <a:cs typeface="Times New Roman" panose="02020603050405020304" pitchFamily="18" charset="0"/>
+                        </a:rPr>
+                        <a:t>Ветеринарный врач ветсанслужбы и ветеринарный врач предприятия </a:t>
+                      </a:r>
+                      <a:endParaRPr lang="en-US" sz="1100">
+                        <a:effectLst/>
+                        <a:latin typeface="Calibri" panose="020F0502020204030204" pitchFamily="34" charset="0"/>
+                        <a:ea typeface="Calibri" panose="020F0502020204030204" pitchFamily="34" charset="0"/>
+                        <a:cs typeface="Times New Roman" panose="02020603050405020304" pitchFamily="18" charset="0"/>
+                      </a:endParaRPr>
+                    </a:p>
+                    <a:p>
+                      <a:pPr>
+                        <a:lnSpc>
+                          <a:spcPct val="107000"/>
+                        </a:lnSpc>
+                        <a:spcAft>
+                          <a:spcPts val="0"/>
+                        </a:spcAft>
+                      </a:pPr>
+                      <a:r>
+                        <a:rPr lang="ru-RU" sz="1200" b="1">
+                          <a:effectLst/>
+                          <a:latin typeface="Times New Roman" panose="02020603050405020304" pitchFamily="18" charset="0"/>
+                          <a:ea typeface="Times New Roman" panose="02020603050405020304" pitchFamily="18" charset="0"/>
+                          <a:cs typeface="Times New Roman" panose="02020603050405020304" pitchFamily="18" charset="0"/>
+                        </a:rPr>
+                        <a:t> </a:t>
+                      </a:r>
+                      <a:endParaRPr lang="en-US" sz="1100">
+                        <a:effectLst/>
+                        <a:latin typeface="Calibri" panose="020F0502020204030204" pitchFamily="34" charset="0"/>
+                        <a:ea typeface="Calibri" panose="020F0502020204030204" pitchFamily="34" charset="0"/>
+                        <a:cs typeface="Times New Roman" panose="02020603050405020304" pitchFamily="18" charset="0"/>
+                      </a:endParaRPr>
+                    </a:p>
+                    <a:p>
+                      <a:pPr algn="ctr">
+                        <a:lnSpc>
+                          <a:spcPct val="107000"/>
+                        </a:lnSpc>
+                        <a:spcAft>
+                          <a:spcPts val="0"/>
+                        </a:spcAft>
+                      </a:pPr>
+                      <a:r>
+                        <a:rPr lang="ru-RU" sz="1200" b="1">
+                          <a:effectLst/>
+                          <a:latin typeface="Times New Roman" panose="02020603050405020304" pitchFamily="18" charset="0"/>
+                          <a:ea typeface="Times New Roman" panose="02020603050405020304" pitchFamily="18" charset="0"/>
+                          <a:cs typeface="Times New Roman" panose="02020603050405020304" pitchFamily="18" charset="0"/>
+                        </a:rPr>
+                        <a:t> </a:t>
+                      </a:r>
+                      <a:endParaRPr lang="en-US" sz="1100">
+                        <a:effectLst/>
+                        <a:latin typeface="Calibri" panose="020F0502020204030204" pitchFamily="34" charset="0"/>
+                        <a:ea typeface="Calibri" panose="020F0502020204030204" pitchFamily="34" charset="0"/>
+                        <a:cs typeface="Times New Roman" panose="02020603050405020304" pitchFamily="18" charset="0"/>
+                      </a:endParaRPr>
+                    </a:p>
+                  </a:txBody>
+                  <a:tcPr marL="66634" marR="66634" marT="0" marB="0">
+                    <a:lnL w="12700" cap="flat" cmpd="sng" algn="ctr">
+                      <a:solidFill>
+                        <a:srgbClr val="000000"/>
+                      </a:solidFill>
+                      <a:prstDash val="solid"/>
+                      <a:round/>
+                      <a:headEnd type="none" w="med" len="med"/>
+                      <a:tailEnd type="none" w="med" len="med"/>
+                    </a:lnL>
+                    <a:lnR w="12700" cap="flat" cmpd="sng" algn="ctr">
+                      <a:solidFill>
+                        <a:srgbClr val="000000"/>
+                      </a:solidFill>
+                      <a:prstDash val="solid"/>
+                      <a:round/>
+                      <a:headEnd type="none" w="med" len="med"/>
+                      <a:tailEnd type="none" w="med" len="med"/>
+                    </a:lnR>
+                    <a:lnT w="12700" cap="flat" cmpd="sng" algn="ctr">
+                      <a:solidFill>
+                        <a:srgbClr val="000000"/>
+                      </a:solidFill>
+                      <a:prstDash val="solid"/>
+                      <a:round/>
+                      <a:headEnd type="none" w="med" len="med"/>
+                      <a:tailEnd type="none" w="med" len="med"/>
+                    </a:lnT>
+                    <a:lnB w="12700" cap="flat" cmpd="sng" algn="ctr">
+                      <a:solidFill>
+                        <a:srgbClr val="000000"/>
+                      </a:solidFill>
+                      <a:prstDash val="solid"/>
+                      <a:round/>
+                      <a:headEnd type="none" w="med" len="med"/>
+                      <a:tailEnd type="none" w="med" len="med"/>
+                    </a:lnB>
+                  </a:tcPr>
+                </a:tc>
+                <a:tc>
+                  <a:txBody>
+                    <a:bodyPr/>
+                    <a:lstStyle/>
+                    <a:p>
+                      <a:pPr>
+                        <a:lnSpc>
+                          <a:spcPct val="107000"/>
+                        </a:lnSpc>
+                        <a:spcAft>
+                          <a:spcPts val="0"/>
+                        </a:spcAft>
+                      </a:pPr>
+                      <a:r>
+                        <a:rPr lang="ru-RU" sz="1200" dirty="0">
+                          <a:effectLst/>
+                          <a:latin typeface="Times New Roman" panose="02020603050405020304" pitchFamily="18" charset="0"/>
+                          <a:ea typeface="Times New Roman" panose="02020603050405020304" pitchFamily="18" charset="0"/>
+                          <a:cs typeface="Times New Roman" panose="02020603050405020304" pitchFamily="18" charset="0"/>
+                        </a:rPr>
+                        <a:t>Журнал учета результатов </a:t>
+                      </a:r>
+                      <a:r>
+                        <a:rPr lang="ru-RU" sz="1200" dirty="0" err="1">
+                          <a:effectLst/>
+                          <a:latin typeface="Times New Roman" panose="02020603050405020304" pitchFamily="18" charset="0"/>
+                          <a:ea typeface="Times New Roman" panose="02020603050405020304" pitchFamily="18" charset="0"/>
+                          <a:cs typeface="Times New Roman" panose="02020603050405020304" pitchFamily="18" charset="0"/>
+                        </a:rPr>
+                        <a:t>ветсанэкспертизы</a:t>
+                      </a:r>
+                      <a:r>
+                        <a:rPr lang="ru-RU" sz="1200" dirty="0">
+                          <a:effectLst/>
+                          <a:latin typeface="Times New Roman" panose="02020603050405020304" pitchFamily="18" charset="0"/>
+                          <a:ea typeface="Times New Roman" panose="02020603050405020304" pitchFamily="18" charset="0"/>
+                          <a:cs typeface="Times New Roman" panose="02020603050405020304" pitchFamily="18" charset="0"/>
+                        </a:rPr>
+                        <a:t> тушек птицы в убойном цехе</a:t>
+                      </a:r>
+                      <a:endParaRPr lang="en-US" sz="1100" dirty="0">
+                        <a:effectLst/>
+                        <a:latin typeface="Calibri" panose="020F0502020204030204" pitchFamily="34" charset="0"/>
+                        <a:ea typeface="Calibri" panose="020F0502020204030204" pitchFamily="34" charset="0"/>
+                        <a:cs typeface="Times New Roman" panose="02020603050405020304" pitchFamily="18" charset="0"/>
+                      </a:endParaRPr>
+                    </a:p>
+                    <a:p>
+                      <a:pPr algn="ctr">
+                        <a:lnSpc>
+                          <a:spcPct val="107000"/>
+                        </a:lnSpc>
+                        <a:spcAft>
+                          <a:spcPts val="0"/>
+                        </a:spcAft>
+                      </a:pPr>
+                      <a:r>
+                        <a:rPr lang="ru-RU" sz="1200" b="1" dirty="0">
+                          <a:effectLst/>
+                          <a:latin typeface="Times New Roman" panose="02020603050405020304" pitchFamily="18" charset="0"/>
+                          <a:ea typeface="Times New Roman" panose="02020603050405020304" pitchFamily="18" charset="0"/>
+                          <a:cs typeface="Times New Roman" panose="02020603050405020304" pitchFamily="18" charset="0"/>
+                        </a:rPr>
+                        <a:t> </a:t>
+                      </a:r>
+                      <a:endParaRPr lang="en-US" sz="1100" dirty="0">
+                        <a:effectLst/>
+                        <a:latin typeface="Calibri" panose="020F0502020204030204" pitchFamily="34" charset="0"/>
+                        <a:ea typeface="Calibri" panose="020F0502020204030204" pitchFamily="34" charset="0"/>
+                        <a:cs typeface="Times New Roman" panose="02020603050405020304" pitchFamily="18" charset="0"/>
+                      </a:endParaRPr>
+                    </a:p>
+                    <a:p>
+                      <a:pPr algn="ctr">
+                        <a:lnSpc>
+                          <a:spcPct val="107000"/>
+                        </a:lnSpc>
+                        <a:spcAft>
+                          <a:spcPts val="0"/>
+                        </a:spcAft>
+                      </a:pPr>
+                      <a:r>
+                        <a:rPr lang="ru-RU" sz="1200" b="1" dirty="0">
+                          <a:effectLst/>
+                          <a:latin typeface="Times New Roman" panose="02020603050405020304" pitchFamily="18" charset="0"/>
+                          <a:ea typeface="Times New Roman" panose="02020603050405020304" pitchFamily="18" charset="0"/>
+                          <a:cs typeface="Times New Roman" panose="02020603050405020304" pitchFamily="18" charset="0"/>
+                        </a:rPr>
+                        <a:t> </a:t>
+                      </a:r>
+                      <a:endParaRPr lang="en-US" sz="1100" dirty="0">
+                        <a:effectLst/>
+                        <a:latin typeface="Calibri" panose="020F0502020204030204" pitchFamily="34" charset="0"/>
+                        <a:ea typeface="Calibri" panose="020F0502020204030204" pitchFamily="34" charset="0"/>
+                        <a:cs typeface="Times New Roman" panose="02020603050405020304" pitchFamily="18" charset="0"/>
+                      </a:endParaRPr>
+                    </a:p>
+                    <a:p>
+                      <a:pPr algn="ctr">
+                        <a:lnSpc>
+                          <a:spcPct val="107000"/>
+                        </a:lnSpc>
+                        <a:spcAft>
+                          <a:spcPts val="0"/>
+                        </a:spcAft>
+                      </a:pPr>
+                      <a:r>
+                        <a:rPr lang="ru-RU" sz="1200" b="1" dirty="0">
+                          <a:effectLst/>
+                          <a:latin typeface="Times New Roman" panose="02020603050405020304" pitchFamily="18" charset="0"/>
+                          <a:ea typeface="Times New Roman" panose="02020603050405020304" pitchFamily="18" charset="0"/>
+                          <a:cs typeface="Times New Roman" panose="02020603050405020304" pitchFamily="18" charset="0"/>
+                        </a:rPr>
+                        <a:t> </a:t>
+                      </a:r>
+                      <a:endParaRPr lang="en-US" sz="1100" dirty="0">
+                        <a:effectLst/>
+                        <a:latin typeface="Calibri" panose="020F0502020204030204" pitchFamily="34" charset="0"/>
+                        <a:ea typeface="Calibri" panose="020F0502020204030204" pitchFamily="34" charset="0"/>
+                        <a:cs typeface="Times New Roman" panose="02020603050405020304" pitchFamily="18" charset="0"/>
+                      </a:endParaRPr>
+                    </a:p>
+                    <a:p>
+                      <a:pPr algn="ctr">
+                        <a:lnSpc>
+                          <a:spcPct val="107000"/>
+                        </a:lnSpc>
+                        <a:spcAft>
+                          <a:spcPts val="0"/>
+                        </a:spcAft>
+                      </a:pPr>
+                      <a:r>
+                        <a:rPr lang="ru-RU" sz="1200" b="1" dirty="0">
+                          <a:effectLst/>
+                          <a:latin typeface="Times New Roman" panose="02020603050405020304" pitchFamily="18" charset="0"/>
+                          <a:ea typeface="Times New Roman" panose="02020603050405020304" pitchFamily="18" charset="0"/>
+                          <a:cs typeface="Times New Roman" panose="02020603050405020304" pitchFamily="18" charset="0"/>
+                        </a:rPr>
+                        <a:t> </a:t>
+                      </a:r>
+                      <a:endParaRPr lang="en-US" sz="1100" dirty="0">
+                        <a:effectLst/>
+                        <a:latin typeface="Calibri" panose="020F0502020204030204" pitchFamily="34" charset="0"/>
+                        <a:ea typeface="Calibri" panose="020F0502020204030204" pitchFamily="34" charset="0"/>
+                        <a:cs typeface="Times New Roman" panose="02020603050405020304" pitchFamily="18" charset="0"/>
+                      </a:endParaRPr>
+                    </a:p>
+                  </a:txBody>
+                  <a:tcPr marL="66634" marR="66634" marT="0" marB="0">
+                    <a:lnL w="12700" cap="flat" cmpd="sng" algn="ctr">
+                      <a:solidFill>
+                        <a:srgbClr val="000000"/>
+                      </a:solidFill>
+                      <a:prstDash val="solid"/>
+                      <a:round/>
+                      <a:headEnd type="none" w="med" len="med"/>
+                      <a:tailEnd type="none" w="med" len="med"/>
+                    </a:lnL>
+                    <a:lnR w="12700" cap="flat" cmpd="sng" algn="ctr">
+                      <a:solidFill>
+                        <a:srgbClr val="000000"/>
+                      </a:solidFill>
+                      <a:prstDash val="solid"/>
+                      <a:round/>
+                      <a:headEnd type="none" w="med" len="med"/>
+                      <a:tailEnd type="none" w="med" len="med"/>
+                    </a:lnR>
+                    <a:lnT w="12700" cap="flat" cmpd="sng" algn="ctr">
+                      <a:solidFill>
+                        <a:srgbClr val="000000"/>
+                      </a:solidFill>
+                      <a:prstDash val="solid"/>
+                      <a:round/>
+                      <a:headEnd type="none" w="med" len="med"/>
+                      <a:tailEnd type="none" w="med" len="med"/>
+                    </a:lnT>
+                    <a:lnB w="12700" cap="flat" cmpd="sng" algn="ctr">
+                      <a:solidFill>
+                        <a:srgbClr val="000000"/>
+                      </a:solidFill>
+                      <a:prstDash val="solid"/>
+                      <a:round/>
+                      <a:headEnd type="none" w="med" len="med"/>
+                      <a:tailEnd type="none" w="med" len="med"/>
+                    </a:lnB>
+                  </a:tcPr>
+                </a:tc>
+                <a:extLst>
+                  <a:ext uri="{0D108BD9-81ED-4DB2-BD59-A6C34878D82A}">
+                    <a16:rowId xmlns:a16="http://schemas.microsoft.com/office/drawing/2014/main" val="3845710745"/>
+                  </a:ext>
+                </a:extLst>
+              </a:tr>
+            </a:tbl>
+          </a:graphicData>
+        </a:graphic>
+      </p:graphicFrame>
+    </p:spTree>
+    <p:extLst>
+      <p:ext uri="{BB962C8B-B14F-4D97-AF65-F5344CB8AC3E}">
+        <p14:creationId xmlns:p14="http://schemas.microsoft.com/office/powerpoint/2010/main" val="816491089"/>
+      </p:ext>
+    </p:extLst>
+  </p:cSld>
+  <p:clrMapOvr>
+    <a:masterClrMapping/>
+  </p:clrMapOvr>
+</p:sld>
+</file>
+
+<file path=ppt/slides/slide8.xml><?xml version="1.0" encoding="utf-8"?>
+<p:sld xmlns:a="http://schemas.openxmlformats.org/drawingml/2006/main" xmlns:r="http://schemas.openxmlformats.org/officeDocument/2006/relationships" xmlns:p="http://schemas.openxmlformats.org/presentationml/2006/main">
+  <p:cSld>
+    <p:spTree>
+      <p:nvGrpSpPr>
+        <p:cNvPr id="1" name=""/>
+        <p:cNvGrpSpPr/>
+        <p:nvPr/>
+      </p:nvGrpSpPr>
+      <p:grpSpPr>
+        <a:xfrm>
+          <a:off x="0" y="0"/>
+          <a:ext cx="0" cy="0"/>
+          <a:chOff x="0" y="0"/>
+          <a:chExt cx="0" cy="0"/>
+        </a:xfrm>
+      </p:grpSpPr>
+      <p:pic>
+        <p:nvPicPr>
+          <p:cNvPr id="3" name="Рисунок 1" descr="http://mypresentation.ru/documents/7307c66927459096377abb8d6a48acb9/img0.jpg"/>
+          <p:cNvPicPr/>
+          <p:nvPr/>
+        </p:nvPicPr>
+        <p:blipFill>
+          <a:blip r:embed="rId2" cstate="print"/>
+          <a:srcRect/>
+          <a:stretch>
+            <a:fillRect/>
+          </a:stretch>
+        </p:blipFill>
+        <p:spPr bwMode="auto">
+          <a:xfrm>
+            <a:off x="2128839" y="0"/>
+            <a:ext cx="8186736" cy="6858000"/>
+          </a:xfrm>
+          <a:prstGeom prst="rect">
+            <a:avLst/>
+          </a:prstGeom>
+          <a:noFill/>
+        </p:spPr>
+      </p:pic>
+    </p:spTree>
+    <p:extLst>
+      <p:ext uri="{BB962C8B-B14F-4D97-AF65-F5344CB8AC3E}">
+        <p14:creationId xmlns:p14="http://schemas.microsoft.com/office/powerpoint/2010/main" val="212688146"/>
       </p:ext>
     </p:extLst>
   </p:cSld>
@@ -9818,7 +9808,7 @@
     </p:spTree>
     <p:extLst>
       <p:ext uri="{BB962C8B-B14F-4D97-AF65-F5344CB8AC3E}">
-        <p14:creationId xmlns:p14="http://schemas.microsoft.com/office/powerpoint/2010/main" val="3587197030"/>
+        <p14:creationId xmlns:p14="http://schemas.microsoft.com/office/powerpoint/2010/main" val="2585305839"/>
       </p:ext>
     </p:extLst>
   </p:cSld>

--- a/Презентация.pptx
+++ b/Презентация.pptx
@@ -13,13 +13,17 @@
     <p:sldId id="270" r:id="rId7"/>
     <p:sldId id="271" r:id="rId8"/>
     <p:sldId id="266" r:id="rId9"/>
-    <p:sldId id="273" r:id="rId10"/>
-    <p:sldId id="262" r:id="rId11"/>
-    <p:sldId id="263" r:id="rId12"/>
-    <p:sldId id="267" r:id="rId13"/>
-    <p:sldId id="268" r:id="rId14"/>
-    <p:sldId id="274" r:id="rId15"/>
-    <p:sldId id="265" r:id="rId16"/>
+    <p:sldId id="277" r:id="rId10"/>
+    <p:sldId id="273" r:id="rId11"/>
+    <p:sldId id="275" r:id="rId12"/>
+    <p:sldId id="276" r:id="rId13"/>
+    <p:sldId id="262" r:id="rId14"/>
+    <p:sldId id="263" r:id="rId15"/>
+    <p:sldId id="267" r:id="rId16"/>
+    <p:sldId id="268" r:id="rId17"/>
+    <p:sldId id="278" r:id="rId18"/>
+    <p:sldId id="274" r:id="rId19"/>
+    <p:sldId id="265" r:id="rId20"/>
   </p:sldIdLst>
   <p:sldSz cx="12192000" cy="6858000"/>
   <p:notesSz cx="6858000" cy="9144000"/>
@@ -3274,6 +3278,318 @@
           <a:chExt cx="0" cy="0"/>
         </a:xfrm>
       </p:grpSpPr>
+      <p:sp>
+        <p:nvSpPr>
+          <p:cNvPr id="2" name="Title 1"/>
+          <p:cNvSpPr>
+            <a:spLocks noGrp="1"/>
+          </p:cNvSpPr>
+          <p:nvPr>
+            <p:ph type="title"/>
+          </p:nvPr>
+        </p:nvSpPr>
+        <p:spPr/>
+        <p:txBody>
+          <a:bodyPr>
+            <a:normAutofit fontScale="90000"/>
+          </a:bodyPr>
+          <a:lstStyle/>
+          <a:p>
+            <a:r>
+              <a:rPr lang="ru-RU" dirty="0"/>
+              <a:t>Ветеринарно-санитарная экспертиза</a:t>
+            </a:r>
+            <a:br>
+              <a:rPr lang="ru-RU" dirty="0"/>
+            </a:br>
+            <a:r>
+              <a:rPr lang="ru-RU" dirty="0"/>
+              <a:t>для пищевой продукции животного происхождения</a:t>
+            </a:r>
+            <a:br>
+              <a:rPr lang="ru-RU" dirty="0"/>
+            </a:br>
+            <a:endParaRPr lang="en-US" dirty="0"/>
+          </a:p>
+        </p:txBody>
+      </p:sp>
+      <p:sp>
+        <p:nvSpPr>
+          <p:cNvPr id="3" name="Content Placeholder 2"/>
+          <p:cNvSpPr>
+            <a:spLocks noGrp="1"/>
+          </p:cNvSpPr>
+          <p:nvPr>
+            <p:ph idx="1"/>
+          </p:nvPr>
+        </p:nvSpPr>
+        <p:spPr/>
+        <p:txBody>
+          <a:bodyPr>
+            <a:normAutofit/>
+          </a:bodyPr>
+          <a:lstStyle/>
+          <a:p>
+            <a:r>
+              <a:rPr lang="ru-RU" dirty="0"/>
+              <a:t>Осуществляют специалисты службы Государственного ветеринарного контроля (ГВС)</a:t>
+            </a:r>
+          </a:p>
+          <a:p>
+            <a:r>
+              <a:rPr lang="ru-RU" dirty="0"/>
+              <a:t> оформляют в электронном виде с 1 января 2016 года</a:t>
+            </a:r>
+          </a:p>
+          <a:p>
+            <a:r>
+              <a:rPr lang="ru-RU" dirty="0"/>
+              <a:t>Здоровье скота и сельскохозяйственной птицы, поставляемых на убой, контролируют по сопроводительным ветеринарным документам установленной формы и путем ветеринарного осмотра их на предприятиях согласно ветеринарно-санитарных правил</a:t>
+            </a:r>
+          </a:p>
+        </p:txBody>
+      </p:sp>
+    </p:spTree>
+    <p:extLst>
+      <p:ext uri="{BB962C8B-B14F-4D97-AF65-F5344CB8AC3E}">
+        <p14:creationId xmlns:p14="http://schemas.microsoft.com/office/powerpoint/2010/main" val="2585305839"/>
+      </p:ext>
+    </p:extLst>
+  </p:cSld>
+  <p:clrMapOvr>
+    <a:masterClrMapping/>
+  </p:clrMapOvr>
+</p:sld>
+</file>
+
+<file path=ppt/slides/slide11.xml><?xml version="1.0" encoding="utf-8"?>
+<p:sld xmlns:a="http://schemas.openxmlformats.org/drawingml/2006/main" xmlns:r="http://schemas.openxmlformats.org/officeDocument/2006/relationships" xmlns:p="http://schemas.openxmlformats.org/presentationml/2006/main">
+  <p:cSld>
+    <p:spTree>
+      <p:nvGrpSpPr>
+        <p:cNvPr id="1" name=""/>
+        <p:cNvGrpSpPr/>
+        <p:nvPr/>
+      </p:nvGrpSpPr>
+      <p:grpSpPr>
+        <a:xfrm>
+          <a:off x="0" y="0"/>
+          <a:ext cx="0" cy="0"/>
+          <a:chOff x="0" y="0"/>
+          <a:chExt cx="0" cy="0"/>
+        </a:xfrm>
+      </p:grpSpPr>
+      <p:sp>
+        <p:nvSpPr>
+          <p:cNvPr id="4" name="Заголовок 1"/>
+          <p:cNvSpPr>
+            <a:spLocks noGrp="1"/>
+          </p:cNvSpPr>
+          <p:nvPr>
+            <p:ph type="title"/>
+          </p:nvPr>
+        </p:nvSpPr>
+        <p:spPr>
+          <a:xfrm>
+            <a:off x="1728787" y="862505"/>
+            <a:ext cx="8229600" cy="1143000"/>
+          </a:xfrm>
+        </p:spPr>
+        <p:txBody>
+          <a:bodyPr/>
+          <a:lstStyle/>
+          <a:p>
+            <a:pPr algn="ctr"/>
+            <a:r>
+              <a:rPr lang="ru-RU" dirty="0"/>
+              <a:t>Прослеживаемость</a:t>
+            </a:r>
+          </a:p>
+        </p:txBody>
+      </p:sp>
+      <p:sp>
+        <p:nvSpPr>
+          <p:cNvPr id="5" name="Объект 2"/>
+          <p:cNvSpPr>
+            <a:spLocks noGrp="1"/>
+          </p:cNvSpPr>
+          <p:nvPr>
+            <p:ph idx="1"/>
+          </p:nvPr>
+        </p:nvSpPr>
+        <p:spPr>
+          <a:xfrm>
+            <a:off x="1728787" y="2084145"/>
+            <a:ext cx="8229600" cy="3918803"/>
+          </a:xfrm>
+        </p:spPr>
+        <p:txBody>
+          <a:bodyPr/>
+          <a:lstStyle/>
+          <a:p>
+            <a:r>
+              <a:rPr lang="ru-RU" dirty="0"/>
+              <a:t>определена как «…возможность проверки наличия составляющих системы обеспечения качества и безопасности» и трактуется, как возможность проследить за использованием, местонахождением и соответствием продукции определенным нормам посредством идентификации </a:t>
+            </a:r>
+          </a:p>
+        </p:txBody>
+      </p:sp>
+    </p:spTree>
+    <p:extLst>
+      <p:ext uri="{BB962C8B-B14F-4D97-AF65-F5344CB8AC3E}">
+        <p14:creationId xmlns:p14="http://schemas.microsoft.com/office/powerpoint/2010/main" val="4266621546"/>
+      </p:ext>
+    </p:extLst>
+  </p:cSld>
+  <p:clrMapOvr>
+    <a:masterClrMapping/>
+  </p:clrMapOvr>
+</p:sld>
+</file>
+
+<file path=ppt/slides/slide12.xml><?xml version="1.0" encoding="utf-8"?>
+<p:sld xmlns:a="http://schemas.openxmlformats.org/drawingml/2006/main" xmlns:r="http://schemas.openxmlformats.org/officeDocument/2006/relationships" xmlns:p="http://schemas.openxmlformats.org/presentationml/2006/main">
+  <p:cSld>
+    <p:spTree>
+      <p:nvGrpSpPr>
+        <p:cNvPr id="1" name=""/>
+        <p:cNvGrpSpPr/>
+        <p:nvPr/>
+      </p:nvGrpSpPr>
+      <p:grpSpPr>
+        <a:xfrm>
+          <a:off x="0" y="0"/>
+          <a:ext cx="0" cy="0"/>
+          <a:chOff x="0" y="0"/>
+          <a:chExt cx="0" cy="0"/>
+        </a:xfrm>
+      </p:grpSpPr>
+      <p:sp>
+        <p:nvSpPr>
+          <p:cNvPr id="4" name="Заголовок 1"/>
+          <p:cNvSpPr>
+            <a:spLocks noGrp="1"/>
+          </p:cNvSpPr>
+          <p:nvPr>
+            <p:ph type="title"/>
+          </p:nvPr>
+        </p:nvSpPr>
+        <p:spPr>
+          <a:xfrm>
+            <a:off x="1471613" y="548180"/>
+            <a:ext cx="8229600" cy="1143000"/>
+          </a:xfrm>
+        </p:spPr>
+        <p:txBody>
+          <a:bodyPr>
+            <a:normAutofit/>
+          </a:bodyPr>
+          <a:lstStyle/>
+          <a:p>
+            <a:pPr algn="ctr"/>
+            <a:r>
+              <a:rPr lang="ru-RU" sz="2800" dirty="0"/>
+              <a:t>Прослеживаемость от поля до прилавка</a:t>
+            </a:r>
+          </a:p>
+        </p:txBody>
+      </p:sp>
+      <p:pic>
+        <p:nvPicPr>
+          <p:cNvPr id="5" name="Picture 2"/>
+          <p:cNvPicPr>
+            <a:picLocks noGrp="1" noChangeAspect="1" noChangeArrowheads="1"/>
+          </p:cNvPicPr>
+          <p:nvPr>
+            <p:ph idx="1"/>
+          </p:nvPr>
+        </p:nvPicPr>
+        <p:blipFill>
+          <a:blip r:embed="rId2">
+            <a:extLst>
+              <a:ext uri="{28A0092B-C50C-407E-A947-70E740481C1C}">
+                <a14:useLocalDpi xmlns:a14="http://schemas.microsoft.com/office/drawing/2010/main" val="0"/>
+              </a:ext>
+            </a:extLst>
+          </a:blip>
+          <a:srcRect/>
+          <a:stretch>
+            <a:fillRect/>
+          </a:stretch>
+        </p:blipFill>
+        <p:spPr bwMode="auto">
+          <a:xfrm>
+            <a:off x="2337549" y="1770063"/>
+            <a:ext cx="6497727" cy="3917950"/>
+          </a:xfrm>
+          <a:prstGeom prst="rect">
+            <a:avLst/>
+          </a:prstGeom>
+          <a:noFill/>
+          <a:ln>
+            <a:noFill/>
+          </a:ln>
+          <a:effectLst/>
+          <a:extLst>
+            <a:ext uri="{909E8E84-426E-40DD-AFC4-6F175D3DCCD1}">
+              <a14:hiddenFill xmlns:a14="http://schemas.microsoft.com/office/drawing/2010/main">
+                <a:solidFill>
+                  <a:schemeClr val="accent1"/>
+                </a:solidFill>
+              </a14:hiddenFill>
+            </a:ext>
+            <a:ext uri="{91240B29-F687-4F45-9708-019B960494DF}">
+              <a14:hiddenLine xmlns:a14="http://schemas.microsoft.com/office/drawing/2010/main" w="9525">
+                <a:solidFill>
+                  <a:schemeClr val="tx1"/>
+                </a:solidFill>
+                <a:miter lim="800000"/>
+                <a:headEnd/>
+                <a:tailEnd/>
+              </a14:hiddenLine>
+            </a:ext>
+            <a:ext uri="{AF507438-7753-43E0-B8FC-AC1667EBCBE1}">
+              <a14:hiddenEffects xmlns:a14="http://schemas.microsoft.com/office/drawing/2010/main">
+                <a:effectLst>
+                  <a:outerShdw dist="35921" dir="2700000" algn="ctr" rotWithShape="0">
+                    <a:schemeClr val="bg2"/>
+                  </a:outerShdw>
+                </a:effectLst>
+              </a14:hiddenEffects>
+            </a:ext>
+          </a:extLst>
+        </p:spPr>
+      </p:pic>
+    </p:spTree>
+    <p:extLst>
+      <p:ext uri="{BB962C8B-B14F-4D97-AF65-F5344CB8AC3E}">
+        <p14:creationId xmlns:p14="http://schemas.microsoft.com/office/powerpoint/2010/main" val="3884469292"/>
+      </p:ext>
+    </p:extLst>
+  </p:cSld>
+  <p:clrMapOvr>
+    <a:masterClrMapping/>
+  </p:clrMapOvr>
+</p:sld>
+</file>
+
+<file path=ppt/slides/slide13.xml><?xml version="1.0" encoding="utf-8"?>
+<p:sld xmlns:a="http://schemas.openxmlformats.org/drawingml/2006/main" xmlns:r="http://schemas.openxmlformats.org/officeDocument/2006/relationships" xmlns:p="http://schemas.openxmlformats.org/presentationml/2006/main">
+  <p:cSld>
+    <p:spTree>
+      <p:nvGrpSpPr>
+        <p:cNvPr id="1" name=""/>
+        <p:cNvGrpSpPr/>
+        <p:nvPr/>
+      </p:nvGrpSpPr>
+      <p:grpSpPr>
+        <a:xfrm>
+          <a:off x="0" y="0"/>
+          <a:ext cx="0" cy="0"/>
+          <a:chOff x="0" y="0"/>
+          <a:chExt cx="0" cy="0"/>
+        </a:xfrm>
+      </p:grpSpPr>
       <p:pic>
         <p:nvPicPr>
           <p:cNvPr id="6" name="Picture 2"/>
@@ -3351,7 +3667,7 @@
 </p:sld>
 </file>
 
-<file path=ppt/slides/slide11.xml><?xml version="1.0" encoding="utf-8"?>
+<file path=ppt/slides/slide14.xml><?xml version="1.0" encoding="utf-8"?>
 <p:sld xmlns:a="http://schemas.openxmlformats.org/drawingml/2006/main" xmlns:r="http://schemas.openxmlformats.org/officeDocument/2006/relationships" xmlns:p="http://schemas.openxmlformats.org/presentationml/2006/main">
   <p:cSld>
     <p:spTree>
@@ -3453,7 +3769,7 @@
 </p:sld>
 </file>
 
-<file path=ppt/slides/slide12.xml><?xml version="1.0" encoding="utf-8"?>
+<file path=ppt/slides/slide15.xml><?xml version="1.0" encoding="utf-8"?>
 <p:sld xmlns:a="http://schemas.openxmlformats.org/drawingml/2006/main" xmlns:r="http://schemas.openxmlformats.org/officeDocument/2006/relationships" xmlns:p="http://schemas.openxmlformats.org/presentationml/2006/main">
   <p:cSld>
     <p:spTree>
@@ -3547,7 +3863,7 @@
 </p:sld>
 </file>
 
-<file path=ppt/slides/slide13.xml><?xml version="1.0" encoding="utf-8"?>
+<file path=ppt/slides/slide16.xml><?xml version="1.0" encoding="utf-8"?>
 <p:sld xmlns:a="http://schemas.openxmlformats.org/drawingml/2006/main" xmlns:r="http://schemas.openxmlformats.org/officeDocument/2006/relationships" xmlns:p="http://schemas.openxmlformats.org/presentationml/2006/main">
   <p:cSld>
     <p:spTree>
@@ -4066,7 +4382,61 @@
 </p:sld>
 </file>
 
-<file path=ppt/slides/slide14.xml><?xml version="1.0" encoding="utf-8"?>
+<file path=ppt/slides/slide17.xml><?xml version="1.0" encoding="utf-8"?>
+<p:sld xmlns:a="http://schemas.openxmlformats.org/drawingml/2006/main" xmlns:r="http://schemas.openxmlformats.org/officeDocument/2006/relationships" xmlns:p="http://schemas.openxmlformats.org/presentationml/2006/main">
+  <p:cSld>
+    <p:spTree>
+      <p:nvGrpSpPr>
+        <p:cNvPr id="1" name=""/>
+        <p:cNvGrpSpPr/>
+        <p:nvPr/>
+      </p:nvGrpSpPr>
+      <p:grpSpPr>
+        <a:xfrm>
+          <a:off x="0" y="0"/>
+          <a:ext cx="0" cy="0"/>
+          <a:chOff x="0" y="0"/>
+          <a:chExt cx="0" cy="0"/>
+        </a:xfrm>
+      </p:grpSpPr>
+      <p:pic>
+        <p:nvPicPr>
+          <p:cNvPr id="4" name="Picture 3"/>
+          <p:cNvPicPr>
+            <a:picLocks noChangeAspect="1"/>
+          </p:cNvPicPr>
+          <p:nvPr/>
+        </p:nvPicPr>
+        <p:blipFill>
+          <a:blip r:embed="rId2"/>
+          <a:stretch>
+            <a:fillRect/>
+          </a:stretch>
+        </p:blipFill>
+        <p:spPr>
+          <a:xfrm>
+            <a:off x="3189668" y="328000"/>
+            <a:ext cx="5054220" cy="6530000"/>
+          </a:xfrm>
+          <a:prstGeom prst="rect">
+            <a:avLst/>
+          </a:prstGeom>
+        </p:spPr>
+      </p:pic>
+    </p:spTree>
+    <p:extLst>
+      <p:ext uri="{BB962C8B-B14F-4D97-AF65-F5344CB8AC3E}">
+        <p14:creationId xmlns:p14="http://schemas.microsoft.com/office/powerpoint/2010/main" val="1543812709"/>
+      </p:ext>
+    </p:extLst>
+  </p:cSld>
+  <p:clrMapOvr>
+    <a:masterClrMapping/>
+  </p:clrMapOvr>
+</p:sld>
+</file>
+
+<file path=ppt/slides/slide18.xml><?xml version="1.0" encoding="utf-8"?>
 <p:sld xmlns:a="http://schemas.openxmlformats.org/drawingml/2006/main" xmlns:r="http://schemas.openxmlformats.org/officeDocument/2006/relationships" xmlns:p="http://schemas.openxmlformats.org/presentationml/2006/main">
   <p:cSld>
     <p:spTree>
@@ -4171,7 +4541,7 @@
 </p:sld>
 </file>
 
-<file path=ppt/slides/slide15.xml><?xml version="1.0" encoding="utf-8"?>
+<file path=ppt/slides/slide19.xml><?xml version="1.0" encoding="utf-8"?>
 <p:sld xmlns:a="http://schemas.openxmlformats.org/drawingml/2006/main" xmlns:r="http://schemas.openxmlformats.org/officeDocument/2006/relationships" xmlns:p="http://schemas.openxmlformats.org/presentationml/2006/main">
   <p:cSld>
     <p:spTree>
@@ -9734,81 +10104,82 @@
           <a:chExt cx="0" cy="0"/>
         </a:xfrm>
       </p:grpSpPr>
-      <p:sp>
-        <p:nvSpPr>
-          <p:cNvPr id="2" name="Title 1"/>
-          <p:cNvSpPr>
-            <a:spLocks noGrp="1"/>
-          </p:cNvSpPr>
-          <p:nvPr>
-            <p:ph type="title"/>
-          </p:nvPr>
-        </p:nvSpPr>
-        <p:spPr/>
-        <p:txBody>
-          <a:bodyPr>
-            <a:normAutofit fontScale="90000"/>
-          </a:bodyPr>
-          <a:lstStyle/>
-          <a:p>
-            <a:r>
-              <a:rPr lang="ru-RU" dirty="0"/>
-              <a:t>Ветеринарно-санитарная экспертиза</a:t>
-            </a:r>
-            <a:br>
-              <a:rPr lang="ru-RU" dirty="0"/>
-            </a:br>
-            <a:r>
-              <a:rPr lang="ru-RU" dirty="0"/>
-              <a:t>для пищевой продукции животного происхождения</a:t>
-            </a:r>
-            <a:br>
-              <a:rPr lang="ru-RU" dirty="0"/>
-            </a:br>
-            <a:endParaRPr lang="en-US" dirty="0"/>
-          </a:p>
-        </p:txBody>
-      </p:sp>
-      <p:sp>
-        <p:nvSpPr>
-          <p:cNvPr id="3" name="Content Placeholder 2"/>
-          <p:cNvSpPr>
-            <a:spLocks noGrp="1"/>
-          </p:cNvSpPr>
-          <p:nvPr>
-            <p:ph idx="1"/>
-          </p:nvPr>
-        </p:nvSpPr>
-        <p:spPr/>
-        <p:txBody>
-          <a:bodyPr>
-            <a:normAutofit/>
-          </a:bodyPr>
-          <a:lstStyle/>
-          <a:p>
-            <a:r>
-              <a:rPr lang="ru-RU" dirty="0"/>
-              <a:t>Осуществляют специалисты службы Государственного ветеринарного контроля (ГВС)</a:t>
-            </a:r>
-          </a:p>
-          <a:p>
-            <a:r>
-              <a:rPr lang="ru-RU" dirty="0"/>
-              <a:t> оформляют в электронном виде с 1 января 2016 года</a:t>
-            </a:r>
-          </a:p>
-          <a:p>
-            <a:r>
-              <a:rPr lang="ru-RU" dirty="0"/>
-              <a:t>Здоровье скота и сельскохозяйственной птицы, поставляемых на убой, контролируют по сопроводительным ветеринарным документам установленной формы и путем ветеринарного осмотра их на предприятиях согласно ветеринарно-санитарных правил</a:t>
-            </a:r>
-          </a:p>
-        </p:txBody>
-      </p:sp>
+      <p:pic>
+        <p:nvPicPr>
+          <p:cNvPr id="5" name="Picture 4"/>
+          <p:cNvPicPr>
+            <a:picLocks noChangeAspect="1"/>
+          </p:cNvPicPr>
+          <p:nvPr/>
+        </p:nvPicPr>
+        <p:blipFill>
+          <a:blip r:embed="rId2"/>
+          <a:stretch>
+            <a:fillRect/>
+          </a:stretch>
+        </p:blipFill>
+        <p:spPr>
+          <a:xfrm>
+            <a:off x="0" y="1000125"/>
+            <a:ext cx="3739530" cy="4881892"/>
+          </a:xfrm>
+          <a:prstGeom prst="rect">
+            <a:avLst/>
+          </a:prstGeom>
+        </p:spPr>
+      </p:pic>
+      <p:pic>
+        <p:nvPicPr>
+          <p:cNvPr id="6" name="Picture 5"/>
+          <p:cNvPicPr>
+            <a:picLocks noChangeAspect="1"/>
+          </p:cNvPicPr>
+          <p:nvPr/>
+        </p:nvPicPr>
+        <p:blipFill>
+          <a:blip r:embed="rId3"/>
+          <a:stretch>
+            <a:fillRect/>
+          </a:stretch>
+        </p:blipFill>
+        <p:spPr>
+          <a:xfrm>
+            <a:off x="3739531" y="1000125"/>
+            <a:ext cx="3793230" cy="4881892"/>
+          </a:xfrm>
+          <a:prstGeom prst="rect">
+            <a:avLst/>
+          </a:prstGeom>
+        </p:spPr>
+      </p:pic>
+      <p:pic>
+        <p:nvPicPr>
+          <p:cNvPr id="7" name="Picture 6"/>
+          <p:cNvPicPr>
+            <a:picLocks noChangeAspect="1"/>
+          </p:cNvPicPr>
+          <p:nvPr/>
+        </p:nvPicPr>
+        <p:blipFill>
+          <a:blip r:embed="rId4"/>
+          <a:stretch>
+            <a:fillRect/>
+          </a:stretch>
+        </p:blipFill>
+        <p:spPr>
+          <a:xfrm>
+            <a:off x="7532761" y="987664"/>
+            <a:ext cx="3768652" cy="4894353"/>
+          </a:xfrm>
+          <a:prstGeom prst="rect">
+            <a:avLst/>
+          </a:prstGeom>
+        </p:spPr>
+      </p:pic>
     </p:spTree>
     <p:extLst>
       <p:ext uri="{BB962C8B-B14F-4D97-AF65-F5344CB8AC3E}">
-        <p14:creationId xmlns:p14="http://schemas.microsoft.com/office/powerpoint/2010/main" val="2585305839"/>
+        <p14:creationId xmlns:p14="http://schemas.microsoft.com/office/powerpoint/2010/main" val="3184002560"/>
       </p:ext>
     </p:extLst>
   </p:cSld>
